--- a/materials/endOfSemseter.pptx
+++ b/materials/endOfSemseter.pptx
@@ -5,7 +5,7 @@
     <p:sldMasterId id="2147483656" r:id="rId1"/>
   </p:sldMasterIdLst>
   <p:notesMasterIdLst>
-    <p:notesMasterId r:id="rId16"/>
+    <p:notesMasterId r:id="rId17"/>
   </p:notesMasterIdLst>
   <p:sldIdLst>
     <p:sldId id="256" r:id="rId2"/>
@@ -14,14 +14,15 @@
     <p:sldId id="303" r:id="rId5"/>
     <p:sldId id="307" r:id="rId6"/>
     <p:sldId id="313" r:id="rId7"/>
-    <p:sldId id="308" r:id="rId8"/>
-    <p:sldId id="310" r:id="rId9"/>
-    <p:sldId id="324" r:id="rId10"/>
-    <p:sldId id="323" r:id="rId11"/>
-    <p:sldId id="318" r:id="rId12"/>
-    <p:sldId id="319" r:id="rId13"/>
-    <p:sldId id="320" r:id="rId14"/>
-    <p:sldId id="306" r:id="rId15"/>
+    <p:sldId id="325" r:id="rId8"/>
+    <p:sldId id="308" r:id="rId9"/>
+    <p:sldId id="310" r:id="rId10"/>
+    <p:sldId id="324" r:id="rId11"/>
+    <p:sldId id="323" r:id="rId12"/>
+    <p:sldId id="318" r:id="rId13"/>
+    <p:sldId id="319" r:id="rId14"/>
+    <p:sldId id="320" r:id="rId15"/>
+    <p:sldId id="306" r:id="rId16"/>
   </p:sldIdLst>
   <p:sldSz cx="9144000" cy="5143500" type="screen16x9"/>
   <p:notesSz cx="6858000" cy="9144000"/>
@@ -873,6 +874,134 @@
     </p:spTree>
     <p:extLst>
       <p:ext uri="{BB962C8B-B14F-4D97-AF65-F5344CB8AC3E}">
+        <p14:creationId xmlns:p14="http://schemas.microsoft.com/office/powerpoint/2010/main" val="3905525616"/>
+      </p:ext>
+    </p:extLst>
+  </p:cSld>
+  <p:clrMapOvr>
+    <a:masterClrMapping/>
+  </p:clrMapOvr>
+</p:notes>
+</file>
+
+<file path=ppt/notesSlides/notesSlide11.xml><?xml version="1.0" encoding="utf-8"?>
+<p:notes xmlns:a="http://schemas.openxmlformats.org/drawingml/2006/main" xmlns:r="http://schemas.openxmlformats.org/officeDocument/2006/relationships" xmlns:p="http://schemas.openxmlformats.org/presentationml/2006/main" showMasterSp="0" showMasterPhAnim="0">
+  <p:cSld>
+    <p:spTree>
+      <p:nvGrpSpPr>
+        <p:cNvPr id="1" name="Shape 85"/>
+        <p:cNvGrpSpPr/>
+        <p:nvPr/>
+      </p:nvGrpSpPr>
+      <p:grpSpPr>
+        <a:xfrm>
+          <a:off x="0" y="0"/>
+          <a:ext cx="0" cy="0"/>
+          <a:chOff x="0" y="0"/>
+          <a:chExt cx="0" cy="0"/>
+        </a:xfrm>
+      </p:grpSpPr>
+      <p:sp>
+        <p:nvSpPr>
+          <p:cNvPr id="86" name="Shape 86"/>
+          <p:cNvSpPr>
+            <a:spLocks noGrp="1" noRot="1" noChangeAspect="1"/>
+          </p:cNvSpPr>
+          <p:nvPr>
+            <p:ph type="sldImg" idx="2"/>
+          </p:nvPr>
+        </p:nvSpPr>
+        <p:spPr>
+          <a:xfrm>
+            <a:off x="381000" y="685800"/>
+            <a:ext cx="6096000" cy="3429000"/>
+          </a:xfrm>
+          <a:custGeom>
+            <a:avLst/>
+            <a:gdLst/>
+            <a:ahLst/>
+            <a:cxnLst/>
+            <a:rect l="0" t="0" r="0" b="0"/>
+            <a:pathLst>
+              <a:path w="120000" h="120000" extrusionOk="0">
+                <a:moveTo>
+                  <a:pt x="0" y="0"/>
+                </a:moveTo>
+                <a:lnTo>
+                  <a:pt x="120000" y="0"/>
+                </a:lnTo>
+                <a:lnTo>
+                  <a:pt x="120000" y="120000"/>
+                </a:lnTo>
+                <a:lnTo>
+                  <a:pt x="0" y="120000"/>
+                </a:lnTo>
+                <a:close/>
+              </a:path>
+            </a:pathLst>
+          </a:custGeom>
+          <a:noFill/>
+          <a:ln w="9525" cap="flat" cmpd="sng">
+            <a:solidFill>
+              <a:srgbClr val="000000"/>
+            </a:solidFill>
+            <a:prstDash val="solid"/>
+            <a:round/>
+            <a:headEnd type="none" w="med" len="med"/>
+            <a:tailEnd type="none" w="med" len="med"/>
+          </a:ln>
+        </p:spPr>
+      </p:sp>
+      <p:sp>
+        <p:nvSpPr>
+          <p:cNvPr id="87" name="Shape 87"/>
+          <p:cNvSpPr txBox="1">
+            <a:spLocks noGrp="1"/>
+          </p:cNvSpPr>
+          <p:nvPr>
+            <p:ph type="body" idx="1"/>
+          </p:nvPr>
+        </p:nvSpPr>
+        <p:spPr>
+          <a:xfrm>
+            <a:off x="685800" y="4343400"/>
+            <a:ext cx="5486400" cy="4114800"/>
+          </a:xfrm>
+          <a:prstGeom prst="rect">
+            <a:avLst/>
+          </a:prstGeom>
+          <a:noFill/>
+          <a:ln>
+            <a:noFill/>
+          </a:ln>
+        </p:spPr>
+        <p:txBody>
+          <a:bodyPr wrap="square" lIns="91425" tIns="91425" rIns="91425" bIns="91425" anchor="t" anchorCtr="0">
+            <a:noAutofit/>
+          </a:bodyPr>
+          <a:lstStyle/>
+          <a:p>
+            <a:pPr lvl="0" indent="-88899" rtl="0">
+              <a:spcBef>
+                <a:spcPts val="0"/>
+              </a:spcBef>
+              <a:buClr>
+                <a:schemeClr val="dk1"/>
+              </a:buClr>
+              <a:buSzPts val="1400"/>
+              <a:buFont typeface="Arial"/>
+              <a:buNone/>
+            </a:pPr>
+            <a:r>
+              <a:rPr lang="iw-IL"/>
+              <a:t>We would like to take the time in this meeting and go through Servi mobile and web application as well as discuss go to market strategies development and business milestones and other financial aspects. If you have any more topics you would like to raise feel free to do so.</a:t>
+            </a:r>
+          </a:p>
+        </p:txBody>
+      </p:sp>
+    </p:spTree>
+    <p:extLst>
+      <p:ext uri="{BB962C8B-B14F-4D97-AF65-F5344CB8AC3E}">
         <p14:creationId xmlns:p14="http://schemas.microsoft.com/office/powerpoint/2010/main" val="40526359"/>
       </p:ext>
     </p:extLst>
@@ -883,7 +1012,7 @@
 </p:notes>
 </file>
 
-<file path=ppt/notesSlides/notesSlide11.xml><?xml version="1.0" encoding="utf-8"?>
+<file path=ppt/notesSlides/notesSlide12.xml><?xml version="1.0" encoding="utf-8"?>
 <p:notes xmlns:a="http://schemas.openxmlformats.org/drawingml/2006/main" xmlns:r="http://schemas.openxmlformats.org/officeDocument/2006/relationships" xmlns:p="http://schemas.openxmlformats.org/presentationml/2006/main" showMasterSp="0" showMasterPhAnim="0">
   <p:cSld>
     <p:spTree>
@@ -1011,7 +1140,7 @@
 </p:notes>
 </file>
 
-<file path=ppt/notesSlides/notesSlide12.xml><?xml version="1.0" encoding="utf-8"?>
+<file path=ppt/notesSlides/notesSlide13.xml><?xml version="1.0" encoding="utf-8"?>
 <p:notes xmlns:a="http://schemas.openxmlformats.org/drawingml/2006/main" xmlns:r="http://schemas.openxmlformats.org/officeDocument/2006/relationships" xmlns:p="http://schemas.openxmlformats.org/presentationml/2006/main" showMasterSp="0" showMasterPhAnim="0">
   <p:cSld>
     <p:spTree>
@@ -1665,6 +1794,134 @@
   <p:cSld>
     <p:spTree>
       <p:nvGrpSpPr>
+        <p:cNvPr id="1" name="Shape 85"/>
+        <p:cNvGrpSpPr/>
+        <p:nvPr/>
+      </p:nvGrpSpPr>
+      <p:grpSpPr>
+        <a:xfrm>
+          <a:off x="0" y="0"/>
+          <a:ext cx="0" cy="0"/>
+          <a:chOff x="0" y="0"/>
+          <a:chExt cx="0" cy="0"/>
+        </a:xfrm>
+      </p:grpSpPr>
+      <p:sp>
+        <p:nvSpPr>
+          <p:cNvPr id="86" name="Shape 86"/>
+          <p:cNvSpPr>
+            <a:spLocks noGrp="1" noRot="1" noChangeAspect="1"/>
+          </p:cNvSpPr>
+          <p:nvPr>
+            <p:ph type="sldImg" idx="2"/>
+          </p:nvPr>
+        </p:nvSpPr>
+        <p:spPr>
+          <a:xfrm>
+            <a:off x="381000" y="685800"/>
+            <a:ext cx="6096000" cy="3429000"/>
+          </a:xfrm>
+          <a:custGeom>
+            <a:avLst/>
+            <a:gdLst/>
+            <a:ahLst/>
+            <a:cxnLst/>
+            <a:rect l="0" t="0" r="0" b="0"/>
+            <a:pathLst>
+              <a:path w="120000" h="120000" extrusionOk="0">
+                <a:moveTo>
+                  <a:pt x="0" y="0"/>
+                </a:moveTo>
+                <a:lnTo>
+                  <a:pt x="120000" y="0"/>
+                </a:lnTo>
+                <a:lnTo>
+                  <a:pt x="120000" y="120000"/>
+                </a:lnTo>
+                <a:lnTo>
+                  <a:pt x="0" y="120000"/>
+                </a:lnTo>
+                <a:close/>
+              </a:path>
+            </a:pathLst>
+          </a:custGeom>
+          <a:noFill/>
+          <a:ln w="9525" cap="flat" cmpd="sng">
+            <a:solidFill>
+              <a:srgbClr val="000000"/>
+            </a:solidFill>
+            <a:prstDash val="solid"/>
+            <a:round/>
+            <a:headEnd type="none" w="med" len="med"/>
+            <a:tailEnd type="none" w="med" len="med"/>
+          </a:ln>
+        </p:spPr>
+      </p:sp>
+      <p:sp>
+        <p:nvSpPr>
+          <p:cNvPr id="87" name="Shape 87"/>
+          <p:cNvSpPr txBox="1">
+            <a:spLocks noGrp="1"/>
+          </p:cNvSpPr>
+          <p:nvPr>
+            <p:ph type="body" idx="1"/>
+          </p:nvPr>
+        </p:nvSpPr>
+        <p:spPr>
+          <a:xfrm>
+            <a:off x="685800" y="4343400"/>
+            <a:ext cx="5486400" cy="4114800"/>
+          </a:xfrm>
+          <a:prstGeom prst="rect">
+            <a:avLst/>
+          </a:prstGeom>
+          <a:noFill/>
+          <a:ln>
+            <a:noFill/>
+          </a:ln>
+        </p:spPr>
+        <p:txBody>
+          <a:bodyPr wrap="square" lIns="91425" tIns="91425" rIns="91425" bIns="91425" anchor="t" anchorCtr="0">
+            <a:noAutofit/>
+          </a:bodyPr>
+          <a:lstStyle/>
+          <a:p>
+            <a:pPr lvl="0" indent="-88899" rtl="0">
+              <a:spcBef>
+                <a:spcPts val="0"/>
+              </a:spcBef>
+              <a:buClr>
+                <a:schemeClr val="dk1"/>
+              </a:buClr>
+              <a:buSzPts val="1400"/>
+              <a:buFont typeface="Arial"/>
+              <a:buNone/>
+            </a:pPr>
+            <a:r>
+              <a:rPr lang="iw-IL"/>
+              <a:t>We would like to take the time in this meeting and go through Servi mobile and web application as well as discuss go to market strategies development and business milestones and other financial aspects. If you have any more topics you would like to raise feel free to do so.</a:t>
+            </a:r>
+          </a:p>
+        </p:txBody>
+      </p:sp>
+    </p:spTree>
+    <p:extLst>
+      <p:ext uri="{BB962C8B-B14F-4D97-AF65-F5344CB8AC3E}">
+        <p14:creationId xmlns:p14="http://schemas.microsoft.com/office/powerpoint/2010/main" val="4074563271"/>
+      </p:ext>
+    </p:extLst>
+  </p:cSld>
+  <p:clrMapOvr>
+    <a:masterClrMapping/>
+  </p:clrMapOvr>
+</p:notes>
+</file>
+
+<file path=ppt/notesSlides/notesSlide7.xml><?xml version="1.0" encoding="utf-8"?>
+<p:notes xmlns:a="http://schemas.openxmlformats.org/drawingml/2006/main" xmlns:r="http://schemas.openxmlformats.org/officeDocument/2006/relationships" xmlns:p="http://schemas.openxmlformats.org/presentationml/2006/main" showMasterSp="0" showMasterPhAnim="0">
+  <p:cSld>
+    <p:spTree>
+      <p:nvGrpSpPr>
         <p:cNvPr id="1" name="Shape 589"/>
         <p:cNvGrpSpPr/>
         <p:nvPr/>
@@ -1793,7 +2050,7 @@
 </p:notes>
 </file>
 
-<file path=ppt/notesSlides/notesSlide7.xml><?xml version="1.0" encoding="utf-8"?>
+<file path=ppt/notesSlides/notesSlide8.xml><?xml version="1.0" encoding="utf-8"?>
 <p:notes xmlns:a="http://schemas.openxmlformats.org/drawingml/2006/main" xmlns:r="http://schemas.openxmlformats.org/officeDocument/2006/relationships" xmlns:p="http://schemas.openxmlformats.org/presentationml/2006/main" showMasterSp="0" showMasterPhAnim="0">
   <p:cSld>
     <p:spTree>
@@ -1926,7 +2183,7 @@
 </p:notes>
 </file>
 
-<file path=ppt/notesSlides/notesSlide8.xml><?xml version="1.0" encoding="utf-8"?>
+<file path=ppt/notesSlides/notesSlide9.xml><?xml version="1.0" encoding="utf-8"?>
 <p:notes xmlns:a="http://schemas.openxmlformats.org/drawingml/2006/main" xmlns:r="http://schemas.openxmlformats.org/officeDocument/2006/relationships" xmlns:p="http://schemas.openxmlformats.org/presentationml/2006/main" showMasterSp="0" showMasterPhAnim="0">
   <p:cSld>
     <p:spTree>
@@ -2045,134 +2302,6 @@
     <p:extLst>
       <p:ext uri="{BB962C8B-B14F-4D97-AF65-F5344CB8AC3E}">
         <p14:creationId xmlns:p14="http://schemas.microsoft.com/office/powerpoint/2010/main" val="3371188739"/>
-      </p:ext>
-    </p:extLst>
-  </p:cSld>
-  <p:clrMapOvr>
-    <a:masterClrMapping/>
-  </p:clrMapOvr>
-</p:notes>
-</file>
-
-<file path=ppt/notesSlides/notesSlide9.xml><?xml version="1.0" encoding="utf-8"?>
-<p:notes xmlns:a="http://schemas.openxmlformats.org/drawingml/2006/main" xmlns:r="http://schemas.openxmlformats.org/officeDocument/2006/relationships" xmlns:p="http://schemas.openxmlformats.org/presentationml/2006/main" showMasterSp="0" showMasterPhAnim="0">
-  <p:cSld>
-    <p:spTree>
-      <p:nvGrpSpPr>
-        <p:cNvPr id="1" name="Shape 85"/>
-        <p:cNvGrpSpPr/>
-        <p:nvPr/>
-      </p:nvGrpSpPr>
-      <p:grpSpPr>
-        <a:xfrm>
-          <a:off x="0" y="0"/>
-          <a:ext cx="0" cy="0"/>
-          <a:chOff x="0" y="0"/>
-          <a:chExt cx="0" cy="0"/>
-        </a:xfrm>
-      </p:grpSpPr>
-      <p:sp>
-        <p:nvSpPr>
-          <p:cNvPr id="86" name="Shape 86"/>
-          <p:cNvSpPr>
-            <a:spLocks noGrp="1" noRot="1" noChangeAspect="1"/>
-          </p:cNvSpPr>
-          <p:nvPr>
-            <p:ph type="sldImg" idx="2"/>
-          </p:nvPr>
-        </p:nvSpPr>
-        <p:spPr>
-          <a:xfrm>
-            <a:off x="381000" y="685800"/>
-            <a:ext cx="6096000" cy="3429000"/>
-          </a:xfrm>
-          <a:custGeom>
-            <a:avLst/>
-            <a:gdLst/>
-            <a:ahLst/>
-            <a:cxnLst/>
-            <a:rect l="0" t="0" r="0" b="0"/>
-            <a:pathLst>
-              <a:path w="120000" h="120000" extrusionOk="0">
-                <a:moveTo>
-                  <a:pt x="0" y="0"/>
-                </a:moveTo>
-                <a:lnTo>
-                  <a:pt x="120000" y="0"/>
-                </a:lnTo>
-                <a:lnTo>
-                  <a:pt x="120000" y="120000"/>
-                </a:lnTo>
-                <a:lnTo>
-                  <a:pt x="0" y="120000"/>
-                </a:lnTo>
-                <a:close/>
-              </a:path>
-            </a:pathLst>
-          </a:custGeom>
-          <a:noFill/>
-          <a:ln w="9525" cap="flat" cmpd="sng">
-            <a:solidFill>
-              <a:srgbClr val="000000"/>
-            </a:solidFill>
-            <a:prstDash val="solid"/>
-            <a:round/>
-            <a:headEnd type="none" w="med" len="med"/>
-            <a:tailEnd type="none" w="med" len="med"/>
-          </a:ln>
-        </p:spPr>
-      </p:sp>
-      <p:sp>
-        <p:nvSpPr>
-          <p:cNvPr id="87" name="Shape 87"/>
-          <p:cNvSpPr txBox="1">
-            <a:spLocks noGrp="1"/>
-          </p:cNvSpPr>
-          <p:nvPr>
-            <p:ph type="body" idx="1"/>
-          </p:nvPr>
-        </p:nvSpPr>
-        <p:spPr>
-          <a:xfrm>
-            <a:off x="685800" y="4343400"/>
-            <a:ext cx="5486400" cy="4114800"/>
-          </a:xfrm>
-          <a:prstGeom prst="rect">
-            <a:avLst/>
-          </a:prstGeom>
-          <a:noFill/>
-          <a:ln>
-            <a:noFill/>
-          </a:ln>
-        </p:spPr>
-        <p:txBody>
-          <a:bodyPr wrap="square" lIns="91425" tIns="91425" rIns="91425" bIns="91425" anchor="t" anchorCtr="0">
-            <a:noAutofit/>
-          </a:bodyPr>
-          <a:lstStyle/>
-          <a:p>
-            <a:pPr lvl="0" indent="-88899" rtl="0">
-              <a:spcBef>
-                <a:spcPts val="0"/>
-              </a:spcBef>
-              <a:buClr>
-                <a:schemeClr val="dk1"/>
-              </a:buClr>
-              <a:buSzPts val="1400"/>
-              <a:buFont typeface="Arial"/>
-              <a:buNone/>
-            </a:pPr>
-            <a:r>
-              <a:rPr lang="iw-IL"/>
-              <a:t>We would like to take the time in this meeting and go through Servi mobile and web application as well as discuss go to market strategies development and business milestones and other financial aspects. If you have any more topics you would like to raise feel free to do so.</a:t>
-            </a:r>
-          </a:p>
-        </p:txBody>
-      </p:sp>
-    </p:spTree>
-    <p:extLst>
-      <p:ext uri="{BB962C8B-B14F-4D97-AF65-F5344CB8AC3E}">
-        <p14:creationId xmlns:p14="http://schemas.microsoft.com/office/powerpoint/2010/main" val="3905525616"/>
       </p:ext>
     </p:extLst>
   </p:cSld>
@@ -6503,6 +6632,1646 @@
         </p:nvSpPr>
         <p:spPr>
           <a:xfrm>
+            <a:off x="791373" y="1739992"/>
+            <a:ext cx="6866100" cy="857400"/>
+          </a:xfrm>
+          <a:prstGeom prst="rect">
+            <a:avLst/>
+          </a:prstGeom>
+          <a:noFill/>
+          <a:ln>
+            <a:noFill/>
+          </a:ln>
+        </p:spPr>
+        <p:txBody>
+          <a:bodyPr wrap="square" lIns="91425" tIns="91425" rIns="91425" bIns="91425" anchor="t" anchorCtr="0">
+            <a:noAutofit/>
+          </a:bodyPr>
+          <a:lstStyle/>
+          <a:p>
+            <a:pPr lvl="0" indent="-279400">
+              <a:buSzPts val="4400"/>
+            </a:pPr>
+            <a:r>
+              <a:rPr lang="en-US" sz="4400" dirty="0"/>
+              <a:t>Testing &amp;</a:t>
+            </a:r>
+            <a:br>
+              <a:rPr lang="en-US" sz="4400" dirty="0"/>
+            </a:br>
+            <a:r>
+              <a:rPr lang="en-US" sz="4400" dirty="0">
+                <a:solidFill>
+                  <a:srgbClr val="FFB600"/>
+                </a:solidFill>
+              </a:rPr>
+              <a:t>Evaluation</a:t>
+            </a:r>
+            <a:br>
+              <a:rPr lang="en-US" sz="4400" dirty="0"/>
+            </a:br>
+            <a:endParaRPr lang="iw-IL" sz="2800" b="0" i="0" u="none" strike="noStrike" cap="none" dirty="0">
+              <a:solidFill>
+                <a:srgbClr val="434343"/>
+              </a:solidFill>
+              <a:latin typeface="Raleway Light" panose="020B0403030101060003" pitchFamily="34" charset="0"/>
+              <a:sym typeface="Raleway ExtraBold"/>
+            </a:endParaRPr>
+          </a:p>
+        </p:txBody>
+      </p:sp>
+      <p:sp>
+        <p:nvSpPr>
+          <p:cNvPr id="91" name="Shape 91"/>
+          <p:cNvSpPr txBox="1">
+            <a:spLocks noGrp="1"/>
+          </p:cNvSpPr>
+          <p:nvPr>
+            <p:ph type="sldNum" idx="12"/>
+          </p:nvPr>
+        </p:nvSpPr>
+        <p:spPr>
+          <a:xfrm>
+            <a:off x="8604400" y="4590300"/>
+            <a:ext cx="539700" cy="553200"/>
+          </a:xfrm>
+          <a:prstGeom prst="rect">
+            <a:avLst/>
+          </a:prstGeom>
+          <a:noFill/>
+          <a:ln>
+            <a:noFill/>
+          </a:ln>
+        </p:spPr>
+        <p:txBody>
+          <a:bodyPr wrap="square" lIns="91425" tIns="91425" rIns="91425" bIns="91425" anchor="ctr" anchorCtr="0">
+            <a:noAutofit/>
+          </a:bodyPr>
+          <a:lstStyle/>
+          <a:p>
+            <a:pPr marL="0" marR="0" lvl="0" indent="-88900" algn="l" rtl="0">
+              <a:lnSpc>
+                <a:spcPct val="100000"/>
+              </a:lnSpc>
+              <a:spcBef>
+                <a:spcPts val="0"/>
+              </a:spcBef>
+              <a:spcAft>
+                <a:spcPts val="0"/>
+              </a:spcAft>
+              <a:buClr>
+                <a:srgbClr val="000000"/>
+              </a:buClr>
+              <a:buSzPts val="1400"/>
+              <a:buFont typeface="Arial"/>
+              <a:buNone/>
+            </a:pPr>
+            <a:fld id="{00000000-1234-1234-1234-123412341234}" type="slidenum">
+              <a:rPr lang="iw-IL" sz="1400" b="0" i="0" u="none" strike="noStrike" cap="none">
+                <a:solidFill>
+                  <a:srgbClr val="000000"/>
+                </a:solidFill>
+                <a:latin typeface="Arial"/>
+                <a:ea typeface="Arial"/>
+                <a:cs typeface="Arial"/>
+                <a:sym typeface="Arial"/>
+              </a:rPr>
+              <a:t>10</a:t>
+            </a:fld>
+            <a:endParaRPr lang="iw-IL" sz="1400" b="0" i="0" u="none" strike="noStrike" cap="none">
+              <a:solidFill>
+                <a:srgbClr val="000000"/>
+              </a:solidFill>
+              <a:latin typeface="Arial"/>
+              <a:ea typeface="Arial"/>
+              <a:cs typeface="Arial"/>
+              <a:sym typeface="Arial"/>
+            </a:endParaRPr>
+          </a:p>
+        </p:txBody>
+      </p:sp>
+      <p:grpSp>
+        <p:nvGrpSpPr>
+          <p:cNvPr id="92" name="Shape 92"/>
+          <p:cNvGrpSpPr/>
+          <p:nvPr/>
+        </p:nvGrpSpPr>
+        <p:grpSpPr>
+          <a:xfrm>
+            <a:off x="8119638" y="225980"/>
+            <a:ext cx="539546" cy="879605"/>
+            <a:chOff x="6730350" y="2315900"/>
+            <a:chExt cx="257700" cy="420100"/>
+          </a:xfrm>
+        </p:grpSpPr>
+        <p:sp>
+          <p:nvSpPr>
+            <p:cNvPr id="93" name="Shape 93"/>
+            <p:cNvSpPr/>
+            <p:nvPr/>
+          </p:nvSpPr>
+          <p:spPr>
+            <a:xfrm>
+              <a:off x="6807900" y="2671250"/>
+              <a:ext cx="102600" cy="22625"/>
+            </a:xfrm>
+            <a:custGeom>
+              <a:avLst/>
+              <a:gdLst/>
+              <a:ahLst/>
+              <a:cxnLst/>
+              <a:rect l="0" t="0" r="0" b="0"/>
+              <a:pathLst>
+                <a:path w="120000" h="120000" extrusionOk="0">
+                  <a:moveTo>
+                    <a:pt x="29" y="132"/>
+                  </a:moveTo>
+                  <a:lnTo>
+                    <a:pt x="29" y="120000"/>
+                  </a:lnTo>
+                  <a:lnTo>
+                    <a:pt x="120000" y="120000"/>
+                  </a:lnTo>
+                  <a:lnTo>
+                    <a:pt x="120000" y="132"/>
+                  </a:lnTo>
+                  <a:close/>
+                </a:path>
+              </a:pathLst>
+            </a:custGeom>
+            <a:solidFill>
+              <a:srgbClr val="FFB600"/>
+            </a:solidFill>
+            <a:ln>
+              <a:noFill/>
+            </a:ln>
+          </p:spPr>
+          <p:txBody>
+            <a:bodyPr wrap="square" lIns="91425" tIns="91425" rIns="91425" bIns="91425" anchor="ctr" anchorCtr="0">
+              <a:noAutofit/>
+            </a:bodyPr>
+            <a:lstStyle/>
+            <a:p>
+              <a:pPr marL="0" marR="0" lvl="0" indent="-88900" algn="l" rtl="0">
+                <a:lnSpc>
+                  <a:spcPct val="100000"/>
+                </a:lnSpc>
+                <a:spcBef>
+                  <a:spcPts val="0"/>
+                </a:spcBef>
+                <a:spcAft>
+                  <a:spcPts val="0"/>
+                </a:spcAft>
+                <a:buClr>
+                  <a:srgbClr val="000000"/>
+                </a:buClr>
+                <a:buSzPts val="1400"/>
+                <a:buFont typeface="Arial"/>
+                <a:buNone/>
+              </a:pPr>
+              <a:endParaRPr sz="1400" b="0" i="0" u="none" strike="noStrike" cap="none">
+                <a:solidFill>
+                  <a:srgbClr val="000000"/>
+                </a:solidFill>
+                <a:latin typeface="Arial"/>
+                <a:ea typeface="Arial"/>
+                <a:cs typeface="Arial"/>
+                <a:sym typeface="Arial"/>
+              </a:endParaRPr>
+            </a:p>
+          </p:txBody>
+        </p:sp>
+        <p:sp>
+          <p:nvSpPr>
+            <p:cNvPr id="94" name="Shape 94"/>
+            <p:cNvSpPr/>
+            <p:nvPr/>
+          </p:nvSpPr>
+          <p:spPr>
+            <a:xfrm>
+              <a:off x="6807900" y="2636450"/>
+              <a:ext cx="102600" cy="22625"/>
+            </a:xfrm>
+            <a:custGeom>
+              <a:avLst/>
+              <a:gdLst/>
+              <a:ahLst/>
+              <a:cxnLst/>
+              <a:rect l="0" t="0" r="0" b="0"/>
+              <a:pathLst>
+                <a:path w="120000" h="120000" extrusionOk="0">
+                  <a:moveTo>
+                    <a:pt x="29" y="132"/>
+                  </a:moveTo>
+                  <a:lnTo>
+                    <a:pt x="29" y="120000"/>
+                  </a:lnTo>
+                  <a:lnTo>
+                    <a:pt x="120000" y="120000"/>
+                  </a:lnTo>
+                  <a:lnTo>
+                    <a:pt x="120000" y="132"/>
+                  </a:lnTo>
+                  <a:close/>
+                </a:path>
+              </a:pathLst>
+            </a:custGeom>
+            <a:solidFill>
+              <a:srgbClr val="FFB600"/>
+            </a:solidFill>
+            <a:ln>
+              <a:noFill/>
+            </a:ln>
+          </p:spPr>
+          <p:txBody>
+            <a:bodyPr wrap="square" lIns="91425" tIns="91425" rIns="91425" bIns="91425" anchor="ctr" anchorCtr="0">
+              <a:noAutofit/>
+            </a:bodyPr>
+            <a:lstStyle/>
+            <a:p>
+              <a:pPr marL="0" marR="0" lvl="0" indent="-88900" algn="l" rtl="0">
+                <a:lnSpc>
+                  <a:spcPct val="100000"/>
+                </a:lnSpc>
+                <a:spcBef>
+                  <a:spcPts val="0"/>
+                </a:spcBef>
+                <a:spcAft>
+                  <a:spcPts val="0"/>
+                </a:spcAft>
+                <a:buClr>
+                  <a:srgbClr val="000000"/>
+                </a:buClr>
+                <a:buSzPts val="1400"/>
+                <a:buFont typeface="Arial"/>
+                <a:buNone/>
+              </a:pPr>
+              <a:endParaRPr sz="1400" b="0" i="0" u="none" strike="noStrike" cap="none">
+                <a:solidFill>
+                  <a:srgbClr val="000000"/>
+                </a:solidFill>
+                <a:latin typeface="Arial"/>
+                <a:ea typeface="Arial"/>
+                <a:cs typeface="Arial"/>
+                <a:sym typeface="Arial"/>
+              </a:endParaRPr>
+            </a:p>
+          </p:txBody>
+        </p:sp>
+        <p:sp>
+          <p:nvSpPr>
+            <p:cNvPr id="95" name="Shape 95"/>
+            <p:cNvSpPr/>
+            <p:nvPr/>
+          </p:nvSpPr>
+          <p:spPr>
+            <a:xfrm>
+              <a:off x="6807900" y="2706075"/>
+              <a:ext cx="102600" cy="29925"/>
+            </a:xfrm>
+            <a:custGeom>
+              <a:avLst/>
+              <a:gdLst/>
+              <a:ahLst/>
+              <a:cxnLst/>
+              <a:rect l="0" t="0" r="0" b="0"/>
+              <a:pathLst>
+                <a:path w="120000" h="120000" extrusionOk="0">
+                  <a:moveTo>
+                    <a:pt x="29" y="0"/>
+                  </a:moveTo>
+                  <a:lnTo>
+                    <a:pt x="29" y="17142"/>
+                  </a:lnTo>
+                  <a:lnTo>
+                    <a:pt x="730" y="31879"/>
+                  </a:lnTo>
+                  <a:lnTo>
+                    <a:pt x="2865" y="46516"/>
+                  </a:lnTo>
+                  <a:lnTo>
+                    <a:pt x="5730" y="58746"/>
+                  </a:lnTo>
+                  <a:lnTo>
+                    <a:pt x="10029" y="66165"/>
+                  </a:lnTo>
+                  <a:lnTo>
+                    <a:pt x="55000" y="117493"/>
+                  </a:lnTo>
+                  <a:lnTo>
+                    <a:pt x="60000" y="120000"/>
+                  </a:lnTo>
+                  <a:lnTo>
+                    <a:pt x="65000" y="117493"/>
+                  </a:lnTo>
+                  <a:lnTo>
+                    <a:pt x="110000" y="66165"/>
+                  </a:lnTo>
+                  <a:lnTo>
+                    <a:pt x="114269" y="58746"/>
+                  </a:lnTo>
+                  <a:lnTo>
+                    <a:pt x="117134" y="46516"/>
+                  </a:lnTo>
+                  <a:lnTo>
+                    <a:pt x="119269" y="31879"/>
+                  </a:lnTo>
+                  <a:lnTo>
+                    <a:pt x="120000" y="17142"/>
+                  </a:lnTo>
+                  <a:lnTo>
+                    <a:pt x="120000" y="0"/>
+                  </a:lnTo>
+                  <a:close/>
+                </a:path>
+              </a:pathLst>
+            </a:custGeom>
+            <a:solidFill>
+              <a:srgbClr val="FFB600"/>
+            </a:solidFill>
+            <a:ln>
+              <a:noFill/>
+            </a:ln>
+          </p:spPr>
+          <p:txBody>
+            <a:bodyPr wrap="square" lIns="91425" tIns="91425" rIns="91425" bIns="91425" anchor="ctr" anchorCtr="0">
+              <a:noAutofit/>
+            </a:bodyPr>
+            <a:lstStyle/>
+            <a:p>
+              <a:pPr marL="0" marR="0" lvl="0" indent="-88900" algn="l" rtl="0">
+                <a:lnSpc>
+                  <a:spcPct val="100000"/>
+                </a:lnSpc>
+                <a:spcBef>
+                  <a:spcPts val="0"/>
+                </a:spcBef>
+                <a:spcAft>
+                  <a:spcPts val="0"/>
+                </a:spcAft>
+                <a:buClr>
+                  <a:srgbClr val="000000"/>
+                </a:buClr>
+                <a:buSzPts val="1400"/>
+                <a:buFont typeface="Arial"/>
+                <a:buNone/>
+              </a:pPr>
+              <a:endParaRPr sz="1400" b="0" i="0" u="none" strike="noStrike" cap="none">
+                <a:solidFill>
+                  <a:srgbClr val="000000"/>
+                </a:solidFill>
+                <a:latin typeface="Arial"/>
+                <a:ea typeface="Arial"/>
+                <a:cs typeface="Arial"/>
+                <a:sym typeface="Arial"/>
+              </a:endParaRPr>
+            </a:p>
+          </p:txBody>
+        </p:sp>
+        <p:sp>
+          <p:nvSpPr>
+            <p:cNvPr id="96" name="Shape 96"/>
+            <p:cNvSpPr/>
+            <p:nvPr/>
+          </p:nvSpPr>
+          <p:spPr>
+            <a:xfrm>
+              <a:off x="6811575" y="2463675"/>
+              <a:ext cx="95275" cy="160600"/>
+            </a:xfrm>
+            <a:custGeom>
+              <a:avLst/>
+              <a:gdLst/>
+              <a:ahLst/>
+              <a:cxnLst/>
+              <a:rect l="0" t="0" r="0" b="0"/>
+              <a:pathLst>
+                <a:path w="120000" h="120000" extrusionOk="0">
+                  <a:moveTo>
+                    <a:pt x="59984" y="0"/>
+                  </a:moveTo>
+                  <a:lnTo>
+                    <a:pt x="29220" y="15523"/>
+                  </a:lnTo>
+                  <a:lnTo>
+                    <a:pt x="26922" y="16419"/>
+                  </a:lnTo>
+                  <a:lnTo>
+                    <a:pt x="24623" y="16886"/>
+                  </a:lnTo>
+                  <a:lnTo>
+                    <a:pt x="21537" y="16419"/>
+                  </a:lnTo>
+                  <a:lnTo>
+                    <a:pt x="19239" y="15523"/>
+                  </a:lnTo>
+                  <a:lnTo>
+                    <a:pt x="0" y="5940"/>
+                  </a:lnTo>
+                  <a:lnTo>
+                    <a:pt x="41532" y="119981"/>
+                  </a:lnTo>
+                  <a:lnTo>
+                    <a:pt x="78436" y="119981"/>
+                  </a:lnTo>
+                  <a:lnTo>
+                    <a:pt x="119968" y="5940"/>
+                  </a:lnTo>
+                  <a:lnTo>
+                    <a:pt x="100760" y="15523"/>
+                  </a:lnTo>
+                  <a:lnTo>
+                    <a:pt x="98430" y="16419"/>
+                  </a:lnTo>
+                  <a:lnTo>
+                    <a:pt x="95376" y="16886"/>
+                  </a:lnTo>
+                  <a:lnTo>
+                    <a:pt x="93046" y="16419"/>
+                  </a:lnTo>
+                  <a:lnTo>
+                    <a:pt x="90747" y="15523"/>
+                  </a:lnTo>
+                  <a:lnTo>
+                    <a:pt x="59984" y="0"/>
+                  </a:lnTo>
+                  <a:close/>
+                </a:path>
+              </a:pathLst>
+            </a:custGeom>
+            <a:solidFill>
+              <a:srgbClr val="FFB600"/>
+            </a:solidFill>
+            <a:ln>
+              <a:noFill/>
+            </a:ln>
+          </p:spPr>
+          <p:txBody>
+            <a:bodyPr wrap="square" lIns="91425" tIns="91425" rIns="91425" bIns="91425" anchor="ctr" anchorCtr="0">
+              <a:noAutofit/>
+            </a:bodyPr>
+            <a:lstStyle/>
+            <a:p>
+              <a:pPr marL="0" marR="0" lvl="0" indent="-88900" algn="l" rtl="0">
+                <a:lnSpc>
+                  <a:spcPct val="100000"/>
+                </a:lnSpc>
+                <a:spcBef>
+                  <a:spcPts val="0"/>
+                </a:spcBef>
+                <a:spcAft>
+                  <a:spcPts val="0"/>
+                </a:spcAft>
+                <a:buClr>
+                  <a:srgbClr val="000000"/>
+                </a:buClr>
+                <a:buSzPts val="1400"/>
+                <a:buFont typeface="Arial"/>
+                <a:buNone/>
+              </a:pPr>
+              <a:endParaRPr sz="1400" b="0" i="0" u="none" strike="noStrike" cap="none">
+                <a:solidFill>
+                  <a:srgbClr val="000000"/>
+                </a:solidFill>
+                <a:latin typeface="Arial"/>
+                <a:ea typeface="Arial"/>
+                <a:cs typeface="Arial"/>
+                <a:sym typeface="Arial"/>
+              </a:endParaRPr>
+            </a:p>
+          </p:txBody>
+        </p:sp>
+        <p:sp>
+          <p:nvSpPr>
+            <p:cNvPr id="97" name="Shape 97"/>
+            <p:cNvSpPr/>
+            <p:nvPr/>
+          </p:nvSpPr>
+          <p:spPr>
+            <a:xfrm>
+              <a:off x="6730350" y="2315900"/>
+              <a:ext cx="257700" cy="308375"/>
+            </a:xfrm>
+            <a:custGeom>
+              <a:avLst/>
+              <a:gdLst/>
+              <a:ahLst/>
+              <a:cxnLst/>
+              <a:rect l="0" t="0" r="0" b="0"/>
+              <a:pathLst>
+                <a:path w="120000" h="120000" extrusionOk="0">
+                  <a:moveTo>
+                    <a:pt x="60000" y="9"/>
+                  </a:moveTo>
+                  <a:lnTo>
+                    <a:pt x="53748" y="243"/>
+                  </a:lnTo>
+                  <a:lnTo>
+                    <a:pt x="48055" y="953"/>
+                  </a:lnTo>
+                  <a:lnTo>
+                    <a:pt x="42083" y="2383"/>
+                  </a:lnTo>
+                  <a:lnTo>
+                    <a:pt x="36682" y="4047"/>
+                  </a:lnTo>
+                  <a:lnTo>
+                    <a:pt x="31571" y="6187"/>
+                  </a:lnTo>
+                  <a:lnTo>
+                    <a:pt x="26449" y="8561"/>
+                  </a:lnTo>
+                  <a:lnTo>
+                    <a:pt x="21897" y="11411"/>
+                  </a:lnTo>
+                  <a:lnTo>
+                    <a:pt x="17636" y="14738"/>
+                  </a:lnTo>
+                  <a:lnTo>
+                    <a:pt x="13946" y="18299"/>
+                  </a:lnTo>
+                  <a:lnTo>
+                    <a:pt x="10244" y="22102"/>
+                  </a:lnTo>
+                  <a:lnTo>
+                    <a:pt x="7403" y="26140"/>
+                  </a:lnTo>
+                  <a:lnTo>
+                    <a:pt x="4842" y="30654"/>
+                  </a:lnTo>
+                  <a:lnTo>
+                    <a:pt x="2852" y="35168"/>
+                  </a:lnTo>
+                  <a:lnTo>
+                    <a:pt x="1431" y="39925"/>
+                  </a:lnTo>
+                  <a:lnTo>
+                    <a:pt x="582" y="44916"/>
+                  </a:lnTo>
+                  <a:lnTo>
+                    <a:pt x="11" y="50140"/>
+                  </a:lnTo>
+                  <a:lnTo>
+                    <a:pt x="291" y="52757"/>
+                  </a:lnTo>
+                  <a:lnTo>
+                    <a:pt x="582" y="55364"/>
+                  </a:lnTo>
+                  <a:lnTo>
+                    <a:pt x="1431" y="60355"/>
+                  </a:lnTo>
+                  <a:lnTo>
+                    <a:pt x="2852" y="65112"/>
+                  </a:lnTo>
+                  <a:lnTo>
+                    <a:pt x="4842" y="69383"/>
+                  </a:lnTo>
+                  <a:lnTo>
+                    <a:pt x="7403" y="73663"/>
+                  </a:lnTo>
+                  <a:lnTo>
+                    <a:pt x="9965" y="77467"/>
+                  </a:lnTo>
+                  <a:lnTo>
+                    <a:pt x="12805" y="81261"/>
+                  </a:lnTo>
+                  <a:lnTo>
+                    <a:pt x="15937" y="85065"/>
+                  </a:lnTo>
+                  <a:lnTo>
+                    <a:pt x="22188" y="92672"/>
+                  </a:lnTo>
+                  <a:lnTo>
+                    <a:pt x="25029" y="96710"/>
+                  </a:lnTo>
+                  <a:lnTo>
+                    <a:pt x="27869" y="100747"/>
+                  </a:lnTo>
+                  <a:lnTo>
+                    <a:pt x="30430" y="105027"/>
+                  </a:lnTo>
+                  <a:lnTo>
+                    <a:pt x="32712" y="109775"/>
+                  </a:lnTo>
+                  <a:lnTo>
+                    <a:pt x="34691" y="114766"/>
+                  </a:lnTo>
+                  <a:lnTo>
+                    <a:pt x="36123" y="119990"/>
+                  </a:lnTo>
+                  <a:lnTo>
+                    <a:pt x="47485" y="119990"/>
+                  </a:lnTo>
+                  <a:lnTo>
+                    <a:pt x="37823" y="82691"/>
+                  </a:lnTo>
+                  <a:lnTo>
+                    <a:pt x="31001" y="54887"/>
+                  </a:lnTo>
+                  <a:lnTo>
+                    <a:pt x="31001" y="53700"/>
+                  </a:lnTo>
+                  <a:lnTo>
+                    <a:pt x="31571" y="52757"/>
+                  </a:lnTo>
+                  <a:lnTo>
+                    <a:pt x="32421" y="52280"/>
+                  </a:lnTo>
+                  <a:lnTo>
+                    <a:pt x="33562" y="52037"/>
+                  </a:lnTo>
+                  <a:lnTo>
+                    <a:pt x="34412" y="52037"/>
+                  </a:lnTo>
+                  <a:lnTo>
+                    <a:pt x="35552" y="52513"/>
+                  </a:lnTo>
+                  <a:lnTo>
+                    <a:pt x="46926" y="60831"/>
+                  </a:lnTo>
+                  <a:lnTo>
+                    <a:pt x="58009" y="52513"/>
+                  </a:lnTo>
+                  <a:lnTo>
+                    <a:pt x="59150" y="52037"/>
+                  </a:lnTo>
+                  <a:lnTo>
+                    <a:pt x="60849" y="52037"/>
+                  </a:lnTo>
+                  <a:lnTo>
+                    <a:pt x="61990" y="52513"/>
+                  </a:lnTo>
+                  <a:lnTo>
+                    <a:pt x="73084" y="60831"/>
+                  </a:lnTo>
+                  <a:lnTo>
+                    <a:pt x="84447" y="52513"/>
+                  </a:lnTo>
+                  <a:lnTo>
+                    <a:pt x="85587" y="52037"/>
+                  </a:lnTo>
+                  <a:lnTo>
+                    <a:pt x="86437" y="52037"/>
+                  </a:lnTo>
+                  <a:lnTo>
+                    <a:pt x="87578" y="52280"/>
+                  </a:lnTo>
+                  <a:lnTo>
+                    <a:pt x="88428" y="52757"/>
+                  </a:lnTo>
+                  <a:lnTo>
+                    <a:pt x="88998" y="53700"/>
+                  </a:lnTo>
+                  <a:lnTo>
+                    <a:pt x="88998" y="54887"/>
+                  </a:lnTo>
+                  <a:lnTo>
+                    <a:pt x="82176" y="82691"/>
+                  </a:lnTo>
+                  <a:lnTo>
+                    <a:pt x="72514" y="119990"/>
+                  </a:lnTo>
+                  <a:lnTo>
+                    <a:pt x="83888" y="119990"/>
+                  </a:lnTo>
+                  <a:lnTo>
+                    <a:pt x="85308" y="114766"/>
+                  </a:lnTo>
+                  <a:lnTo>
+                    <a:pt x="87299" y="109775"/>
+                  </a:lnTo>
+                  <a:lnTo>
+                    <a:pt x="89569" y="105027"/>
+                  </a:lnTo>
+                  <a:lnTo>
+                    <a:pt x="92130" y="100747"/>
+                  </a:lnTo>
+                  <a:lnTo>
+                    <a:pt x="94970" y="96710"/>
+                  </a:lnTo>
+                  <a:lnTo>
+                    <a:pt x="97811" y="92672"/>
+                  </a:lnTo>
+                  <a:lnTo>
+                    <a:pt x="104074" y="85065"/>
+                  </a:lnTo>
+                  <a:lnTo>
+                    <a:pt x="107194" y="81261"/>
+                  </a:lnTo>
+                  <a:lnTo>
+                    <a:pt x="110046" y="77467"/>
+                  </a:lnTo>
+                  <a:lnTo>
+                    <a:pt x="112596" y="73663"/>
+                  </a:lnTo>
+                  <a:lnTo>
+                    <a:pt x="115157" y="69383"/>
+                  </a:lnTo>
+                  <a:lnTo>
+                    <a:pt x="117147" y="65112"/>
+                  </a:lnTo>
+                  <a:lnTo>
+                    <a:pt x="118568" y="60355"/>
+                  </a:lnTo>
+                  <a:lnTo>
+                    <a:pt x="119429" y="55364"/>
+                  </a:lnTo>
+                  <a:lnTo>
+                    <a:pt x="119708" y="52757"/>
+                  </a:lnTo>
+                  <a:lnTo>
+                    <a:pt x="119988" y="50140"/>
+                  </a:lnTo>
+                  <a:lnTo>
+                    <a:pt x="119429" y="44916"/>
+                  </a:lnTo>
+                  <a:lnTo>
+                    <a:pt x="118568" y="39925"/>
+                  </a:lnTo>
+                  <a:lnTo>
+                    <a:pt x="117147" y="35168"/>
+                  </a:lnTo>
+                  <a:lnTo>
+                    <a:pt x="115157" y="30654"/>
+                  </a:lnTo>
+                  <a:lnTo>
+                    <a:pt x="112596" y="26140"/>
+                  </a:lnTo>
+                  <a:lnTo>
+                    <a:pt x="109755" y="22102"/>
+                  </a:lnTo>
+                  <a:lnTo>
+                    <a:pt x="106065" y="18299"/>
+                  </a:lnTo>
+                  <a:lnTo>
+                    <a:pt x="102363" y="14738"/>
+                  </a:lnTo>
+                  <a:lnTo>
+                    <a:pt x="98102" y="11411"/>
+                  </a:lnTo>
+                  <a:lnTo>
+                    <a:pt x="93550" y="8561"/>
+                  </a:lnTo>
+                  <a:lnTo>
+                    <a:pt x="88428" y="6187"/>
+                  </a:lnTo>
+                  <a:lnTo>
+                    <a:pt x="83317" y="4047"/>
+                  </a:lnTo>
+                  <a:lnTo>
+                    <a:pt x="77916" y="2383"/>
+                  </a:lnTo>
+                  <a:lnTo>
+                    <a:pt x="71944" y="953"/>
+                  </a:lnTo>
+                  <a:lnTo>
+                    <a:pt x="66251" y="243"/>
+                  </a:lnTo>
+                  <a:lnTo>
+                    <a:pt x="60000" y="9"/>
+                  </a:lnTo>
+                  <a:close/>
+                </a:path>
+              </a:pathLst>
+            </a:custGeom>
+            <a:solidFill>
+              <a:srgbClr val="FFB600"/>
+            </a:solidFill>
+            <a:ln>
+              <a:noFill/>
+            </a:ln>
+          </p:spPr>
+          <p:txBody>
+            <a:bodyPr wrap="square" lIns="91425" tIns="91425" rIns="91425" bIns="91425" anchor="ctr" anchorCtr="0">
+              <a:noAutofit/>
+            </a:bodyPr>
+            <a:lstStyle/>
+            <a:p>
+              <a:pPr marL="0" marR="0" lvl="0" indent="-88900" algn="l" rtl="0">
+                <a:lnSpc>
+                  <a:spcPct val="100000"/>
+                </a:lnSpc>
+                <a:spcBef>
+                  <a:spcPts val="0"/>
+                </a:spcBef>
+                <a:spcAft>
+                  <a:spcPts val="0"/>
+                </a:spcAft>
+                <a:buClr>
+                  <a:srgbClr val="000000"/>
+                </a:buClr>
+                <a:buSzPts val="1400"/>
+                <a:buFont typeface="Arial"/>
+                <a:buNone/>
+              </a:pPr>
+              <a:endParaRPr sz="1400" b="0" i="0" u="none" strike="noStrike" cap="none">
+                <a:solidFill>
+                  <a:srgbClr val="000000"/>
+                </a:solidFill>
+                <a:latin typeface="Arial"/>
+                <a:ea typeface="Arial"/>
+                <a:cs typeface="Arial"/>
+                <a:sym typeface="Arial"/>
+              </a:endParaRPr>
+            </a:p>
+          </p:txBody>
+        </p:sp>
+      </p:grpSp>
+      <p:sp>
+        <p:nvSpPr>
+          <p:cNvPr id="11" name="Shape 120">
+            <a:extLst>
+              <a:ext uri="{FF2B5EF4-FFF2-40B4-BE49-F238E27FC236}">
+                <a16:creationId xmlns:a16="http://schemas.microsoft.com/office/drawing/2014/main" id="{7D209ED9-458B-43E3-9607-2EAA917A8C69}"/>
+              </a:ext>
+            </a:extLst>
+          </p:cNvPr>
+          <p:cNvSpPr txBox="1"/>
+          <p:nvPr/>
+        </p:nvSpPr>
+        <p:spPr>
+          <a:xfrm>
+            <a:off x="3866704" y="1773159"/>
+            <a:ext cx="2247640" cy="732725"/>
+          </a:xfrm>
+          <a:prstGeom prst="rect">
+            <a:avLst/>
+          </a:prstGeom>
+          <a:noFill/>
+          <a:ln>
+            <a:noFill/>
+          </a:ln>
+        </p:spPr>
+        <p:txBody>
+          <a:bodyPr wrap="square" lIns="91425" tIns="91425" rIns="91425" bIns="91425" anchor="b" anchorCtr="0">
+            <a:noAutofit/>
+          </a:bodyPr>
+          <a:lstStyle/>
+          <a:p>
+            <a:pPr algn="ctr"/>
+            <a:r>
+              <a:rPr lang="en-US" b="1" dirty="0">
+                <a:solidFill>
+                  <a:srgbClr val="434343"/>
+                </a:solidFill>
+                <a:latin typeface="Raleway ExtraBold" panose="020B0903030101060003" pitchFamily="34" charset="0"/>
+              </a:rPr>
+              <a:t>Mainly visual functionalities </a:t>
+            </a:r>
+          </a:p>
+        </p:txBody>
+      </p:sp>
+      <p:sp>
+        <p:nvSpPr>
+          <p:cNvPr id="12" name="Shape 120">
+            <a:extLst>
+              <a:ext uri="{FF2B5EF4-FFF2-40B4-BE49-F238E27FC236}">
+                <a16:creationId xmlns:a16="http://schemas.microsoft.com/office/drawing/2014/main" id="{414827B1-50B4-4198-9F8D-5C7BF93CCB18}"/>
+              </a:ext>
+            </a:extLst>
+          </p:cNvPr>
+          <p:cNvSpPr txBox="1"/>
+          <p:nvPr/>
+        </p:nvSpPr>
+        <p:spPr>
+          <a:xfrm>
+            <a:off x="6408045" y="1753064"/>
+            <a:ext cx="1699294" cy="732725"/>
+          </a:xfrm>
+          <a:prstGeom prst="rect">
+            <a:avLst/>
+          </a:prstGeom>
+          <a:noFill/>
+          <a:ln>
+            <a:noFill/>
+          </a:ln>
+        </p:spPr>
+        <p:txBody>
+          <a:bodyPr wrap="square" lIns="91425" tIns="91425" rIns="91425" bIns="91425" anchor="b" anchorCtr="0">
+            <a:noAutofit/>
+          </a:bodyPr>
+          <a:lstStyle/>
+          <a:p>
+            <a:pPr lvl="2" algn="ctr"/>
+            <a:r>
+              <a:rPr lang="en-US" b="1" dirty="0">
+                <a:solidFill>
+                  <a:srgbClr val="434343"/>
+                </a:solidFill>
+                <a:latin typeface="Raleway ExtraBold" panose="020B0903030101060003" pitchFamily="34" charset="0"/>
+              </a:rPr>
+              <a:t>Testing performance</a:t>
+            </a:r>
+          </a:p>
+        </p:txBody>
+      </p:sp>
+      <p:sp>
+        <p:nvSpPr>
+          <p:cNvPr id="13" name="Shape 120">
+            <a:extLst>
+              <a:ext uri="{FF2B5EF4-FFF2-40B4-BE49-F238E27FC236}">
+                <a16:creationId xmlns:a16="http://schemas.microsoft.com/office/drawing/2014/main" id="{A592296E-6C58-4A54-93C9-42E7F960DA6C}"/>
+              </a:ext>
+            </a:extLst>
+          </p:cNvPr>
+          <p:cNvSpPr txBox="1"/>
+          <p:nvPr/>
+        </p:nvSpPr>
+        <p:spPr>
+          <a:xfrm>
+            <a:off x="3866704" y="3698225"/>
+            <a:ext cx="2247640" cy="732725"/>
+          </a:xfrm>
+          <a:prstGeom prst="rect">
+            <a:avLst/>
+          </a:prstGeom>
+          <a:noFill/>
+          <a:ln>
+            <a:noFill/>
+          </a:ln>
+        </p:spPr>
+        <p:txBody>
+          <a:bodyPr wrap="square" lIns="91425" tIns="91425" rIns="91425" bIns="91425" anchor="b" anchorCtr="0">
+            <a:noAutofit/>
+          </a:bodyPr>
+          <a:lstStyle/>
+          <a:p>
+            <a:pPr lvl="2" algn="ctr"/>
+            <a:r>
+              <a:rPr lang="en-US" b="1" dirty="0">
+                <a:solidFill>
+                  <a:srgbClr val="434343"/>
+                </a:solidFill>
+                <a:latin typeface="Raleway ExtraBold" panose="020B0903030101060003" pitchFamily="34" charset="0"/>
+              </a:rPr>
+              <a:t>Comparing different schedulers on same simulations</a:t>
+            </a:r>
+          </a:p>
+        </p:txBody>
+      </p:sp>
+      <p:sp>
+        <p:nvSpPr>
+          <p:cNvPr id="14" name="Shape 120">
+            <a:extLst>
+              <a:ext uri="{FF2B5EF4-FFF2-40B4-BE49-F238E27FC236}">
+                <a16:creationId xmlns:a16="http://schemas.microsoft.com/office/drawing/2014/main" id="{D636E29E-4D07-4161-ABC9-681FB318A520}"/>
+              </a:ext>
+            </a:extLst>
+          </p:cNvPr>
+          <p:cNvSpPr txBox="1"/>
+          <p:nvPr/>
+        </p:nvSpPr>
+        <p:spPr>
+          <a:xfrm>
+            <a:off x="6148792" y="3909240"/>
+            <a:ext cx="2217801" cy="732725"/>
+          </a:xfrm>
+          <a:prstGeom prst="rect">
+            <a:avLst/>
+          </a:prstGeom>
+          <a:noFill/>
+          <a:ln>
+            <a:noFill/>
+          </a:ln>
+        </p:spPr>
+        <p:txBody>
+          <a:bodyPr wrap="square" lIns="91425" tIns="91425" rIns="91425" bIns="91425" anchor="b" anchorCtr="0">
+            <a:noAutofit/>
+          </a:bodyPr>
+          <a:lstStyle/>
+          <a:p>
+            <a:pPr lvl="2" algn="ctr"/>
+            <a:r>
+              <a:rPr lang="en-US" b="1" dirty="0">
+                <a:solidFill>
+                  <a:srgbClr val="434343"/>
+                </a:solidFill>
+                <a:latin typeface="Raleway ExtraBold" panose="020B0903030101060003" pitchFamily="34" charset="0"/>
+              </a:rPr>
+              <a:t>Measured speedups are indications for success</a:t>
+            </a:r>
+          </a:p>
+          <a:p>
+            <a:pPr marL="285750" indent="-285750" algn="ctr">
+              <a:buFont typeface="Arial" charset="0"/>
+              <a:buChar char="•"/>
+            </a:pPr>
+            <a:endParaRPr lang="en-US" b="1" dirty="0">
+              <a:solidFill>
+                <a:srgbClr val="434343"/>
+              </a:solidFill>
+              <a:latin typeface="Raleway ExtraBold" panose="020B0903030101060003" pitchFamily="34" charset="0"/>
+            </a:endParaRPr>
+          </a:p>
+        </p:txBody>
+      </p:sp>
+      <p:pic>
+        <p:nvPicPr>
+          <p:cNvPr id="5" name="תמונה 4">
+            <a:extLst>
+              <a:ext uri="{FF2B5EF4-FFF2-40B4-BE49-F238E27FC236}">
+                <a16:creationId xmlns:a16="http://schemas.microsoft.com/office/drawing/2014/main" id="{941C507B-7A97-4925-95E9-08591644082A}"/>
+              </a:ext>
+            </a:extLst>
+          </p:cNvPr>
+          <p:cNvPicPr>
+            <a:picLocks noChangeAspect="1"/>
+          </p:cNvPicPr>
+          <p:nvPr/>
+        </p:nvPicPr>
+        <p:blipFill>
+          <a:blip r:embed="rId3"/>
+          <a:stretch>
+            <a:fillRect/>
+          </a:stretch>
+        </p:blipFill>
+        <p:spPr>
+          <a:xfrm>
+            <a:off x="4515088" y="871655"/>
+            <a:ext cx="911700" cy="911700"/>
+          </a:xfrm>
+          <a:prstGeom prst="rect">
+            <a:avLst/>
+          </a:prstGeom>
+        </p:spPr>
+      </p:pic>
+      <p:pic>
+        <p:nvPicPr>
+          <p:cNvPr id="7" name="תמונה 6">
+            <a:extLst>
+              <a:ext uri="{FF2B5EF4-FFF2-40B4-BE49-F238E27FC236}">
+                <a16:creationId xmlns:a16="http://schemas.microsoft.com/office/drawing/2014/main" id="{71D52B29-30E6-4A4D-A5C4-24860AC34571}"/>
+              </a:ext>
+            </a:extLst>
+          </p:cNvPr>
+          <p:cNvPicPr>
+            <a:picLocks noChangeAspect="1"/>
+          </p:cNvPicPr>
+          <p:nvPr/>
+        </p:nvPicPr>
+        <p:blipFill>
+          <a:blip r:embed="rId4"/>
+          <a:stretch>
+            <a:fillRect/>
+          </a:stretch>
+        </p:blipFill>
+        <p:spPr>
+          <a:xfrm>
+            <a:off x="6864380" y="973613"/>
+            <a:ext cx="753471" cy="753471"/>
+          </a:xfrm>
+          <a:prstGeom prst="rect">
+            <a:avLst/>
+          </a:prstGeom>
+        </p:spPr>
+      </p:pic>
+      <p:pic>
+        <p:nvPicPr>
+          <p:cNvPr id="9" name="תמונה 8">
+            <a:extLst>
+              <a:ext uri="{FF2B5EF4-FFF2-40B4-BE49-F238E27FC236}">
+                <a16:creationId xmlns:a16="http://schemas.microsoft.com/office/drawing/2014/main" id="{2306EFAE-3D4D-4D0A-8E1E-0461AE026C0A}"/>
+              </a:ext>
+            </a:extLst>
+          </p:cNvPr>
+          <p:cNvPicPr>
+            <a:picLocks noChangeAspect="1"/>
+          </p:cNvPicPr>
+          <p:nvPr/>
+        </p:nvPicPr>
+        <p:blipFill>
+          <a:blip r:embed="rId5"/>
+          <a:stretch>
+            <a:fillRect/>
+          </a:stretch>
+        </p:blipFill>
+        <p:spPr>
+          <a:xfrm>
+            <a:off x="6880957" y="2765060"/>
+            <a:ext cx="753471" cy="753471"/>
+          </a:xfrm>
+          <a:prstGeom prst="rect">
+            <a:avLst/>
+          </a:prstGeom>
+        </p:spPr>
+      </p:pic>
+      <p:pic>
+        <p:nvPicPr>
+          <p:cNvPr id="15" name="תמונה 14">
+            <a:extLst>
+              <a:ext uri="{FF2B5EF4-FFF2-40B4-BE49-F238E27FC236}">
+                <a16:creationId xmlns:a16="http://schemas.microsoft.com/office/drawing/2014/main" id="{50BD4322-062D-4938-BD46-6BFC0E980DA8}"/>
+              </a:ext>
+            </a:extLst>
+          </p:cNvPr>
+          <p:cNvPicPr>
+            <a:picLocks noChangeAspect="1"/>
+          </p:cNvPicPr>
+          <p:nvPr/>
+        </p:nvPicPr>
+        <p:blipFill>
+          <a:blip r:embed="rId6"/>
+          <a:stretch>
+            <a:fillRect/>
+          </a:stretch>
+        </p:blipFill>
+        <p:spPr>
+          <a:xfrm>
+            <a:off x="4553180" y="2765060"/>
+            <a:ext cx="828818" cy="828818"/>
+          </a:xfrm>
+          <a:prstGeom prst="rect">
+            <a:avLst/>
+          </a:prstGeom>
+        </p:spPr>
+      </p:pic>
+    </p:spTree>
+    <p:extLst>
+      <p:ext uri="{BB962C8B-B14F-4D97-AF65-F5344CB8AC3E}">
+        <p14:creationId xmlns:p14="http://schemas.microsoft.com/office/powerpoint/2010/main" val="3285531146"/>
+      </p:ext>
+    </p:extLst>
+  </p:cSld>
+  <p:clrMapOvr>
+    <a:masterClrMapping/>
+  </p:clrMapOvr>
+  <p:timing>
+    <p:tnLst>
+      <p:par>
+        <p:cTn id="1" dur="indefinite" restart="never" nodeType="tmRoot">
+          <p:childTnLst>
+            <p:seq concurrent="1" nextAc="seek">
+              <p:cTn id="2" dur="indefinite" nodeType="mainSeq">
+                <p:childTnLst>
+                  <p:par>
+                    <p:cTn id="3" fill="hold">
+                      <p:stCondLst>
+                        <p:cond delay="indefinite"/>
+                        <p:cond evt="onBegin" delay="0">
+                          <p:tn val="2"/>
+                        </p:cond>
+                      </p:stCondLst>
+                      <p:childTnLst>
+                        <p:par>
+                          <p:cTn id="4" fill="hold">
+                            <p:stCondLst>
+                              <p:cond delay="0"/>
+                            </p:stCondLst>
+                            <p:childTnLst>
+                              <p:par>
+                                <p:cTn id="5" presetID="10" presetClass="entr" presetSubtype="0" fill="hold" grpId="0" nodeType="withEffect">
+                                  <p:stCondLst>
+                                    <p:cond delay="0"/>
+                                  </p:stCondLst>
+                                  <p:childTnLst>
+                                    <p:set>
+                                      <p:cBhvr>
+                                        <p:cTn id="6" dur="1" fill="hold">
+                                          <p:stCondLst>
+                                            <p:cond delay="0"/>
+                                          </p:stCondLst>
+                                        </p:cTn>
+                                        <p:tgtEl>
+                                          <p:spTgt spid="89"/>
+                                        </p:tgtEl>
+                                        <p:attrNameLst>
+                                          <p:attrName>style.visibility</p:attrName>
+                                        </p:attrNameLst>
+                                      </p:cBhvr>
+                                      <p:to>
+                                        <p:strVal val="visible"/>
+                                      </p:to>
+                                    </p:set>
+                                    <p:animEffect transition="in" filter="fade">
+                                      <p:cBhvr>
+                                        <p:cTn id="7" dur="500"/>
+                                        <p:tgtEl>
+                                          <p:spTgt spid="89"/>
+                                        </p:tgtEl>
+                                      </p:cBhvr>
+                                    </p:animEffect>
+                                  </p:childTnLst>
+                                </p:cTn>
+                              </p:par>
+                            </p:childTnLst>
+                          </p:cTn>
+                        </p:par>
+                      </p:childTnLst>
+                    </p:cTn>
+                  </p:par>
+                  <p:par>
+                    <p:cTn id="8" fill="hold">
+                      <p:stCondLst>
+                        <p:cond delay="indefinite"/>
+                      </p:stCondLst>
+                      <p:childTnLst>
+                        <p:par>
+                          <p:cTn id="9" fill="hold">
+                            <p:stCondLst>
+                              <p:cond delay="0"/>
+                            </p:stCondLst>
+                            <p:childTnLst>
+                              <p:par>
+                                <p:cTn id="10" presetID="10" presetClass="entr" presetSubtype="0" fill="hold" grpId="0" nodeType="clickEffect">
+                                  <p:stCondLst>
+                                    <p:cond delay="0"/>
+                                  </p:stCondLst>
+                                  <p:childTnLst>
+                                    <p:set>
+                                      <p:cBhvr>
+                                        <p:cTn id="11" dur="1" fill="hold">
+                                          <p:stCondLst>
+                                            <p:cond delay="0"/>
+                                          </p:stCondLst>
+                                        </p:cTn>
+                                        <p:tgtEl>
+                                          <p:spTgt spid="11"/>
+                                        </p:tgtEl>
+                                        <p:attrNameLst>
+                                          <p:attrName>style.visibility</p:attrName>
+                                        </p:attrNameLst>
+                                      </p:cBhvr>
+                                      <p:to>
+                                        <p:strVal val="visible"/>
+                                      </p:to>
+                                    </p:set>
+                                    <p:animEffect transition="in" filter="fade">
+                                      <p:cBhvr>
+                                        <p:cTn id="12" dur="500"/>
+                                        <p:tgtEl>
+                                          <p:spTgt spid="11"/>
+                                        </p:tgtEl>
+                                      </p:cBhvr>
+                                    </p:animEffect>
+                                  </p:childTnLst>
+                                </p:cTn>
+                              </p:par>
+                              <p:par>
+                                <p:cTn id="13" presetID="10" presetClass="entr" presetSubtype="0" fill="hold" nodeType="withEffect">
+                                  <p:stCondLst>
+                                    <p:cond delay="0"/>
+                                  </p:stCondLst>
+                                  <p:childTnLst>
+                                    <p:set>
+                                      <p:cBhvr>
+                                        <p:cTn id="14" dur="1" fill="hold">
+                                          <p:stCondLst>
+                                            <p:cond delay="0"/>
+                                          </p:stCondLst>
+                                        </p:cTn>
+                                        <p:tgtEl>
+                                          <p:spTgt spid="5"/>
+                                        </p:tgtEl>
+                                        <p:attrNameLst>
+                                          <p:attrName>style.visibility</p:attrName>
+                                        </p:attrNameLst>
+                                      </p:cBhvr>
+                                      <p:to>
+                                        <p:strVal val="visible"/>
+                                      </p:to>
+                                    </p:set>
+                                    <p:animEffect transition="in" filter="fade">
+                                      <p:cBhvr>
+                                        <p:cTn id="15" dur="500"/>
+                                        <p:tgtEl>
+                                          <p:spTgt spid="5"/>
+                                        </p:tgtEl>
+                                      </p:cBhvr>
+                                    </p:animEffect>
+                                  </p:childTnLst>
+                                </p:cTn>
+                              </p:par>
+                            </p:childTnLst>
+                          </p:cTn>
+                        </p:par>
+                      </p:childTnLst>
+                    </p:cTn>
+                  </p:par>
+                  <p:par>
+                    <p:cTn id="16" fill="hold">
+                      <p:stCondLst>
+                        <p:cond delay="indefinite"/>
+                      </p:stCondLst>
+                      <p:childTnLst>
+                        <p:par>
+                          <p:cTn id="17" fill="hold">
+                            <p:stCondLst>
+                              <p:cond delay="0"/>
+                            </p:stCondLst>
+                            <p:childTnLst>
+                              <p:par>
+                                <p:cTn id="18" presetID="10" presetClass="entr" presetSubtype="0" fill="hold" grpId="0" nodeType="clickEffect">
+                                  <p:stCondLst>
+                                    <p:cond delay="0"/>
+                                  </p:stCondLst>
+                                  <p:childTnLst>
+                                    <p:set>
+                                      <p:cBhvr>
+                                        <p:cTn id="19" dur="1" fill="hold">
+                                          <p:stCondLst>
+                                            <p:cond delay="0"/>
+                                          </p:stCondLst>
+                                        </p:cTn>
+                                        <p:tgtEl>
+                                          <p:spTgt spid="12"/>
+                                        </p:tgtEl>
+                                        <p:attrNameLst>
+                                          <p:attrName>style.visibility</p:attrName>
+                                        </p:attrNameLst>
+                                      </p:cBhvr>
+                                      <p:to>
+                                        <p:strVal val="visible"/>
+                                      </p:to>
+                                    </p:set>
+                                    <p:animEffect transition="in" filter="fade">
+                                      <p:cBhvr>
+                                        <p:cTn id="20" dur="500"/>
+                                        <p:tgtEl>
+                                          <p:spTgt spid="12"/>
+                                        </p:tgtEl>
+                                      </p:cBhvr>
+                                    </p:animEffect>
+                                  </p:childTnLst>
+                                </p:cTn>
+                              </p:par>
+                              <p:par>
+                                <p:cTn id="21" presetID="10" presetClass="entr" presetSubtype="0" fill="hold" nodeType="withEffect">
+                                  <p:stCondLst>
+                                    <p:cond delay="0"/>
+                                  </p:stCondLst>
+                                  <p:childTnLst>
+                                    <p:set>
+                                      <p:cBhvr>
+                                        <p:cTn id="22" dur="1" fill="hold">
+                                          <p:stCondLst>
+                                            <p:cond delay="0"/>
+                                          </p:stCondLst>
+                                        </p:cTn>
+                                        <p:tgtEl>
+                                          <p:spTgt spid="7"/>
+                                        </p:tgtEl>
+                                        <p:attrNameLst>
+                                          <p:attrName>style.visibility</p:attrName>
+                                        </p:attrNameLst>
+                                      </p:cBhvr>
+                                      <p:to>
+                                        <p:strVal val="visible"/>
+                                      </p:to>
+                                    </p:set>
+                                    <p:animEffect transition="in" filter="fade">
+                                      <p:cBhvr>
+                                        <p:cTn id="23" dur="500"/>
+                                        <p:tgtEl>
+                                          <p:spTgt spid="7"/>
+                                        </p:tgtEl>
+                                      </p:cBhvr>
+                                    </p:animEffect>
+                                  </p:childTnLst>
+                                </p:cTn>
+                              </p:par>
+                            </p:childTnLst>
+                          </p:cTn>
+                        </p:par>
+                      </p:childTnLst>
+                    </p:cTn>
+                  </p:par>
+                  <p:par>
+                    <p:cTn id="24" fill="hold">
+                      <p:stCondLst>
+                        <p:cond delay="indefinite"/>
+                      </p:stCondLst>
+                      <p:childTnLst>
+                        <p:par>
+                          <p:cTn id="25" fill="hold">
+                            <p:stCondLst>
+                              <p:cond delay="0"/>
+                            </p:stCondLst>
+                            <p:childTnLst>
+                              <p:par>
+                                <p:cTn id="26" presetID="10" presetClass="entr" presetSubtype="0" fill="hold" grpId="0" nodeType="clickEffect">
+                                  <p:stCondLst>
+                                    <p:cond delay="0"/>
+                                  </p:stCondLst>
+                                  <p:childTnLst>
+                                    <p:set>
+                                      <p:cBhvr>
+                                        <p:cTn id="27" dur="1" fill="hold">
+                                          <p:stCondLst>
+                                            <p:cond delay="0"/>
+                                          </p:stCondLst>
+                                        </p:cTn>
+                                        <p:tgtEl>
+                                          <p:spTgt spid="13"/>
+                                        </p:tgtEl>
+                                        <p:attrNameLst>
+                                          <p:attrName>style.visibility</p:attrName>
+                                        </p:attrNameLst>
+                                      </p:cBhvr>
+                                      <p:to>
+                                        <p:strVal val="visible"/>
+                                      </p:to>
+                                    </p:set>
+                                    <p:animEffect transition="in" filter="fade">
+                                      <p:cBhvr>
+                                        <p:cTn id="28" dur="500"/>
+                                        <p:tgtEl>
+                                          <p:spTgt spid="13"/>
+                                        </p:tgtEl>
+                                      </p:cBhvr>
+                                    </p:animEffect>
+                                  </p:childTnLst>
+                                </p:cTn>
+                              </p:par>
+                              <p:par>
+                                <p:cTn id="29" presetID="10" presetClass="entr" presetSubtype="0" fill="hold" nodeType="withEffect">
+                                  <p:stCondLst>
+                                    <p:cond delay="0"/>
+                                  </p:stCondLst>
+                                  <p:childTnLst>
+                                    <p:set>
+                                      <p:cBhvr>
+                                        <p:cTn id="30" dur="1" fill="hold">
+                                          <p:stCondLst>
+                                            <p:cond delay="0"/>
+                                          </p:stCondLst>
+                                        </p:cTn>
+                                        <p:tgtEl>
+                                          <p:spTgt spid="15"/>
+                                        </p:tgtEl>
+                                        <p:attrNameLst>
+                                          <p:attrName>style.visibility</p:attrName>
+                                        </p:attrNameLst>
+                                      </p:cBhvr>
+                                      <p:to>
+                                        <p:strVal val="visible"/>
+                                      </p:to>
+                                    </p:set>
+                                    <p:animEffect transition="in" filter="fade">
+                                      <p:cBhvr>
+                                        <p:cTn id="31" dur="500"/>
+                                        <p:tgtEl>
+                                          <p:spTgt spid="15"/>
+                                        </p:tgtEl>
+                                      </p:cBhvr>
+                                    </p:animEffect>
+                                  </p:childTnLst>
+                                </p:cTn>
+                              </p:par>
+                            </p:childTnLst>
+                          </p:cTn>
+                        </p:par>
+                      </p:childTnLst>
+                    </p:cTn>
+                  </p:par>
+                  <p:par>
+                    <p:cTn id="32" fill="hold">
+                      <p:stCondLst>
+                        <p:cond delay="indefinite"/>
+                      </p:stCondLst>
+                      <p:childTnLst>
+                        <p:par>
+                          <p:cTn id="33" fill="hold">
+                            <p:stCondLst>
+                              <p:cond delay="0"/>
+                            </p:stCondLst>
+                            <p:childTnLst>
+                              <p:par>
+                                <p:cTn id="34" presetID="10" presetClass="entr" presetSubtype="0" fill="hold" grpId="0" nodeType="clickEffect">
+                                  <p:stCondLst>
+                                    <p:cond delay="0"/>
+                                  </p:stCondLst>
+                                  <p:childTnLst>
+                                    <p:set>
+                                      <p:cBhvr>
+                                        <p:cTn id="35" dur="1" fill="hold">
+                                          <p:stCondLst>
+                                            <p:cond delay="0"/>
+                                          </p:stCondLst>
+                                        </p:cTn>
+                                        <p:tgtEl>
+                                          <p:spTgt spid="14"/>
+                                        </p:tgtEl>
+                                        <p:attrNameLst>
+                                          <p:attrName>style.visibility</p:attrName>
+                                        </p:attrNameLst>
+                                      </p:cBhvr>
+                                      <p:to>
+                                        <p:strVal val="visible"/>
+                                      </p:to>
+                                    </p:set>
+                                    <p:animEffect transition="in" filter="fade">
+                                      <p:cBhvr>
+                                        <p:cTn id="36" dur="500"/>
+                                        <p:tgtEl>
+                                          <p:spTgt spid="14"/>
+                                        </p:tgtEl>
+                                      </p:cBhvr>
+                                    </p:animEffect>
+                                  </p:childTnLst>
+                                </p:cTn>
+                              </p:par>
+                              <p:par>
+                                <p:cTn id="37" presetID="10" presetClass="entr" presetSubtype="0" fill="hold" nodeType="withEffect">
+                                  <p:stCondLst>
+                                    <p:cond delay="0"/>
+                                  </p:stCondLst>
+                                  <p:childTnLst>
+                                    <p:set>
+                                      <p:cBhvr>
+                                        <p:cTn id="38" dur="1" fill="hold">
+                                          <p:stCondLst>
+                                            <p:cond delay="0"/>
+                                          </p:stCondLst>
+                                        </p:cTn>
+                                        <p:tgtEl>
+                                          <p:spTgt spid="9"/>
+                                        </p:tgtEl>
+                                        <p:attrNameLst>
+                                          <p:attrName>style.visibility</p:attrName>
+                                        </p:attrNameLst>
+                                      </p:cBhvr>
+                                      <p:to>
+                                        <p:strVal val="visible"/>
+                                      </p:to>
+                                    </p:set>
+                                    <p:animEffect transition="in" filter="fade">
+                                      <p:cBhvr>
+                                        <p:cTn id="39" dur="500"/>
+                                        <p:tgtEl>
+                                          <p:spTgt spid="9"/>
+                                        </p:tgtEl>
+                                      </p:cBhvr>
+                                    </p:animEffect>
+                                  </p:childTnLst>
+                                </p:cTn>
+                              </p:par>
+                            </p:childTnLst>
+                          </p:cTn>
+                        </p:par>
+                      </p:childTnLst>
+                    </p:cTn>
+                  </p:par>
+                </p:childTnLst>
+              </p:cTn>
+              <p:prevCondLst>
+                <p:cond evt="onPrev" delay="0">
+                  <p:tgtEl>
+                    <p:sldTgt/>
+                  </p:tgtEl>
+                </p:cond>
+              </p:prevCondLst>
+              <p:nextCondLst>
+                <p:cond evt="onNext" delay="0">
+                  <p:tgtEl>
+                    <p:sldTgt/>
+                  </p:tgtEl>
+                </p:cond>
+              </p:nextCondLst>
+            </p:seq>
+          </p:childTnLst>
+        </p:cTn>
+      </p:par>
+    </p:tnLst>
+    <p:bldLst>
+      <p:bldP spid="89" grpId="0"/>
+      <p:bldP spid="11" grpId="0"/>
+      <p:bldP spid="12" grpId="0"/>
+      <p:bldP spid="13" grpId="0"/>
+      <p:bldP spid="14" grpId="0"/>
+    </p:bldLst>
+  </p:timing>
+</p:sld>
+</file>
+
+<file path=ppt/slides/slide11.xml><?xml version="1.0" encoding="utf-8"?>
+<p:sld xmlns:a="http://schemas.openxmlformats.org/drawingml/2006/main" xmlns:r="http://schemas.openxmlformats.org/officeDocument/2006/relationships" xmlns:p="http://schemas.openxmlformats.org/presentationml/2006/main">
+  <p:cSld>
+    <p:spTree>
+      <p:nvGrpSpPr>
+        <p:cNvPr id="1" name="Shape 88"/>
+        <p:cNvGrpSpPr/>
+        <p:nvPr/>
+      </p:nvGrpSpPr>
+      <p:grpSpPr>
+        <a:xfrm>
+          <a:off x="0" y="0"/>
+          <a:ext cx="0" cy="0"/>
+          <a:chOff x="0" y="0"/>
+          <a:chExt cx="0" cy="0"/>
+        </a:xfrm>
+      </p:grpSpPr>
+      <p:sp>
+        <p:nvSpPr>
+          <p:cNvPr id="89" name="Shape 89"/>
+          <p:cNvSpPr txBox="1">
+            <a:spLocks noGrp="1"/>
+          </p:cNvSpPr>
+          <p:nvPr>
+            <p:ph type="title"/>
+          </p:nvPr>
+        </p:nvSpPr>
+        <p:spPr>
+          <a:xfrm>
             <a:off x="922000" y="891775"/>
             <a:ext cx="6866100" cy="857400"/>
           </a:xfrm>
@@ -6597,7 +8366,7 @@
                 <a:cs typeface="Arial"/>
                 <a:sym typeface="Arial"/>
               </a:rPr>
-              <a:t>10</a:t>
+              <a:t>11</a:t>
             </a:fld>
             <a:endParaRPr lang="iw-IL" sz="1400" b="0" i="0" u="none" strike="noStrike" cap="none">
               <a:solidFill>
@@ -7943,7 +9712,7 @@
 </p:sld>
 </file>
 
-<file path=ppt/slides/slide11.xml><?xml version="1.0" encoding="utf-8"?>
+<file path=ppt/slides/slide12.xml><?xml version="1.0" encoding="utf-8"?>
 <p:sld xmlns:a="http://schemas.openxmlformats.org/drawingml/2006/main" xmlns:r="http://schemas.openxmlformats.org/officeDocument/2006/relationships" xmlns:p="http://schemas.openxmlformats.org/presentationml/2006/main">
   <p:cSld>
     <p:spTree>
@@ -8032,7 +9801,7 @@
                 <a:cs typeface="Arial"/>
                 <a:sym typeface="Arial"/>
               </a:rPr>
-              <a:t>11</a:t>
+              <a:t>12</a:t>
             </a:fld>
             <a:endParaRPr lang="x-none" sz="1400" b="0" i="0" u="none" strike="noStrike" cap="none">
               <a:solidFill>
@@ -8059,7 +9828,7 @@
 </p:sld>
 </file>
 
-<file path=ppt/slides/slide12.xml><?xml version="1.0" encoding="utf-8"?>
+<file path=ppt/slides/slide13.xml><?xml version="1.0" encoding="utf-8"?>
 <p:sld xmlns:a="http://schemas.openxmlformats.org/drawingml/2006/main" xmlns:r="http://schemas.openxmlformats.org/officeDocument/2006/relationships" xmlns:p="http://schemas.openxmlformats.org/presentationml/2006/main">
   <p:cSld>
     <p:spTree>
@@ -8270,7 +10039,7 @@
                 <a:cs typeface="Arial"/>
                 <a:sym typeface="Arial"/>
               </a:rPr>
-              <a:t>12</a:t>
+              <a:t>13</a:t>
             </a:fld>
             <a:endParaRPr lang="iw-IL" sz="1400" b="0" i="0" u="none" strike="noStrike" cap="none">
               <a:solidFill>
@@ -9024,7 +10793,7 @@
 </p:sld>
 </file>
 
-<file path=ppt/slides/slide13.xml><?xml version="1.0" encoding="utf-8"?>
+<file path=ppt/slides/slide14.xml><?xml version="1.0" encoding="utf-8"?>
 <p:sld xmlns:a="http://schemas.openxmlformats.org/drawingml/2006/main" xmlns:r="http://schemas.openxmlformats.org/officeDocument/2006/relationships" xmlns:p="http://schemas.openxmlformats.org/presentationml/2006/main">
   <p:cSld>
     <p:spTree>
@@ -9246,7 +11015,7 @@
                 <a:cs typeface="Arial"/>
                 <a:sym typeface="Arial"/>
               </a:rPr>
-              <a:t>13</a:t>
+              <a:t>14</a:t>
             </a:fld>
             <a:endParaRPr lang="iw-IL" sz="1400" b="0" i="0" u="none" strike="noStrike" cap="none">
               <a:solidFill>
@@ -10000,7 +11769,7 @@
 </p:sld>
 </file>
 
-<file path=ppt/slides/slide14.xml><?xml version="1.0" encoding="utf-8"?>
+<file path=ppt/slides/slide15.xml><?xml version="1.0" encoding="utf-8"?>
 <p:sld xmlns:a="http://schemas.openxmlformats.org/drawingml/2006/main" xmlns:r="http://schemas.openxmlformats.org/officeDocument/2006/relationships" xmlns:p="http://schemas.openxmlformats.org/presentationml/2006/main">
   <p:cSld>
     <p:spTree>
@@ -10073,7 +11842,7 @@
                 <a:cs typeface="Arial"/>
                 <a:sym typeface="Arial"/>
               </a:rPr>
-              <a:t>14</a:t>
+              <a:t>15</a:t>
             </a:fld>
             <a:endParaRPr lang="x-none" sz="1400" b="0" i="0" u="none" strike="noStrike" cap="none">
               <a:solidFill>
@@ -15059,7 +16828,7 @@
               <a:t>Unnecessary </a:t>
             </a:r>
             <a:r>
-              <a:rPr lang="en-US" sz="2400" dirty="0">
+              <a:rPr lang="en-US" sz="2400" b="1" dirty="0">
                 <a:solidFill>
                   <a:schemeClr val="bg1"/>
                 </a:solidFill>
@@ -15067,7 +16836,7 @@
               </a:rPr>
               <a:t>traffic loads</a:t>
             </a:r>
-            <a:endParaRPr lang="x-none" sz="2400" dirty="0">
+            <a:endParaRPr lang="x-none" sz="2400" b="1" dirty="0">
               <a:solidFill>
                 <a:schemeClr val="bg1"/>
               </a:solidFill>
@@ -15312,7 +17081,7 @@
           <a:p>
             <a:pPr lvl="0" indent="-190500" algn="ctr"/>
             <a:r>
-              <a:rPr lang="en-US" sz="2400" dirty="0">
+              <a:rPr lang="en-US" sz="2400" b="1" dirty="0">
                 <a:solidFill>
                   <a:schemeClr val="bg1"/>
                 </a:solidFill>
@@ -15330,7 +17099,7 @@
               <a:t> Traffic Lights </a:t>
             </a:r>
             <a:r>
-              <a:rPr lang="en-US" sz="2400" dirty="0">
+              <a:rPr lang="en-US" sz="2400" b="1" dirty="0">
                 <a:solidFill>
                   <a:schemeClr val="bg1"/>
                 </a:solidFill>
@@ -15338,7 +17107,7 @@
               </a:rPr>
               <a:t>Scheduling</a:t>
             </a:r>
-            <a:endParaRPr lang="x-none" sz="2400" dirty="0">
+            <a:endParaRPr lang="x-none" sz="2400" b="1" dirty="0">
               <a:solidFill>
                 <a:schemeClr val="bg1"/>
               </a:solidFill>
@@ -15676,7 +17445,7 @@
               <a:t>Helping </a:t>
             </a:r>
             <a:r>
-              <a:rPr lang="en-US" i="0" dirty="0">
+              <a:rPr lang="en-US" b="1" i="0" dirty="0">
                 <a:solidFill>
                   <a:schemeClr val="bg1"/>
                 </a:solidFill>
@@ -15684,11 +17453,11 @@
               <a:t>municipalities</a:t>
             </a:r>
             <a:r>
-              <a:rPr lang="x-none" i="0" dirty="0"/>
+              <a:rPr lang="x-none" b="1" i="0" dirty="0"/>
               <a:t> </a:t>
             </a:r>
             <a:r>
-              <a:rPr lang="en-US" i="0" dirty="0">
+              <a:rPr lang="en-US" b="1" i="0" dirty="0">
                 <a:solidFill>
                   <a:schemeClr val="bg1"/>
                 </a:solidFill>
@@ -15696,7 +17465,7 @@
               <a:t>monitor &amp; Control</a:t>
             </a:r>
             <a:r>
-              <a:rPr lang="x-none" i="0" dirty="0">
+              <a:rPr lang="x-none" b="1" i="0" dirty="0">
                 <a:solidFill>
                   <a:schemeClr val="bg1"/>
                 </a:solidFill>
@@ -15704,7 +17473,7 @@
               <a:t> </a:t>
             </a:r>
             <a:r>
-              <a:rPr lang="en-US" i="0" dirty="0">
+              <a:rPr lang="en-US" b="1" i="0" dirty="0">
                 <a:solidFill>
                   <a:schemeClr val="lt1"/>
                 </a:solidFill>
@@ -15712,7 +17481,7 @@
               <a:t>traffic lights</a:t>
             </a:r>
             <a:r>
-              <a:rPr lang="x-none" i="0" dirty="0">
+              <a:rPr lang="x-none" b="1" i="0" dirty="0">
                 <a:solidFill>
                   <a:schemeClr val="lt1"/>
                 </a:solidFill>
@@ -19241,36 +21010,279 @@
       </p:sp>
       <p:sp>
         <p:nvSpPr>
-          <p:cNvPr id="4" name="TextBox 3"/>
-          <p:cNvSpPr txBox="1"/>
+          <p:cNvPr id="5" name="Shape 90">
+            <a:extLst>
+              <a:ext uri="{FF2B5EF4-FFF2-40B4-BE49-F238E27FC236}">
+                <a16:creationId xmlns:a16="http://schemas.microsoft.com/office/drawing/2014/main" id="{BA975BB3-D3FC-4E01-AB32-7D92DDD37E83}"/>
+              </a:ext>
+            </a:extLst>
+          </p:cNvPr>
+          <p:cNvSpPr txBox="1">
+            <a:spLocks/>
+          </p:cNvSpPr>
           <p:nvPr/>
         </p:nvSpPr>
         <p:spPr>
           <a:xfrm>
-            <a:off x="1280160" y="2143760"/>
-            <a:ext cx="5547360" cy="307777"/>
+            <a:off x="922000" y="2379262"/>
+            <a:ext cx="6866100" cy="2366100"/>
           </a:xfrm>
           <a:prstGeom prst="rect">
             <a:avLst/>
           </a:prstGeom>
-          <a:solidFill>
-            <a:srgbClr val="FFFF00"/>
-          </a:solidFill>
+          <a:noFill/>
+          <a:ln>
+            <a:noFill/>
+          </a:ln>
         </p:spPr>
         <p:txBody>
-          <a:bodyPr wrap="square" rtlCol="0">
-            <a:spAutoFit/>
+          <a:bodyPr wrap="square" lIns="91425" tIns="91425" rIns="91425" bIns="91425" anchor="t" anchorCtr="0">
+            <a:noAutofit/>
           </a:bodyPr>
-          <a:lstStyle/>
+          <a:lstStyle>
+            <a:defPPr marR="0" lvl="0" algn="l" rtl="0">
+              <a:lnSpc>
+                <a:spcPct val="100000"/>
+              </a:lnSpc>
+              <a:spcBef>
+                <a:spcPts val="0"/>
+              </a:spcBef>
+              <a:spcAft>
+                <a:spcPts val="0"/>
+              </a:spcAft>
+            </a:defPPr>
+            <a:lvl1pPr marR="0" lvl="0" algn="l" rtl="0">
+              <a:lnSpc>
+                <a:spcPct val="100000"/>
+              </a:lnSpc>
+              <a:spcBef>
+                <a:spcPts val="0"/>
+              </a:spcBef>
+              <a:spcAft>
+                <a:spcPts val="0"/>
+              </a:spcAft>
+              <a:buNone/>
+              <a:defRPr sz="1400" b="0" i="0" u="none" strike="noStrike" cap="none">
+                <a:solidFill>
+                  <a:srgbClr val="000000"/>
+                </a:solidFill>
+                <a:latin typeface="Arial"/>
+                <a:ea typeface="Arial"/>
+                <a:cs typeface="Arial"/>
+                <a:sym typeface="Arial"/>
+              </a:defRPr>
+            </a:lvl1pPr>
+            <a:lvl2pPr marR="0" lvl="1" algn="l" rtl="0">
+              <a:lnSpc>
+                <a:spcPct val="100000"/>
+              </a:lnSpc>
+              <a:spcBef>
+                <a:spcPts val="0"/>
+              </a:spcBef>
+              <a:spcAft>
+                <a:spcPts val="0"/>
+              </a:spcAft>
+              <a:buNone/>
+              <a:defRPr sz="1400" b="0" i="0" u="none" strike="noStrike" cap="none">
+                <a:solidFill>
+                  <a:srgbClr val="000000"/>
+                </a:solidFill>
+                <a:latin typeface="Arial"/>
+                <a:ea typeface="Arial"/>
+                <a:cs typeface="Arial"/>
+                <a:sym typeface="Arial"/>
+              </a:defRPr>
+            </a:lvl2pPr>
+            <a:lvl3pPr marR="0" lvl="2" algn="l" rtl="0">
+              <a:lnSpc>
+                <a:spcPct val="100000"/>
+              </a:lnSpc>
+              <a:spcBef>
+                <a:spcPts val="0"/>
+              </a:spcBef>
+              <a:spcAft>
+                <a:spcPts val="0"/>
+              </a:spcAft>
+              <a:buNone/>
+              <a:defRPr sz="1400" b="0" i="0" u="none" strike="noStrike" cap="none">
+                <a:solidFill>
+                  <a:srgbClr val="000000"/>
+                </a:solidFill>
+                <a:latin typeface="Arial"/>
+                <a:ea typeface="Arial"/>
+                <a:cs typeface="Arial"/>
+                <a:sym typeface="Arial"/>
+              </a:defRPr>
+            </a:lvl3pPr>
+            <a:lvl4pPr marR="0" lvl="3" algn="l" rtl="0">
+              <a:lnSpc>
+                <a:spcPct val="100000"/>
+              </a:lnSpc>
+              <a:spcBef>
+                <a:spcPts val="0"/>
+              </a:spcBef>
+              <a:spcAft>
+                <a:spcPts val="0"/>
+              </a:spcAft>
+              <a:buNone/>
+              <a:defRPr sz="1400" b="0" i="0" u="none" strike="noStrike" cap="none">
+                <a:solidFill>
+                  <a:srgbClr val="000000"/>
+                </a:solidFill>
+                <a:latin typeface="Arial"/>
+                <a:ea typeface="Arial"/>
+                <a:cs typeface="Arial"/>
+                <a:sym typeface="Arial"/>
+              </a:defRPr>
+            </a:lvl4pPr>
+            <a:lvl5pPr marR="0" lvl="4" algn="l" rtl="0">
+              <a:lnSpc>
+                <a:spcPct val="100000"/>
+              </a:lnSpc>
+              <a:spcBef>
+                <a:spcPts val="0"/>
+              </a:spcBef>
+              <a:spcAft>
+                <a:spcPts val="0"/>
+              </a:spcAft>
+              <a:buNone/>
+              <a:defRPr sz="1400" b="0" i="0" u="none" strike="noStrike" cap="none">
+                <a:solidFill>
+                  <a:srgbClr val="000000"/>
+                </a:solidFill>
+                <a:latin typeface="Arial"/>
+                <a:ea typeface="Arial"/>
+                <a:cs typeface="Arial"/>
+                <a:sym typeface="Arial"/>
+              </a:defRPr>
+            </a:lvl5pPr>
+            <a:lvl6pPr marR="0" lvl="5" algn="l" rtl="0">
+              <a:lnSpc>
+                <a:spcPct val="100000"/>
+              </a:lnSpc>
+              <a:spcBef>
+                <a:spcPts val="0"/>
+              </a:spcBef>
+              <a:spcAft>
+                <a:spcPts val="0"/>
+              </a:spcAft>
+              <a:buNone/>
+              <a:defRPr sz="1400" b="0" i="0" u="none" strike="noStrike" cap="none">
+                <a:solidFill>
+                  <a:srgbClr val="000000"/>
+                </a:solidFill>
+                <a:latin typeface="Arial"/>
+                <a:ea typeface="Arial"/>
+                <a:cs typeface="Arial"/>
+                <a:sym typeface="Arial"/>
+              </a:defRPr>
+            </a:lvl6pPr>
+            <a:lvl7pPr marR="0" lvl="6" algn="l" rtl="0">
+              <a:lnSpc>
+                <a:spcPct val="100000"/>
+              </a:lnSpc>
+              <a:spcBef>
+                <a:spcPts val="0"/>
+              </a:spcBef>
+              <a:spcAft>
+                <a:spcPts val="0"/>
+              </a:spcAft>
+              <a:buNone/>
+              <a:defRPr sz="1400" b="0" i="0" u="none" strike="noStrike" cap="none">
+                <a:solidFill>
+                  <a:srgbClr val="000000"/>
+                </a:solidFill>
+                <a:latin typeface="Arial"/>
+                <a:ea typeface="Arial"/>
+                <a:cs typeface="Arial"/>
+                <a:sym typeface="Arial"/>
+              </a:defRPr>
+            </a:lvl7pPr>
+            <a:lvl8pPr marR="0" lvl="7" algn="l" rtl="0">
+              <a:lnSpc>
+                <a:spcPct val="100000"/>
+              </a:lnSpc>
+              <a:spcBef>
+                <a:spcPts val="0"/>
+              </a:spcBef>
+              <a:spcAft>
+                <a:spcPts val="0"/>
+              </a:spcAft>
+              <a:buNone/>
+              <a:defRPr sz="1400" b="0" i="0" u="none" strike="noStrike" cap="none">
+                <a:solidFill>
+                  <a:srgbClr val="000000"/>
+                </a:solidFill>
+                <a:latin typeface="Arial"/>
+                <a:ea typeface="Arial"/>
+                <a:cs typeface="Arial"/>
+                <a:sym typeface="Arial"/>
+              </a:defRPr>
+            </a:lvl8pPr>
+            <a:lvl9pPr marR="0" lvl="8" algn="l" rtl="0">
+              <a:lnSpc>
+                <a:spcPct val="100000"/>
+              </a:lnSpc>
+              <a:spcBef>
+                <a:spcPts val="0"/>
+              </a:spcBef>
+              <a:spcAft>
+                <a:spcPts val="0"/>
+              </a:spcAft>
+              <a:buNone/>
+              <a:defRPr sz="1400" b="0" i="0" u="none" strike="noStrike" cap="none">
+                <a:solidFill>
+                  <a:srgbClr val="000000"/>
+                </a:solidFill>
+                <a:latin typeface="Arial"/>
+                <a:ea typeface="Arial"/>
+                <a:cs typeface="Arial"/>
+                <a:sym typeface="Arial"/>
+              </a:defRPr>
+            </a:lvl9pPr>
+          </a:lstStyle>
           <a:p>
+            <a:pPr marL="285750" indent="-285750">
+              <a:buFont typeface="Arial" charset="0"/>
+              <a:buChar char="•"/>
+            </a:pPr>
             <a:r>
-              <a:rPr lang="en-US" dirty="0">
-                <a:solidFill>
-                  <a:srgbClr val="FF0000"/>
-                </a:solidFill>
-              </a:rPr>
-              <a:t>Ran, please complete the outline</a:t>
+              <a:rPr lang="en-US" dirty="0"/>
+              <a:t>Importing an actual city map into the simulator</a:t>
             </a:r>
+          </a:p>
+          <a:p>
+            <a:pPr marL="285750" indent="-285750">
+              <a:buFont typeface="Arial" charset="0"/>
+              <a:buChar char="•"/>
+            </a:pPr>
+            <a:r>
+              <a:rPr lang="en-US" dirty="0"/>
+              <a:t>Enriching simulations with pedestrian traffic</a:t>
+            </a:r>
+          </a:p>
+          <a:p>
+            <a:pPr marL="285750" indent="-285750">
+              <a:buFont typeface="Arial" charset="0"/>
+              <a:buChar char="•"/>
+            </a:pPr>
+            <a:r>
+              <a:rPr lang="en-US" dirty="0"/>
+              <a:t>Building </a:t>
+            </a:r>
+            <a:r>
+              <a:rPr lang="en-US" b="1" dirty="0"/>
+              <a:t>even more sophisticated scheduler</a:t>
+            </a:r>
+            <a:r>
+              <a:rPr lang="en-US" dirty="0"/>
+              <a:t>, supporting multiple junctions considerations</a:t>
+            </a:r>
+            <a:endParaRPr lang="en-US" sz="2400" dirty="0"/>
+          </a:p>
+          <a:p>
+            <a:pPr lvl="7"/>
+            <a:endParaRPr lang="en-US" dirty="0"/>
           </a:p>
         </p:txBody>
       </p:sp>
@@ -19288,6 +21300,991 @@
 </file>
 
 <file path=ppt/slides/slide7.xml><?xml version="1.0" encoding="utf-8"?>
+<p:sld xmlns:a="http://schemas.openxmlformats.org/drawingml/2006/main" xmlns:r="http://schemas.openxmlformats.org/officeDocument/2006/relationships" xmlns:p="http://schemas.openxmlformats.org/presentationml/2006/main">
+  <p:cSld>
+    <p:spTree>
+      <p:nvGrpSpPr>
+        <p:cNvPr id="1" name="Shape 88"/>
+        <p:cNvGrpSpPr/>
+        <p:nvPr/>
+      </p:nvGrpSpPr>
+      <p:grpSpPr>
+        <a:xfrm>
+          <a:off x="0" y="0"/>
+          <a:ext cx="0" cy="0"/>
+          <a:chOff x="0" y="0"/>
+          <a:chExt cx="0" cy="0"/>
+        </a:xfrm>
+      </p:grpSpPr>
+      <p:sp>
+        <p:nvSpPr>
+          <p:cNvPr id="89" name="Shape 89"/>
+          <p:cNvSpPr txBox="1">
+            <a:spLocks noGrp="1"/>
+          </p:cNvSpPr>
+          <p:nvPr>
+            <p:ph type="title"/>
+          </p:nvPr>
+        </p:nvSpPr>
+        <p:spPr>
+          <a:xfrm>
+            <a:off x="922000" y="844885"/>
+            <a:ext cx="6866100" cy="857400"/>
+          </a:xfrm>
+          <a:prstGeom prst="rect">
+            <a:avLst/>
+          </a:prstGeom>
+          <a:noFill/>
+          <a:ln>
+            <a:noFill/>
+          </a:ln>
+        </p:spPr>
+        <p:txBody>
+          <a:bodyPr wrap="square" lIns="91425" tIns="91425" rIns="91425" bIns="91425" anchor="t" anchorCtr="0">
+            <a:noAutofit/>
+          </a:bodyPr>
+          <a:lstStyle/>
+          <a:p>
+            <a:pPr lvl="0" indent="-279400">
+              <a:buSzPts val="4400"/>
+            </a:pPr>
+            <a:r>
+              <a:rPr lang="en-US" sz="4400" dirty="0"/>
+              <a:t>Scheduler </a:t>
+            </a:r>
+            <a:r>
+              <a:rPr lang="en-US" sz="4400" dirty="0">
+                <a:solidFill>
+                  <a:srgbClr val="FFB600"/>
+                </a:solidFill>
+              </a:rPr>
+              <a:t>Idea</a:t>
+            </a:r>
+            <a:endParaRPr lang="iw-IL" sz="2800" b="0" i="0" u="none" strike="noStrike" cap="none" dirty="0">
+              <a:solidFill>
+                <a:srgbClr val="FFB600"/>
+              </a:solidFill>
+              <a:latin typeface="Raleway Light" panose="020B0403030101060003" pitchFamily="34" charset="0"/>
+              <a:sym typeface="Raleway ExtraBold"/>
+            </a:endParaRPr>
+          </a:p>
+        </p:txBody>
+      </p:sp>
+      <p:sp>
+        <p:nvSpPr>
+          <p:cNvPr id="90" name="Shape 90"/>
+          <p:cNvSpPr txBox="1">
+            <a:spLocks noGrp="1"/>
+          </p:cNvSpPr>
+          <p:nvPr>
+            <p:ph type="body" idx="1"/>
+          </p:nvPr>
+        </p:nvSpPr>
+        <p:spPr>
+          <a:xfrm>
+            <a:off x="922000" y="1769658"/>
+            <a:ext cx="6866100" cy="2366100"/>
+          </a:xfrm>
+          <a:prstGeom prst="rect">
+            <a:avLst/>
+          </a:prstGeom>
+          <a:noFill/>
+          <a:ln>
+            <a:noFill/>
+          </a:ln>
+        </p:spPr>
+        <p:txBody>
+          <a:bodyPr wrap="square" lIns="91425" tIns="91425" rIns="91425" bIns="91425" anchor="t" anchorCtr="0">
+            <a:noAutofit/>
+          </a:bodyPr>
+          <a:lstStyle/>
+          <a:p>
+            <a:pPr marL="285750" indent="-285750">
+              <a:buFont typeface="Arial" charset="0"/>
+              <a:buChar char="•"/>
+            </a:pPr>
+            <a:r>
+              <a:rPr lang="en-US" sz="1600" dirty="0"/>
+              <a:t>The algorithm is based on the article “An Intelligent Traffic Light Scheduling Algorithm Through VANETs” (</a:t>
+            </a:r>
+            <a:r>
+              <a:rPr lang="en-US" sz="1600" dirty="0" err="1"/>
+              <a:t>Maram</a:t>
+            </a:r>
+            <a:r>
+              <a:rPr lang="en-US" sz="1600" dirty="0"/>
+              <a:t> Bani Younes </a:t>
+            </a:r>
+            <a:r>
+              <a:rPr lang="en-US" sz="1600" dirty="0" err="1"/>
+              <a:t>Azzedine</a:t>
+            </a:r>
+            <a:r>
+              <a:rPr lang="en-US" sz="1600" dirty="0"/>
+              <a:t> </a:t>
+            </a:r>
+            <a:r>
+              <a:rPr lang="en-US" sz="1600" dirty="0" err="1"/>
+              <a:t>Boukerche</a:t>
+            </a:r>
+            <a:r>
+              <a:rPr lang="en-US" sz="1600" dirty="0"/>
+              <a:t>).</a:t>
+            </a:r>
+          </a:p>
+          <a:p>
+            <a:pPr indent="0">
+              <a:buNone/>
+            </a:pPr>
+            <a:endParaRPr lang="en-US" sz="1600" dirty="0"/>
+          </a:p>
+          <a:p>
+            <a:pPr marL="285750" indent="-285750">
+              <a:buFont typeface="Arial" charset="0"/>
+              <a:buChar char="•"/>
+            </a:pPr>
+            <a:r>
+              <a:rPr lang="en-US" sz="1600" dirty="0"/>
+              <a:t>The algorithm decides at each iteration what are the best traffic lights to schedule, </a:t>
+            </a:r>
+            <a:r>
+              <a:rPr lang="en-US" sz="1600" dirty="0" err="1"/>
+              <a:t>i.e</a:t>
+            </a:r>
+            <a:r>
+              <a:rPr lang="en-US" sz="1600" dirty="0"/>
+              <a:t>, the traffic lights to set to be green.</a:t>
+            </a:r>
+          </a:p>
+          <a:p>
+            <a:pPr indent="0">
+              <a:buNone/>
+            </a:pPr>
+            <a:endParaRPr lang="en-US" sz="1600" dirty="0"/>
+          </a:p>
+          <a:p>
+            <a:pPr marL="285750" indent="-285750">
+              <a:buFont typeface="Arial" charset="0"/>
+              <a:buChar char="•"/>
+            </a:pPr>
+            <a:r>
+              <a:rPr lang="en-US" sz="1600" dirty="0"/>
+              <a:t>The algorithm takes into account the queue length at each lane, the overhead of changing the traffic light scheduling, and which traffic lights could be green at the same time.</a:t>
+            </a:r>
+          </a:p>
+        </p:txBody>
+      </p:sp>
+      <p:sp>
+        <p:nvSpPr>
+          <p:cNvPr id="91" name="Shape 91"/>
+          <p:cNvSpPr txBox="1">
+            <a:spLocks noGrp="1"/>
+          </p:cNvSpPr>
+          <p:nvPr>
+            <p:ph type="sldNum" idx="12"/>
+          </p:nvPr>
+        </p:nvSpPr>
+        <p:spPr>
+          <a:xfrm>
+            <a:off x="8604400" y="4590300"/>
+            <a:ext cx="539700" cy="553200"/>
+          </a:xfrm>
+          <a:prstGeom prst="rect">
+            <a:avLst/>
+          </a:prstGeom>
+          <a:noFill/>
+          <a:ln>
+            <a:noFill/>
+          </a:ln>
+        </p:spPr>
+        <p:txBody>
+          <a:bodyPr wrap="square" lIns="91425" tIns="91425" rIns="91425" bIns="91425" anchor="ctr" anchorCtr="0">
+            <a:noAutofit/>
+          </a:bodyPr>
+          <a:lstStyle/>
+          <a:p>
+            <a:pPr marL="0" marR="0" lvl="0" indent="-88900" algn="l" rtl="0">
+              <a:lnSpc>
+                <a:spcPct val="100000"/>
+              </a:lnSpc>
+              <a:spcBef>
+                <a:spcPts val="0"/>
+              </a:spcBef>
+              <a:spcAft>
+                <a:spcPts val="0"/>
+              </a:spcAft>
+              <a:buClr>
+                <a:srgbClr val="000000"/>
+              </a:buClr>
+              <a:buSzPts val="1400"/>
+              <a:buFont typeface="Arial"/>
+              <a:buNone/>
+            </a:pPr>
+            <a:fld id="{00000000-1234-1234-1234-123412341234}" type="slidenum">
+              <a:rPr lang="iw-IL" sz="1400" b="0" i="0" u="none" strike="noStrike" cap="none">
+                <a:solidFill>
+                  <a:srgbClr val="000000"/>
+                </a:solidFill>
+                <a:latin typeface="Arial"/>
+                <a:ea typeface="Arial"/>
+                <a:cs typeface="Arial"/>
+                <a:sym typeface="Arial"/>
+              </a:rPr>
+              <a:t>7</a:t>
+            </a:fld>
+            <a:endParaRPr lang="iw-IL" sz="1400" b="0" i="0" u="none" strike="noStrike" cap="none">
+              <a:solidFill>
+                <a:srgbClr val="000000"/>
+              </a:solidFill>
+              <a:latin typeface="Arial"/>
+              <a:ea typeface="Arial"/>
+              <a:cs typeface="Arial"/>
+              <a:sym typeface="Arial"/>
+            </a:endParaRPr>
+          </a:p>
+        </p:txBody>
+      </p:sp>
+      <p:grpSp>
+        <p:nvGrpSpPr>
+          <p:cNvPr id="92" name="Shape 92"/>
+          <p:cNvGrpSpPr/>
+          <p:nvPr/>
+        </p:nvGrpSpPr>
+        <p:grpSpPr>
+          <a:xfrm>
+            <a:off x="8119638" y="225980"/>
+            <a:ext cx="539546" cy="879605"/>
+            <a:chOff x="6730350" y="2315900"/>
+            <a:chExt cx="257700" cy="420100"/>
+          </a:xfrm>
+        </p:grpSpPr>
+        <p:sp>
+          <p:nvSpPr>
+            <p:cNvPr id="93" name="Shape 93"/>
+            <p:cNvSpPr/>
+            <p:nvPr/>
+          </p:nvSpPr>
+          <p:spPr>
+            <a:xfrm>
+              <a:off x="6807900" y="2671250"/>
+              <a:ext cx="102600" cy="22625"/>
+            </a:xfrm>
+            <a:custGeom>
+              <a:avLst/>
+              <a:gdLst/>
+              <a:ahLst/>
+              <a:cxnLst/>
+              <a:rect l="0" t="0" r="0" b="0"/>
+              <a:pathLst>
+                <a:path w="120000" h="120000" extrusionOk="0">
+                  <a:moveTo>
+                    <a:pt x="29" y="132"/>
+                  </a:moveTo>
+                  <a:lnTo>
+                    <a:pt x="29" y="120000"/>
+                  </a:lnTo>
+                  <a:lnTo>
+                    <a:pt x="120000" y="120000"/>
+                  </a:lnTo>
+                  <a:lnTo>
+                    <a:pt x="120000" y="132"/>
+                  </a:lnTo>
+                  <a:close/>
+                </a:path>
+              </a:pathLst>
+            </a:custGeom>
+            <a:solidFill>
+              <a:srgbClr val="FFB600"/>
+            </a:solidFill>
+            <a:ln>
+              <a:noFill/>
+            </a:ln>
+          </p:spPr>
+          <p:txBody>
+            <a:bodyPr wrap="square" lIns="91425" tIns="91425" rIns="91425" bIns="91425" anchor="ctr" anchorCtr="0">
+              <a:noAutofit/>
+            </a:bodyPr>
+            <a:lstStyle/>
+            <a:p>
+              <a:pPr marL="0" marR="0" lvl="0" indent="-88900" algn="l" rtl="0">
+                <a:lnSpc>
+                  <a:spcPct val="100000"/>
+                </a:lnSpc>
+                <a:spcBef>
+                  <a:spcPts val="0"/>
+                </a:spcBef>
+                <a:spcAft>
+                  <a:spcPts val="0"/>
+                </a:spcAft>
+                <a:buClr>
+                  <a:srgbClr val="000000"/>
+                </a:buClr>
+                <a:buSzPts val="1400"/>
+                <a:buFont typeface="Arial"/>
+                <a:buNone/>
+              </a:pPr>
+              <a:endParaRPr sz="1400" b="0" i="0" u="none" strike="noStrike" cap="none">
+                <a:solidFill>
+                  <a:srgbClr val="000000"/>
+                </a:solidFill>
+                <a:latin typeface="Arial"/>
+                <a:ea typeface="Arial"/>
+                <a:cs typeface="Arial"/>
+                <a:sym typeface="Arial"/>
+              </a:endParaRPr>
+            </a:p>
+          </p:txBody>
+        </p:sp>
+        <p:sp>
+          <p:nvSpPr>
+            <p:cNvPr id="94" name="Shape 94"/>
+            <p:cNvSpPr/>
+            <p:nvPr/>
+          </p:nvSpPr>
+          <p:spPr>
+            <a:xfrm>
+              <a:off x="6807900" y="2636450"/>
+              <a:ext cx="102600" cy="22625"/>
+            </a:xfrm>
+            <a:custGeom>
+              <a:avLst/>
+              <a:gdLst/>
+              <a:ahLst/>
+              <a:cxnLst/>
+              <a:rect l="0" t="0" r="0" b="0"/>
+              <a:pathLst>
+                <a:path w="120000" h="120000" extrusionOk="0">
+                  <a:moveTo>
+                    <a:pt x="29" y="132"/>
+                  </a:moveTo>
+                  <a:lnTo>
+                    <a:pt x="29" y="120000"/>
+                  </a:lnTo>
+                  <a:lnTo>
+                    <a:pt x="120000" y="120000"/>
+                  </a:lnTo>
+                  <a:lnTo>
+                    <a:pt x="120000" y="132"/>
+                  </a:lnTo>
+                  <a:close/>
+                </a:path>
+              </a:pathLst>
+            </a:custGeom>
+            <a:solidFill>
+              <a:srgbClr val="FFB600"/>
+            </a:solidFill>
+            <a:ln>
+              <a:noFill/>
+            </a:ln>
+          </p:spPr>
+          <p:txBody>
+            <a:bodyPr wrap="square" lIns="91425" tIns="91425" rIns="91425" bIns="91425" anchor="ctr" anchorCtr="0">
+              <a:noAutofit/>
+            </a:bodyPr>
+            <a:lstStyle/>
+            <a:p>
+              <a:pPr marL="0" marR="0" lvl="0" indent="-88900" algn="l" rtl="0">
+                <a:lnSpc>
+                  <a:spcPct val="100000"/>
+                </a:lnSpc>
+                <a:spcBef>
+                  <a:spcPts val="0"/>
+                </a:spcBef>
+                <a:spcAft>
+                  <a:spcPts val="0"/>
+                </a:spcAft>
+                <a:buClr>
+                  <a:srgbClr val="000000"/>
+                </a:buClr>
+                <a:buSzPts val="1400"/>
+                <a:buFont typeface="Arial"/>
+                <a:buNone/>
+              </a:pPr>
+              <a:endParaRPr sz="1400" b="0" i="0" u="none" strike="noStrike" cap="none">
+                <a:solidFill>
+                  <a:srgbClr val="000000"/>
+                </a:solidFill>
+                <a:latin typeface="Arial"/>
+                <a:ea typeface="Arial"/>
+                <a:cs typeface="Arial"/>
+                <a:sym typeface="Arial"/>
+              </a:endParaRPr>
+            </a:p>
+          </p:txBody>
+        </p:sp>
+        <p:sp>
+          <p:nvSpPr>
+            <p:cNvPr id="95" name="Shape 95"/>
+            <p:cNvSpPr/>
+            <p:nvPr/>
+          </p:nvSpPr>
+          <p:spPr>
+            <a:xfrm>
+              <a:off x="6807900" y="2706075"/>
+              <a:ext cx="102600" cy="29925"/>
+            </a:xfrm>
+            <a:custGeom>
+              <a:avLst/>
+              <a:gdLst/>
+              <a:ahLst/>
+              <a:cxnLst/>
+              <a:rect l="0" t="0" r="0" b="0"/>
+              <a:pathLst>
+                <a:path w="120000" h="120000" extrusionOk="0">
+                  <a:moveTo>
+                    <a:pt x="29" y="0"/>
+                  </a:moveTo>
+                  <a:lnTo>
+                    <a:pt x="29" y="17142"/>
+                  </a:lnTo>
+                  <a:lnTo>
+                    <a:pt x="730" y="31879"/>
+                  </a:lnTo>
+                  <a:lnTo>
+                    <a:pt x="2865" y="46516"/>
+                  </a:lnTo>
+                  <a:lnTo>
+                    <a:pt x="5730" y="58746"/>
+                  </a:lnTo>
+                  <a:lnTo>
+                    <a:pt x="10029" y="66165"/>
+                  </a:lnTo>
+                  <a:lnTo>
+                    <a:pt x="55000" y="117493"/>
+                  </a:lnTo>
+                  <a:lnTo>
+                    <a:pt x="60000" y="120000"/>
+                  </a:lnTo>
+                  <a:lnTo>
+                    <a:pt x="65000" y="117493"/>
+                  </a:lnTo>
+                  <a:lnTo>
+                    <a:pt x="110000" y="66165"/>
+                  </a:lnTo>
+                  <a:lnTo>
+                    <a:pt x="114269" y="58746"/>
+                  </a:lnTo>
+                  <a:lnTo>
+                    <a:pt x="117134" y="46516"/>
+                  </a:lnTo>
+                  <a:lnTo>
+                    <a:pt x="119269" y="31879"/>
+                  </a:lnTo>
+                  <a:lnTo>
+                    <a:pt x="120000" y="17142"/>
+                  </a:lnTo>
+                  <a:lnTo>
+                    <a:pt x="120000" y="0"/>
+                  </a:lnTo>
+                  <a:close/>
+                </a:path>
+              </a:pathLst>
+            </a:custGeom>
+            <a:solidFill>
+              <a:srgbClr val="FFB600"/>
+            </a:solidFill>
+            <a:ln>
+              <a:noFill/>
+            </a:ln>
+          </p:spPr>
+          <p:txBody>
+            <a:bodyPr wrap="square" lIns="91425" tIns="91425" rIns="91425" bIns="91425" anchor="ctr" anchorCtr="0">
+              <a:noAutofit/>
+            </a:bodyPr>
+            <a:lstStyle/>
+            <a:p>
+              <a:pPr marL="0" marR="0" lvl="0" indent="-88900" algn="l" rtl="0">
+                <a:lnSpc>
+                  <a:spcPct val="100000"/>
+                </a:lnSpc>
+                <a:spcBef>
+                  <a:spcPts val="0"/>
+                </a:spcBef>
+                <a:spcAft>
+                  <a:spcPts val="0"/>
+                </a:spcAft>
+                <a:buClr>
+                  <a:srgbClr val="000000"/>
+                </a:buClr>
+                <a:buSzPts val="1400"/>
+                <a:buFont typeface="Arial"/>
+                <a:buNone/>
+              </a:pPr>
+              <a:endParaRPr sz="1400" b="0" i="0" u="none" strike="noStrike" cap="none">
+                <a:solidFill>
+                  <a:srgbClr val="000000"/>
+                </a:solidFill>
+                <a:latin typeface="Arial"/>
+                <a:ea typeface="Arial"/>
+                <a:cs typeface="Arial"/>
+                <a:sym typeface="Arial"/>
+              </a:endParaRPr>
+            </a:p>
+          </p:txBody>
+        </p:sp>
+        <p:sp>
+          <p:nvSpPr>
+            <p:cNvPr id="96" name="Shape 96"/>
+            <p:cNvSpPr/>
+            <p:nvPr/>
+          </p:nvSpPr>
+          <p:spPr>
+            <a:xfrm>
+              <a:off x="6811575" y="2463675"/>
+              <a:ext cx="95275" cy="160600"/>
+            </a:xfrm>
+            <a:custGeom>
+              <a:avLst/>
+              <a:gdLst/>
+              <a:ahLst/>
+              <a:cxnLst/>
+              <a:rect l="0" t="0" r="0" b="0"/>
+              <a:pathLst>
+                <a:path w="120000" h="120000" extrusionOk="0">
+                  <a:moveTo>
+                    <a:pt x="59984" y="0"/>
+                  </a:moveTo>
+                  <a:lnTo>
+                    <a:pt x="29220" y="15523"/>
+                  </a:lnTo>
+                  <a:lnTo>
+                    <a:pt x="26922" y="16419"/>
+                  </a:lnTo>
+                  <a:lnTo>
+                    <a:pt x="24623" y="16886"/>
+                  </a:lnTo>
+                  <a:lnTo>
+                    <a:pt x="21537" y="16419"/>
+                  </a:lnTo>
+                  <a:lnTo>
+                    <a:pt x="19239" y="15523"/>
+                  </a:lnTo>
+                  <a:lnTo>
+                    <a:pt x="0" y="5940"/>
+                  </a:lnTo>
+                  <a:lnTo>
+                    <a:pt x="41532" y="119981"/>
+                  </a:lnTo>
+                  <a:lnTo>
+                    <a:pt x="78436" y="119981"/>
+                  </a:lnTo>
+                  <a:lnTo>
+                    <a:pt x="119968" y="5940"/>
+                  </a:lnTo>
+                  <a:lnTo>
+                    <a:pt x="100760" y="15523"/>
+                  </a:lnTo>
+                  <a:lnTo>
+                    <a:pt x="98430" y="16419"/>
+                  </a:lnTo>
+                  <a:lnTo>
+                    <a:pt x="95376" y="16886"/>
+                  </a:lnTo>
+                  <a:lnTo>
+                    <a:pt x="93046" y="16419"/>
+                  </a:lnTo>
+                  <a:lnTo>
+                    <a:pt x="90747" y="15523"/>
+                  </a:lnTo>
+                  <a:lnTo>
+                    <a:pt x="59984" y="0"/>
+                  </a:lnTo>
+                  <a:close/>
+                </a:path>
+              </a:pathLst>
+            </a:custGeom>
+            <a:solidFill>
+              <a:srgbClr val="FFB600"/>
+            </a:solidFill>
+            <a:ln>
+              <a:noFill/>
+            </a:ln>
+          </p:spPr>
+          <p:txBody>
+            <a:bodyPr wrap="square" lIns="91425" tIns="91425" rIns="91425" bIns="91425" anchor="ctr" anchorCtr="0">
+              <a:noAutofit/>
+            </a:bodyPr>
+            <a:lstStyle/>
+            <a:p>
+              <a:pPr marL="0" marR="0" lvl="0" indent="-88900" algn="l" rtl="0">
+                <a:lnSpc>
+                  <a:spcPct val="100000"/>
+                </a:lnSpc>
+                <a:spcBef>
+                  <a:spcPts val="0"/>
+                </a:spcBef>
+                <a:spcAft>
+                  <a:spcPts val="0"/>
+                </a:spcAft>
+                <a:buClr>
+                  <a:srgbClr val="000000"/>
+                </a:buClr>
+                <a:buSzPts val="1400"/>
+                <a:buFont typeface="Arial"/>
+                <a:buNone/>
+              </a:pPr>
+              <a:endParaRPr sz="1400" b="0" i="0" u="none" strike="noStrike" cap="none">
+                <a:solidFill>
+                  <a:srgbClr val="000000"/>
+                </a:solidFill>
+                <a:latin typeface="Arial"/>
+                <a:ea typeface="Arial"/>
+                <a:cs typeface="Arial"/>
+                <a:sym typeface="Arial"/>
+              </a:endParaRPr>
+            </a:p>
+          </p:txBody>
+        </p:sp>
+        <p:sp>
+          <p:nvSpPr>
+            <p:cNvPr id="97" name="Shape 97"/>
+            <p:cNvSpPr/>
+            <p:nvPr/>
+          </p:nvSpPr>
+          <p:spPr>
+            <a:xfrm>
+              <a:off x="6730350" y="2315900"/>
+              <a:ext cx="257700" cy="308375"/>
+            </a:xfrm>
+            <a:custGeom>
+              <a:avLst/>
+              <a:gdLst/>
+              <a:ahLst/>
+              <a:cxnLst/>
+              <a:rect l="0" t="0" r="0" b="0"/>
+              <a:pathLst>
+                <a:path w="120000" h="120000" extrusionOk="0">
+                  <a:moveTo>
+                    <a:pt x="60000" y="9"/>
+                  </a:moveTo>
+                  <a:lnTo>
+                    <a:pt x="53748" y="243"/>
+                  </a:lnTo>
+                  <a:lnTo>
+                    <a:pt x="48055" y="953"/>
+                  </a:lnTo>
+                  <a:lnTo>
+                    <a:pt x="42083" y="2383"/>
+                  </a:lnTo>
+                  <a:lnTo>
+                    <a:pt x="36682" y="4047"/>
+                  </a:lnTo>
+                  <a:lnTo>
+                    <a:pt x="31571" y="6187"/>
+                  </a:lnTo>
+                  <a:lnTo>
+                    <a:pt x="26449" y="8561"/>
+                  </a:lnTo>
+                  <a:lnTo>
+                    <a:pt x="21897" y="11411"/>
+                  </a:lnTo>
+                  <a:lnTo>
+                    <a:pt x="17636" y="14738"/>
+                  </a:lnTo>
+                  <a:lnTo>
+                    <a:pt x="13946" y="18299"/>
+                  </a:lnTo>
+                  <a:lnTo>
+                    <a:pt x="10244" y="22102"/>
+                  </a:lnTo>
+                  <a:lnTo>
+                    <a:pt x="7403" y="26140"/>
+                  </a:lnTo>
+                  <a:lnTo>
+                    <a:pt x="4842" y="30654"/>
+                  </a:lnTo>
+                  <a:lnTo>
+                    <a:pt x="2852" y="35168"/>
+                  </a:lnTo>
+                  <a:lnTo>
+                    <a:pt x="1431" y="39925"/>
+                  </a:lnTo>
+                  <a:lnTo>
+                    <a:pt x="582" y="44916"/>
+                  </a:lnTo>
+                  <a:lnTo>
+                    <a:pt x="11" y="50140"/>
+                  </a:lnTo>
+                  <a:lnTo>
+                    <a:pt x="291" y="52757"/>
+                  </a:lnTo>
+                  <a:lnTo>
+                    <a:pt x="582" y="55364"/>
+                  </a:lnTo>
+                  <a:lnTo>
+                    <a:pt x="1431" y="60355"/>
+                  </a:lnTo>
+                  <a:lnTo>
+                    <a:pt x="2852" y="65112"/>
+                  </a:lnTo>
+                  <a:lnTo>
+                    <a:pt x="4842" y="69383"/>
+                  </a:lnTo>
+                  <a:lnTo>
+                    <a:pt x="7403" y="73663"/>
+                  </a:lnTo>
+                  <a:lnTo>
+                    <a:pt x="9965" y="77467"/>
+                  </a:lnTo>
+                  <a:lnTo>
+                    <a:pt x="12805" y="81261"/>
+                  </a:lnTo>
+                  <a:lnTo>
+                    <a:pt x="15937" y="85065"/>
+                  </a:lnTo>
+                  <a:lnTo>
+                    <a:pt x="22188" y="92672"/>
+                  </a:lnTo>
+                  <a:lnTo>
+                    <a:pt x="25029" y="96710"/>
+                  </a:lnTo>
+                  <a:lnTo>
+                    <a:pt x="27869" y="100747"/>
+                  </a:lnTo>
+                  <a:lnTo>
+                    <a:pt x="30430" y="105027"/>
+                  </a:lnTo>
+                  <a:lnTo>
+                    <a:pt x="32712" y="109775"/>
+                  </a:lnTo>
+                  <a:lnTo>
+                    <a:pt x="34691" y="114766"/>
+                  </a:lnTo>
+                  <a:lnTo>
+                    <a:pt x="36123" y="119990"/>
+                  </a:lnTo>
+                  <a:lnTo>
+                    <a:pt x="47485" y="119990"/>
+                  </a:lnTo>
+                  <a:lnTo>
+                    <a:pt x="37823" y="82691"/>
+                  </a:lnTo>
+                  <a:lnTo>
+                    <a:pt x="31001" y="54887"/>
+                  </a:lnTo>
+                  <a:lnTo>
+                    <a:pt x="31001" y="53700"/>
+                  </a:lnTo>
+                  <a:lnTo>
+                    <a:pt x="31571" y="52757"/>
+                  </a:lnTo>
+                  <a:lnTo>
+                    <a:pt x="32421" y="52280"/>
+                  </a:lnTo>
+                  <a:lnTo>
+                    <a:pt x="33562" y="52037"/>
+                  </a:lnTo>
+                  <a:lnTo>
+                    <a:pt x="34412" y="52037"/>
+                  </a:lnTo>
+                  <a:lnTo>
+                    <a:pt x="35552" y="52513"/>
+                  </a:lnTo>
+                  <a:lnTo>
+                    <a:pt x="46926" y="60831"/>
+                  </a:lnTo>
+                  <a:lnTo>
+                    <a:pt x="58009" y="52513"/>
+                  </a:lnTo>
+                  <a:lnTo>
+                    <a:pt x="59150" y="52037"/>
+                  </a:lnTo>
+                  <a:lnTo>
+                    <a:pt x="60849" y="52037"/>
+                  </a:lnTo>
+                  <a:lnTo>
+                    <a:pt x="61990" y="52513"/>
+                  </a:lnTo>
+                  <a:lnTo>
+                    <a:pt x="73084" y="60831"/>
+                  </a:lnTo>
+                  <a:lnTo>
+                    <a:pt x="84447" y="52513"/>
+                  </a:lnTo>
+                  <a:lnTo>
+                    <a:pt x="85587" y="52037"/>
+                  </a:lnTo>
+                  <a:lnTo>
+                    <a:pt x="86437" y="52037"/>
+                  </a:lnTo>
+                  <a:lnTo>
+                    <a:pt x="87578" y="52280"/>
+                  </a:lnTo>
+                  <a:lnTo>
+                    <a:pt x="88428" y="52757"/>
+                  </a:lnTo>
+                  <a:lnTo>
+                    <a:pt x="88998" y="53700"/>
+                  </a:lnTo>
+                  <a:lnTo>
+                    <a:pt x="88998" y="54887"/>
+                  </a:lnTo>
+                  <a:lnTo>
+                    <a:pt x="82176" y="82691"/>
+                  </a:lnTo>
+                  <a:lnTo>
+                    <a:pt x="72514" y="119990"/>
+                  </a:lnTo>
+                  <a:lnTo>
+                    <a:pt x="83888" y="119990"/>
+                  </a:lnTo>
+                  <a:lnTo>
+                    <a:pt x="85308" y="114766"/>
+                  </a:lnTo>
+                  <a:lnTo>
+                    <a:pt x="87299" y="109775"/>
+                  </a:lnTo>
+                  <a:lnTo>
+                    <a:pt x="89569" y="105027"/>
+                  </a:lnTo>
+                  <a:lnTo>
+                    <a:pt x="92130" y="100747"/>
+                  </a:lnTo>
+                  <a:lnTo>
+                    <a:pt x="94970" y="96710"/>
+                  </a:lnTo>
+                  <a:lnTo>
+                    <a:pt x="97811" y="92672"/>
+                  </a:lnTo>
+                  <a:lnTo>
+                    <a:pt x="104074" y="85065"/>
+                  </a:lnTo>
+                  <a:lnTo>
+                    <a:pt x="107194" y="81261"/>
+                  </a:lnTo>
+                  <a:lnTo>
+                    <a:pt x="110046" y="77467"/>
+                  </a:lnTo>
+                  <a:lnTo>
+                    <a:pt x="112596" y="73663"/>
+                  </a:lnTo>
+                  <a:lnTo>
+                    <a:pt x="115157" y="69383"/>
+                  </a:lnTo>
+                  <a:lnTo>
+                    <a:pt x="117147" y="65112"/>
+                  </a:lnTo>
+                  <a:lnTo>
+                    <a:pt x="118568" y="60355"/>
+                  </a:lnTo>
+                  <a:lnTo>
+                    <a:pt x="119429" y="55364"/>
+                  </a:lnTo>
+                  <a:lnTo>
+                    <a:pt x="119708" y="52757"/>
+                  </a:lnTo>
+                  <a:lnTo>
+                    <a:pt x="119988" y="50140"/>
+                  </a:lnTo>
+                  <a:lnTo>
+                    <a:pt x="119429" y="44916"/>
+                  </a:lnTo>
+                  <a:lnTo>
+                    <a:pt x="118568" y="39925"/>
+                  </a:lnTo>
+                  <a:lnTo>
+                    <a:pt x="117147" y="35168"/>
+                  </a:lnTo>
+                  <a:lnTo>
+                    <a:pt x="115157" y="30654"/>
+                  </a:lnTo>
+                  <a:lnTo>
+                    <a:pt x="112596" y="26140"/>
+                  </a:lnTo>
+                  <a:lnTo>
+                    <a:pt x="109755" y="22102"/>
+                  </a:lnTo>
+                  <a:lnTo>
+                    <a:pt x="106065" y="18299"/>
+                  </a:lnTo>
+                  <a:lnTo>
+                    <a:pt x="102363" y="14738"/>
+                  </a:lnTo>
+                  <a:lnTo>
+                    <a:pt x="98102" y="11411"/>
+                  </a:lnTo>
+                  <a:lnTo>
+                    <a:pt x="93550" y="8561"/>
+                  </a:lnTo>
+                  <a:lnTo>
+                    <a:pt x="88428" y="6187"/>
+                  </a:lnTo>
+                  <a:lnTo>
+                    <a:pt x="83317" y="4047"/>
+                  </a:lnTo>
+                  <a:lnTo>
+                    <a:pt x="77916" y="2383"/>
+                  </a:lnTo>
+                  <a:lnTo>
+                    <a:pt x="71944" y="953"/>
+                  </a:lnTo>
+                  <a:lnTo>
+                    <a:pt x="66251" y="243"/>
+                  </a:lnTo>
+                  <a:lnTo>
+                    <a:pt x="60000" y="9"/>
+                  </a:lnTo>
+                  <a:close/>
+                </a:path>
+              </a:pathLst>
+            </a:custGeom>
+            <a:solidFill>
+              <a:srgbClr val="FFB600"/>
+            </a:solidFill>
+            <a:ln>
+              <a:noFill/>
+            </a:ln>
+          </p:spPr>
+          <p:txBody>
+            <a:bodyPr wrap="square" lIns="91425" tIns="91425" rIns="91425" bIns="91425" anchor="ctr" anchorCtr="0">
+              <a:noAutofit/>
+            </a:bodyPr>
+            <a:lstStyle/>
+            <a:p>
+              <a:pPr marL="0" marR="0" lvl="0" indent="-88900" algn="l" rtl="0">
+                <a:lnSpc>
+                  <a:spcPct val="100000"/>
+                </a:lnSpc>
+                <a:spcBef>
+                  <a:spcPts val="0"/>
+                </a:spcBef>
+                <a:spcAft>
+                  <a:spcPts val="0"/>
+                </a:spcAft>
+                <a:buClr>
+                  <a:srgbClr val="000000"/>
+                </a:buClr>
+                <a:buSzPts val="1400"/>
+                <a:buFont typeface="Arial"/>
+                <a:buNone/>
+              </a:pPr>
+              <a:endParaRPr sz="1400" b="0" i="0" u="none" strike="noStrike" cap="none">
+                <a:solidFill>
+                  <a:srgbClr val="000000"/>
+                </a:solidFill>
+                <a:latin typeface="Arial"/>
+                <a:ea typeface="Arial"/>
+                <a:cs typeface="Arial"/>
+                <a:sym typeface="Arial"/>
+              </a:endParaRPr>
+            </a:p>
+          </p:txBody>
+        </p:sp>
+      </p:grpSp>
+    </p:spTree>
+    <p:extLst>
+      <p:ext uri="{BB962C8B-B14F-4D97-AF65-F5344CB8AC3E}">
+        <p14:creationId xmlns:p14="http://schemas.microsoft.com/office/powerpoint/2010/main" val="2733021269"/>
+      </p:ext>
+    </p:extLst>
+  </p:cSld>
+  <p:clrMapOvr>
+    <a:masterClrMapping/>
+  </p:clrMapOvr>
+</p:sld>
+</file>
+
+<file path=ppt/slides/slide8.xml><?xml version="1.0" encoding="utf-8"?>
 <p:sld xmlns:a="http://schemas.openxmlformats.org/drawingml/2006/main" xmlns:r="http://schemas.openxmlformats.org/officeDocument/2006/relationships" xmlns:p="http://schemas.openxmlformats.org/presentationml/2006/main">
   <p:cSld>
     <p:spTree>
@@ -19434,7 +22431,7 @@
                 <a:buFont typeface="Arial"/>
                 <a:buNone/>
               </a:pPr>
-              <a:t>7</a:t>
+              <a:t>8</a:t>
             </a:fld>
             <a:endParaRPr lang="x-none" sz="1400" b="0" i="0" u="none" strike="noStrike" cap="none">
               <a:solidFill>
@@ -22044,7 +25041,7 @@
 </p:sld>
 </file>
 
-<file path=ppt/slides/slide8.xml><?xml version="1.0" encoding="utf-8"?>
+<file path=ppt/slides/slide9.xml><?xml version="1.0" encoding="utf-8"?>
 <p:sld xmlns:a="http://schemas.openxmlformats.org/drawingml/2006/main" xmlns:r="http://schemas.openxmlformats.org/officeDocument/2006/relationships" xmlns:p="http://schemas.openxmlformats.org/presentationml/2006/main">
   <p:cSld>
     <p:spTree>
@@ -24343,1646 +27340,6 @@
 </p:sld>
 </file>
 
-<file path=ppt/slides/slide9.xml><?xml version="1.0" encoding="utf-8"?>
-<p:sld xmlns:a="http://schemas.openxmlformats.org/drawingml/2006/main" xmlns:r="http://schemas.openxmlformats.org/officeDocument/2006/relationships" xmlns:p="http://schemas.openxmlformats.org/presentationml/2006/main">
-  <p:cSld>
-    <p:spTree>
-      <p:nvGrpSpPr>
-        <p:cNvPr id="1" name="Shape 88"/>
-        <p:cNvGrpSpPr/>
-        <p:nvPr/>
-      </p:nvGrpSpPr>
-      <p:grpSpPr>
-        <a:xfrm>
-          <a:off x="0" y="0"/>
-          <a:ext cx="0" cy="0"/>
-          <a:chOff x="0" y="0"/>
-          <a:chExt cx="0" cy="0"/>
-        </a:xfrm>
-      </p:grpSpPr>
-      <p:sp>
-        <p:nvSpPr>
-          <p:cNvPr id="89" name="Shape 89"/>
-          <p:cNvSpPr txBox="1">
-            <a:spLocks noGrp="1"/>
-          </p:cNvSpPr>
-          <p:nvPr>
-            <p:ph type="title"/>
-          </p:nvPr>
-        </p:nvSpPr>
-        <p:spPr>
-          <a:xfrm>
-            <a:off x="791373" y="1739992"/>
-            <a:ext cx="6866100" cy="857400"/>
-          </a:xfrm>
-          <a:prstGeom prst="rect">
-            <a:avLst/>
-          </a:prstGeom>
-          <a:noFill/>
-          <a:ln>
-            <a:noFill/>
-          </a:ln>
-        </p:spPr>
-        <p:txBody>
-          <a:bodyPr wrap="square" lIns="91425" tIns="91425" rIns="91425" bIns="91425" anchor="t" anchorCtr="0">
-            <a:noAutofit/>
-          </a:bodyPr>
-          <a:lstStyle/>
-          <a:p>
-            <a:pPr lvl="0" indent="-279400">
-              <a:buSzPts val="4400"/>
-            </a:pPr>
-            <a:r>
-              <a:rPr lang="en-US" sz="4400" dirty="0"/>
-              <a:t>Testing &amp;</a:t>
-            </a:r>
-            <a:br>
-              <a:rPr lang="en-US" sz="4400" dirty="0"/>
-            </a:br>
-            <a:r>
-              <a:rPr lang="en-US" sz="4400" dirty="0">
-                <a:solidFill>
-                  <a:srgbClr val="FFB600"/>
-                </a:solidFill>
-              </a:rPr>
-              <a:t>Evaluation</a:t>
-            </a:r>
-            <a:br>
-              <a:rPr lang="en-US" sz="4400" dirty="0"/>
-            </a:br>
-            <a:endParaRPr lang="iw-IL" sz="2800" b="0" i="0" u="none" strike="noStrike" cap="none" dirty="0">
-              <a:solidFill>
-                <a:srgbClr val="434343"/>
-              </a:solidFill>
-              <a:latin typeface="Raleway Light" panose="020B0403030101060003" pitchFamily="34" charset="0"/>
-              <a:sym typeface="Raleway ExtraBold"/>
-            </a:endParaRPr>
-          </a:p>
-        </p:txBody>
-      </p:sp>
-      <p:sp>
-        <p:nvSpPr>
-          <p:cNvPr id="91" name="Shape 91"/>
-          <p:cNvSpPr txBox="1">
-            <a:spLocks noGrp="1"/>
-          </p:cNvSpPr>
-          <p:nvPr>
-            <p:ph type="sldNum" idx="12"/>
-          </p:nvPr>
-        </p:nvSpPr>
-        <p:spPr>
-          <a:xfrm>
-            <a:off x="8604400" y="4590300"/>
-            <a:ext cx="539700" cy="553200"/>
-          </a:xfrm>
-          <a:prstGeom prst="rect">
-            <a:avLst/>
-          </a:prstGeom>
-          <a:noFill/>
-          <a:ln>
-            <a:noFill/>
-          </a:ln>
-        </p:spPr>
-        <p:txBody>
-          <a:bodyPr wrap="square" lIns="91425" tIns="91425" rIns="91425" bIns="91425" anchor="ctr" anchorCtr="0">
-            <a:noAutofit/>
-          </a:bodyPr>
-          <a:lstStyle/>
-          <a:p>
-            <a:pPr marL="0" marR="0" lvl="0" indent="-88900" algn="l" rtl="0">
-              <a:lnSpc>
-                <a:spcPct val="100000"/>
-              </a:lnSpc>
-              <a:spcBef>
-                <a:spcPts val="0"/>
-              </a:spcBef>
-              <a:spcAft>
-                <a:spcPts val="0"/>
-              </a:spcAft>
-              <a:buClr>
-                <a:srgbClr val="000000"/>
-              </a:buClr>
-              <a:buSzPts val="1400"/>
-              <a:buFont typeface="Arial"/>
-              <a:buNone/>
-            </a:pPr>
-            <a:fld id="{00000000-1234-1234-1234-123412341234}" type="slidenum">
-              <a:rPr lang="iw-IL" sz="1400" b="0" i="0" u="none" strike="noStrike" cap="none">
-                <a:solidFill>
-                  <a:srgbClr val="000000"/>
-                </a:solidFill>
-                <a:latin typeface="Arial"/>
-                <a:ea typeface="Arial"/>
-                <a:cs typeface="Arial"/>
-                <a:sym typeface="Arial"/>
-              </a:rPr>
-              <a:t>9</a:t>
-            </a:fld>
-            <a:endParaRPr lang="iw-IL" sz="1400" b="0" i="0" u="none" strike="noStrike" cap="none">
-              <a:solidFill>
-                <a:srgbClr val="000000"/>
-              </a:solidFill>
-              <a:latin typeface="Arial"/>
-              <a:ea typeface="Arial"/>
-              <a:cs typeface="Arial"/>
-              <a:sym typeface="Arial"/>
-            </a:endParaRPr>
-          </a:p>
-        </p:txBody>
-      </p:sp>
-      <p:grpSp>
-        <p:nvGrpSpPr>
-          <p:cNvPr id="92" name="Shape 92"/>
-          <p:cNvGrpSpPr/>
-          <p:nvPr/>
-        </p:nvGrpSpPr>
-        <p:grpSpPr>
-          <a:xfrm>
-            <a:off x="8119638" y="225980"/>
-            <a:ext cx="539546" cy="879605"/>
-            <a:chOff x="6730350" y="2315900"/>
-            <a:chExt cx="257700" cy="420100"/>
-          </a:xfrm>
-        </p:grpSpPr>
-        <p:sp>
-          <p:nvSpPr>
-            <p:cNvPr id="93" name="Shape 93"/>
-            <p:cNvSpPr/>
-            <p:nvPr/>
-          </p:nvSpPr>
-          <p:spPr>
-            <a:xfrm>
-              <a:off x="6807900" y="2671250"/>
-              <a:ext cx="102600" cy="22625"/>
-            </a:xfrm>
-            <a:custGeom>
-              <a:avLst/>
-              <a:gdLst/>
-              <a:ahLst/>
-              <a:cxnLst/>
-              <a:rect l="0" t="0" r="0" b="0"/>
-              <a:pathLst>
-                <a:path w="120000" h="120000" extrusionOk="0">
-                  <a:moveTo>
-                    <a:pt x="29" y="132"/>
-                  </a:moveTo>
-                  <a:lnTo>
-                    <a:pt x="29" y="120000"/>
-                  </a:lnTo>
-                  <a:lnTo>
-                    <a:pt x="120000" y="120000"/>
-                  </a:lnTo>
-                  <a:lnTo>
-                    <a:pt x="120000" y="132"/>
-                  </a:lnTo>
-                  <a:close/>
-                </a:path>
-              </a:pathLst>
-            </a:custGeom>
-            <a:solidFill>
-              <a:srgbClr val="FFB600"/>
-            </a:solidFill>
-            <a:ln>
-              <a:noFill/>
-            </a:ln>
-          </p:spPr>
-          <p:txBody>
-            <a:bodyPr wrap="square" lIns="91425" tIns="91425" rIns="91425" bIns="91425" anchor="ctr" anchorCtr="0">
-              <a:noAutofit/>
-            </a:bodyPr>
-            <a:lstStyle/>
-            <a:p>
-              <a:pPr marL="0" marR="0" lvl="0" indent="-88900" algn="l" rtl="0">
-                <a:lnSpc>
-                  <a:spcPct val="100000"/>
-                </a:lnSpc>
-                <a:spcBef>
-                  <a:spcPts val="0"/>
-                </a:spcBef>
-                <a:spcAft>
-                  <a:spcPts val="0"/>
-                </a:spcAft>
-                <a:buClr>
-                  <a:srgbClr val="000000"/>
-                </a:buClr>
-                <a:buSzPts val="1400"/>
-                <a:buFont typeface="Arial"/>
-                <a:buNone/>
-              </a:pPr>
-              <a:endParaRPr sz="1400" b="0" i="0" u="none" strike="noStrike" cap="none">
-                <a:solidFill>
-                  <a:srgbClr val="000000"/>
-                </a:solidFill>
-                <a:latin typeface="Arial"/>
-                <a:ea typeface="Arial"/>
-                <a:cs typeface="Arial"/>
-                <a:sym typeface="Arial"/>
-              </a:endParaRPr>
-            </a:p>
-          </p:txBody>
-        </p:sp>
-        <p:sp>
-          <p:nvSpPr>
-            <p:cNvPr id="94" name="Shape 94"/>
-            <p:cNvSpPr/>
-            <p:nvPr/>
-          </p:nvSpPr>
-          <p:spPr>
-            <a:xfrm>
-              <a:off x="6807900" y="2636450"/>
-              <a:ext cx="102600" cy="22625"/>
-            </a:xfrm>
-            <a:custGeom>
-              <a:avLst/>
-              <a:gdLst/>
-              <a:ahLst/>
-              <a:cxnLst/>
-              <a:rect l="0" t="0" r="0" b="0"/>
-              <a:pathLst>
-                <a:path w="120000" h="120000" extrusionOk="0">
-                  <a:moveTo>
-                    <a:pt x="29" y="132"/>
-                  </a:moveTo>
-                  <a:lnTo>
-                    <a:pt x="29" y="120000"/>
-                  </a:lnTo>
-                  <a:lnTo>
-                    <a:pt x="120000" y="120000"/>
-                  </a:lnTo>
-                  <a:lnTo>
-                    <a:pt x="120000" y="132"/>
-                  </a:lnTo>
-                  <a:close/>
-                </a:path>
-              </a:pathLst>
-            </a:custGeom>
-            <a:solidFill>
-              <a:srgbClr val="FFB600"/>
-            </a:solidFill>
-            <a:ln>
-              <a:noFill/>
-            </a:ln>
-          </p:spPr>
-          <p:txBody>
-            <a:bodyPr wrap="square" lIns="91425" tIns="91425" rIns="91425" bIns="91425" anchor="ctr" anchorCtr="0">
-              <a:noAutofit/>
-            </a:bodyPr>
-            <a:lstStyle/>
-            <a:p>
-              <a:pPr marL="0" marR="0" lvl="0" indent="-88900" algn="l" rtl="0">
-                <a:lnSpc>
-                  <a:spcPct val="100000"/>
-                </a:lnSpc>
-                <a:spcBef>
-                  <a:spcPts val="0"/>
-                </a:spcBef>
-                <a:spcAft>
-                  <a:spcPts val="0"/>
-                </a:spcAft>
-                <a:buClr>
-                  <a:srgbClr val="000000"/>
-                </a:buClr>
-                <a:buSzPts val="1400"/>
-                <a:buFont typeface="Arial"/>
-                <a:buNone/>
-              </a:pPr>
-              <a:endParaRPr sz="1400" b="0" i="0" u="none" strike="noStrike" cap="none">
-                <a:solidFill>
-                  <a:srgbClr val="000000"/>
-                </a:solidFill>
-                <a:latin typeface="Arial"/>
-                <a:ea typeface="Arial"/>
-                <a:cs typeface="Arial"/>
-                <a:sym typeface="Arial"/>
-              </a:endParaRPr>
-            </a:p>
-          </p:txBody>
-        </p:sp>
-        <p:sp>
-          <p:nvSpPr>
-            <p:cNvPr id="95" name="Shape 95"/>
-            <p:cNvSpPr/>
-            <p:nvPr/>
-          </p:nvSpPr>
-          <p:spPr>
-            <a:xfrm>
-              <a:off x="6807900" y="2706075"/>
-              <a:ext cx="102600" cy="29925"/>
-            </a:xfrm>
-            <a:custGeom>
-              <a:avLst/>
-              <a:gdLst/>
-              <a:ahLst/>
-              <a:cxnLst/>
-              <a:rect l="0" t="0" r="0" b="0"/>
-              <a:pathLst>
-                <a:path w="120000" h="120000" extrusionOk="0">
-                  <a:moveTo>
-                    <a:pt x="29" y="0"/>
-                  </a:moveTo>
-                  <a:lnTo>
-                    <a:pt x="29" y="17142"/>
-                  </a:lnTo>
-                  <a:lnTo>
-                    <a:pt x="730" y="31879"/>
-                  </a:lnTo>
-                  <a:lnTo>
-                    <a:pt x="2865" y="46516"/>
-                  </a:lnTo>
-                  <a:lnTo>
-                    <a:pt x="5730" y="58746"/>
-                  </a:lnTo>
-                  <a:lnTo>
-                    <a:pt x="10029" y="66165"/>
-                  </a:lnTo>
-                  <a:lnTo>
-                    <a:pt x="55000" y="117493"/>
-                  </a:lnTo>
-                  <a:lnTo>
-                    <a:pt x="60000" y="120000"/>
-                  </a:lnTo>
-                  <a:lnTo>
-                    <a:pt x="65000" y="117493"/>
-                  </a:lnTo>
-                  <a:lnTo>
-                    <a:pt x="110000" y="66165"/>
-                  </a:lnTo>
-                  <a:lnTo>
-                    <a:pt x="114269" y="58746"/>
-                  </a:lnTo>
-                  <a:lnTo>
-                    <a:pt x="117134" y="46516"/>
-                  </a:lnTo>
-                  <a:lnTo>
-                    <a:pt x="119269" y="31879"/>
-                  </a:lnTo>
-                  <a:lnTo>
-                    <a:pt x="120000" y="17142"/>
-                  </a:lnTo>
-                  <a:lnTo>
-                    <a:pt x="120000" y="0"/>
-                  </a:lnTo>
-                  <a:close/>
-                </a:path>
-              </a:pathLst>
-            </a:custGeom>
-            <a:solidFill>
-              <a:srgbClr val="FFB600"/>
-            </a:solidFill>
-            <a:ln>
-              <a:noFill/>
-            </a:ln>
-          </p:spPr>
-          <p:txBody>
-            <a:bodyPr wrap="square" lIns="91425" tIns="91425" rIns="91425" bIns="91425" anchor="ctr" anchorCtr="0">
-              <a:noAutofit/>
-            </a:bodyPr>
-            <a:lstStyle/>
-            <a:p>
-              <a:pPr marL="0" marR="0" lvl="0" indent="-88900" algn="l" rtl="0">
-                <a:lnSpc>
-                  <a:spcPct val="100000"/>
-                </a:lnSpc>
-                <a:spcBef>
-                  <a:spcPts val="0"/>
-                </a:spcBef>
-                <a:spcAft>
-                  <a:spcPts val="0"/>
-                </a:spcAft>
-                <a:buClr>
-                  <a:srgbClr val="000000"/>
-                </a:buClr>
-                <a:buSzPts val="1400"/>
-                <a:buFont typeface="Arial"/>
-                <a:buNone/>
-              </a:pPr>
-              <a:endParaRPr sz="1400" b="0" i="0" u="none" strike="noStrike" cap="none">
-                <a:solidFill>
-                  <a:srgbClr val="000000"/>
-                </a:solidFill>
-                <a:latin typeface="Arial"/>
-                <a:ea typeface="Arial"/>
-                <a:cs typeface="Arial"/>
-                <a:sym typeface="Arial"/>
-              </a:endParaRPr>
-            </a:p>
-          </p:txBody>
-        </p:sp>
-        <p:sp>
-          <p:nvSpPr>
-            <p:cNvPr id="96" name="Shape 96"/>
-            <p:cNvSpPr/>
-            <p:nvPr/>
-          </p:nvSpPr>
-          <p:spPr>
-            <a:xfrm>
-              <a:off x="6811575" y="2463675"/>
-              <a:ext cx="95275" cy="160600"/>
-            </a:xfrm>
-            <a:custGeom>
-              <a:avLst/>
-              <a:gdLst/>
-              <a:ahLst/>
-              <a:cxnLst/>
-              <a:rect l="0" t="0" r="0" b="0"/>
-              <a:pathLst>
-                <a:path w="120000" h="120000" extrusionOk="0">
-                  <a:moveTo>
-                    <a:pt x="59984" y="0"/>
-                  </a:moveTo>
-                  <a:lnTo>
-                    <a:pt x="29220" y="15523"/>
-                  </a:lnTo>
-                  <a:lnTo>
-                    <a:pt x="26922" y="16419"/>
-                  </a:lnTo>
-                  <a:lnTo>
-                    <a:pt x="24623" y="16886"/>
-                  </a:lnTo>
-                  <a:lnTo>
-                    <a:pt x="21537" y="16419"/>
-                  </a:lnTo>
-                  <a:lnTo>
-                    <a:pt x="19239" y="15523"/>
-                  </a:lnTo>
-                  <a:lnTo>
-                    <a:pt x="0" y="5940"/>
-                  </a:lnTo>
-                  <a:lnTo>
-                    <a:pt x="41532" y="119981"/>
-                  </a:lnTo>
-                  <a:lnTo>
-                    <a:pt x="78436" y="119981"/>
-                  </a:lnTo>
-                  <a:lnTo>
-                    <a:pt x="119968" y="5940"/>
-                  </a:lnTo>
-                  <a:lnTo>
-                    <a:pt x="100760" y="15523"/>
-                  </a:lnTo>
-                  <a:lnTo>
-                    <a:pt x="98430" y="16419"/>
-                  </a:lnTo>
-                  <a:lnTo>
-                    <a:pt x="95376" y="16886"/>
-                  </a:lnTo>
-                  <a:lnTo>
-                    <a:pt x="93046" y="16419"/>
-                  </a:lnTo>
-                  <a:lnTo>
-                    <a:pt x="90747" y="15523"/>
-                  </a:lnTo>
-                  <a:lnTo>
-                    <a:pt x="59984" y="0"/>
-                  </a:lnTo>
-                  <a:close/>
-                </a:path>
-              </a:pathLst>
-            </a:custGeom>
-            <a:solidFill>
-              <a:srgbClr val="FFB600"/>
-            </a:solidFill>
-            <a:ln>
-              <a:noFill/>
-            </a:ln>
-          </p:spPr>
-          <p:txBody>
-            <a:bodyPr wrap="square" lIns="91425" tIns="91425" rIns="91425" bIns="91425" anchor="ctr" anchorCtr="0">
-              <a:noAutofit/>
-            </a:bodyPr>
-            <a:lstStyle/>
-            <a:p>
-              <a:pPr marL="0" marR="0" lvl="0" indent="-88900" algn="l" rtl="0">
-                <a:lnSpc>
-                  <a:spcPct val="100000"/>
-                </a:lnSpc>
-                <a:spcBef>
-                  <a:spcPts val="0"/>
-                </a:spcBef>
-                <a:spcAft>
-                  <a:spcPts val="0"/>
-                </a:spcAft>
-                <a:buClr>
-                  <a:srgbClr val="000000"/>
-                </a:buClr>
-                <a:buSzPts val="1400"/>
-                <a:buFont typeface="Arial"/>
-                <a:buNone/>
-              </a:pPr>
-              <a:endParaRPr sz="1400" b="0" i="0" u="none" strike="noStrike" cap="none">
-                <a:solidFill>
-                  <a:srgbClr val="000000"/>
-                </a:solidFill>
-                <a:latin typeface="Arial"/>
-                <a:ea typeface="Arial"/>
-                <a:cs typeface="Arial"/>
-                <a:sym typeface="Arial"/>
-              </a:endParaRPr>
-            </a:p>
-          </p:txBody>
-        </p:sp>
-        <p:sp>
-          <p:nvSpPr>
-            <p:cNvPr id="97" name="Shape 97"/>
-            <p:cNvSpPr/>
-            <p:nvPr/>
-          </p:nvSpPr>
-          <p:spPr>
-            <a:xfrm>
-              <a:off x="6730350" y="2315900"/>
-              <a:ext cx="257700" cy="308375"/>
-            </a:xfrm>
-            <a:custGeom>
-              <a:avLst/>
-              <a:gdLst/>
-              <a:ahLst/>
-              <a:cxnLst/>
-              <a:rect l="0" t="0" r="0" b="0"/>
-              <a:pathLst>
-                <a:path w="120000" h="120000" extrusionOk="0">
-                  <a:moveTo>
-                    <a:pt x="60000" y="9"/>
-                  </a:moveTo>
-                  <a:lnTo>
-                    <a:pt x="53748" y="243"/>
-                  </a:lnTo>
-                  <a:lnTo>
-                    <a:pt x="48055" y="953"/>
-                  </a:lnTo>
-                  <a:lnTo>
-                    <a:pt x="42083" y="2383"/>
-                  </a:lnTo>
-                  <a:lnTo>
-                    <a:pt x="36682" y="4047"/>
-                  </a:lnTo>
-                  <a:lnTo>
-                    <a:pt x="31571" y="6187"/>
-                  </a:lnTo>
-                  <a:lnTo>
-                    <a:pt x="26449" y="8561"/>
-                  </a:lnTo>
-                  <a:lnTo>
-                    <a:pt x="21897" y="11411"/>
-                  </a:lnTo>
-                  <a:lnTo>
-                    <a:pt x="17636" y="14738"/>
-                  </a:lnTo>
-                  <a:lnTo>
-                    <a:pt x="13946" y="18299"/>
-                  </a:lnTo>
-                  <a:lnTo>
-                    <a:pt x="10244" y="22102"/>
-                  </a:lnTo>
-                  <a:lnTo>
-                    <a:pt x="7403" y="26140"/>
-                  </a:lnTo>
-                  <a:lnTo>
-                    <a:pt x="4842" y="30654"/>
-                  </a:lnTo>
-                  <a:lnTo>
-                    <a:pt x="2852" y="35168"/>
-                  </a:lnTo>
-                  <a:lnTo>
-                    <a:pt x="1431" y="39925"/>
-                  </a:lnTo>
-                  <a:lnTo>
-                    <a:pt x="582" y="44916"/>
-                  </a:lnTo>
-                  <a:lnTo>
-                    <a:pt x="11" y="50140"/>
-                  </a:lnTo>
-                  <a:lnTo>
-                    <a:pt x="291" y="52757"/>
-                  </a:lnTo>
-                  <a:lnTo>
-                    <a:pt x="582" y="55364"/>
-                  </a:lnTo>
-                  <a:lnTo>
-                    <a:pt x="1431" y="60355"/>
-                  </a:lnTo>
-                  <a:lnTo>
-                    <a:pt x="2852" y="65112"/>
-                  </a:lnTo>
-                  <a:lnTo>
-                    <a:pt x="4842" y="69383"/>
-                  </a:lnTo>
-                  <a:lnTo>
-                    <a:pt x="7403" y="73663"/>
-                  </a:lnTo>
-                  <a:lnTo>
-                    <a:pt x="9965" y="77467"/>
-                  </a:lnTo>
-                  <a:lnTo>
-                    <a:pt x="12805" y="81261"/>
-                  </a:lnTo>
-                  <a:lnTo>
-                    <a:pt x="15937" y="85065"/>
-                  </a:lnTo>
-                  <a:lnTo>
-                    <a:pt x="22188" y="92672"/>
-                  </a:lnTo>
-                  <a:lnTo>
-                    <a:pt x="25029" y="96710"/>
-                  </a:lnTo>
-                  <a:lnTo>
-                    <a:pt x="27869" y="100747"/>
-                  </a:lnTo>
-                  <a:lnTo>
-                    <a:pt x="30430" y="105027"/>
-                  </a:lnTo>
-                  <a:lnTo>
-                    <a:pt x="32712" y="109775"/>
-                  </a:lnTo>
-                  <a:lnTo>
-                    <a:pt x="34691" y="114766"/>
-                  </a:lnTo>
-                  <a:lnTo>
-                    <a:pt x="36123" y="119990"/>
-                  </a:lnTo>
-                  <a:lnTo>
-                    <a:pt x="47485" y="119990"/>
-                  </a:lnTo>
-                  <a:lnTo>
-                    <a:pt x="37823" y="82691"/>
-                  </a:lnTo>
-                  <a:lnTo>
-                    <a:pt x="31001" y="54887"/>
-                  </a:lnTo>
-                  <a:lnTo>
-                    <a:pt x="31001" y="53700"/>
-                  </a:lnTo>
-                  <a:lnTo>
-                    <a:pt x="31571" y="52757"/>
-                  </a:lnTo>
-                  <a:lnTo>
-                    <a:pt x="32421" y="52280"/>
-                  </a:lnTo>
-                  <a:lnTo>
-                    <a:pt x="33562" y="52037"/>
-                  </a:lnTo>
-                  <a:lnTo>
-                    <a:pt x="34412" y="52037"/>
-                  </a:lnTo>
-                  <a:lnTo>
-                    <a:pt x="35552" y="52513"/>
-                  </a:lnTo>
-                  <a:lnTo>
-                    <a:pt x="46926" y="60831"/>
-                  </a:lnTo>
-                  <a:lnTo>
-                    <a:pt x="58009" y="52513"/>
-                  </a:lnTo>
-                  <a:lnTo>
-                    <a:pt x="59150" y="52037"/>
-                  </a:lnTo>
-                  <a:lnTo>
-                    <a:pt x="60849" y="52037"/>
-                  </a:lnTo>
-                  <a:lnTo>
-                    <a:pt x="61990" y="52513"/>
-                  </a:lnTo>
-                  <a:lnTo>
-                    <a:pt x="73084" y="60831"/>
-                  </a:lnTo>
-                  <a:lnTo>
-                    <a:pt x="84447" y="52513"/>
-                  </a:lnTo>
-                  <a:lnTo>
-                    <a:pt x="85587" y="52037"/>
-                  </a:lnTo>
-                  <a:lnTo>
-                    <a:pt x="86437" y="52037"/>
-                  </a:lnTo>
-                  <a:lnTo>
-                    <a:pt x="87578" y="52280"/>
-                  </a:lnTo>
-                  <a:lnTo>
-                    <a:pt x="88428" y="52757"/>
-                  </a:lnTo>
-                  <a:lnTo>
-                    <a:pt x="88998" y="53700"/>
-                  </a:lnTo>
-                  <a:lnTo>
-                    <a:pt x="88998" y="54887"/>
-                  </a:lnTo>
-                  <a:lnTo>
-                    <a:pt x="82176" y="82691"/>
-                  </a:lnTo>
-                  <a:lnTo>
-                    <a:pt x="72514" y="119990"/>
-                  </a:lnTo>
-                  <a:lnTo>
-                    <a:pt x="83888" y="119990"/>
-                  </a:lnTo>
-                  <a:lnTo>
-                    <a:pt x="85308" y="114766"/>
-                  </a:lnTo>
-                  <a:lnTo>
-                    <a:pt x="87299" y="109775"/>
-                  </a:lnTo>
-                  <a:lnTo>
-                    <a:pt x="89569" y="105027"/>
-                  </a:lnTo>
-                  <a:lnTo>
-                    <a:pt x="92130" y="100747"/>
-                  </a:lnTo>
-                  <a:lnTo>
-                    <a:pt x="94970" y="96710"/>
-                  </a:lnTo>
-                  <a:lnTo>
-                    <a:pt x="97811" y="92672"/>
-                  </a:lnTo>
-                  <a:lnTo>
-                    <a:pt x="104074" y="85065"/>
-                  </a:lnTo>
-                  <a:lnTo>
-                    <a:pt x="107194" y="81261"/>
-                  </a:lnTo>
-                  <a:lnTo>
-                    <a:pt x="110046" y="77467"/>
-                  </a:lnTo>
-                  <a:lnTo>
-                    <a:pt x="112596" y="73663"/>
-                  </a:lnTo>
-                  <a:lnTo>
-                    <a:pt x="115157" y="69383"/>
-                  </a:lnTo>
-                  <a:lnTo>
-                    <a:pt x="117147" y="65112"/>
-                  </a:lnTo>
-                  <a:lnTo>
-                    <a:pt x="118568" y="60355"/>
-                  </a:lnTo>
-                  <a:lnTo>
-                    <a:pt x="119429" y="55364"/>
-                  </a:lnTo>
-                  <a:lnTo>
-                    <a:pt x="119708" y="52757"/>
-                  </a:lnTo>
-                  <a:lnTo>
-                    <a:pt x="119988" y="50140"/>
-                  </a:lnTo>
-                  <a:lnTo>
-                    <a:pt x="119429" y="44916"/>
-                  </a:lnTo>
-                  <a:lnTo>
-                    <a:pt x="118568" y="39925"/>
-                  </a:lnTo>
-                  <a:lnTo>
-                    <a:pt x="117147" y="35168"/>
-                  </a:lnTo>
-                  <a:lnTo>
-                    <a:pt x="115157" y="30654"/>
-                  </a:lnTo>
-                  <a:lnTo>
-                    <a:pt x="112596" y="26140"/>
-                  </a:lnTo>
-                  <a:lnTo>
-                    <a:pt x="109755" y="22102"/>
-                  </a:lnTo>
-                  <a:lnTo>
-                    <a:pt x="106065" y="18299"/>
-                  </a:lnTo>
-                  <a:lnTo>
-                    <a:pt x="102363" y="14738"/>
-                  </a:lnTo>
-                  <a:lnTo>
-                    <a:pt x="98102" y="11411"/>
-                  </a:lnTo>
-                  <a:lnTo>
-                    <a:pt x="93550" y="8561"/>
-                  </a:lnTo>
-                  <a:lnTo>
-                    <a:pt x="88428" y="6187"/>
-                  </a:lnTo>
-                  <a:lnTo>
-                    <a:pt x="83317" y="4047"/>
-                  </a:lnTo>
-                  <a:lnTo>
-                    <a:pt x="77916" y="2383"/>
-                  </a:lnTo>
-                  <a:lnTo>
-                    <a:pt x="71944" y="953"/>
-                  </a:lnTo>
-                  <a:lnTo>
-                    <a:pt x="66251" y="243"/>
-                  </a:lnTo>
-                  <a:lnTo>
-                    <a:pt x="60000" y="9"/>
-                  </a:lnTo>
-                  <a:close/>
-                </a:path>
-              </a:pathLst>
-            </a:custGeom>
-            <a:solidFill>
-              <a:srgbClr val="FFB600"/>
-            </a:solidFill>
-            <a:ln>
-              <a:noFill/>
-            </a:ln>
-          </p:spPr>
-          <p:txBody>
-            <a:bodyPr wrap="square" lIns="91425" tIns="91425" rIns="91425" bIns="91425" anchor="ctr" anchorCtr="0">
-              <a:noAutofit/>
-            </a:bodyPr>
-            <a:lstStyle/>
-            <a:p>
-              <a:pPr marL="0" marR="0" lvl="0" indent="-88900" algn="l" rtl="0">
-                <a:lnSpc>
-                  <a:spcPct val="100000"/>
-                </a:lnSpc>
-                <a:spcBef>
-                  <a:spcPts val="0"/>
-                </a:spcBef>
-                <a:spcAft>
-                  <a:spcPts val="0"/>
-                </a:spcAft>
-                <a:buClr>
-                  <a:srgbClr val="000000"/>
-                </a:buClr>
-                <a:buSzPts val="1400"/>
-                <a:buFont typeface="Arial"/>
-                <a:buNone/>
-              </a:pPr>
-              <a:endParaRPr sz="1400" b="0" i="0" u="none" strike="noStrike" cap="none">
-                <a:solidFill>
-                  <a:srgbClr val="000000"/>
-                </a:solidFill>
-                <a:latin typeface="Arial"/>
-                <a:ea typeface="Arial"/>
-                <a:cs typeface="Arial"/>
-                <a:sym typeface="Arial"/>
-              </a:endParaRPr>
-            </a:p>
-          </p:txBody>
-        </p:sp>
-      </p:grpSp>
-      <p:sp>
-        <p:nvSpPr>
-          <p:cNvPr id="11" name="Shape 120">
-            <a:extLst>
-              <a:ext uri="{FF2B5EF4-FFF2-40B4-BE49-F238E27FC236}">
-                <a16:creationId xmlns:a16="http://schemas.microsoft.com/office/drawing/2014/main" id="{7D209ED9-458B-43E3-9607-2EAA917A8C69}"/>
-              </a:ext>
-            </a:extLst>
-          </p:cNvPr>
-          <p:cNvSpPr txBox="1"/>
-          <p:nvPr/>
-        </p:nvSpPr>
-        <p:spPr>
-          <a:xfrm>
-            <a:off x="3866704" y="1773159"/>
-            <a:ext cx="2247640" cy="732725"/>
-          </a:xfrm>
-          <a:prstGeom prst="rect">
-            <a:avLst/>
-          </a:prstGeom>
-          <a:noFill/>
-          <a:ln>
-            <a:noFill/>
-          </a:ln>
-        </p:spPr>
-        <p:txBody>
-          <a:bodyPr wrap="square" lIns="91425" tIns="91425" rIns="91425" bIns="91425" anchor="b" anchorCtr="0">
-            <a:noAutofit/>
-          </a:bodyPr>
-          <a:lstStyle/>
-          <a:p>
-            <a:pPr algn="ctr"/>
-            <a:r>
-              <a:rPr lang="en-US" b="1" dirty="0">
-                <a:solidFill>
-                  <a:srgbClr val="434343"/>
-                </a:solidFill>
-                <a:latin typeface="Raleway ExtraBold" panose="020B0903030101060003" pitchFamily="34" charset="0"/>
-              </a:rPr>
-              <a:t>Mainly visual functionalities </a:t>
-            </a:r>
-          </a:p>
-        </p:txBody>
-      </p:sp>
-      <p:sp>
-        <p:nvSpPr>
-          <p:cNvPr id="12" name="Shape 120">
-            <a:extLst>
-              <a:ext uri="{FF2B5EF4-FFF2-40B4-BE49-F238E27FC236}">
-                <a16:creationId xmlns:a16="http://schemas.microsoft.com/office/drawing/2014/main" id="{414827B1-50B4-4198-9F8D-5C7BF93CCB18}"/>
-              </a:ext>
-            </a:extLst>
-          </p:cNvPr>
-          <p:cNvSpPr txBox="1"/>
-          <p:nvPr/>
-        </p:nvSpPr>
-        <p:spPr>
-          <a:xfrm>
-            <a:off x="6408045" y="1753064"/>
-            <a:ext cx="1699294" cy="732725"/>
-          </a:xfrm>
-          <a:prstGeom prst="rect">
-            <a:avLst/>
-          </a:prstGeom>
-          <a:noFill/>
-          <a:ln>
-            <a:noFill/>
-          </a:ln>
-        </p:spPr>
-        <p:txBody>
-          <a:bodyPr wrap="square" lIns="91425" tIns="91425" rIns="91425" bIns="91425" anchor="b" anchorCtr="0">
-            <a:noAutofit/>
-          </a:bodyPr>
-          <a:lstStyle/>
-          <a:p>
-            <a:pPr lvl="2" algn="ctr"/>
-            <a:r>
-              <a:rPr lang="en-US" b="1" dirty="0">
-                <a:solidFill>
-                  <a:srgbClr val="434343"/>
-                </a:solidFill>
-                <a:latin typeface="Raleway ExtraBold" panose="020B0903030101060003" pitchFamily="34" charset="0"/>
-              </a:rPr>
-              <a:t>Testing performance</a:t>
-            </a:r>
-          </a:p>
-        </p:txBody>
-      </p:sp>
-      <p:sp>
-        <p:nvSpPr>
-          <p:cNvPr id="13" name="Shape 120">
-            <a:extLst>
-              <a:ext uri="{FF2B5EF4-FFF2-40B4-BE49-F238E27FC236}">
-                <a16:creationId xmlns:a16="http://schemas.microsoft.com/office/drawing/2014/main" id="{A592296E-6C58-4A54-93C9-42E7F960DA6C}"/>
-              </a:ext>
-            </a:extLst>
-          </p:cNvPr>
-          <p:cNvSpPr txBox="1"/>
-          <p:nvPr/>
-        </p:nvSpPr>
-        <p:spPr>
-          <a:xfrm>
-            <a:off x="3866704" y="3698225"/>
-            <a:ext cx="2247640" cy="732725"/>
-          </a:xfrm>
-          <a:prstGeom prst="rect">
-            <a:avLst/>
-          </a:prstGeom>
-          <a:noFill/>
-          <a:ln>
-            <a:noFill/>
-          </a:ln>
-        </p:spPr>
-        <p:txBody>
-          <a:bodyPr wrap="square" lIns="91425" tIns="91425" rIns="91425" bIns="91425" anchor="b" anchorCtr="0">
-            <a:noAutofit/>
-          </a:bodyPr>
-          <a:lstStyle/>
-          <a:p>
-            <a:pPr lvl="2" algn="ctr"/>
-            <a:r>
-              <a:rPr lang="en-US" b="1" dirty="0">
-                <a:solidFill>
-                  <a:srgbClr val="434343"/>
-                </a:solidFill>
-                <a:latin typeface="Raleway ExtraBold" panose="020B0903030101060003" pitchFamily="34" charset="0"/>
-              </a:rPr>
-              <a:t>Comparing different schedulers on same simulations</a:t>
-            </a:r>
-          </a:p>
-        </p:txBody>
-      </p:sp>
-      <p:sp>
-        <p:nvSpPr>
-          <p:cNvPr id="14" name="Shape 120">
-            <a:extLst>
-              <a:ext uri="{FF2B5EF4-FFF2-40B4-BE49-F238E27FC236}">
-                <a16:creationId xmlns:a16="http://schemas.microsoft.com/office/drawing/2014/main" id="{D636E29E-4D07-4161-ABC9-681FB318A520}"/>
-              </a:ext>
-            </a:extLst>
-          </p:cNvPr>
-          <p:cNvSpPr txBox="1"/>
-          <p:nvPr/>
-        </p:nvSpPr>
-        <p:spPr>
-          <a:xfrm>
-            <a:off x="6148792" y="3909240"/>
-            <a:ext cx="2217801" cy="732725"/>
-          </a:xfrm>
-          <a:prstGeom prst="rect">
-            <a:avLst/>
-          </a:prstGeom>
-          <a:noFill/>
-          <a:ln>
-            <a:noFill/>
-          </a:ln>
-        </p:spPr>
-        <p:txBody>
-          <a:bodyPr wrap="square" lIns="91425" tIns="91425" rIns="91425" bIns="91425" anchor="b" anchorCtr="0">
-            <a:noAutofit/>
-          </a:bodyPr>
-          <a:lstStyle/>
-          <a:p>
-            <a:pPr lvl="2" algn="ctr"/>
-            <a:r>
-              <a:rPr lang="en-US" b="1" dirty="0">
-                <a:solidFill>
-                  <a:srgbClr val="434343"/>
-                </a:solidFill>
-                <a:latin typeface="Raleway ExtraBold" panose="020B0903030101060003" pitchFamily="34" charset="0"/>
-              </a:rPr>
-              <a:t>Measured speedups are indications for success</a:t>
-            </a:r>
-          </a:p>
-          <a:p>
-            <a:pPr marL="285750" indent="-285750" algn="ctr">
-              <a:buFont typeface="Arial" charset="0"/>
-              <a:buChar char="•"/>
-            </a:pPr>
-            <a:endParaRPr lang="en-US" b="1" dirty="0">
-              <a:solidFill>
-                <a:srgbClr val="434343"/>
-              </a:solidFill>
-              <a:latin typeface="Raleway ExtraBold" panose="020B0903030101060003" pitchFamily="34" charset="0"/>
-            </a:endParaRPr>
-          </a:p>
-        </p:txBody>
-      </p:sp>
-      <p:pic>
-        <p:nvPicPr>
-          <p:cNvPr id="5" name="תמונה 4">
-            <a:extLst>
-              <a:ext uri="{FF2B5EF4-FFF2-40B4-BE49-F238E27FC236}">
-                <a16:creationId xmlns:a16="http://schemas.microsoft.com/office/drawing/2014/main" id="{941C507B-7A97-4925-95E9-08591644082A}"/>
-              </a:ext>
-            </a:extLst>
-          </p:cNvPr>
-          <p:cNvPicPr>
-            <a:picLocks noChangeAspect="1"/>
-          </p:cNvPicPr>
-          <p:nvPr/>
-        </p:nvPicPr>
-        <p:blipFill>
-          <a:blip r:embed="rId3"/>
-          <a:stretch>
-            <a:fillRect/>
-          </a:stretch>
-        </p:blipFill>
-        <p:spPr>
-          <a:xfrm>
-            <a:off x="4515088" y="871655"/>
-            <a:ext cx="911700" cy="911700"/>
-          </a:xfrm>
-          <a:prstGeom prst="rect">
-            <a:avLst/>
-          </a:prstGeom>
-        </p:spPr>
-      </p:pic>
-      <p:pic>
-        <p:nvPicPr>
-          <p:cNvPr id="7" name="תמונה 6">
-            <a:extLst>
-              <a:ext uri="{FF2B5EF4-FFF2-40B4-BE49-F238E27FC236}">
-                <a16:creationId xmlns:a16="http://schemas.microsoft.com/office/drawing/2014/main" id="{71D52B29-30E6-4A4D-A5C4-24860AC34571}"/>
-              </a:ext>
-            </a:extLst>
-          </p:cNvPr>
-          <p:cNvPicPr>
-            <a:picLocks noChangeAspect="1"/>
-          </p:cNvPicPr>
-          <p:nvPr/>
-        </p:nvPicPr>
-        <p:blipFill>
-          <a:blip r:embed="rId4"/>
-          <a:stretch>
-            <a:fillRect/>
-          </a:stretch>
-        </p:blipFill>
-        <p:spPr>
-          <a:xfrm>
-            <a:off x="6864380" y="973613"/>
-            <a:ext cx="753471" cy="753471"/>
-          </a:xfrm>
-          <a:prstGeom prst="rect">
-            <a:avLst/>
-          </a:prstGeom>
-        </p:spPr>
-      </p:pic>
-      <p:pic>
-        <p:nvPicPr>
-          <p:cNvPr id="9" name="תמונה 8">
-            <a:extLst>
-              <a:ext uri="{FF2B5EF4-FFF2-40B4-BE49-F238E27FC236}">
-                <a16:creationId xmlns:a16="http://schemas.microsoft.com/office/drawing/2014/main" id="{2306EFAE-3D4D-4D0A-8E1E-0461AE026C0A}"/>
-              </a:ext>
-            </a:extLst>
-          </p:cNvPr>
-          <p:cNvPicPr>
-            <a:picLocks noChangeAspect="1"/>
-          </p:cNvPicPr>
-          <p:nvPr/>
-        </p:nvPicPr>
-        <p:blipFill>
-          <a:blip r:embed="rId5"/>
-          <a:stretch>
-            <a:fillRect/>
-          </a:stretch>
-        </p:blipFill>
-        <p:spPr>
-          <a:xfrm>
-            <a:off x="6880957" y="2765060"/>
-            <a:ext cx="753471" cy="753471"/>
-          </a:xfrm>
-          <a:prstGeom prst="rect">
-            <a:avLst/>
-          </a:prstGeom>
-        </p:spPr>
-      </p:pic>
-      <p:pic>
-        <p:nvPicPr>
-          <p:cNvPr id="15" name="תמונה 14">
-            <a:extLst>
-              <a:ext uri="{FF2B5EF4-FFF2-40B4-BE49-F238E27FC236}">
-                <a16:creationId xmlns:a16="http://schemas.microsoft.com/office/drawing/2014/main" id="{50BD4322-062D-4938-BD46-6BFC0E980DA8}"/>
-              </a:ext>
-            </a:extLst>
-          </p:cNvPr>
-          <p:cNvPicPr>
-            <a:picLocks noChangeAspect="1"/>
-          </p:cNvPicPr>
-          <p:nvPr/>
-        </p:nvPicPr>
-        <p:blipFill>
-          <a:blip r:embed="rId6"/>
-          <a:stretch>
-            <a:fillRect/>
-          </a:stretch>
-        </p:blipFill>
-        <p:spPr>
-          <a:xfrm>
-            <a:off x="4553180" y="2765060"/>
-            <a:ext cx="828818" cy="828818"/>
-          </a:xfrm>
-          <a:prstGeom prst="rect">
-            <a:avLst/>
-          </a:prstGeom>
-        </p:spPr>
-      </p:pic>
-    </p:spTree>
-    <p:extLst>
-      <p:ext uri="{BB962C8B-B14F-4D97-AF65-F5344CB8AC3E}">
-        <p14:creationId xmlns:p14="http://schemas.microsoft.com/office/powerpoint/2010/main" val="3285531146"/>
-      </p:ext>
-    </p:extLst>
-  </p:cSld>
-  <p:clrMapOvr>
-    <a:masterClrMapping/>
-  </p:clrMapOvr>
-  <p:timing>
-    <p:tnLst>
-      <p:par>
-        <p:cTn id="1" dur="indefinite" restart="never" nodeType="tmRoot">
-          <p:childTnLst>
-            <p:seq concurrent="1" nextAc="seek">
-              <p:cTn id="2" dur="indefinite" nodeType="mainSeq">
-                <p:childTnLst>
-                  <p:par>
-                    <p:cTn id="3" fill="hold">
-                      <p:stCondLst>
-                        <p:cond delay="indefinite"/>
-                        <p:cond evt="onBegin" delay="0">
-                          <p:tn val="2"/>
-                        </p:cond>
-                      </p:stCondLst>
-                      <p:childTnLst>
-                        <p:par>
-                          <p:cTn id="4" fill="hold">
-                            <p:stCondLst>
-                              <p:cond delay="0"/>
-                            </p:stCondLst>
-                            <p:childTnLst>
-                              <p:par>
-                                <p:cTn id="5" presetID="10" presetClass="entr" presetSubtype="0" fill="hold" grpId="0" nodeType="withEffect">
-                                  <p:stCondLst>
-                                    <p:cond delay="0"/>
-                                  </p:stCondLst>
-                                  <p:childTnLst>
-                                    <p:set>
-                                      <p:cBhvr>
-                                        <p:cTn id="6" dur="1" fill="hold">
-                                          <p:stCondLst>
-                                            <p:cond delay="0"/>
-                                          </p:stCondLst>
-                                        </p:cTn>
-                                        <p:tgtEl>
-                                          <p:spTgt spid="89"/>
-                                        </p:tgtEl>
-                                        <p:attrNameLst>
-                                          <p:attrName>style.visibility</p:attrName>
-                                        </p:attrNameLst>
-                                      </p:cBhvr>
-                                      <p:to>
-                                        <p:strVal val="visible"/>
-                                      </p:to>
-                                    </p:set>
-                                    <p:animEffect transition="in" filter="fade">
-                                      <p:cBhvr>
-                                        <p:cTn id="7" dur="500"/>
-                                        <p:tgtEl>
-                                          <p:spTgt spid="89"/>
-                                        </p:tgtEl>
-                                      </p:cBhvr>
-                                    </p:animEffect>
-                                  </p:childTnLst>
-                                </p:cTn>
-                              </p:par>
-                            </p:childTnLst>
-                          </p:cTn>
-                        </p:par>
-                      </p:childTnLst>
-                    </p:cTn>
-                  </p:par>
-                  <p:par>
-                    <p:cTn id="8" fill="hold">
-                      <p:stCondLst>
-                        <p:cond delay="indefinite"/>
-                      </p:stCondLst>
-                      <p:childTnLst>
-                        <p:par>
-                          <p:cTn id="9" fill="hold">
-                            <p:stCondLst>
-                              <p:cond delay="0"/>
-                            </p:stCondLst>
-                            <p:childTnLst>
-                              <p:par>
-                                <p:cTn id="10" presetID="10" presetClass="entr" presetSubtype="0" fill="hold" grpId="0" nodeType="clickEffect">
-                                  <p:stCondLst>
-                                    <p:cond delay="0"/>
-                                  </p:stCondLst>
-                                  <p:childTnLst>
-                                    <p:set>
-                                      <p:cBhvr>
-                                        <p:cTn id="11" dur="1" fill="hold">
-                                          <p:stCondLst>
-                                            <p:cond delay="0"/>
-                                          </p:stCondLst>
-                                        </p:cTn>
-                                        <p:tgtEl>
-                                          <p:spTgt spid="11"/>
-                                        </p:tgtEl>
-                                        <p:attrNameLst>
-                                          <p:attrName>style.visibility</p:attrName>
-                                        </p:attrNameLst>
-                                      </p:cBhvr>
-                                      <p:to>
-                                        <p:strVal val="visible"/>
-                                      </p:to>
-                                    </p:set>
-                                    <p:animEffect transition="in" filter="fade">
-                                      <p:cBhvr>
-                                        <p:cTn id="12" dur="500"/>
-                                        <p:tgtEl>
-                                          <p:spTgt spid="11"/>
-                                        </p:tgtEl>
-                                      </p:cBhvr>
-                                    </p:animEffect>
-                                  </p:childTnLst>
-                                </p:cTn>
-                              </p:par>
-                              <p:par>
-                                <p:cTn id="13" presetID="10" presetClass="entr" presetSubtype="0" fill="hold" nodeType="withEffect">
-                                  <p:stCondLst>
-                                    <p:cond delay="0"/>
-                                  </p:stCondLst>
-                                  <p:childTnLst>
-                                    <p:set>
-                                      <p:cBhvr>
-                                        <p:cTn id="14" dur="1" fill="hold">
-                                          <p:stCondLst>
-                                            <p:cond delay="0"/>
-                                          </p:stCondLst>
-                                        </p:cTn>
-                                        <p:tgtEl>
-                                          <p:spTgt spid="5"/>
-                                        </p:tgtEl>
-                                        <p:attrNameLst>
-                                          <p:attrName>style.visibility</p:attrName>
-                                        </p:attrNameLst>
-                                      </p:cBhvr>
-                                      <p:to>
-                                        <p:strVal val="visible"/>
-                                      </p:to>
-                                    </p:set>
-                                    <p:animEffect transition="in" filter="fade">
-                                      <p:cBhvr>
-                                        <p:cTn id="15" dur="500"/>
-                                        <p:tgtEl>
-                                          <p:spTgt spid="5"/>
-                                        </p:tgtEl>
-                                      </p:cBhvr>
-                                    </p:animEffect>
-                                  </p:childTnLst>
-                                </p:cTn>
-                              </p:par>
-                            </p:childTnLst>
-                          </p:cTn>
-                        </p:par>
-                      </p:childTnLst>
-                    </p:cTn>
-                  </p:par>
-                  <p:par>
-                    <p:cTn id="16" fill="hold">
-                      <p:stCondLst>
-                        <p:cond delay="indefinite"/>
-                      </p:stCondLst>
-                      <p:childTnLst>
-                        <p:par>
-                          <p:cTn id="17" fill="hold">
-                            <p:stCondLst>
-                              <p:cond delay="0"/>
-                            </p:stCondLst>
-                            <p:childTnLst>
-                              <p:par>
-                                <p:cTn id="18" presetID="10" presetClass="entr" presetSubtype="0" fill="hold" grpId="0" nodeType="clickEffect">
-                                  <p:stCondLst>
-                                    <p:cond delay="0"/>
-                                  </p:stCondLst>
-                                  <p:childTnLst>
-                                    <p:set>
-                                      <p:cBhvr>
-                                        <p:cTn id="19" dur="1" fill="hold">
-                                          <p:stCondLst>
-                                            <p:cond delay="0"/>
-                                          </p:stCondLst>
-                                        </p:cTn>
-                                        <p:tgtEl>
-                                          <p:spTgt spid="12"/>
-                                        </p:tgtEl>
-                                        <p:attrNameLst>
-                                          <p:attrName>style.visibility</p:attrName>
-                                        </p:attrNameLst>
-                                      </p:cBhvr>
-                                      <p:to>
-                                        <p:strVal val="visible"/>
-                                      </p:to>
-                                    </p:set>
-                                    <p:animEffect transition="in" filter="fade">
-                                      <p:cBhvr>
-                                        <p:cTn id="20" dur="500"/>
-                                        <p:tgtEl>
-                                          <p:spTgt spid="12"/>
-                                        </p:tgtEl>
-                                      </p:cBhvr>
-                                    </p:animEffect>
-                                  </p:childTnLst>
-                                </p:cTn>
-                              </p:par>
-                              <p:par>
-                                <p:cTn id="21" presetID="10" presetClass="entr" presetSubtype="0" fill="hold" nodeType="withEffect">
-                                  <p:stCondLst>
-                                    <p:cond delay="0"/>
-                                  </p:stCondLst>
-                                  <p:childTnLst>
-                                    <p:set>
-                                      <p:cBhvr>
-                                        <p:cTn id="22" dur="1" fill="hold">
-                                          <p:stCondLst>
-                                            <p:cond delay="0"/>
-                                          </p:stCondLst>
-                                        </p:cTn>
-                                        <p:tgtEl>
-                                          <p:spTgt spid="7"/>
-                                        </p:tgtEl>
-                                        <p:attrNameLst>
-                                          <p:attrName>style.visibility</p:attrName>
-                                        </p:attrNameLst>
-                                      </p:cBhvr>
-                                      <p:to>
-                                        <p:strVal val="visible"/>
-                                      </p:to>
-                                    </p:set>
-                                    <p:animEffect transition="in" filter="fade">
-                                      <p:cBhvr>
-                                        <p:cTn id="23" dur="500"/>
-                                        <p:tgtEl>
-                                          <p:spTgt spid="7"/>
-                                        </p:tgtEl>
-                                      </p:cBhvr>
-                                    </p:animEffect>
-                                  </p:childTnLst>
-                                </p:cTn>
-                              </p:par>
-                            </p:childTnLst>
-                          </p:cTn>
-                        </p:par>
-                      </p:childTnLst>
-                    </p:cTn>
-                  </p:par>
-                  <p:par>
-                    <p:cTn id="24" fill="hold">
-                      <p:stCondLst>
-                        <p:cond delay="indefinite"/>
-                      </p:stCondLst>
-                      <p:childTnLst>
-                        <p:par>
-                          <p:cTn id="25" fill="hold">
-                            <p:stCondLst>
-                              <p:cond delay="0"/>
-                            </p:stCondLst>
-                            <p:childTnLst>
-                              <p:par>
-                                <p:cTn id="26" presetID="10" presetClass="entr" presetSubtype="0" fill="hold" grpId="0" nodeType="clickEffect">
-                                  <p:stCondLst>
-                                    <p:cond delay="0"/>
-                                  </p:stCondLst>
-                                  <p:childTnLst>
-                                    <p:set>
-                                      <p:cBhvr>
-                                        <p:cTn id="27" dur="1" fill="hold">
-                                          <p:stCondLst>
-                                            <p:cond delay="0"/>
-                                          </p:stCondLst>
-                                        </p:cTn>
-                                        <p:tgtEl>
-                                          <p:spTgt spid="13"/>
-                                        </p:tgtEl>
-                                        <p:attrNameLst>
-                                          <p:attrName>style.visibility</p:attrName>
-                                        </p:attrNameLst>
-                                      </p:cBhvr>
-                                      <p:to>
-                                        <p:strVal val="visible"/>
-                                      </p:to>
-                                    </p:set>
-                                    <p:animEffect transition="in" filter="fade">
-                                      <p:cBhvr>
-                                        <p:cTn id="28" dur="500"/>
-                                        <p:tgtEl>
-                                          <p:spTgt spid="13"/>
-                                        </p:tgtEl>
-                                      </p:cBhvr>
-                                    </p:animEffect>
-                                  </p:childTnLst>
-                                </p:cTn>
-                              </p:par>
-                              <p:par>
-                                <p:cTn id="29" presetID="10" presetClass="entr" presetSubtype="0" fill="hold" nodeType="withEffect">
-                                  <p:stCondLst>
-                                    <p:cond delay="0"/>
-                                  </p:stCondLst>
-                                  <p:childTnLst>
-                                    <p:set>
-                                      <p:cBhvr>
-                                        <p:cTn id="30" dur="1" fill="hold">
-                                          <p:stCondLst>
-                                            <p:cond delay="0"/>
-                                          </p:stCondLst>
-                                        </p:cTn>
-                                        <p:tgtEl>
-                                          <p:spTgt spid="15"/>
-                                        </p:tgtEl>
-                                        <p:attrNameLst>
-                                          <p:attrName>style.visibility</p:attrName>
-                                        </p:attrNameLst>
-                                      </p:cBhvr>
-                                      <p:to>
-                                        <p:strVal val="visible"/>
-                                      </p:to>
-                                    </p:set>
-                                    <p:animEffect transition="in" filter="fade">
-                                      <p:cBhvr>
-                                        <p:cTn id="31" dur="500"/>
-                                        <p:tgtEl>
-                                          <p:spTgt spid="15"/>
-                                        </p:tgtEl>
-                                      </p:cBhvr>
-                                    </p:animEffect>
-                                  </p:childTnLst>
-                                </p:cTn>
-                              </p:par>
-                            </p:childTnLst>
-                          </p:cTn>
-                        </p:par>
-                      </p:childTnLst>
-                    </p:cTn>
-                  </p:par>
-                  <p:par>
-                    <p:cTn id="32" fill="hold">
-                      <p:stCondLst>
-                        <p:cond delay="indefinite"/>
-                      </p:stCondLst>
-                      <p:childTnLst>
-                        <p:par>
-                          <p:cTn id="33" fill="hold">
-                            <p:stCondLst>
-                              <p:cond delay="0"/>
-                            </p:stCondLst>
-                            <p:childTnLst>
-                              <p:par>
-                                <p:cTn id="34" presetID="10" presetClass="entr" presetSubtype="0" fill="hold" grpId="0" nodeType="clickEffect">
-                                  <p:stCondLst>
-                                    <p:cond delay="0"/>
-                                  </p:stCondLst>
-                                  <p:childTnLst>
-                                    <p:set>
-                                      <p:cBhvr>
-                                        <p:cTn id="35" dur="1" fill="hold">
-                                          <p:stCondLst>
-                                            <p:cond delay="0"/>
-                                          </p:stCondLst>
-                                        </p:cTn>
-                                        <p:tgtEl>
-                                          <p:spTgt spid="14"/>
-                                        </p:tgtEl>
-                                        <p:attrNameLst>
-                                          <p:attrName>style.visibility</p:attrName>
-                                        </p:attrNameLst>
-                                      </p:cBhvr>
-                                      <p:to>
-                                        <p:strVal val="visible"/>
-                                      </p:to>
-                                    </p:set>
-                                    <p:animEffect transition="in" filter="fade">
-                                      <p:cBhvr>
-                                        <p:cTn id="36" dur="500"/>
-                                        <p:tgtEl>
-                                          <p:spTgt spid="14"/>
-                                        </p:tgtEl>
-                                      </p:cBhvr>
-                                    </p:animEffect>
-                                  </p:childTnLst>
-                                </p:cTn>
-                              </p:par>
-                              <p:par>
-                                <p:cTn id="37" presetID="10" presetClass="entr" presetSubtype="0" fill="hold" nodeType="withEffect">
-                                  <p:stCondLst>
-                                    <p:cond delay="0"/>
-                                  </p:stCondLst>
-                                  <p:childTnLst>
-                                    <p:set>
-                                      <p:cBhvr>
-                                        <p:cTn id="38" dur="1" fill="hold">
-                                          <p:stCondLst>
-                                            <p:cond delay="0"/>
-                                          </p:stCondLst>
-                                        </p:cTn>
-                                        <p:tgtEl>
-                                          <p:spTgt spid="9"/>
-                                        </p:tgtEl>
-                                        <p:attrNameLst>
-                                          <p:attrName>style.visibility</p:attrName>
-                                        </p:attrNameLst>
-                                      </p:cBhvr>
-                                      <p:to>
-                                        <p:strVal val="visible"/>
-                                      </p:to>
-                                    </p:set>
-                                    <p:animEffect transition="in" filter="fade">
-                                      <p:cBhvr>
-                                        <p:cTn id="39" dur="500"/>
-                                        <p:tgtEl>
-                                          <p:spTgt spid="9"/>
-                                        </p:tgtEl>
-                                      </p:cBhvr>
-                                    </p:animEffect>
-                                  </p:childTnLst>
-                                </p:cTn>
-                              </p:par>
-                            </p:childTnLst>
-                          </p:cTn>
-                        </p:par>
-                      </p:childTnLst>
-                    </p:cTn>
-                  </p:par>
-                </p:childTnLst>
-              </p:cTn>
-              <p:prevCondLst>
-                <p:cond evt="onPrev" delay="0">
-                  <p:tgtEl>
-                    <p:sldTgt/>
-                  </p:tgtEl>
-                </p:cond>
-              </p:prevCondLst>
-              <p:nextCondLst>
-                <p:cond evt="onNext" delay="0">
-                  <p:tgtEl>
-                    <p:sldTgt/>
-                  </p:tgtEl>
-                </p:cond>
-              </p:nextCondLst>
-            </p:seq>
-          </p:childTnLst>
-        </p:cTn>
-      </p:par>
-    </p:tnLst>
-    <p:bldLst>
-      <p:bldP spid="89" grpId="0"/>
-      <p:bldP spid="11" grpId="0"/>
-      <p:bldP spid="12" grpId="0"/>
-      <p:bldP spid="13" grpId="0"/>
-      <p:bldP spid="14" grpId="0"/>
-    </p:bldLst>
-  </p:timing>
-</p:sld>
-</file>
-
 <file path=ppt/theme/theme1.xml><?xml version="1.0" encoding="utf-8"?>
 <a:theme xmlns:a="http://schemas.openxmlformats.org/drawingml/2006/main" name="Olivia template">
   <a:themeElements>

--- a/materials/endOfSemseter.pptx
+++ b/materials/endOfSemseter.pptx
@@ -5,7 +5,7 @@
     <p:sldMasterId id="2147483656" r:id="rId1"/>
   </p:sldMasterIdLst>
   <p:notesMasterIdLst>
-    <p:notesMasterId r:id="rId17"/>
+    <p:notesMasterId r:id="rId16"/>
   </p:notesMasterIdLst>
   <p:sldIdLst>
     <p:sldId id="256" r:id="rId2"/>
@@ -13,16 +13,15 @@
     <p:sldId id="312" r:id="rId4"/>
     <p:sldId id="303" r:id="rId5"/>
     <p:sldId id="307" r:id="rId6"/>
-    <p:sldId id="313" r:id="rId7"/>
-    <p:sldId id="325" r:id="rId8"/>
-    <p:sldId id="308" r:id="rId9"/>
-    <p:sldId id="310" r:id="rId10"/>
-    <p:sldId id="324" r:id="rId11"/>
-    <p:sldId id="323" r:id="rId12"/>
-    <p:sldId id="318" r:id="rId13"/>
-    <p:sldId id="319" r:id="rId14"/>
-    <p:sldId id="320" r:id="rId15"/>
-    <p:sldId id="306" r:id="rId16"/>
+    <p:sldId id="326" r:id="rId7"/>
+    <p:sldId id="308" r:id="rId8"/>
+    <p:sldId id="310" r:id="rId9"/>
+    <p:sldId id="324" r:id="rId10"/>
+    <p:sldId id="323" r:id="rId11"/>
+    <p:sldId id="318" r:id="rId12"/>
+    <p:sldId id="319" r:id="rId13"/>
+    <p:sldId id="320" r:id="rId14"/>
+    <p:sldId id="306" r:id="rId15"/>
   </p:sldIdLst>
   <p:sldSz cx="9144000" cy="5143500" type="screen16x9"/>
   <p:notesSz cx="6858000" cy="9144000"/>
@@ -1907,7 +1906,7 @@
     </p:spTree>
     <p:extLst>
       <p:ext uri="{BB962C8B-B14F-4D97-AF65-F5344CB8AC3E}">
-        <p14:creationId xmlns:p14="http://schemas.microsoft.com/office/powerpoint/2010/main" val="4074563271"/>
+        <p14:creationId xmlns:p14="http://schemas.microsoft.com/office/powerpoint/2010/main" val="2911298064"/>
       </p:ext>
     </p:extLst>
   </p:cSld>
@@ -6632,1646 +6631,6 @@
         </p:nvSpPr>
         <p:spPr>
           <a:xfrm>
-            <a:off x="791373" y="1739992"/>
-            <a:ext cx="6866100" cy="857400"/>
-          </a:xfrm>
-          <a:prstGeom prst="rect">
-            <a:avLst/>
-          </a:prstGeom>
-          <a:noFill/>
-          <a:ln>
-            <a:noFill/>
-          </a:ln>
-        </p:spPr>
-        <p:txBody>
-          <a:bodyPr wrap="square" lIns="91425" tIns="91425" rIns="91425" bIns="91425" anchor="t" anchorCtr="0">
-            <a:noAutofit/>
-          </a:bodyPr>
-          <a:lstStyle/>
-          <a:p>
-            <a:pPr lvl="0" indent="-279400">
-              <a:buSzPts val="4400"/>
-            </a:pPr>
-            <a:r>
-              <a:rPr lang="en-US" sz="4400" dirty="0"/>
-              <a:t>Testing &amp;</a:t>
-            </a:r>
-            <a:br>
-              <a:rPr lang="en-US" sz="4400" dirty="0"/>
-            </a:br>
-            <a:r>
-              <a:rPr lang="en-US" sz="4400" dirty="0">
-                <a:solidFill>
-                  <a:srgbClr val="FFB600"/>
-                </a:solidFill>
-              </a:rPr>
-              <a:t>Evaluation</a:t>
-            </a:r>
-            <a:br>
-              <a:rPr lang="en-US" sz="4400" dirty="0"/>
-            </a:br>
-            <a:endParaRPr lang="iw-IL" sz="2800" b="0" i="0" u="none" strike="noStrike" cap="none" dirty="0">
-              <a:solidFill>
-                <a:srgbClr val="434343"/>
-              </a:solidFill>
-              <a:latin typeface="Raleway Light" panose="020B0403030101060003" pitchFamily="34" charset="0"/>
-              <a:sym typeface="Raleway ExtraBold"/>
-            </a:endParaRPr>
-          </a:p>
-        </p:txBody>
-      </p:sp>
-      <p:sp>
-        <p:nvSpPr>
-          <p:cNvPr id="91" name="Shape 91"/>
-          <p:cNvSpPr txBox="1">
-            <a:spLocks noGrp="1"/>
-          </p:cNvSpPr>
-          <p:nvPr>
-            <p:ph type="sldNum" idx="12"/>
-          </p:nvPr>
-        </p:nvSpPr>
-        <p:spPr>
-          <a:xfrm>
-            <a:off x="8604400" y="4590300"/>
-            <a:ext cx="539700" cy="553200"/>
-          </a:xfrm>
-          <a:prstGeom prst="rect">
-            <a:avLst/>
-          </a:prstGeom>
-          <a:noFill/>
-          <a:ln>
-            <a:noFill/>
-          </a:ln>
-        </p:spPr>
-        <p:txBody>
-          <a:bodyPr wrap="square" lIns="91425" tIns="91425" rIns="91425" bIns="91425" anchor="ctr" anchorCtr="0">
-            <a:noAutofit/>
-          </a:bodyPr>
-          <a:lstStyle/>
-          <a:p>
-            <a:pPr marL="0" marR="0" lvl="0" indent="-88900" algn="l" rtl="0">
-              <a:lnSpc>
-                <a:spcPct val="100000"/>
-              </a:lnSpc>
-              <a:spcBef>
-                <a:spcPts val="0"/>
-              </a:spcBef>
-              <a:spcAft>
-                <a:spcPts val="0"/>
-              </a:spcAft>
-              <a:buClr>
-                <a:srgbClr val="000000"/>
-              </a:buClr>
-              <a:buSzPts val="1400"/>
-              <a:buFont typeface="Arial"/>
-              <a:buNone/>
-            </a:pPr>
-            <a:fld id="{00000000-1234-1234-1234-123412341234}" type="slidenum">
-              <a:rPr lang="iw-IL" sz="1400" b="0" i="0" u="none" strike="noStrike" cap="none">
-                <a:solidFill>
-                  <a:srgbClr val="000000"/>
-                </a:solidFill>
-                <a:latin typeface="Arial"/>
-                <a:ea typeface="Arial"/>
-                <a:cs typeface="Arial"/>
-                <a:sym typeface="Arial"/>
-              </a:rPr>
-              <a:t>10</a:t>
-            </a:fld>
-            <a:endParaRPr lang="iw-IL" sz="1400" b="0" i="0" u="none" strike="noStrike" cap="none">
-              <a:solidFill>
-                <a:srgbClr val="000000"/>
-              </a:solidFill>
-              <a:latin typeface="Arial"/>
-              <a:ea typeface="Arial"/>
-              <a:cs typeface="Arial"/>
-              <a:sym typeface="Arial"/>
-            </a:endParaRPr>
-          </a:p>
-        </p:txBody>
-      </p:sp>
-      <p:grpSp>
-        <p:nvGrpSpPr>
-          <p:cNvPr id="92" name="Shape 92"/>
-          <p:cNvGrpSpPr/>
-          <p:nvPr/>
-        </p:nvGrpSpPr>
-        <p:grpSpPr>
-          <a:xfrm>
-            <a:off x="8119638" y="225980"/>
-            <a:ext cx="539546" cy="879605"/>
-            <a:chOff x="6730350" y="2315900"/>
-            <a:chExt cx="257700" cy="420100"/>
-          </a:xfrm>
-        </p:grpSpPr>
-        <p:sp>
-          <p:nvSpPr>
-            <p:cNvPr id="93" name="Shape 93"/>
-            <p:cNvSpPr/>
-            <p:nvPr/>
-          </p:nvSpPr>
-          <p:spPr>
-            <a:xfrm>
-              <a:off x="6807900" y="2671250"/>
-              <a:ext cx="102600" cy="22625"/>
-            </a:xfrm>
-            <a:custGeom>
-              <a:avLst/>
-              <a:gdLst/>
-              <a:ahLst/>
-              <a:cxnLst/>
-              <a:rect l="0" t="0" r="0" b="0"/>
-              <a:pathLst>
-                <a:path w="120000" h="120000" extrusionOk="0">
-                  <a:moveTo>
-                    <a:pt x="29" y="132"/>
-                  </a:moveTo>
-                  <a:lnTo>
-                    <a:pt x="29" y="120000"/>
-                  </a:lnTo>
-                  <a:lnTo>
-                    <a:pt x="120000" y="120000"/>
-                  </a:lnTo>
-                  <a:lnTo>
-                    <a:pt x="120000" y="132"/>
-                  </a:lnTo>
-                  <a:close/>
-                </a:path>
-              </a:pathLst>
-            </a:custGeom>
-            <a:solidFill>
-              <a:srgbClr val="FFB600"/>
-            </a:solidFill>
-            <a:ln>
-              <a:noFill/>
-            </a:ln>
-          </p:spPr>
-          <p:txBody>
-            <a:bodyPr wrap="square" lIns="91425" tIns="91425" rIns="91425" bIns="91425" anchor="ctr" anchorCtr="0">
-              <a:noAutofit/>
-            </a:bodyPr>
-            <a:lstStyle/>
-            <a:p>
-              <a:pPr marL="0" marR="0" lvl="0" indent="-88900" algn="l" rtl="0">
-                <a:lnSpc>
-                  <a:spcPct val="100000"/>
-                </a:lnSpc>
-                <a:spcBef>
-                  <a:spcPts val="0"/>
-                </a:spcBef>
-                <a:spcAft>
-                  <a:spcPts val="0"/>
-                </a:spcAft>
-                <a:buClr>
-                  <a:srgbClr val="000000"/>
-                </a:buClr>
-                <a:buSzPts val="1400"/>
-                <a:buFont typeface="Arial"/>
-                <a:buNone/>
-              </a:pPr>
-              <a:endParaRPr sz="1400" b="0" i="0" u="none" strike="noStrike" cap="none">
-                <a:solidFill>
-                  <a:srgbClr val="000000"/>
-                </a:solidFill>
-                <a:latin typeface="Arial"/>
-                <a:ea typeface="Arial"/>
-                <a:cs typeface="Arial"/>
-                <a:sym typeface="Arial"/>
-              </a:endParaRPr>
-            </a:p>
-          </p:txBody>
-        </p:sp>
-        <p:sp>
-          <p:nvSpPr>
-            <p:cNvPr id="94" name="Shape 94"/>
-            <p:cNvSpPr/>
-            <p:nvPr/>
-          </p:nvSpPr>
-          <p:spPr>
-            <a:xfrm>
-              <a:off x="6807900" y="2636450"/>
-              <a:ext cx="102600" cy="22625"/>
-            </a:xfrm>
-            <a:custGeom>
-              <a:avLst/>
-              <a:gdLst/>
-              <a:ahLst/>
-              <a:cxnLst/>
-              <a:rect l="0" t="0" r="0" b="0"/>
-              <a:pathLst>
-                <a:path w="120000" h="120000" extrusionOk="0">
-                  <a:moveTo>
-                    <a:pt x="29" y="132"/>
-                  </a:moveTo>
-                  <a:lnTo>
-                    <a:pt x="29" y="120000"/>
-                  </a:lnTo>
-                  <a:lnTo>
-                    <a:pt x="120000" y="120000"/>
-                  </a:lnTo>
-                  <a:lnTo>
-                    <a:pt x="120000" y="132"/>
-                  </a:lnTo>
-                  <a:close/>
-                </a:path>
-              </a:pathLst>
-            </a:custGeom>
-            <a:solidFill>
-              <a:srgbClr val="FFB600"/>
-            </a:solidFill>
-            <a:ln>
-              <a:noFill/>
-            </a:ln>
-          </p:spPr>
-          <p:txBody>
-            <a:bodyPr wrap="square" lIns="91425" tIns="91425" rIns="91425" bIns="91425" anchor="ctr" anchorCtr="0">
-              <a:noAutofit/>
-            </a:bodyPr>
-            <a:lstStyle/>
-            <a:p>
-              <a:pPr marL="0" marR="0" lvl="0" indent="-88900" algn="l" rtl="0">
-                <a:lnSpc>
-                  <a:spcPct val="100000"/>
-                </a:lnSpc>
-                <a:spcBef>
-                  <a:spcPts val="0"/>
-                </a:spcBef>
-                <a:spcAft>
-                  <a:spcPts val="0"/>
-                </a:spcAft>
-                <a:buClr>
-                  <a:srgbClr val="000000"/>
-                </a:buClr>
-                <a:buSzPts val="1400"/>
-                <a:buFont typeface="Arial"/>
-                <a:buNone/>
-              </a:pPr>
-              <a:endParaRPr sz="1400" b="0" i="0" u="none" strike="noStrike" cap="none">
-                <a:solidFill>
-                  <a:srgbClr val="000000"/>
-                </a:solidFill>
-                <a:latin typeface="Arial"/>
-                <a:ea typeface="Arial"/>
-                <a:cs typeface="Arial"/>
-                <a:sym typeface="Arial"/>
-              </a:endParaRPr>
-            </a:p>
-          </p:txBody>
-        </p:sp>
-        <p:sp>
-          <p:nvSpPr>
-            <p:cNvPr id="95" name="Shape 95"/>
-            <p:cNvSpPr/>
-            <p:nvPr/>
-          </p:nvSpPr>
-          <p:spPr>
-            <a:xfrm>
-              <a:off x="6807900" y="2706075"/>
-              <a:ext cx="102600" cy="29925"/>
-            </a:xfrm>
-            <a:custGeom>
-              <a:avLst/>
-              <a:gdLst/>
-              <a:ahLst/>
-              <a:cxnLst/>
-              <a:rect l="0" t="0" r="0" b="0"/>
-              <a:pathLst>
-                <a:path w="120000" h="120000" extrusionOk="0">
-                  <a:moveTo>
-                    <a:pt x="29" y="0"/>
-                  </a:moveTo>
-                  <a:lnTo>
-                    <a:pt x="29" y="17142"/>
-                  </a:lnTo>
-                  <a:lnTo>
-                    <a:pt x="730" y="31879"/>
-                  </a:lnTo>
-                  <a:lnTo>
-                    <a:pt x="2865" y="46516"/>
-                  </a:lnTo>
-                  <a:lnTo>
-                    <a:pt x="5730" y="58746"/>
-                  </a:lnTo>
-                  <a:lnTo>
-                    <a:pt x="10029" y="66165"/>
-                  </a:lnTo>
-                  <a:lnTo>
-                    <a:pt x="55000" y="117493"/>
-                  </a:lnTo>
-                  <a:lnTo>
-                    <a:pt x="60000" y="120000"/>
-                  </a:lnTo>
-                  <a:lnTo>
-                    <a:pt x="65000" y="117493"/>
-                  </a:lnTo>
-                  <a:lnTo>
-                    <a:pt x="110000" y="66165"/>
-                  </a:lnTo>
-                  <a:lnTo>
-                    <a:pt x="114269" y="58746"/>
-                  </a:lnTo>
-                  <a:lnTo>
-                    <a:pt x="117134" y="46516"/>
-                  </a:lnTo>
-                  <a:lnTo>
-                    <a:pt x="119269" y="31879"/>
-                  </a:lnTo>
-                  <a:lnTo>
-                    <a:pt x="120000" y="17142"/>
-                  </a:lnTo>
-                  <a:lnTo>
-                    <a:pt x="120000" y="0"/>
-                  </a:lnTo>
-                  <a:close/>
-                </a:path>
-              </a:pathLst>
-            </a:custGeom>
-            <a:solidFill>
-              <a:srgbClr val="FFB600"/>
-            </a:solidFill>
-            <a:ln>
-              <a:noFill/>
-            </a:ln>
-          </p:spPr>
-          <p:txBody>
-            <a:bodyPr wrap="square" lIns="91425" tIns="91425" rIns="91425" bIns="91425" anchor="ctr" anchorCtr="0">
-              <a:noAutofit/>
-            </a:bodyPr>
-            <a:lstStyle/>
-            <a:p>
-              <a:pPr marL="0" marR="0" lvl="0" indent="-88900" algn="l" rtl="0">
-                <a:lnSpc>
-                  <a:spcPct val="100000"/>
-                </a:lnSpc>
-                <a:spcBef>
-                  <a:spcPts val="0"/>
-                </a:spcBef>
-                <a:spcAft>
-                  <a:spcPts val="0"/>
-                </a:spcAft>
-                <a:buClr>
-                  <a:srgbClr val="000000"/>
-                </a:buClr>
-                <a:buSzPts val="1400"/>
-                <a:buFont typeface="Arial"/>
-                <a:buNone/>
-              </a:pPr>
-              <a:endParaRPr sz="1400" b="0" i="0" u="none" strike="noStrike" cap="none">
-                <a:solidFill>
-                  <a:srgbClr val="000000"/>
-                </a:solidFill>
-                <a:latin typeface="Arial"/>
-                <a:ea typeface="Arial"/>
-                <a:cs typeface="Arial"/>
-                <a:sym typeface="Arial"/>
-              </a:endParaRPr>
-            </a:p>
-          </p:txBody>
-        </p:sp>
-        <p:sp>
-          <p:nvSpPr>
-            <p:cNvPr id="96" name="Shape 96"/>
-            <p:cNvSpPr/>
-            <p:nvPr/>
-          </p:nvSpPr>
-          <p:spPr>
-            <a:xfrm>
-              <a:off x="6811575" y="2463675"/>
-              <a:ext cx="95275" cy="160600"/>
-            </a:xfrm>
-            <a:custGeom>
-              <a:avLst/>
-              <a:gdLst/>
-              <a:ahLst/>
-              <a:cxnLst/>
-              <a:rect l="0" t="0" r="0" b="0"/>
-              <a:pathLst>
-                <a:path w="120000" h="120000" extrusionOk="0">
-                  <a:moveTo>
-                    <a:pt x="59984" y="0"/>
-                  </a:moveTo>
-                  <a:lnTo>
-                    <a:pt x="29220" y="15523"/>
-                  </a:lnTo>
-                  <a:lnTo>
-                    <a:pt x="26922" y="16419"/>
-                  </a:lnTo>
-                  <a:lnTo>
-                    <a:pt x="24623" y="16886"/>
-                  </a:lnTo>
-                  <a:lnTo>
-                    <a:pt x="21537" y="16419"/>
-                  </a:lnTo>
-                  <a:lnTo>
-                    <a:pt x="19239" y="15523"/>
-                  </a:lnTo>
-                  <a:lnTo>
-                    <a:pt x="0" y="5940"/>
-                  </a:lnTo>
-                  <a:lnTo>
-                    <a:pt x="41532" y="119981"/>
-                  </a:lnTo>
-                  <a:lnTo>
-                    <a:pt x="78436" y="119981"/>
-                  </a:lnTo>
-                  <a:lnTo>
-                    <a:pt x="119968" y="5940"/>
-                  </a:lnTo>
-                  <a:lnTo>
-                    <a:pt x="100760" y="15523"/>
-                  </a:lnTo>
-                  <a:lnTo>
-                    <a:pt x="98430" y="16419"/>
-                  </a:lnTo>
-                  <a:lnTo>
-                    <a:pt x="95376" y="16886"/>
-                  </a:lnTo>
-                  <a:lnTo>
-                    <a:pt x="93046" y="16419"/>
-                  </a:lnTo>
-                  <a:lnTo>
-                    <a:pt x="90747" y="15523"/>
-                  </a:lnTo>
-                  <a:lnTo>
-                    <a:pt x="59984" y="0"/>
-                  </a:lnTo>
-                  <a:close/>
-                </a:path>
-              </a:pathLst>
-            </a:custGeom>
-            <a:solidFill>
-              <a:srgbClr val="FFB600"/>
-            </a:solidFill>
-            <a:ln>
-              <a:noFill/>
-            </a:ln>
-          </p:spPr>
-          <p:txBody>
-            <a:bodyPr wrap="square" lIns="91425" tIns="91425" rIns="91425" bIns="91425" anchor="ctr" anchorCtr="0">
-              <a:noAutofit/>
-            </a:bodyPr>
-            <a:lstStyle/>
-            <a:p>
-              <a:pPr marL="0" marR="0" lvl="0" indent="-88900" algn="l" rtl="0">
-                <a:lnSpc>
-                  <a:spcPct val="100000"/>
-                </a:lnSpc>
-                <a:spcBef>
-                  <a:spcPts val="0"/>
-                </a:spcBef>
-                <a:spcAft>
-                  <a:spcPts val="0"/>
-                </a:spcAft>
-                <a:buClr>
-                  <a:srgbClr val="000000"/>
-                </a:buClr>
-                <a:buSzPts val="1400"/>
-                <a:buFont typeface="Arial"/>
-                <a:buNone/>
-              </a:pPr>
-              <a:endParaRPr sz="1400" b="0" i="0" u="none" strike="noStrike" cap="none">
-                <a:solidFill>
-                  <a:srgbClr val="000000"/>
-                </a:solidFill>
-                <a:latin typeface="Arial"/>
-                <a:ea typeface="Arial"/>
-                <a:cs typeface="Arial"/>
-                <a:sym typeface="Arial"/>
-              </a:endParaRPr>
-            </a:p>
-          </p:txBody>
-        </p:sp>
-        <p:sp>
-          <p:nvSpPr>
-            <p:cNvPr id="97" name="Shape 97"/>
-            <p:cNvSpPr/>
-            <p:nvPr/>
-          </p:nvSpPr>
-          <p:spPr>
-            <a:xfrm>
-              <a:off x="6730350" y="2315900"/>
-              <a:ext cx="257700" cy="308375"/>
-            </a:xfrm>
-            <a:custGeom>
-              <a:avLst/>
-              <a:gdLst/>
-              <a:ahLst/>
-              <a:cxnLst/>
-              <a:rect l="0" t="0" r="0" b="0"/>
-              <a:pathLst>
-                <a:path w="120000" h="120000" extrusionOk="0">
-                  <a:moveTo>
-                    <a:pt x="60000" y="9"/>
-                  </a:moveTo>
-                  <a:lnTo>
-                    <a:pt x="53748" y="243"/>
-                  </a:lnTo>
-                  <a:lnTo>
-                    <a:pt x="48055" y="953"/>
-                  </a:lnTo>
-                  <a:lnTo>
-                    <a:pt x="42083" y="2383"/>
-                  </a:lnTo>
-                  <a:lnTo>
-                    <a:pt x="36682" y="4047"/>
-                  </a:lnTo>
-                  <a:lnTo>
-                    <a:pt x="31571" y="6187"/>
-                  </a:lnTo>
-                  <a:lnTo>
-                    <a:pt x="26449" y="8561"/>
-                  </a:lnTo>
-                  <a:lnTo>
-                    <a:pt x="21897" y="11411"/>
-                  </a:lnTo>
-                  <a:lnTo>
-                    <a:pt x="17636" y="14738"/>
-                  </a:lnTo>
-                  <a:lnTo>
-                    <a:pt x="13946" y="18299"/>
-                  </a:lnTo>
-                  <a:lnTo>
-                    <a:pt x="10244" y="22102"/>
-                  </a:lnTo>
-                  <a:lnTo>
-                    <a:pt x="7403" y="26140"/>
-                  </a:lnTo>
-                  <a:lnTo>
-                    <a:pt x="4842" y="30654"/>
-                  </a:lnTo>
-                  <a:lnTo>
-                    <a:pt x="2852" y="35168"/>
-                  </a:lnTo>
-                  <a:lnTo>
-                    <a:pt x="1431" y="39925"/>
-                  </a:lnTo>
-                  <a:lnTo>
-                    <a:pt x="582" y="44916"/>
-                  </a:lnTo>
-                  <a:lnTo>
-                    <a:pt x="11" y="50140"/>
-                  </a:lnTo>
-                  <a:lnTo>
-                    <a:pt x="291" y="52757"/>
-                  </a:lnTo>
-                  <a:lnTo>
-                    <a:pt x="582" y="55364"/>
-                  </a:lnTo>
-                  <a:lnTo>
-                    <a:pt x="1431" y="60355"/>
-                  </a:lnTo>
-                  <a:lnTo>
-                    <a:pt x="2852" y="65112"/>
-                  </a:lnTo>
-                  <a:lnTo>
-                    <a:pt x="4842" y="69383"/>
-                  </a:lnTo>
-                  <a:lnTo>
-                    <a:pt x="7403" y="73663"/>
-                  </a:lnTo>
-                  <a:lnTo>
-                    <a:pt x="9965" y="77467"/>
-                  </a:lnTo>
-                  <a:lnTo>
-                    <a:pt x="12805" y="81261"/>
-                  </a:lnTo>
-                  <a:lnTo>
-                    <a:pt x="15937" y="85065"/>
-                  </a:lnTo>
-                  <a:lnTo>
-                    <a:pt x="22188" y="92672"/>
-                  </a:lnTo>
-                  <a:lnTo>
-                    <a:pt x="25029" y="96710"/>
-                  </a:lnTo>
-                  <a:lnTo>
-                    <a:pt x="27869" y="100747"/>
-                  </a:lnTo>
-                  <a:lnTo>
-                    <a:pt x="30430" y="105027"/>
-                  </a:lnTo>
-                  <a:lnTo>
-                    <a:pt x="32712" y="109775"/>
-                  </a:lnTo>
-                  <a:lnTo>
-                    <a:pt x="34691" y="114766"/>
-                  </a:lnTo>
-                  <a:lnTo>
-                    <a:pt x="36123" y="119990"/>
-                  </a:lnTo>
-                  <a:lnTo>
-                    <a:pt x="47485" y="119990"/>
-                  </a:lnTo>
-                  <a:lnTo>
-                    <a:pt x="37823" y="82691"/>
-                  </a:lnTo>
-                  <a:lnTo>
-                    <a:pt x="31001" y="54887"/>
-                  </a:lnTo>
-                  <a:lnTo>
-                    <a:pt x="31001" y="53700"/>
-                  </a:lnTo>
-                  <a:lnTo>
-                    <a:pt x="31571" y="52757"/>
-                  </a:lnTo>
-                  <a:lnTo>
-                    <a:pt x="32421" y="52280"/>
-                  </a:lnTo>
-                  <a:lnTo>
-                    <a:pt x="33562" y="52037"/>
-                  </a:lnTo>
-                  <a:lnTo>
-                    <a:pt x="34412" y="52037"/>
-                  </a:lnTo>
-                  <a:lnTo>
-                    <a:pt x="35552" y="52513"/>
-                  </a:lnTo>
-                  <a:lnTo>
-                    <a:pt x="46926" y="60831"/>
-                  </a:lnTo>
-                  <a:lnTo>
-                    <a:pt x="58009" y="52513"/>
-                  </a:lnTo>
-                  <a:lnTo>
-                    <a:pt x="59150" y="52037"/>
-                  </a:lnTo>
-                  <a:lnTo>
-                    <a:pt x="60849" y="52037"/>
-                  </a:lnTo>
-                  <a:lnTo>
-                    <a:pt x="61990" y="52513"/>
-                  </a:lnTo>
-                  <a:lnTo>
-                    <a:pt x="73084" y="60831"/>
-                  </a:lnTo>
-                  <a:lnTo>
-                    <a:pt x="84447" y="52513"/>
-                  </a:lnTo>
-                  <a:lnTo>
-                    <a:pt x="85587" y="52037"/>
-                  </a:lnTo>
-                  <a:lnTo>
-                    <a:pt x="86437" y="52037"/>
-                  </a:lnTo>
-                  <a:lnTo>
-                    <a:pt x="87578" y="52280"/>
-                  </a:lnTo>
-                  <a:lnTo>
-                    <a:pt x="88428" y="52757"/>
-                  </a:lnTo>
-                  <a:lnTo>
-                    <a:pt x="88998" y="53700"/>
-                  </a:lnTo>
-                  <a:lnTo>
-                    <a:pt x="88998" y="54887"/>
-                  </a:lnTo>
-                  <a:lnTo>
-                    <a:pt x="82176" y="82691"/>
-                  </a:lnTo>
-                  <a:lnTo>
-                    <a:pt x="72514" y="119990"/>
-                  </a:lnTo>
-                  <a:lnTo>
-                    <a:pt x="83888" y="119990"/>
-                  </a:lnTo>
-                  <a:lnTo>
-                    <a:pt x="85308" y="114766"/>
-                  </a:lnTo>
-                  <a:lnTo>
-                    <a:pt x="87299" y="109775"/>
-                  </a:lnTo>
-                  <a:lnTo>
-                    <a:pt x="89569" y="105027"/>
-                  </a:lnTo>
-                  <a:lnTo>
-                    <a:pt x="92130" y="100747"/>
-                  </a:lnTo>
-                  <a:lnTo>
-                    <a:pt x="94970" y="96710"/>
-                  </a:lnTo>
-                  <a:lnTo>
-                    <a:pt x="97811" y="92672"/>
-                  </a:lnTo>
-                  <a:lnTo>
-                    <a:pt x="104074" y="85065"/>
-                  </a:lnTo>
-                  <a:lnTo>
-                    <a:pt x="107194" y="81261"/>
-                  </a:lnTo>
-                  <a:lnTo>
-                    <a:pt x="110046" y="77467"/>
-                  </a:lnTo>
-                  <a:lnTo>
-                    <a:pt x="112596" y="73663"/>
-                  </a:lnTo>
-                  <a:lnTo>
-                    <a:pt x="115157" y="69383"/>
-                  </a:lnTo>
-                  <a:lnTo>
-                    <a:pt x="117147" y="65112"/>
-                  </a:lnTo>
-                  <a:lnTo>
-                    <a:pt x="118568" y="60355"/>
-                  </a:lnTo>
-                  <a:lnTo>
-                    <a:pt x="119429" y="55364"/>
-                  </a:lnTo>
-                  <a:lnTo>
-                    <a:pt x="119708" y="52757"/>
-                  </a:lnTo>
-                  <a:lnTo>
-                    <a:pt x="119988" y="50140"/>
-                  </a:lnTo>
-                  <a:lnTo>
-                    <a:pt x="119429" y="44916"/>
-                  </a:lnTo>
-                  <a:lnTo>
-                    <a:pt x="118568" y="39925"/>
-                  </a:lnTo>
-                  <a:lnTo>
-                    <a:pt x="117147" y="35168"/>
-                  </a:lnTo>
-                  <a:lnTo>
-                    <a:pt x="115157" y="30654"/>
-                  </a:lnTo>
-                  <a:lnTo>
-                    <a:pt x="112596" y="26140"/>
-                  </a:lnTo>
-                  <a:lnTo>
-                    <a:pt x="109755" y="22102"/>
-                  </a:lnTo>
-                  <a:lnTo>
-                    <a:pt x="106065" y="18299"/>
-                  </a:lnTo>
-                  <a:lnTo>
-                    <a:pt x="102363" y="14738"/>
-                  </a:lnTo>
-                  <a:lnTo>
-                    <a:pt x="98102" y="11411"/>
-                  </a:lnTo>
-                  <a:lnTo>
-                    <a:pt x="93550" y="8561"/>
-                  </a:lnTo>
-                  <a:lnTo>
-                    <a:pt x="88428" y="6187"/>
-                  </a:lnTo>
-                  <a:lnTo>
-                    <a:pt x="83317" y="4047"/>
-                  </a:lnTo>
-                  <a:lnTo>
-                    <a:pt x="77916" y="2383"/>
-                  </a:lnTo>
-                  <a:lnTo>
-                    <a:pt x="71944" y="953"/>
-                  </a:lnTo>
-                  <a:lnTo>
-                    <a:pt x="66251" y="243"/>
-                  </a:lnTo>
-                  <a:lnTo>
-                    <a:pt x="60000" y="9"/>
-                  </a:lnTo>
-                  <a:close/>
-                </a:path>
-              </a:pathLst>
-            </a:custGeom>
-            <a:solidFill>
-              <a:srgbClr val="FFB600"/>
-            </a:solidFill>
-            <a:ln>
-              <a:noFill/>
-            </a:ln>
-          </p:spPr>
-          <p:txBody>
-            <a:bodyPr wrap="square" lIns="91425" tIns="91425" rIns="91425" bIns="91425" anchor="ctr" anchorCtr="0">
-              <a:noAutofit/>
-            </a:bodyPr>
-            <a:lstStyle/>
-            <a:p>
-              <a:pPr marL="0" marR="0" lvl="0" indent="-88900" algn="l" rtl="0">
-                <a:lnSpc>
-                  <a:spcPct val="100000"/>
-                </a:lnSpc>
-                <a:spcBef>
-                  <a:spcPts val="0"/>
-                </a:spcBef>
-                <a:spcAft>
-                  <a:spcPts val="0"/>
-                </a:spcAft>
-                <a:buClr>
-                  <a:srgbClr val="000000"/>
-                </a:buClr>
-                <a:buSzPts val="1400"/>
-                <a:buFont typeface="Arial"/>
-                <a:buNone/>
-              </a:pPr>
-              <a:endParaRPr sz="1400" b="0" i="0" u="none" strike="noStrike" cap="none">
-                <a:solidFill>
-                  <a:srgbClr val="000000"/>
-                </a:solidFill>
-                <a:latin typeface="Arial"/>
-                <a:ea typeface="Arial"/>
-                <a:cs typeface="Arial"/>
-                <a:sym typeface="Arial"/>
-              </a:endParaRPr>
-            </a:p>
-          </p:txBody>
-        </p:sp>
-      </p:grpSp>
-      <p:sp>
-        <p:nvSpPr>
-          <p:cNvPr id="11" name="Shape 120">
-            <a:extLst>
-              <a:ext uri="{FF2B5EF4-FFF2-40B4-BE49-F238E27FC236}">
-                <a16:creationId xmlns:a16="http://schemas.microsoft.com/office/drawing/2014/main" id="{7D209ED9-458B-43E3-9607-2EAA917A8C69}"/>
-              </a:ext>
-            </a:extLst>
-          </p:cNvPr>
-          <p:cNvSpPr txBox="1"/>
-          <p:nvPr/>
-        </p:nvSpPr>
-        <p:spPr>
-          <a:xfrm>
-            <a:off x="3866704" y="1773159"/>
-            <a:ext cx="2247640" cy="732725"/>
-          </a:xfrm>
-          <a:prstGeom prst="rect">
-            <a:avLst/>
-          </a:prstGeom>
-          <a:noFill/>
-          <a:ln>
-            <a:noFill/>
-          </a:ln>
-        </p:spPr>
-        <p:txBody>
-          <a:bodyPr wrap="square" lIns="91425" tIns="91425" rIns="91425" bIns="91425" anchor="b" anchorCtr="0">
-            <a:noAutofit/>
-          </a:bodyPr>
-          <a:lstStyle/>
-          <a:p>
-            <a:pPr algn="ctr"/>
-            <a:r>
-              <a:rPr lang="en-US" b="1" dirty="0">
-                <a:solidFill>
-                  <a:srgbClr val="434343"/>
-                </a:solidFill>
-                <a:latin typeface="Raleway ExtraBold" panose="020B0903030101060003" pitchFamily="34" charset="0"/>
-              </a:rPr>
-              <a:t>Mainly visual functionalities </a:t>
-            </a:r>
-          </a:p>
-        </p:txBody>
-      </p:sp>
-      <p:sp>
-        <p:nvSpPr>
-          <p:cNvPr id="12" name="Shape 120">
-            <a:extLst>
-              <a:ext uri="{FF2B5EF4-FFF2-40B4-BE49-F238E27FC236}">
-                <a16:creationId xmlns:a16="http://schemas.microsoft.com/office/drawing/2014/main" id="{414827B1-50B4-4198-9F8D-5C7BF93CCB18}"/>
-              </a:ext>
-            </a:extLst>
-          </p:cNvPr>
-          <p:cNvSpPr txBox="1"/>
-          <p:nvPr/>
-        </p:nvSpPr>
-        <p:spPr>
-          <a:xfrm>
-            <a:off x="6408045" y="1753064"/>
-            <a:ext cx="1699294" cy="732725"/>
-          </a:xfrm>
-          <a:prstGeom prst="rect">
-            <a:avLst/>
-          </a:prstGeom>
-          <a:noFill/>
-          <a:ln>
-            <a:noFill/>
-          </a:ln>
-        </p:spPr>
-        <p:txBody>
-          <a:bodyPr wrap="square" lIns="91425" tIns="91425" rIns="91425" bIns="91425" anchor="b" anchorCtr="0">
-            <a:noAutofit/>
-          </a:bodyPr>
-          <a:lstStyle/>
-          <a:p>
-            <a:pPr lvl="2" algn="ctr"/>
-            <a:r>
-              <a:rPr lang="en-US" b="1" dirty="0">
-                <a:solidFill>
-                  <a:srgbClr val="434343"/>
-                </a:solidFill>
-                <a:latin typeface="Raleway ExtraBold" panose="020B0903030101060003" pitchFamily="34" charset="0"/>
-              </a:rPr>
-              <a:t>Testing performance</a:t>
-            </a:r>
-          </a:p>
-        </p:txBody>
-      </p:sp>
-      <p:sp>
-        <p:nvSpPr>
-          <p:cNvPr id="13" name="Shape 120">
-            <a:extLst>
-              <a:ext uri="{FF2B5EF4-FFF2-40B4-BE49-F238E27FC236}">
-                <a16:creationId xmlns:a16="http://schemas.microsoft.com/office/drawing/2014/main" id="{A592296E-6C58-4A54-93C9-42E7F960DA6C}"/>
-              </a:ext>
-            </a:extLst>
-          </p:cNvPr>
-          <p:cNvSpPr txBox="1"/>
-          <p:nvPr/>
-        </p:nvSpPr>
-        <p:spPr>
-          <a:xfrm>
-            <a:off x="3866704" y="3698225"/>
-            <a:ext cx="2247640" cy="732725"/>
-          </a:xfrm>
-          <a:prstGeom prst="rect">
-            <a:avLst/>
-          </a:prstGeom>
-          <a:noFill/>
-          <a:ln>
-            <a:noFill/>
-          </a:ln>
-        </p:spPr>
-        <p:txBody>
-          <a:bodyPr wrap="square" lIns="91425" tIns="91425" rIns="91425" bIns="91425" anchor="b" anchorCtr="0">
-            <a:noAutofit/>
-          </a:bodyPr>
-          <a:lstStyle/>
-          <a:p>
-            <a:pPr lvl="2" algn="ctr"/>
-            <a:r>
-              <a:rPr lang="en-US" b="1" dirty="0">
-                <a:solidFill>
-                  <a:srgbClr val="434343"/>
-                </a:solidFill>
-                <a:latin typeface="Raleway ExtraBold" panose="020B0903030101060003" pitchFamily="34" charset="0"/>
-              </a:rPr>
-              <a:t>Comparing different schedulers on same simulations</a:t>
-            </a:r>
-          </a:p>
-        </p:txBody>
-      </p:sp>
-      <p:sp>
-        <p:nvSpPr>
-          <p:cNvPr id="14" name="Shape 120">
-            <a:extLst>
-              <a:ext uri="{FF2B5EF4-FFF2-40B4-BE49-F238E27FC236}">
-                <a16:creationId xmlns:a16="http://schemas.microsoft.com/office/drawing/2014/main" id="{D636E29E-4D07-4161-ABC9-681FB318A520}"/>
-              </a:ext>
-            </a:extLst>
-          </p:cNvPr>
-          <p:cNvSpPr txBox="1"/>
-          <p:nvPr/>
-        </p:nvSpPr>
-        <p:spPr>
-          <a:xfrm>
-            <a:off x="6148792" y="3909240"/>
-            <a:ext cx="2217801" cy="732725"/>
-          </a:xfrm>
-          <a:prstGeom prst="rect">
-            <a:avLst/>
-          </a:prstGeom>
-          <a:noFill/>
-          <a:ln>
-            <a:noFill/>
-          </a:ln>
-        </p:spPr>
-        <p:txBody>
-          <a:bodyPr wrap="square" lIns="91425" tIns="91425" rIns="91425" bIns="91425" anchor="b" anchorCtr="0">
-            <a:noAutofit/>
-          </a:bodyPr>
-          <a:lstStyle/>
-          <a:p>
-            <a:pPr lvl="2" algn="ctr"/>
-            <a:r>
-              <a:rPr lang="en-US" b="1" dirty="0">
-                <a:solidFill>
-                  <a:srgbClr val="434343"/>
-                </a:solidFill>
-                <a:latin typeface="Raleway ExtraBold" panose="020B0903030101060003" pitchFamily="34" charset="0"/>
-              </a:rPr>
-              <a:t>Measured speedups are indications for success</a:t>
-            </a:r>
-          </a:p>
-          <a:p>
-            <a:pPr marL="285750" indent="-285750" algn="ctr">
-              <a:buFont typeface="Arial" charset="0"/>
-              <a:buChar char="•"/>
-            </a:pPr>
-            <a:endParaRPr lang="en-US" b="1" dirty="0">
-              <a:solidFill>
-                <a:srgbClr val="434343"/>
-              </a:solidFill>
-              <a:latin typeface="Raleway ExtraBold" panose="020B0903030101060003" pitchFamily="34" charset="0"/>
-            </a:endParaRPr>
-          </a:p>
-        </p:txBody>
-      </p:sp>
-      <p:pic>
-        <p:nvPicPr>
-          <p:cNvPr id="5" name="תמונה 4">
-            <a:extLst>
-              <a:ext uri="{FF2B5EF4-FFF2-40B4-BE49-F238E27FC236}">
-                <a16:creationId xmlns:a16="http://schemas.microsoft.com/office/drawing/2014/main" id="{941C507B-7A97-4925-95E9-08591644082A}"/>
-              </a:ext>
-            </a:extLst>
-          </p:cNvPr>
-          <p:cNvPicPr>
-            <a:picLocks noChangeAspect="1"/>
-          </p:cNvPicPr>
-          <p:nvPr/>
-        </p:nvPicPr>
-        <p:blipFill>
-          <a:blip r:embed="rId3"/>
-          <a:stretch>
-            <a:fillRect/>
-          </a:stretch>
-        </p:blipFill>
-        <p:spPr>
-          <a:xfrm>
-            <a:off x="4515088" y="871655"/>
-            <a:ext cx="911700" cy="911700"/>
-          </a:xfrm>
-          <a:prstGeom prst="rect">
-            <a:avLst/>
-          </a:prstGeom>
-        </p:spPr>
-      </p:pic>
-      <p:pic>
-        <p:nvPicPr>
-          <p:cNvPr id="7" name="תמונה 6">
-            <a:extLst>
-              <a:ext uri="{FF2B5EF4-FFF2-40B4-BE49-F238E27FC236}">
-                <a16:creationId xmlns:a16="http://schemas.microsoft.com/office/drawing/2014/main" id="{71D52B29-30E6-4A4D-A5C4-24860AC34571}"/>
-              </a:ext>
-            </a:extLst>
-          </p:cNvPr>
-          <p:cNvPicPr>
-            <a:picLocks noChangeAspect="1"/>
-          </p:cNvPicPr>
-          <p:nvPr/>
-        </p:nvPicPr>
-        <p:blipFill>
-          <a:blip r:embed="rId4"/>
-          <a:stretch>
-            <a:fillRect/>
-          </a:stretch>
-        </p:blipFill>
-        <p:spPr>
-          <a:xfrm>
-            <a:off x="6864380" y="973613"/>
-            <a:ext cx="753471" cy="753471"/>
-          </a:xfrm>
-          <a:prstGeom prst="rect">
-            <a:avLst/>
-          </a:prstGeom>
-        </p:spPr>
-      </p:pic>
-      <p:pic>
-        <p:nvPicPr>
-          <p:cNvPr id="9" name="תמונה 8">
-            <a:extLst>
-              <a:ext uri="{FF2B5EF4-FFF2-40B4-BE49-F238E27FC236}">
-                <a16:creationId xmlns:a16="http://schemas.microsoft.com/office/drawing/2014/main" id="{2306EFAE-3D4D-4D0A-8E1E-0461AE026C0A}"/>
-              </a:ext>
-            </a:extLst>
-          </p:cNvPr>
-          <p:cNvPicPr>
-            <a:picLocks noChangeAspect="1"/>
-          </p:cNvPicPr>
-          <p:nvPr/>
-        </p:nvPicPr>
-        <p:blipFill>
-          <a:blip r:embed="rId5"/>
-          <a:stretch>
-            <a:fillRect/>
-          </a:stretch>
-        </p:blipFill>
-        <p:spPr>
-          <a:xfrm>
-            <a:off x="6880957" y="2765060"/>
-            <a:ext cx="753471" cy="753471"/>
-          </a:xfrm>
-          <a:prstGeom prst="rect">
-            <a:avLst/>
-          </a:prstGeom>
-        </p:spPr>
-      </p:pic>
-      <p:pic>
-        <p:nvPicPr>
-          <p:cNvPr id="15" name="תמונה 14">
-            <a:extLst>
-              <a:ext uri="{FF2B5EF4-FFF2-40B4-BE49-F238E27FC236}">
-                <a16:creationId xmlns:a16="http://schemas.microsoft.com/office/drawing/2014/main" id="{50BD4322-062D-4938-BD46-6BFC0E980DA8}"/>
-              </a:ext>
-            </a:extLst>
-          </p:cNvPr>
-          <p:cNvPicPr>
-            <a:picLocks noChangeAspect="1"/>
-          </p:cNvPicPr>
-          <p:nvPr/>
-        </p:nvPicPr>
-        <p:blipFill>
-          <a:blip r:embed="rId6"/>
-          <a:stretch>
-            <a:fillRect/>
-          </a:stretch>
-        </p:blipFill>
-        <p:spPr>
-          <a:xfrm>
-            <a:off x="4553180" y="2765060"/>
-            <a:ext cx="828818" cy="828818"/>
-          </a:xfrm>
-          <a:prstGeom prst="rect">
-            <a:avLst/>
-          </a:prstGeom>
-        </p:spPr>
-      </p:pic>
-    </p:spTree>
-    <p:extLst>
-      <p:ext uri="{BB962C8B-B14F-4D97-AF65-F5344CB8AC3E}">
-        <p14:creationId xmlns:p14="http://schemas.microsoft.com/office/powerpoint/2010/main" val="3285531146"/>
-      </p:ext>
-    </p:extLst>
-  </p:cSld>
-  <p:clrMapOvr>
-    <a:masterClrMapping/>
-  </p:clrMapOvr>
-  <p:timing>
-    <p:tnLst>
-      <p:par>
-        <p:cTn id="1" dur="indefinite" restart="never" nodeType="tmRoot">
-          <p:childTnLst>
-            <p:seq concurrent="1" nextAc="seek">
-              <p:cTn id="2" dur="indefinite" nodeType="mainSeq">
-                <p:childTnLst>
-                  <p:par>
-                    <p:cTn id="3" fill="hold">
-                      <p:stCondLst>
-                        <p:cond delay="indefinite"/>
-                        <p:cond evt="onBegin" delay="0">
-                          <p:tn val="2"/>
-                        </p:cond>
-                      </p:stCondLst>
-                      <p:childTnLst>
-                        <p:par>
-                          <p:cTn id="4" fill="hold">
-                            <p:stCondLst>
-                              <p:cond delay="0"/>
-                            </p:stCondLst>
-                            <p:childTnLst>
-                              <p:par>
-                                <p:cTn id="5" presetID="10" presetClass="entr" presetSubtype="0" fill="hold" grpId="0" nodeType="withEffect">
-                                  <p:stCondLst>
-                                    <p:cond delay="0"/>
-                                  </p:stCondLst>
-                                  <p:childTnLst>
-                                    <p:set>
-                                      <p:cBhvr>
-                                        <p:cTn id="6" dur="1" fill="hold">
-                                          <p:stCondLst>
-                                            <p:cond delay="0"/>
-                                          </p:stCondLst>
-                                        </p:cTn>
-                                        <p:tgtEl>
-                                          <p:spTgt spid="89"/>
-                                        </p:tgtEl>
-                                        <p:attrNameLst>
-                                          <p:attrName>style.visibility</p:attrName>
-                                        </p:attrNameLst>
-                                      </p:cBhvr>
-                                      <p:to>
-                                        <p:strVal val="visible"/>
-                                      </p:to>
-                                    </p:set>
-                                    <p:animEffect transition="in" filter="fade">
-                                      <p:cBhvr>
-                                        <p:cTn id="7" dur="500"/>
-                                        <p:tgtEl>
-                                          <p:spTgt spid="89"/>
-                                        </p:tgtEl>
-                                      </p:cBhvr>
-                                    </p:animEffect>
-                                  </p:childTnLst>
-                                </p:cTn>
-                              </p:par>
-                            </p:childTnLst>
-                          </p:cTn>
-                        </p:par>
-                      </p:childTnLst>
-                    </p:cTn>
-                  </p:par>
-                  <p:par>
-                    <p:cTn id="8" fill="hold">
-                      <p:stCondLst>
-                        <p:cond delay="indefinite"/>
-                      </p:stCondLst>
-                      <p:childTnLst>
-                        <p:par>
-                          <p:cTn id="9" fill="hold">
-                            <p:stCondLst>
-                              <p:cond delay="0"/>
-                            </p:stCondLst>
-                            <p:childTnLst>
-                              <p:par>
-                                <p:cTn id="10" presetID="10" presetClass="entr" presetSubtype="0" fill="hold" grpId="0" nodeType="clickEffect">
-                                  <p:stCondLst>
-                                    <p:cond delay="0"/>
-                                  </p:stCondLst>
-                                  <p:childTnLst>
-                                    <p:set>
-                                      <p:cBhvr>
-                                        <p:cTn id="11" dur="1" fill="hold">
-                                          <p:stCondLst>
-                                            <p:cond delay="0"/>
-                                          </p:stCondLst>
-                                        </p:cTn>
-                                        <p:tgtEl>
-                                          <p:spTgt spid="11"/>
-                                        </p:tgtEl>
-                                        <p:attrNameLst>
-                                          <p:attrName>style.visibility</p:attrName>
-                                        </p:attrNameLst>
-                                      </p:cBhvr>
-                                      <p:to>
-                                        <p:strVal val="visible"/>
-                                      </p:to>
-                                    </p:set>
-                                    <p:animEffect transition="in" filter="fade">
-                                      <p:cBhvr>
-                                        <p:cTn id="12" dur="500"/>
-                                        <p:tgtEl>
-                                          <p:spTgt spid="11"/>
-                                        </p:tgtEl>
-                                      </p:cBhvr>
-                                    </p:animEffect>
-                                  </p:childTnLst>
-                                </p:cTn>
-                              </p:par>
-                              <p:par>
-                                <p:cTn id="13" presetID="10" presetClass="entr" presetSubtype="0" fill="hold" nodeType="withEffect">
-                                  <p:stCondLst>
-                                    <p:cond delay="0"/>
-                                  </p:stCondLst>
-                                  <p:childTnLst>
-                                    <p:set>
-                                      <p:cBhvr>
-                                        <p:cTn id="14" dur="1" fill="hold">
-                                          <p:stCondLst>
-                                            <p:cond delay="0"/>
-                                          </p:stCondLst>
-                                        </p:cTn>
-                                        <p:tgtEl>
-                                          <p:spTgt spid="5"/>
-                                        </p:tgtEl>
-                                        <p:attrNameLst>
-                                          <p:attrName>style.visibility</p:attrName>
-                                        </p:attrNameLst>
-                                      </p:cBhvr>
-                                      <p:to>
-                                        <p:strVal val="visible"/>
-                                      </p:to>
-                                    </p:set>
-                                    <p:animEffect transition="in" filter="fade">
-                                      <p:cBhvr>
-                                        <p:cTn id="15" dur="500"/>
-                                        <p:tgtEl>
-                                          <p:spTgt spid="5"/>
-                                        </p:tgtEl>
-                                      </p:cBhvr>
-                                    </p:animEffect>
-                                  </p:childTnLst>
-                                </p:cTn>
-                              </p:par>
-                            </p:childTnLst>
-                          </p:cTn>
-                        </p:par>
-                      </p:childTnLst>
-                    </p:cTn>
-                  </p:par>
-                  <p:par>
-                    <p:cTn id="16" fill="hold">
-                      <p:stCondLst>
-                        <p:cond delay="indefinite"/>
-                      </p:stCondLst>
-                      <p:childTnLst>
-                        <p:par>
-                          <p:cTn id="17" fill="hold">
-                            <p:stCondLst>
-                              <p:cond delay="0"/>
-                            </p:stCondLst>
-                            <p:childTnLst>
-                              <p:par>
-                                <p:cTn id="18" presetID="10" presetClass="entr" presetSubtype="0" fill="hold" grpId="0" nodeType="clickEffect">
-                                  <p:stCondLst>
-                                    <p:cond delay="0"/>
-                                  </p:stCondLst>
-                                  <p:childTnLst>
-                                    <p:set>
-                                      <p:cBhvr>
-                                        <p:cTn id="19" dur="1" fill="hold">
-                                          <p:stCondLst>
-                                            <p:cond delay="0"/>
-                                          </p:stCondLst>
-                                        </p:cTn>
-                                        <p:tgtEl>
-                                          <p:spTgt spid="12"/>
-                                        </p:tgtEl>
-                                        <p:attrNameLst>
-                                          <p:attrName>style.visibility</p:attrName>
-                                        </p:attrNameLst>
-                                      </p:cBhvr>
-                                      <p:to>
-                                        <p:strVal val="visible"/>
-                                      </p:to>
-                                    </p:set>
-                                    <p:animEffect transition="in" filter="fade">
-                                      <p:cBhvr>
-                                        <p:cTn id="20" dur="500"/>
-                                        <p:tgtEl>
-                                          <p:spTgt spid="12"/>
-                                        </p:tgtEl>
-                                      </p:cBhvr>
-                                    </p:animEffect>
-                                  </p:childTnLst>
-                                </p:cTn>
-                              </p:par>
-                              <p:par>
-                                <p:cTn id="21" presetID="10" presetClass="entr" presetSubtype="0" fill="hold" nodeType="withEffect">
-                                  <p:stCondLst>
-                                    <p:cond delay="0"/>
-                                  </p:stCondLst>
-                                  <p:childTnLst>
-                                    <p:set>
-                                      <p:cBhvr>
-                                        <p:cTn id="22" dur="1" fill="hold">
-                                          <p:stCondLst>
-                                            <p:cond delay="0"/>
-                                          </p:stCondLst>
-                                        </p:cTn>
-                                        <p:tgtEl>
-                                          <p:spTgt spid="7"/>
-                                        </p:tgtEl>
-                                        <p:attrNameLst>
-                                          <p:attrName>style.visibility</p:attrName>
-                                        </p:attrNameLst>
-                                      </p:cBhvr>
-                                      <p:to>
-                                        <p:strVal val="visible"/>
-                                      </p:to>
-                                    </p:set>
-                                    <p:animEffect transition="in" filter="fade">
-                                      <p:cBhvr>
-                                        <p:cTn id="23" dur="500"/>
-                                        <p:tgtEl>
-                                          <p:spTgt spid="7"/>
-                                        </p:tgtEl>
-                                      </p:cBhvr>
-                                    </p:animEffect>
-                                  </p:childTnLst>
-                                </p:cTn>
-                              </p:par>
-                            </p:childTnLst>
-                          </p:cTn>
-                        </p:par>
-                      </p:childTnLst>
-                    </p:cTn>
-                  </p:par>
-                  <p:par>
-                    <p:cTn id="24" fill="hold">
-                      <p:stCondLst>
-                        <p:cond delay="indefinite"/>
-                      </p:stCondLst>
-                      <p:childTnLst>
-                        <p:par>
-                          <p:cTn id="25" fill="hold">
-                            <p:stCondLst>
-                              <p:cond delay="0"/>
-                            </p:stCondLst>
-                            <p:childTnLst>
-                              <p:par>
-                                <p:cTn id="26" presetID="10" presetClass="entr" presetSubtype="0" fill="hold" grpId="0" nodeType="clickEffect">
-                                  <p:stCondLst>
-                                    <p:cond delay="0"/>
-                                  </p:stCondLst>
-                                  <p:childTnLst>
-                                    <p:set>
-                                      <p:cBhvr>
-                                        <p:cTn id="27" dur="1" fill="hold">
-                                          <p:stCondLst>
-                                            <p:cond delay="0"/>
-                                          </p:stCondLst>
-                                        </p:cTn>
-                                        <p:tgtEl>
-                                          <p:spTgt spid="13"/>
-                                        </p:tgtEl>
-                                        <p:attrNameLst>
-                                          <p:attrName>style.visibility</p:attrName>
-                                        </p:attrNameLst>
-                                      </p:cBhvr>
-                                      <p:to>
-                                        <p:strVal val="visible"/>
-                                      </p:to>
-                                    </p:set>
-                                    <p:animEffect transition="in" filter="fade">
-                                      <p:cBhvr>
-                                        <p:cTn id="28" dur="500"/>
-                                        <p:tgtEl>
-                                          <p:spTgt spid="13"/>
-                                        </p:tgtEl>
-                                      </p:cBhvr>
-                                    </p:animEffect>
-                                  </p:childTnLst>
-                                </p:cTn>
-                              </p:par>
-                              <p:par>
-                                <p:cTn id="29" presetID="10" presetClass="entr" presetSubtype="0" fill="hold" nodeType="withEffect">
-                                  <p:stCondLst>
-                                    <p:cond delay="0"/>
-                                  </p:stCondLst>
-                                  <p:childTnLst>
-                                    <p:set>
-                                      <p:cBhvr>
-                                        <p:cTn id="30" dur="1" fill="hold">
-                                          <p:stCondLst>
-                                            <p:cond delay="0"/>
-                                          </p:stCondLst>
-                                        </p:cTn>
-                                        <p:tgtEl>
-                                          <p:spTgt spid="15"/>
-                                        </p:tgtEl>
-                                        <p:attrNameLst>
-                                          <p:attrName>style.visibility</p:attrName>
-                                        </p:attrNameLst>
-                                      </p:cBhvr>
-                                      <p:to>
-                                        <p:strVal val="visible"/>
-                                      </p:to>
-                                    </p:set>
-                                    <p:animEffect transition="in" filter="fade">
-                                      <p:cBhvr>
-                                        <p:cTn id="31" dur="500"/>
-                                        <p:tgtEl>
-                                          <p:spTgt spid="15"/>
-                                        </p:tgtEl>
-                                      </p:cBhvr>
-                                    </p:animEffect>
-                                  </p:childTnLst>
-                                </p:cTn>
-                              </p:par>
-                            </p:childTnLst>
-                          </p:cTn>
-                        </p:par>
-                      </p:childTnLst>
-                    </p:cTn>
-                  </p:par>
-                  <p:par>
-                    <p:cTn id="32" fill="hold">
-                      <p:stCondLst>
-                        <p:cond delay="indefinite"/>
-                      </p:stCondLst>
-                      <p:childTnLst>
-                        <p:par>
-                          <p:cTn id="33" fill="hold">
-                            <p:stCondLst>
-                              <p:cond delay="0"/>
-                            </p:stCondLst>
-                            <p:childTnLst>
-                              <p:par>
-                                <p:cTn id="34" presetID="10" presetClass="entr" presetSubtype="0" fill="hold" grpId="0" nodeType="clickEffect">
-                                  <p:stCondLst>
-                                    <p:cond delay="0"/>
-                                  </p:stCondLst>
-                                  <p:childTnLst>
-                                    <p:set>
-                                      <p:cBhvr>
-                                        <p:cTn id="35" dur="1" fill="hold">
-                                          <p:stCondLst>
-                                            <p:cond delay="0"/>
-                                          </p:stCondLst>
-                                        </p:cTn>
-                                        <p:tgtEl>
-                                          <p:spTgt spid="14"/>
-                                        </p:tgtEl>
-                                        <p:attrNameLst>
-                                          <p:attrName>style.visibility</p:attrName>
-                                        </p:attrNameLst>
-                                      </p:cBhvr>
-                                      <p:to>
-                                        <p:strVal val="visible"/>
-                                      </p:to>
-                                    </p:set>
-                                    <p:animEffect transition="in" filter="fade">
-                                      <p:cBhvr>
-                                        <p:cTn id="36" dur="500"/>
-                                        <p:tgtEl>
-                                          <p:spTgt spid="14"/>
-                                        </p:tgtEl>
-                                      </p:cBhvr>
-                                    </p:animEffect>
-                                  </p:childTnLst>
-                                </p:cTn>
-                              </p:par>
-                              <p:par>
-                                <p:cTn id="37" presetID="10" presetClass="entr" presetSubtype="0" fill="hold" nodeType="withEffect">
-                                  <p:stCondLst>
-                                    <p:cond delay="0"/>
-                                  </p:stCondLst>
-                                  <p:childTnLst>
-                                    <p:set>
-                                      <p:cBhvr>
-                                        <p:cTn id="38" dur="1" fill="hold">
-                                          <p:stCondLst>
-                                            <p:cond delay="0"/>
-                                          </p:stCondLst>
-                                        </p:cTn>
-                                        <p:tgtEl>
-                                          <p:spTgt spid="9"/>
-                                        </p:tgtEl>
-                                        <p:attrNameLst>
-                                          <p:attrName>style.visibility</p:attrName>
-                                        </p:attrNameLst>
-                                      </p:cBhvr>
-                                      <p:to>
-                                        <p:strVal val="visible"/>
-                                      </p:to>
-                                    </p:set>
-                                    <p:animEffect transition="in" filter="fade">
-                                      <p:cBhvr>
-                                        <p:cTn id="39" dur="500"/>
-                                        <p:tgtEl>
-                                          <p:spTgt spid="9"/>
-                                        </p:tgtEl>
-                                      </p:cBhvr>
-                                    </p:animEffect>
-                                  </p:childTnLst>
-                                </p:cTn>
-                              </p:par>
-                            </p:childTnLst>
-                          </p:cTn>
-                        </p:par>
-                      </p:childTnLst>
-                    </p:cTn>
-                  </p:par>
-                </p:childTnLst>
-              </p:cTn>
-              <p:prevCondLst>
-                <p:cond evt="onPrev" delay="0">
-                  <p:tgtEl>
-                    <p:sldTgt/>
-                  </p:tgtEl>
-                </p:cond>
-              </p:prevCondLst>
-              <p:nextCondLst>
-                <p:cond evt="onNext" delay="0">
-                  <p:tgtEl>
-                    <p:sldTgt/>
-                  </p:tgtEl>
-                </p:cond>
-              </p:nextCondLst>
-            </p:seq>
-          </p:childTnLst>
-        </p:cTn>
-      </p:par>
-    </p:tnLst>
-    <p:bldLst>
-      <p:bldP spid="89" grpId="0"/>
-      <p:bldP spid="11" grpId="0"/>
-      <p:bldP spid="12" grpId="0"/>
-      <p:bldP spid="13" grpId="0"/>
-      <p:bldP spid="14" grpId="0"/>
-    </p:bldLst>
-  </p:timing>
-</p:sld>
-</file>
-
-<file path=ppt/slides/slide11.xml><?xml version="1.0" encoding="utf-8"?>
-<p:sld xmlns:a="http://schemas.openxmlformats.org/drawingml/2006/main" xmlns:r="http://schemas.openxmlformats.org/officeDocument/2006/relationships" xmlns:p="http://schemas.openxmlformats.org/presentationml/2006/main">
-  <p:cSld>
-    <p:spTree>
-      <p:nvGrpSpPr>
-        <p:cNvPr id="1" name="Shape 88"/>
-        <p:cNvGrpSpPr/>
-        <p:nvPr/>
-      </p:nvGrpSpPr>
-      <p:grpSpPr>
-        <a:xfrm>
-          <a:off x="0" y="0"/>
-          <a:ext cx="0" cy="0"/>
-          <a:chOff x="0" y="0"/>
-          <a:chExt cx="0" cy="0"/>
-        </a:xfrm>
-      </p:grpSpPr>
-      <p:sp>
-        <p:nvSpPr>
-          <p:cNvPr id="89" name="Shape 89"/>
-          <p:cNvSpPr txBox="1">
-            <a:spLocks noGrp="1"/>
-          </p:cNvSpPr>
-          <p:nvPr>
-            <p:ph type="title"/>
-          </p:nvPr>
-        </p:nvSpPr>
-        <p:spPr>
-          <a:xfrm>
             <a:off x="922000" y="891775"/>
             <a:ext cx="6866100" cy="857400"/>
           </a:xfrm>
@@ -8366,7 +6725,7 @@
                 <a:cs typeface="Arial"/>
                 <a:sym typeface="Arial"/>
               </a:rPr>
-              <a:t>11</a:t>
+              <a:t>10</a:t>
             </a:fld>
             <a:endParaRPr lang="iw-IL" sz="1400" b="0" i="0" u="none" strike="noStrike" cap="none">
               <a:solidFill>
@@ -9712,7 +8071,7 @@
 </p:sld>
 </file>
 
-<file path=ppt/slides/slide12.xml><?xml version="1.0" encoding="utf-8"?>
+<file path=ppt/slides/slide11.xml><?xml version="1.0" encoding="utf-8"?>
 <p:sld xmlns:a="http://schemas.openxmlformats.org/drawingml/2006/main" xmlns:r="http://schemas.openxmlformats.org/officeDocument/2006/relationships" xmlns:p="http://schemas.openxmlformats.org/presentationml/2006/main">
   <p:cSld>
     <p:spTree>
@@ -9801,7 +8160,7 @@
                 <a:cs typeface="Arial"/>
                 <a:sym typeface="Arial"/>
               </a:rPr>
-              <a:t>12</a:t>
+              <a:t>11</a:t>
             </a:fld>
             <a:endParaRPr lang="x-none" sz="1400" b="0" i="0" u="none" strike="noStrike" cap="none">
               <a:solidFill>
@@ -9828,7 +8187,7 @@
 </p:sld>
 </file>
 
-<file path=ppt/slides/slide13.xml><?xml version="1.0" encoding="utf-8"?>
+<file path=ppt/slides/slide12.xml><?xml version="1.0" encoding="utf-8"?>
 <p:sld xmlns:a="http://schemas.openxmlformats.org/drawingml/2006/main" xmlns:r="http://schemas.openxmlformats.org/officeDocument/2006/relationships" xmlns:p="http://schemas.openxmlformats.org/presentationml/2006/main">
   <p:cSld>
     <p:spTree>
@@ -10039,7 +8398,7 @@
                 <a:cs typeface="Arial"/>
                 <a:sym typeface="Arial"/>
               </a:rPr>
-              <a:t>13</a:t>
+              <a:t>12</a:t>
             </a:fld>
             <a:endParaRPr lang="iw-IL" sz="1400" b="0" i="0" u="none" strike="noStrike" cap="none">
               <a:solidFill>
@@ -10793,7 +9152,7 @@
 </p:sld>
 </file>
 
-<file path=ppt/slides/slide14.xml><?xml version="1.0" encoding="utf-8"?>
+<file path=ppt/slides/slide13.xml><?xml version="1.0" encoding="utf-8"?>
 <p:sld xmlns:a="http://schemas.openxmlformats.org/drawingml/2006/main" xmlns:r="http://schemas.openxmlformats.org/officeDocument/2006/relationships" xmlns:p="http://schemas.openxmlformats.org/presentationml/2006/main">
   <p:cSld>
     <p:spTree>
@@ -11015,7 +9374,7 @@
                 <a:cs typeface="Arial"/>
                 <a:sym typeface="Arial"/>
               </a:rPr>
-              <a:t>14</a:t>
+              <a:t>13</a:t>
             </a:fld>
             <a:endParaRPr lang="iw-IL" sz="1400" b="0" i="0" u="none" strike="noStrike" cap="none">
               <a:solidFill>
@@ -11769,7 +10128,7 @@
 </p:sld>
 </file>
 
-<file path=ppt/slides/slide15.xml><?xml version="1.0" encoding="utf-8"?>
+<file path=ppt/slides/slide14.xml><?xml version="1.0" encoding="utf-8"?>
 <p:sld xmlns:a="http://schemas.openxmlformats.org/drawingml/2006/main" xmlns:r="http://schemas.openxmlformats.org/officeDocument/2006/relationships" xmlns:p="http://schemas.openxmlformats.org/presentationml/2006/main">
   <p:cSld>
     <p:spTree>
@@ -11842,7 +10201,7 @@
                 <a:cs typeface="Arial"/>
                 <a:sym typeface="Arial"/>
               </a:rPr>
-              <a:t>15</a:t>
+              <a:t>14</a:t>
             </a:fld>
             <a:endParaRPr lang="x-none" sz="1400" b="0" i="0" u="none" strike="noStrike" cap="none">
               <a:solidFill>
@@ -18696,7 +17055,7 @@
               <a:r>
                 <a:rPr lang="en-US" sz="1600" b="1" dirty="0">
                   <a:solidFill>
-                    <a:srgbClr val="FFFFFF"/>
+                    <a:srgbClr val="434343"/>
                   </a:solidFill>
                   <a:latin typeface="Raleway Light"/>
                   <a:ea typeface="Raleway Light"/>
@@ -18707,7 +17066,7 @@
               </a:r>
               <a:endParaRPr lang="x-none" sz="1600" b="1" i="0" u="none" strike="noStrike" cap="none" dirty="0">
                 <a:solidFill>
-                  <a:srgbClr val="FFFFFF"/>
+                  <a:srgbClr val="434343"/>
                 </a:solidFill>
                 <a:latin typeface="Raleway Light"/>
                 <a:ea typeface="Raleway Light"/>
@@ -18830,7 +17189,7 @@
               <a:r>
                 <a:rPr lang="en-US" sz="1800" b="1" dirty="0">
                   <a:solidFill>
-                    <a:srgbClr val="FFFFFF"/>
+                    <a:srgbClr val="434343"/>
                   </a:solidFill>
                   <a:latin typeface="Raleway Light"/>
                   <a:ea typeface="Raleway Light"/>
@@ -18841,7 +17200,7 @@
               </a:r>
               <a:endParaRPr lang="x-none" sz="1800" b="1" i="0" u="none" strike="noStrike" cap="none" dirty="0">
                 <a:solidFill>
-                  <a:srgbClr val="FFFFFF"/>
+                  <a:srgbClr val="434343"/>
                 </a:solidFill>
                 <a:latin typeface="Raleway Light"/>
                 <a:ea typeface="Raleway Light"/>
@@ -20566,7 +18925,7 @@
               <a:r>
                 <a:rPr lang="en-US" sz="2000" b="1" dirty="0">
                   <a:solidFill>
-                    <a:srgbClr val="FFFFFF"/>
+                    <a:srgbClr val="434343"/>
                   </a:solidFill>
                   <a:latin typeface="Raleway Light"/>
                   <a:ea typeface="Raleway Light"/>
@@ -20577,7 +18936,7 @@
               </a:r>
               <a:endParaRPr lang="x-none" sz="2000" b="1" i="0" u="none" strike="noStrike" cap="none" dirty="0">
                 <a:solidFill>
-                  <a:srgbClr val="FFFFFF"/>
+                  <a:srgbClr val="434343"/>
                 </a:solidFill>
                 <a:latin typeface="Raleway Light"/>
                 <a:ea typeface="Raleway Light"/>
@@ -20918,392 +19277,6 @@
   <p:cSld>
     <p:spTree>
       <p:nvGrpSpPr>
-        <p:cNvPr id="1" name=""/>
-        <p:cNvGrpSpPr/>
-        <p:nvPr/>
-      </p:nvGrpSpPr>
-      <p:grpSpPr>
-        <a:xfrm>
-          <a:off x="0" y="0"/>
-          <a:ext cx="0" cy="0"/>
-          <a:chOff x="0" y="0"/>
-          <a:chExt cx="0" cy="0"/>
-        </a:xfrm>
-      </p:grpSpPr>
-      <p:sp>
-        <p:nvSpPr>
-          <p:cNvPr id="2" name="Title 1"/>
-          <p:cNvSpPr>
-            <a:spLocks noGrp="1"/>
-          </p:cNvSpPr>
-          <p:nvPr>
-            <p:ph type="title"/>
-          </p:nvPr>
-        </p:nvSpPr>
-        <p:spPr/>
-        <p:txBody>
-          <a:bodyPr/>
-          <a:lstStyle/>
-          <a:p>
-            <a:r>
-              <a:rPr lang="en-US" dirty="0"/>
-              <a:t>Scheduler Idea</a:t>
-            </a:r>
-          </a:p>
-        </p:txBody>
-      </p:sp>
-      <p:sp>
-        <p:nvSpPr>
-          <p:cNvPr id="3" name="Slide Number Placeholder 2"/>
-          <p:cNvSpPr>
-            <a:spLocks noGrp="1"/>
-          </p:cNvSpPr>
-          <p:nvPr>
-            <p:ph type="sldNum" idx="12"/>
-          </p:nvPr>
-        </p:nvSpPr>
-        <p:spPr/>
-        <p:txBody>
-          <a:bodyPr/>
-          <a:lstStyle/>
-          <a:p>
-            <a:pPr marL="0" marR="0" lvl="0" indent="-88900" algn="l" rtl="0">
-              <a:lnSpc>
-                <a:spcPct val="100000"/>
-              </a:lnSpc>
-              <a:spcBef>
-                <a:spcPts val="0"/>
-              </a:spcBef>
-              <a:spcAft>
-                <a:spcPts val="0"/>
-              </a:spcAft>
-              <a:buClr>
-                <a:srgbClr val="000000"/>
-              </a:buClr>
-              <a:buSzPts val="1400"/>
-              <a:buFont typeface="Arial"/>
-              <a:buNone/>
-            </a:pPr>
-            <a:fld id="{00000000-1234-1234-1234-123412341234}" type="slidenum">
-              <a:rPr lang="x-none" sz="1400" b="0" i="0" u="none" strike="noStrike" cap="none" smtClean="0">
-                <a:solidFill>
-                  <a:srgbClr val="000000"/>
-                </a:solidFill>
-                <a:latin typeface="Arial"/>
-                <a:ea typeface="Arial"/>
-                <a:cs typeface="Arial"/>
-                <a:sym typeface="Arial"/>
-              </a:rPr>
-              <a:t>6</a:t>
-            </a:fld>
-            <a:endParaRPr lang="x-none" sz="1400" b="0" i="0" u="none" strike="noStrike" cap="none">
-              <a:solidFill>
-                <a:srgbClr val="000000"/>
-              </a:solidFill>
-              <a:latin typeface="Arial"/>
-              <a:ea typeface="Arial"/>
-              <a:cs typeface="Arial"/>
-              <a:sym typeface="Arial"/>
-            </a:endParaRPr>
-          </a:p>
-        </p:txBody>
-      </p:sp>
-      <p:sp>
-        <p:nvSpPr>
-          <p:cNvPr id="5" name="Shape 90">
-            <a:extLst>
-              <a:ext uri="{FF2B5EF4-FFF2-40B4-BE49-F238E27FC236}">
-                <a16:creationId xmlns:a16="http://schemas.microsoft.com/office/drawing/2014/main" id="{BA975BB3-D3FC-4E01-AB32-7D92DDD37E83}"/>
-              </a:ext>
-            </a:extLst>
-          </p:cNvPr>
-          <p:cNvSpPr txBox="1">
-            <a:spLocks/>
-          </p:cNvSpPr>
-          <p:nvPr/>
-        </p:nvSpPr>
-        <p:spPr>
-          <a:xfrm>
-            <a:off x="922000" y="2379262"/>
-            <a:ext cx="6866100" cy="2366100"/>
-          </a:xfrm>
-          <a:prstGeom prst="rect">
-            <a:avLst/>
-          </a:prstGeom>
-          <a:noFill/>
-          <a:ln>
-            <a:noFill/>
-          </a:ln>
-        </p:spPr>
-        <p:txBody>
-          <a:bodyPr wrap="square" lIns="91425" tIns="91425" rIns="91425" bIns="91425" anchor="t" anchorCtr="0">
-            <a:noAutofit/>
-          </a:bodyPr>
-          <a:lstStyle>
-            <a:defPPr marR="0" lvl="0" algn="l" rtl="0">
-              <a:lnSpc>
-                <a:spcPct val="100000"/>
-              </a:lnSpc>
-              <a:spcBef>
-                <a:spcPts val="0"/>
-              </a:spcBef>
-              <a:spcAft>
-                <a:spcPts val="0"/>
-              </a:spcAft>
-            </a:defPPr>
-            <a:lvl1pPr marR="0" lvl="0" algn="l" rtl="0">
-              <a:lnSpc>
-                <a:spcPct val="100000"/>
-              </a:lnSpc>
-              <a:spcBef>
-                <a:spcPts val="0"/>
-              </a:spcBef>
-              <a:spcAft>
-                <a:spcPts val="0"/>
-              </a:spcAft>
-              <a:buNone/>
-              <a:defRPr sz="1400" b="0" i="0" u="none" strike="noStrike" cap="none">
-                <a:solidFill>
-                  <a:srgbClr val="000000"/>
-                </a:solidFill>
-                <a:latin typeface="Arial"/>
-                <a:ea typeface="Arial"/>
-                <a:cs typeface="Arial"/>
-                <a:sym typeface="Arial"/>
-              </a:defRPr>
-            </a:lvl1pPr>
-            <a:lvl2pPr marR="0" lvl="1" algn="l" rtl="0">
-              <a:lnSpc>
-                <a:spcPct val="100000"/>
-              </a:lnSpc>
-              <a:spcBef>
-                <a:spcPts val="0"/>
-              </a:spcBef>
-              <a:spcAft>
-                <a:spcPts val="0"/>
-              </a:spcAft>
-              <a:buNone/>
-              <a:defRPr sz="1400" b="0" i="0" u="none" strike="noStrike" cap="none">
-                <a:solidFill>
-                  <a:srgbClr val="000000"/>
-                </a:solidFill>
-                <a:latin typeface="Arial"/>
-                <a:ea typeface="Arial"/>
-                <a:cs typeface="Arial"/>
-                <a:sym typeface="Arial"/>
-              </a:defRPr>
-            </a:lvl2pPr>
-            <a:lvl3pPr marR="0" lvl="2" algn="l" rtl="0">
-              <a:lnSpc>
-                <a:spcPct val="100000"/>
-              </a:lnSpc>
-              <a:spcBef>
-                <a:spcPts val="0"/>
-              </a:spcBef>
-              <a:spcAft>
-                <a:spcPts val="0"/>
-              </a:spcAft>
-              <a:buNone/>
-              <a:defRPr sz="1400" b="0" i="0" u="none" strike="noStrike" cap="none">
-                <a:solidFill>
-                  <a:srgbClr val="000000"/>
-                </a:solidFill>
-                <a:latin typeface="Arial"/>
-                <a:ea typeface="Arial"/>
-                <a:cs typeface="Arial"/>
-                <a:sym typeface="Arial"/>
-              </a:defRPr>
-            </a:lvl3pPr>
-            <a:lvl4pPr marR="0" lvl="3" algn="l" rtl="0">
-              <a:lnSpc>
-                <a:spcPct val="100000"/>
-              </a:lnSpc>
-              <a:spcBef>
-                <a:spcPts val="0"/>
-              </a:spcBef>
-              <a:spcAft>
-                <a:spcPts val="0"/>
-              </a:spcAft>
-              <a:buNone/>
-              <a:defRPr sz="1400" b="0" i="0" u="none" strike="noStrike" cap="none">
-                <a:solidFill>
-                  <a:srgbClr val="000000"/>
-                </a:solidFill>
-                <a:latin typeface="Arial"/>
-                <a:ea typeface="Arial"/>
-                <a:cs typeface="Arial"/>
-                <a:sym typeface="Arial"/>
-              </a:defRPr>
-            </a:lvl4pPr>
-            <a:lvl5pPr marR="0" lvl="4" algn="l" rtl="0">
-              <a:lnSpc>
-                <a:spcPct val="100000"/>
-              </a:lnSpc>
-              <a:spcBef>
-                <a:spcPts val="0"/>
-              </a:spcBef>
-              <a:spcAft>
-                <a:spcPts val="0"/>
-              </a:spcAft>
-              <a:buNone/>
-              <a:defRPr sz="1400" b="0" i="0" u="none" strike="noStrike" cap="none">
-                <a:solidFill>
-                  <a:srgbClr val="000000"/>
-                </a:solidFill>
-                <a:latin typeface="Arial"/>
-                <a:ea typeface="Arial"/>
-                <a:cs typeface="Arial"/>
-                <a:sym typeface="Arial"/>
-              </a:defRPr>
-            </a:lvl5pPr>
-            <a:lvl6pPr marR="0" lvl="5" algn="l" rtl="0">
-              <a:lnSpc>
-                <a:spcPct val="100000"/>
-              </a:lnSpc>
-              <a:spcBef>
-                <a:spcPts val="0"/>
-              </a:spcBef>
-              <a:spcAft>
-                <a:spcPts val="0"/>
-              </a:spcAft>
-              <a:buNone/>
-              <a:defRPr sz="1400" b="0" i="0" u="none" strike="noStrike" cap="none">
-                <a:solidFill>
-                  <a:srgbClr val="000000"/>
-                </a:solidFill>
-                <a:latin typeface="Arial"/>
-                <a:ea typeface="Arial"/>
-                <a:cs typeface="Arial"/>
-                <a:sym typeface="Arial"/>
-              </a:defRPr>
-            </a:lvl6pPr>
-            <a:lvl7pPr marR="0" lvl="6" algn="l" rtl="0">
-              <a:lnSpc>
-                <a:spcPct val="100000"/>
-              </a:lnSpc>
-              <a:spcBef>
-                <a:spcPts val="0"/>
-              </a:spcBef>
-              <a:spcAft>
-                <a:spcPts val="0"/>
-              </a:spcAft>
-              <a:buNone/>
-              <a:defRPr sz="1400" b="0" i="0" u="none" strike="noStrike" cap="none">
-                <a:solidFill>
-                  <a:srgbClr val="000000"/>
-                </a:solidFill>
-                <a:latin typeface="Arial"/>
-                <a:ea typeface="Arial"/>
-                <a:cs typeface="Arial"/>
-                <a:sym typeface="Arial"/>
-              </a:defRPr>
-            </a:lvl7pPr>
-            <a:lvl8pPr marR="0" lvl="7" algn="l" rtl="0">
-              <a:lnSpc>
-                <a:spcPct val="100000"/>
-              </a:lnSpc>
-              <a:spcBef>
-                <a:spcPts val="0"/>
-              </a:spcBef>
-              <a:spcAft>
-                <a:spcPts val="0"/>
-              </a:spcAft>
-              <a:buNone/>
-              <a:defRPr sz="1400" b="0" i="0" u="none" strike="noStrike" cap="none">
-                <a:solidFill>
-                  <a:srgbClr val="000000"/>
-                </a:solidFill>
-                <a:latin typeface="Arial"/>
-                <a:ea typeface="Arial"/>
-                <a:cs typeface="Arial"/>
-                <a:sym typeface="Arial"/>
-              </a:defRPr>
-            </a:lvl8pPr>
-            <a:lvl9pPr marR="0" lvl="8" algn="l" rtl="0">
-              <a:lnSpc>
-                <a:spcPct val="100000"/>
-              </a:lnSpc>
-              <a:spcBef>
-                <a:spcPts val="0"/>
-              </a:spcBef>
-              <a:spcAft>
-                <a:spcPts val="0"/>
-              </a:spcAft>
-              <a:buNone/>
-              <a:defRPr sz="1400" b="0" i="0" u="none" strike="noStrike" cap="none">
-                <a:solidFill>
-                  <a:srgbClr val="000000"/>
-                </a:solidFill>
-                <a:latin typeface="Arial"/>
-                <a:ea typeface="Arial"/>
-                <a:cs typeface="Arial"/>
-                <a:sym typeface="Arial"/>
-              </a:defRPr>
-            </a:lvl9pPr>
-          </a:lstStyle>
-          <a:p>
-            <a:pPr marL="285750" indent="-285750">
-              <a:buFont typeface="Arial" charset="0"/>
-              <a:buChar char="•"/>
-            </a:pPr>
-            <a:r>
-              <a:rPr lang="en-US" dirty="0"/>
-              <a:t>Importing an actual city map into the simulator</a:t>
-            </a:r>
-          </a:p>
-          <a:p>
-            <a:pPr marL="285750" indent="-285750">
-              <a:buFont typeface="Arial" charset="0"/>
-              <a:buChar char="•"/>
-            </a:pPr>
-            <a:r>
-              <a:rPr lang="en-US" dirty="0"/>
-              <a:t>Enriching simulations with pedestrian traffic</a:t>
-            </a:r>
-          </a:p>
-          <a:p>
-            <a:pPr marL="285750" indent="-285750">
-              <a:buFont typeface="Arial" charset="0"/>
-              <a:buChar char="•"/>
-            </a:pPr>
-            <a:r>
-              <a:rPr lang="en-US" dirty="0"/>
-              <a:t>Building </a:t>
-            </a:r>
-            <a:r>
-              <a:rPr lang="en-US" b="1" dirty="0"/>
-              <a:t>even more sophisticated scheduler</a:t>
-            </a:r>
-            <a:r>
-              <a:rPr lang="en-US" dirty="0"/>
-              <a:t>, supporting multiple junctions considerations</a:t>
-            </a:r>
-            <a:endParaRPr lang="en-US" sz="2400" dirty="0"/>
-          </a:p>
-          <a:p>
-            <a:pPr lvl="7"/>
-            <a:endParaRPr lang="en-US" dirty="0"/>
-          </a:p>
-        </p:txBody>
-      </p:sp>
-    </p:spTree>
-    <p:extLst>
-      <p:ext uri="{BB962C8B-B14F-4D97-AF65-F5344CB8AC3E}">
-        <p14:creationId xmlns:p14="http://schemas.microsoft.com/office/powerpoint/2010/main" val="657488047"/>
-      </p:ext>
-    </p:extLst>
-  </p:cSld>
-  <p:clrMapOvr>
-    <a:masterClrMapping/>
-  </p:clrMapOvr>
-</p:sld>
-</file>
-
-<file path=ppt/slides/slide7.xml><?xml version="1.0" encoding="utf-8"?>
-<p:sld xmlns:a="http://schemas.openxmlformats.org/drawingml/2006/main" xmlns:r="http://schemas.openxmlformats.org/officeDocument/2006/relationships" xmlns:p="http://schemas.openxmlformats.org/presentationml/2006/main">
-  <p:cSld>
-    <p:spTree>
-      <p:nvGrpSpPr>
         <p:cNvPr id="1" name="Shape 88"/>
         <p:cNvGrpSpPr/>
         <p:nvPr/>
@@ -21345,7 +19318,7 @@
           </a:bodyPr>
           <a:lstStyle/>
           <a:p>
-            <a:pPr lvl="0" indent="-279400">
+            <a:pPr indent="-279400">
               <a:buSzPts val="4400"/>
             </a:pPr>
             <a:r>
@@ -21360,9 +19333,22 @@
               </a:rPr>
               <a:t>Idea</a:t>
             </a:r>
-            <a:endParaRPr lang="iw-IL" sz="2800" b="0" i="0" u="none" strike="noStrike" cap="none" dirty="0">
+            <a:br>
+              <a:rPr lang="en-US" sz="4400" dirty="0"/>
+            </a:br>
+            <a:br>
+              <a:rPr lang="en-US" sz="1600" dirty="0">
+                <a:latin typeface="Raleway Light" panose="020B0403030101060003" pitchFamily="34" charset="0"/>
+              </a:rPr>
+            </a:br>
+            <a:br>
+              <a:rPr lang="en-US" sz="1600" dirty="0">
+                <a:latin typeface="Raleway Light" panose="020B0403030101060003" pitchFamily="34" charset="0"/>
+              </a:rPr>
+            </a:br>
+            <a:endParaRPr lang="iw-IL" sz="1200" b="0" i="0" u="none" strike="noStrike" cap="none" dirty="0">
               <a:solidFill>
-                <a:srgbClr val="FFB600"/>
+                <a:srgbClr val="434343"/>
               </a:solidFill>
               <a:latin typeface="Raleway Light" panose="020B0403030101060003" pitchFamily="34" charset="0"/>
               <a:sym typeface="Raleway ExtraBold"/>
@@ -21382,7 +19368,7 @@
         </p:nvSpPr>
         <p:spPr>
           <a:xfrm>
-            <a:off x="922000" y="1769658"/>
+            <a:off x="922000" y="1716067"/>
             <a:ext cx="6866100" cy="2366100"/>
           </a:xfrm>
           <a:prstGeom prst="rect">
@@ -21399,44 +19385,44 @@
           </a:bodyPr>
           <a:lstStyle/>
           <a:p>
-            <a:pPr marL="285750" indent="-285750">
-              <a:buFont typeface="Arial" charset="0"/>
-              <a:buChar char="•"/>
+            <a:pPr indent="0">
+              <a:buNone/>
             </a:pPr>
             <a:r>
-              <a:rPr lang="en-US" sz="1600" dirty="0"/>
-              <a:t>The algorithm is based on the article “An Intelligent Traffic Light Scheduling Algorithm Through VANETs” (</a:t>
+              <a:rPr lang="en-US" dirty="0"/>
+              <a:t>The algorithm* decides at each iteration what are the best traffic lights to schedule, </a:t>
             </a:r>
             <a:r>
-              <a:rPr lang="en-US" sz="1600" dirty="0" err="1"/>
-              <a:t>Maram</a:t>
+              <a:rPr lang="en-US" dirty="0" err="1"/>
+              <a:t>i.e</a:t>
             </a:r>
             <a:r>
-              <a:rPr lang="en-US" sz="1600" dirty="0"/>
-              <a:t> Bani Younes </a:t>
-            </a:r>
-            <a:r>
-              <a:rPr lang="en-US" sz="1600" dirty="0" err="1"/>
-              <a:t>Azzedine</a:t>
-            </a:r>
-            <a:r>
-              <a:rPr lang="en-US" sz="1600" dirty="0"/>
-              <a:t> </a:t>
-            </a:r>
-            <a:r>
-              <a:rPr lang="en-US" sz="1600" dirty="0" err="1"/>
-              <a:t>Boukerche</a:t>
-            </a:r>
-            <a:r>
-              <a:rPr lang="en-US" sz="1600" dirty="0"/>
-              <a:t>).</a:t>
+              <a:rPr lang="en-US" dirty="0"/>
+              <a:t>, the traffic lights to set to be green.</a:t>
             </a:r>
           </a:p>
           <a:p>
             <a:pPr indent="0">
               <a:buNone/>
             </a:pPr>
-            <a:endParaRPr lang="en-US" sz="1600" dirty="0"/>
+            <a:endParaRPr lang="en-US" dirty="0"/>
+          </a:p>
+          <a:p>
+            <a:pPr indent="0">
+              <a:buNone/>
+            </a:pPr>
+            <a:r>
+              <a:rPr lang="en-US" dirty="0">
+                <a:latin typeface="Raleway ExtraBold" panose="020B0903030101060003" pitchFamily="34" charset="0"/>
+              </a:rPr>
+              <a:t>The algorithm takes into account:</a:t>
+            </a:r>
+          </a:p>
+          <a:p>
+            <a:pPr indent="0">
+              <a:buNone/>
+            </a:pPr>
+            <a:endParaRPr lang="en-US" b="1" dirty="0"/>
           </a:p>
           <a:p>
             <a:pPr marL="285750" indent="-285750">
@@ -21444,23 +19430,9 @@
               <a:buChar char="•"/>
             </a:pPr>
             <a:r>
-              <a:rPr lang="en-US" sz="1600" dirty="0"/>
-              <a:t>The algorithm decides at each iteration what are the best traffic lights to schedule, </a:t>
+              <a:rPr lang="en-US" dirty="0"/>
+              <a:t>The queue length at each lane</a:t>
             </a:r>
-            <a:r>
-              <a:rPr lang="en-US" sz="1600" dirty="0" err="1"/>
-              <a:t>i.e</a:t>
-            </a:r>
-            <a:r>
-              <a:rPr lang="en-US" sz="1600" dirty="0"/>
-              <a:t>, the traffic lights to set to be green.</a:t>
-            </a:r>
-          </a:p>
-          <a:p>
-            <a:pPr indent="0">
-              <a:buNone/>
-            </a:pPr>
-            <a:endParaRPr lang="en-US" sz="1600" dirty="0"/>
           </a:p>
           <a:p>
             <a:pPr marL="285750" indent="-285750">
@@ -21468,8 +19440,18 @@
               <a:buChar char="•"/>
             </a:pPr>
             <a:r>
-              <a:rPr lang="en-US" sz="1600" dirty="0"/>
-              <a:t>The algorithm takes into account the queue length at each lane, the overhead of changing the traffic light scheduling, and which traffic lights could be green at the same time.</a:t>
+              <a:rPr lang="en-US" dirty="0"/>
+              <a:t>The overhead of changing the traffic light scheduling</a:t>
+            </a:r>
+          </a:p>
+          <a:p>
+            <a:pPr marL="285750" indent="-285750">
+              <a:buFont typeface="Arial" charset="0"/>
+              <a:buChar char="•"/>
+            </a:pPr>
+            <a:r>
+              <a:rPr lang="en-US" dirty="0"/>
+              <a:t>Which traffic lights could be green at the same time.</a:t>
             </a:r>
           </a:p>
         </p:txBody>
@@ -21530,7 +19512,7 @@
                 <a:cs typeface="Arial"/>
                 <a:sym typeface="Arial"/>
               </a:rPr>
-              <a:t>7</a:t>
+              <a:t>6</a:t>
             </a:fld>
             <a:endParaRPr lang="iw-IL" sz="1400" b="0" i="0" u="none" strike="noStrike" cap="none">
               <a:solidFill>
@@ -22271,10 +20253,302 @@
           </p:txBody>
         </p:sp>
       </p:grpSp>
+      <p:sp>
+        <p:nvSpPr>
+          <p:cNvPr id="11" name="Shape 89">
+            <a:extLst>
+              <a:ext uri="{FF2B5EF4-FFF2-40B4-BE49-F238E27FC236}">
+                <a16:creationId xmlns:a16="http://schemas.microsoft.com/office/drawing/2014/main" id="{6812C230-70E4-4B14-8761-2BDD37127534}"/>
+              </a:ext>
+            </a:extLst>
+          </p:cNvPr>
+          <p:cNvSpPr txBox="1">
+            <a:spLocks/>
+          </p:cNvSpPr>
+          <p:nvPr/>
+        </p:nvSpPr>
+        <p:spPr>
+          <a:xfrm>
+            <a:off x="731080" y="4339091"/>
+            <a:ext cx="7836813" cy="857400"/>
+          </a:xfrm>
+          <a:prstGeom prst="rect">
+            <a:avLst/>
+          </a:prstGeom>
+          <a:noFill/>
+          <a:ln>
+            <a:noFill/>
+          </a:ln>
+        </p:spPr>
+        <p:txBody>
+          <a:bodyPr wrap="square" lIns="91425" tIns="91425" rIns="91425" bIns="91425" anchor="t" anchorCtr="0">
+            <a:noAutofit/>
+          </a:bodyPr>
+          <a:lstStyle>
+            <a:defPPr marR="0" lvl="0" algn="l" rtl="0">
+              <a:lnSpc>
+                <a:spcPct val="100000"/>
+              </a:lnSpc>
+              <a:spcBef>
+                <a:spcPts val="0"/>
+              </a:spcBef>
+              <a:spcAft>
+                <a:spcPts val="0"/>
+              </a:spcAft>
+            </a:defPPr>
+            <a:lvl1pPr marL="0" marR="0" lvl="0" indent="0" algn="l" rtl="0">
+              <a:lnSpc>
+                <a:spcPct val="100000"/>
+              </a:lnSpc>
+              <a:spcBef>
+                <a:spcPts val="0"/>
+              </a:spcBef>
+              <a:spcAft>
+                <a:spcPts val="0"/>
+              </a:spcAft>
+              <a:buClr>
+                <a:srgbClr val="434343"/>
+              </a:buClr>
+              <a:buSzPts val="5800"/>
+              <a:buFont typeface="Raleway ExtraBold"/>
+              <a:buNone/>
+              <a:defRPr sz="5800" b="0" i="0" u="none" strike="noStrike" cap="none">
+                <a:solidFill>
+                  <a:srgbClr val="434343"/>
+                </a:solidFill>
+                <a:latin typeface="Raleway ExtraBold"/>
+                <a:ea typeface="Raleway ExtraBold"/>
+                <a:cs typeface="Raleway ExtraBold"/>
+                <a:sym typeface="Raleway ExtraBold"/>
+              </a:defRPr>
+            </a:lvl1pPr>
+            <a:lvl2pPr lvl="1" indent="0">
+              <a:spcBef>
+                <a:spcPts val="0"/>
+              </a:spcBef>
+              <a:buClr>
+                <a:srgbClr val="434343"/>
+              </a:buClr>
+              <a:buSzPts val="5800"/>
+              <a:buFont typeface="Raleway ExtraBold"/>
+              <a:buNone/>
+              <a:defRPr sz="5800">
+                <a:solidFill>
+                  <a:srgbClr val="434343"/>
+                </a:solidFill>
+                <a:latin typeface="Raleway ExtraBold"/>
+                <a:ea typeface="Raleway ExtraBold"/>
+                <a:cs typeface="Raleway ExtraBold"/>
+                <a:sym typeface="Raleway ExtraBold"/>
+              </a:defRPr>
+            </a:lvl2pPr>
+            <a:lvl3pPr lvl="2" indent="0">
+              <a:spcBef>
+                <a:spcPts val="0"/>
+              </a:spcBef>
+              <a:buClr>
+                <a:srgbClr val="434343"/>
+              </a:buClr>
+              <a:buSzPts val="5800"/>
+              <a:buFont typeface="Raleway ExtraBold"/>
+              <a:buNone/>
+              <a:defRPr sz="5800">
+                <a:solidFill>
+                  <a:srgbClr val="434343"/>
+                </a:solidFill>
+                <a:latin typeface="Raleway ExtraBold"/>
+                <a:ea typeface="Raleway ExtraBold"/>
+                <a:cs typeface="Raleway ExtraBold"/>
+                <a:sym typeface="Raleway ExtraBold"/>
+              </a:defRPr>
+            </a:lvl3pPr>
+            <a:lvl4pPr lvl="3" indent="0">
+              <a:spcBef>
+                <a:spcPts val="0"/>
+              </a:spcBef>
+              <a:buClr>
+                <a:srgbClr val="434343"/>
+              </a:buClr>
+              <a:buSzPts val="5800"/>
+              <a:buFont typeface="Raleway ExtraBold"/>
+              <a:buNone/>
+              <a:defRPr sz="5800">
+                <a:solidFill>
+                  <a:srgbClr val="434343"/>
+                </a:solidFill>
+                <a:latin typeface="Raleway ExtraBold"/>
+                <a:ea typeface="Raleway ExtraBold"/>
+                <a:cs typeface="Raleway ExtraBold"/>
+                <a:sym typeface="Raleway ExtraBold"/>
+              </a:defRPr>
+            </a:lvl4pPr>
+            <a:lvl5pPr lvl="4" indent="0">
+              <a:spcBef>
+                <a:spcPts val="0"/>
+              </a:spcBef>
+              <a:buClr>
+                <a:srgbClr val="434343"/>
+              </a:buClr>
+              <a:buSzPts val="5800"/>
+              <a:buFont typeface="Raleway ExtraBold"/>
+              <a:buNone/>
+              <a:defRPr sz="5800">
+                <a:solidFill>
+                  <a:srgbClr val="434343"/>
+                </a:solidFill>
+                <a:latin typeface="Raleway ExtraBold"/>
+                <a:ea typeface="Raleway ExtraBold"/>
+                <a:cs typeface="Raleway ExtraBold"/>
+                <a:sym typeface="Raleway ExtraBold"/>
+              </a:defRPr>
+            </a:lvl5pPr>
+            <a:lvl6pPr lvl="5" indent="0">
+              <a:spcBef>
+                <a:spcPts val="0"/>
+              </a:spcBef>
+              <a:buClr>
+                <a:srgbClr val="434343"/>
+              </a:buClr>
+              <a:buSzPts val="5800"/>
+              <a:buFont typeface="Raleway ExtraBold"/>
+              <a:buNone/>
+              <a:defRPr sz="5800">
+                <a:solidFill>
+                  <a:srgbClr val="434343"/>
+                </a:solidFill>
+                <a:latin typeface="Raleway ExtraBold"/>
+                <a:ea typeface="Raleway ExtraBold"/>
+                <a:cs typeface="Raleway ExtraBold"/>
+                <a:sym typeface="Raleway ExtraBold"/>
+              </a:defRPr>
+            </a:lvl6pPr>
+            <a:lvl7pPr lvl="6" indent="0">
+              <a:spcBef>
+                <a:spcPts val="0"/>
+              </a:spcBef>
+              <a:buClr>
+                <a:srgbClr val="434343"/>
+              </a:buClr>
+              <a:buSzPts val="5800"/>
+              <a:buFont typeface="Raleway ExtraBold"/>
+              <a:buNone/>
+              <a:defRPr sz="5800">
+                <a:solidFill>
+                  <a:srgbClr val="434343"/>
+                </a:solidFill>
+                <a:latin typeface="Raleway ExtraBold"/>
+                <a:ea typeface="Raleway ExtraBold"/>
+                <a:cs typeface="Raleway ExtraBold"/>
+                <a:sym typeface="Raleway ExtraBold"/>
+              </a:defRPr>
+            </a:lvl7pPr>
+            <a:lvl8pPr lvl="7" indent="0">
+              <a:spcBef>
+                <a:spcPts val="0"/>
+              </a:spcBef>
+              <a:buClr>
+                <a:srgbClr val="434343"/>
+              </a:buClr>
+              <a:buSzPts val="5800"/>
+              <a:buFont typeface="Raleway ExtraBold"/>
+              <a:buNone/>
+              <a:defRPr sz="5800">
+                <a:solidFill>
+                  <a:srgbClr val="434343"/>
+                </a:solidFill>
+                <a:latin typeface="Raleway ExtraBold"/>
+                <a:ea typeface="Raleway ExtraBold"/>
+                <a:cs typeface="Raleway ExtraBold"/>
+                <a:sym typeface="Raleway ExtraBold"/>
+              </a:defRPr>
+            </a:lvl8pPr>
+            <a:lvl9pPr lvl="8" indent="0">
+              <a:spcBef>
+                <a:spcPts val="0"/>
+              </a:spcBef>
+              <a:buClr>
+                <a:srgbClr val="434343"/>
+              </a:buClr>
+              <a:buSzPts val="5800"/>
+              <a:buFont typeface="Raleway ExtraBold"/>
+              <a:buNone/>
+              <a:defRPr sz="5800">
+                <a:solidFill>
+                  <a:srgbClr val="434343"/>
+                </a:solidFill>
+                <a:latin typeface="Raleway ExtraBold"/>
+                <a:ea typeface="Raleway ExtraBold"/>
+                <a:cs typeface="Raleway ExtraBold"/>
+                <a:sym typeface="Raleway ExtraBold"/>
+              </a:defRPr>
+            </a:lvl9pPr>
+          </a:lstStyle>
+          <a:p>
+            <a:pPr indent="-279400">
+              <a:buSzPts val="4400"/>
+            </a:pPr>
+            <a:r>
+              <a:rPr lang="en-US" sz="1050" dirty="0">
+                <a:latin typeface="Raleway Light" panose="020B0403030101060003" pitchFamily="34" charset="0"/>
+              </a:rPr>
+              <a:t>* Based on “An Intelligent Traffic Light Scheduling Algorithm Through VANETs” (</a:t>
+            </a:r>
+            <a:r>
+              <a:rPr lang="en-US" sz="1050" dirty="0" err="1">
+                <a:latin typeface="Raleway Light" panose="020B0403030101060003" pitchFamily="34" charset="0"/>
+              </a:rPr>
+              <a:t>Maram</a:t>
+            </a:r>
+            <a:r>
+              <a:rPr lang="en-US" sz="1050" dirty="0">
+                <a:latin typeface="Raleway Light" panose="020B0403030101060003" pitchFamily="34" charset="0"/>
+              </a:rPr>
+              <a:t> Bani Younes </a:t>
+            </a:r>
+            <a:r>
+              <a:rPr lang="en-US" sz="1050" dirty="0" err="1">
+                <a:latin typeface="Raleway Light" panose="020B0403030101060003" pitchFamily="34" charset="0"/>
+              </a:rPr>
+              <a:t>Azzedine</a:t>
+            </a:r>
+            <a:r>
+              <a:rPr lang="en-US" sz="1050" dirty="0">
+                <a:latin typeface="Raleway Light" panose="020B0403030101060003" pitchFamily="34" charset="0"/>
+              </a:rPr>
+              <a:t> </a:t>
+            </a:r>
+            <a:r>
+              <a:rPr lang="en-US" sz="1050" dirty="0" err="1">
+                <a:latin typeface="Raleway Light" panose="020B0403030101060003" pitchFamily="34" charset="0"/>
+              </a:rPr>
+              <a:t>Boukerche</a:t>
+            </a:r>
+            <a:r>
+              <a:rPr lang="en-US" sz="1050" dirty="0">
+                <a:latin typeface="Raleway Light" panose="020B0403030101060003" pitchFamily="34" charset="0"/>
+              </a:rPr>
+              <a:t>).</a:t>
+            </a:r>
+            <a:br>
+              <a:rPr lang="en-US" sz="1050" dirty="0">
+                <a:latin typeface="Raleway Light" panose="020B0403030101060003" pitchFamily="34" charset="0"/>
+              </a:rPr>
+            </a:br>
+            <a:br>
+              <a:rPr lang="en-US" sz="1050" dirty="0">
+                <a:latin typeface="Raleway Light" panose="020B0403030101060003" pitchFamily="34" charset="0"/>
+              </a:rPr>
+            </a:br>
+            <a:endParaRPr lang="iw-IL" sz="900" dirty="0">
+              <a:latin typeface="Raleway Light" panose="020B0403030101060003" pitchFamily="34" charset="0"/>
+            </a:endParaRPr>
+          </a:p>
+        </p:txBody>
+      </p:sp>
     </p:spTree>
     <p:extLst>
       <p:ext uri="{BB962C8B-B14F-4D97-AF65-F5344CB8AC3E}">
-        <p14:creationId xmlns:p14="http://schemas.microsoft.com/office/powerpoint/2010/main" val="2733021269"/>
+        <p14:creationId xmlns:p14="http://schemas.microsoft.com/office/powerpoint/2010/main" val="3658075966"/>
       </p:ext>
     </p:extLst>
   </p:cSld>
@@ -22284,7 +20558,7 @@
 </p:sld>
 </file>
 
-<file path=ppt/slides/slide8.xml><?xml version="1.0" encoding="utf-8"?>
+<file path=ppt/slides/slide7.xml><?xml version="1.0" encoding="utf-8"?>
 <p:sld xmlns:a="http://schemas.openxmlformats.org/drawingml/2006/main" xmlns:r="http://schemas.openxmlformats.org/officeDocument/2006/relationships" xmlns:p="http://schemas.openxmlformats.org/presentationml/2006/main">
   <p:cSld>
     <p:spTree>
@@ -22431,7 +20705,7 @@
                 <a:buFont typeface="Arial"/>
                 <a:buNone/>
               </a:pPr>
-              <a:t>8</a:t>
+              <a:t>7</a:t>
             </a:fld>
             <a:endParaRPr lang="x-none" sz="1400" b="0" i="0" u="none" strike="noStrike" cap="none">
               <a:solidFill>
@@ -25041,7 +23315,7 @@
 </p:sld>
 </file>
 
-<file path=ppt/slides/slide9.xml><?xml version="1.0" encoding="utf-8"?>
+<file path=ppt/slides/slide8.xml><?xml version="1.0" encoding="utf-8"?>
 <p:sld xmlns:a="http://schemas.openxmlformats.org/drawingml/2006/main" xmlns:r="http://schemas.openxmlformats.org/officeDocument/2006/relationships" xmlns:p="http://schemas.openxmlformats.org/presentationml/2006/main">
   <p:cSld>
     <p:spTree>
@@ -27340,6 +25614,1646 @@
 </p:sld>
 </file>
 
+<file path=ppt/slides/slide9.xml><?xml version="1.0" encoding="utf-8"?>
+<p:sld xmlns:a="http://schemas.openxmlformats.org/drawingml/2006/main" xmlns:r="http://schemas.openxmlformats.org/officeDocument/2006/relationships" xmlns:p="http://schemas.openxmlformats.org/presentationml/2006/main">
+  <p:cSld>
+    <p:spTree>
+      <p:nvGrpSpPr>
+        <p:cNvPr id="1" name="Shape 88"/>
+        <p:cNvGrpSpPr/>
+        <p:nvPr/>
+      </p:nvGrpSpPr>
+      <p:grpSpPr>
+        <a:xfrm>
+          <a:off x="0" y="0"/>
+          <a:ext cx="0" cy="0"/>
+          <a:chOff x="0" y="0"/>
+          <a:chExt cx="0" cy="0"/>
+        </a:xfrm>
+      </p:grpSpPr>
+      <p:sp>
+        <p:nvSpPr>
+          <p:cNvPr id="89" name="Shape 89"/>
+          <p:cNvSpPr txBox="1">
+            <a:spLocks noGrp="1"/>
+          </p:cNvSpPr>
+          <p:nvPr>
+            <p:ph type="title"/>
+          </p:nvPr>
+        </p:nvSpPr>
+        <p:spPr>
+          <a:xfrm>
+            <a:off x="791373" y="1739992"/>
+            <a:ext cx="6866100" cy="857400"/>
+          </a:xfrm>
+          <a:prstGeom prst="rect">
+            <a:avLst/>
+          </a:prstGeom>
+          <a:noFill/>
+          <a:ln>
+            <a:noFill/>
+          </a:ln>
+        </p:spPr>
+        <p:txBody>
+          <a:bodyPr wrap="square" lIns="91425" tIns="91425" rIns="91425" bIns="91425" anchor="t" anchorCtr="0">
+            <a:noAutofit/>
+          </a:bodyPr>
+          <a:lstStyle/>
+          <a:p>
+            <a:pPr lvl="0" indent="-279400">
+              <a:buSzPts val="4400"/>
+            </a:pPr>
+            <a:r>
+              <a:rPr lang="en-US" sz="4400" dirty="0"/>
+              <a:t>Testing &amp;</a:t>
+            </a:r>
+            <a:br>
+              <a:rPr lang="en-US" sz="4400" dirty="0"/>
+            </a:br>
+            <a:r>
+              <a:rPr lang="en-US" sz="4400" dirty="0">
+                <a:solidFill>
+                  <a:srgbClr val="FFB600"/>
+                </a:solidFill>
+              </a:rPr>
+              <a:t>Evaluation</a:t>
+            </a:r>
+            <a:br>
+              <a:rPr lang="en-US" sz="4400" dirty="0"/>
+            </a:br>
+            <a:endParaRPr lang="iw-IL" sz="2800" b="0" i="0" u="none" strike="noStrike" cap="none" dirty="0">
+              <a:solidFill>
+                <a:srgbClr val="434343"/>
+              </a:solidFill>
+              <a:latin typeface="Raleway Light" panose="020B0403030101060003" pitchFamily="34" charset="0"/>
+              <a:sym typeface="Raleway ExtraBold"/>
+            </a:endParaRPr>
+          </a:p>
+        </p:txBody>
+      </p:sp>
+      <p:sp>
+        <p:nvSpPr>
+          <p:cNvPr id="91" name="Shape 91"/>
+          <p:cNvSpPr txBox="1">
+            <a:spLocks noGrp="1"/>
+          </p:cNvSpPr>
+          <p:nvPr>
+            <p:ph type="sldNum" idx="12"/>
+          </p:nvPr>
+        </p:nvSpPr>
+        <p:spPr>
+          <a:xfrm>
+            <a:off x="8604400" y="4590300"/>
+            <a:ext cx="539700" cy="553200"/>
+          </a:xfrm>
+          <a:prstGeom prst="rect">
+            <a:avLst/>
+          </a:prstGeom>
+          <a:noFill/>
+          <a:ln>
+            <a:noFill/>
+          </a:ln>
+        </p:spPr>
+        <p:txBody>
+          <a:bodyPr wrap="square" lIns="91425" tIns="91425" rIns="91425" bIns="91425" anchor="ctr" anchorCtr="0">
+            <a:noAutofit/>
+          </a:bodyPr>
+          <a:lstStyle/>
+          <a:p>
+            <a:pPr marL="0" marR="0" lvl="0" indent="-88900" algn="l" rtl="0">
+              <a:lnSpc>
+                <a:spcPct val="100000"/>
+              </a:lnSpc>
+              <a:spcBef>
+                <a:spcPts val="0"/>
+              </a:spcBef>
+              <a:spcAft>
+                <a:spcPts val="0"/>
+              </a:spcAft>
+              <a:buClr>
+                <a:srgbClr val="000000"/>
+              </a:buClr>
+              <a:buSzPts val="1400"/>
+              <a:buFont typeface="Arial"/>
+              <a:buNone/>
+            </a:pPr>
+            <a:fld id="{00000000-1234-1234-1234-123412341234}" type="slidenum">
+              <a:rPr lang="iw-IL" sz="1400" b="0" i="0" u="none" strike="noStrike" cap="none">
+                <a:solidFill>
+                  <a:srgbClr val="000000"/>
+                </a:solidFill>
+                <a:latin typeface="Arial"/>
+                <a:ea typeface="Arial"/>
+                <a:cs typeface="Arial"/>
+                <a:sym typeface="Arial"/>
+              </a:rPr>
+              <a:t>9</a:t>
+            </a:fld>
+            <a:endParaRPr lang="iw-IL" sz="1400" b="0" i="0" u="none" strike="noStrike" cap="none">
+              <a:solidFill>
+                <a:srgbClr val="000000"/>
+              </a:solidFill>
+              <a:latin typeface="Arial"/>
+              <a:ea typeface="Arial"/>
+              <a:cs typeface="Arial"/>
+              <a:sym typeface="Arial"/>
+            </a:endParaRPr>
+          </a:p>
+        </p:txBody>
+      </p:sp>
+      <p:grpSp>
+        <p:nvGrpSpPr>
+          <p:cNvPr id="92" name="Shape 92"/>
+          <p:cNvGrpSpPr/>
+          <p:nvPr/>
+        </p:nvGrpSpPr>
+        <p:grpSpPr>
+          <a:xfrm>
+            <a:off x="8119638" y="225980"/>
+            <a:ext cx="539546" cy="879605"/>
+            <a:chOff x="6730350" y="2315900"/>
+            <a:chExt cx="257700" cy="420100"/>
+          </a:xfrm>
+        </p:grpSpPr>
+        <p:sp>
+          <p:nvSpPr>
+            <p:cNvPr id="93" name="Shape 93"/>
+            <p:cNvSpPr/>
+            <p:nvPr/>
+          </p:nvSpPr>
+          <p:spPr>
+            <a:xfrm>
+              <a:off x="6807900" y="2671250"/>
+              <a:ext cx="102600" cy="22625"/>
+            </a:xfrm>
+            <a:custGeom>
+              <a:avLst/>
+              <a:gdLst/>
+              <a:ahLst/>
+              <a:cxnLst/>
+              <a:rect l="0" t="0" r="0" b="0"/>
+              <a:pathLst>
+                <a:path w="120000" h="120000" extrusionOk="0">
+                  <a:moveTo>
+                    <a:pt x="29" y="132"/>
+                  </a:moveTo>
+                  <a:lnTo>
+                    <a:pt x="29" y="120000"/>
+                  </a:lnTo>
+                  <a:lnTo>
+                    <a:pt x="120000" y="120000"/>
+                  </a:lnTo>
+                  <a:lnTo>
+                    <a:pt x="120000" y="132"/>
+                  </a:lnTo>
+                  <a:close/>
+                </a:path>
+              </a:pathLst>
+            </a:custGeom>
+            <a:solidFill>
+              <a:srgbClr val="FFB600"/>
+            </a:solidFill>
+            <a:ln>
+              <a:noFill/>
+            </a:ln>
+          </p:spPr>
+          <p:txBody>
+            <a:bodyPr wrap="square" lIns="91425" tIns="91425" rIns="91425" bIns="91425" anchor="ctr" anchorCtr="0">
+              <a:noAutofit/>
+            </a:bodyPr>
+            <a:lstStyle/>
+            <a:p>
+              <a:pPr marL="0" marR="0" lvl="0" indent="-88900" algn="l" rtl="0">
+                <a:lnSpc>
+                  <a:spcPct val="100000"/>
+                </a:lnSpc>
+                <a:spcBef>
+                  <a:spcPts val="0"/>
+                </a:spcBef>
+                <a:spcAft>
+                  <a:spcPts val="0"/>
+                </a:spcAft>
+                <a:buClr>
+                  <a:srgbClr val="000000"/>
+                </a:buClr>
+                <a:buSzPts val="1400"/>
+                <a:buFont typeface="Arial"/>
+                <a:buNone/>
+              </a:pPr>
+              <a:endParaRPr sz="1400" b="0" i="0" u="none" strike="noStrike" cap="none">
+                <a:solidFill>
+                  <a:srgbClr val="000000"/>
+                </a:solidFill>
+                <a:latin typeface="Arial"/>
+                <a:ea typeface="Arial"/>
+                <a:cs typeface="Arial"/>
+                <a:sym typeface="Arial"/>
+              </a:endParaRPr>
+            </a:p>
+          </p:txBody>
+        </p:sp>
+        <p:sp>
+          <p:nvSpPr>
+            <p:cNvPr id="94" name="Shape 94"/>
+            <p:cNvSpPr/>
+            <p:nvPr/>
+          </p:nvSpPr>
+          <p:spPr>
+            <a:xfrm>
+              <a:off x="6807900" y="2636450"/>
+              <a:ext cx="102600" cy="22625"/>
+            </a:xfrm>
+            <a:custGeom>
+              <a:avLst/>
+              <a:gdLst/>
+              <a:ahLst/>
+              <a:cxnLst/>
+              <a:rect l="0" t="0" r="0" b="0"/>
+              <a:pathLst>
+                <a:path w="120000" h="120000" extrusionOk="0">
+                  <a:moveTo>
+                    <a:pt x="29" y="132"/>
+                  </a:moveTo>
+                  <a:lnTo>
+                    <a:pt x="29" y="120000"/>
+                  </a:lnTo>
+                  <a:lnTo>
+                    <a:pt x="120000" y="120000"/>
+                  </a:lnTo>
+                  <a:lnTo>
+                    <a:pt x="120000" y="132"/>
+                  </a:lnTo>
+                  <a:close/>
+                </a:path>
+              </a:pathLst>
+            </a:custGeom>
+            <a:solidFill>
+              <a:srgbClr val="FFB600"/>
+            </a:solidFill>
+            <a:ln>
+              <a:noFill/>
+            </a:ln>
+          </p:spPr>
+          <p:txBody>
+            <a:bodyPr wrap="square" lIns="91425" tIns="91425" rIns="91425" bIns="91425" anchor="ctr" anchorCtr="0">
+              <a:noAutofit/>
+            </a:bodyPr>
+            <a:lstStyle/>
+            <a:p>
+              <a:pPr marL="0" marR="0" lvl="0" indent="-88900" algn="l" rtl="0">
+                <a:lnSpc>
+                  <a:spcPct val="100000"/>
+                </a:lnSpc>
+                <a:spcBef>
+                  <a:spcPts val="0"/>
+                </a:spcBef>
+                <a:spcAft>
+                  <a:spcPts val="0"/>
+                </a:spcAft>
+                <a:buClr>
+                  <a:srgbClr val="000000"/>
+                </a:buClr>
+                <a:buSzPts val="1400"/>
+                <a:buFont typeface="Arial"/>
+                <a:buNone/>
+              </a:pPr>
+              <a:endParaRPr sz="1400" b="0" i="0" u="none" strike="noStrike" cap="none">
+                <a:solidFill>
+                  <a:srgbClr val="000000"/>
+                </a:solidFill>
+                <a:latin typeface="Arial"/>
+                <a:ea typeface="Arial"/>
+                <a:cs typeface="Arial"/>
+                <a:sym typeface="Arial"/>
+              </a:endParaRPr>
+            </a:p>
+          </p:txBody>
+        </p:sp>
+        <p:sp>
+          <p:nvSpPr>
+            <p:cNvPr id="95" name="Shape 95"/>
+            <p:cNvSpPr/>
+            <p:nvPr/>
+          </p:nvSpPr>
+          <p:spPr>
+            <a:xfrm>
+              <a:off x="6807900" y="2706075"/>
+              <a:ext cx="102600" cy="29925"/>
+            </a:xfrm>
+            <a:custGeom>
+              <a:avLst/>
+              <a:gdLst/>
+              <a:ahLst/>
+              <a:cxnLst/>
+              <a:rect l="0" t="0" r="0" b="0"/>
+              <a:pathLst>
+                <a:path w="120000" h="120000" extrusionOk="0">
+                  <a:moveTo>
+                    <a:pt x="29" y="0"/>
+                  </a:moveTo>
+                  <a:lnTo>
+                    <a:pt x="29" y="17142"/>
+                  </a:lnTo>
+                  <a:lnTo>
+                    <a:pt x="730" y="31879"/>
+                  </a:lnTo>
+                  <a:lnTo>
+                    <a:pt x="2865" y="46516"/>
+                  </a:lnTo>
+                  <a:lnTo>
+                    <a:pt x="5730" y="58746"/>
+                  </a:lnTo>
+                  <a:lnTo>
+                    <a:pt x="10029" y="66165"/>
+                  </a:lnTo>
+                  <a:lnTo>
+                    <a:pt x="55000" y="117493"/>
+                  </a:lnTo>
+                  <a:lnTo>
+                    <a:pt x="60000" y="120000"/>
+                  </a:lnTo>
+                  <a:lnTo>
+                    <a:pt x="65000" y="117493"/>
+                  </a:lnTo>
+                  <a:lnTo>
+                    <a:pt x="110000" y="66165"/>
+                  </a:lnTo>
+                  <a:lnTo>
+                    <a:pt x="114269" y="58746"/>
+                  </a:lnTo>
+                  <a:lnTo>
+                    <a:pt x="117134" y="46516"/>
+                  </a:lnTo>
+                  <a:lnTo>
+                    <a:pt x="119269" y="31879"/>
+                  </a:lnTo>
+                  <a:lnTo>
+                    <a:pt x="120000" y="17142"/>
+                  </a:lnTo>
+                  <a:lnTo>
+                    <a:pt x="120000" y="0"/>
+                  </a:lnTo>
+                  <a:close/>
+                </a:path>
+              </a:pathLst>
+            </a:custGeom>
+            <a:solidFill>
+              <a:srgbClr val="FFB600"/>
+            </a:solidFill>
+            <a:ln>
+              <a:noFill/>
+            </a:ln>
+          </p:spPr>
+          <p:txBody>
+            <a:bodyPr wrap="square" lIns="91425" tIns="91425" rIns="91425" bIns="91425" anchor="ctr" anchorCtr="0">
+              <a:noAutofit/>
+            </a:bodyPr>
+            <a:lstStyle/>
+            <a:p>
+              <a:pPr marL="0" marR="0" lvl="0" indent="-88900" algn="l" rtl="0">
+                <a:lnSpc>
+                  <a:spcPct val="100000"/>
+                </a:lnSpc>
+                <a:spcBef>
+                  <a:spcPts val="0"/>
+                </a:spcBef>
+                <a:spcAft>
+                  <a:spcPts val="0"/>
+                </a:spcAft>
+                <a:buClr>
+                  <a:srgbClr val="000000"/>
+                </a:buClr>
+                <a:buSzPts val="1400"/>
+                <a:buFont typeface="Arial"/>
+                <a:buNone/>
+              </a:pPr>
+              <a:endParaRPr sz="1400" b="0" i="0" u="none" strike="noStrike" cap="none">
+                <a:solidFill>
+                  <a:srgbClr val="000000"/>
+                </a:solidFill>
+                <a:latin typeface="Arial"/>
+                <a:ea typeface="Arial"/>
+                <a:cs typeface="Arial"/>
+                <a:sym typeface="Arial"/>
+              </a:endParaRPr>
+            </a:p>
+          </p:txBody>
+        </p:sp>
+        <p:sp>
+          <p:nvSpPr>
+            <p:cNvPr id="96" name="Shape 96"/>
+            <p:cNvSpPr/>
+            <p:nvPr/>
+          </p:nvSpPr>
+          <p:spPr>
+            <a:xfrm>
+              <a:off x="6811575" y="2463675"/>
+              <a:ext cx="95275" cy="160600"/>
+            </a:xfrm>
+            <a:custGeom>
+              <a:avLst/>
+              <a:gdLst/>
+              <a:ahLst/>
+              <a:cxnLst/>
+              <a:rect l="0" t="0" r="0" b="0"/>
+              <a:pathLst>
+                <a:path w="120000" h="120000" extrusionOk="0">
+                  <a:moveTo>
+                    <a:pt x="59984" y="0"/>
+                  </a:moveTo>
+                  <a:lnTo>
+                    <a:pt x="29220" y="15523"/>
+                  </a:lnTo>
+                  <a:lnTo>
+                    <a:pt x="26922" y="16419"/>
+                  </a:lnTo>
+                  <a:lnTo>
+                    <a:pt x="24623" y="16886"/>
+                  </a:lnTo>
+                  <a:lnTo>
+                    <a:pt x="21537" y="16419"/>
+                  </a:lnTo>
+                  <a:lnTo>
+                    <a:pt x="19239" y="15523"/>
+                  </a:lnTo>
+                  <a:lnTo>
+                    <a:pt x="0" y="5940"/>
+                  </a:lnTo>
+                  <a:lnTo>
+                    <a:pt x="41532" y="119981"/>
+                  </a:lnTo>
+                  <a:lnTo>
+                    <a:pt x="78436" y="119981"/>
+                  </a:lnTo>
+                  <a:lnTo>
+                    <a:pt x="119968" y="5940"/>
+                  </a:lnTo>
+                  <a:lnTo>
+                    <a:pt x="100760" y="15523"/>
+                  </a:lnTo>
+                  <a:lnTo>
+                    <a:pt x="98430" y="16419"/>
+                  </a:lnTo>
+                  <a:lnTo>
+                    <a:pt x="95376" y="16886"/>
+                  </a:lnTo>
+                  <a:lnTo>
+                    <a:pt x="93046" y="16419"/>
+                  </a:lnTo>
+                  <a:lnTo>
+                    <a:pt x="90747" y="15523"/>
+                  </a:lnTo>
+                  <a:lnTo>
+                    <a:pt x="59984" y="0"/>
+                  </a:lnTo>
+                  <a:close/>
+                </a:path>
+              </a:pathLst>
+            </a:custGeom>
+            <a:solidFill>
+              <a:srgbClr val="FFB600"/>
+            </a:solidFill>
+            <a:ln>
+              <a:noFill/>
+            </a:ln>
+          </p:spPr>
+          <p:txBody>
+            <a:bodyPr wrap="square" lIns="91425" tIns="91425" rIns="91425" bIns="91425" anchor="ctr" anchorCtr="0">
+              <a:noAutofit/>
+            </a:bodyPr>
+            <a:lstStyle/>
+            <a:p>
+              <a:pPr marL="0" marR="0" lvl="0" indent="-88900" algn="l" rtl="0">
+                <a:lnSpc>
+                  <a:spcPct val="100000"/>
+                </a:lnSpc>
+                <a:spcBef>
+                  <a:spcPts val="0"/>
+                </a:spcBef>
+                <a:spcAft>
+                  <a:spcPts val="0"/>
+                </a:spcAft>
+                <a:buClr>
+                  <a:srgbClr val="000000"/>
+                </a:buClr>
+                <a:buSzPts val="1400"/>
+                <a:buFont typeface="Arial"/>
+                <a:buNone/>
+              </a:pPr>
+              <a:endParaRPr sz="1400" b="0" i="0" u="none" strike="noStrike" cap="none">
+                <a:solidFill>
+                  <a:srgbClr val="000000"/>
+                </a:solidFill>
+                <a:latin typeface="Arial"/>
+                <a:ea typeface="Arial"/>
+                <a:cs typeface="Arial"/>
+                <a:sym typeface="Arial"/>
+              </a:endParaRPr>
+            </a:p>
+          </p:txBody>
+        </p:sp>
+        <p:sp>
+          <p:nvSpPr>
+            <p:cNvPr id="97" name="Shape 97"/>
+            <p:cNvSpPr/>
+            <p:nvPr/>
+          </p:nvSpPr>
+          <p:spPr>
+            <a:xfrm>
+              <a:off x="6730350" y="2315900"/>
+              <a:ext cx="257700" cy="308375"/>
+            </a:xfrm>
+            <a:custGeom>
+              <a:avLst/>
+              <a:gdLst/>
+              <a:ahLst/>
+              <a:cxnLst/>
+              <a:rect l="0" t="0" r="0" b="0"/>
+              <a:pathLst>
+                <a:path w="120000" h="120000" extrusionOk="0">
+                  <a:moveTo>
+                    <a:pt x="60000" y="9"/>
+                  </a:moveTo>
+                  <a:lnTo>
+                    <a:pt x="53748" y="243"/>
+                  </a:lnTo>
+                  <a:lnTo>
+                    <a:pt x="48055" y="953"/>
+                  </a:lnTo>
+                  <a:lnTo>
+                    <a:pt x="42083" y="2383"/>
+                  </a:lnTo>
+                  <a:lnTo>
+                    <a:pt x="36682" y="4047"/>
+                  </a:lnTo>
+                  <a:lnTo>
+                    <a:pt x="31571" y="6187"/>
+                  </a:lnTo>
+                  <a:lnTo>
+                    <a:pt x="26449" y="8561"/>
+                  </a:lnTo>
+                  <a:lnTo>
+                    <a:pt x="21897" y="11411"/>
+                  </a:lnTo>
+                  <a:lnTo>
+                    <a:pt x="17636" y="14738"/>
+                  </a:lnTo>
+                  <a:lnTo>
+                    <a:pt x="13946" y="18299"/>
+                  </a:lnTo>
+                  <a:lnTo>
+                    <a:pt x="10244" y="22102"/>
+                  </a:lnTo>
+                  <a:lnTo>
+                    <a:pt x="7403" y="26140"/>
+                  </a:lnTo>
+                  <a:lnTo>
+                    <a:pt x="4842" y="30654"/>
+                  </a:lnTo>
+                  <a:lnTo>
+                    <a:pt x="2852" y="35168"/>
+                  </a:lnTo>
+                  <a:lnTo>
+                    <a:pt x="1431" y="39925"/>
+                  </a:lnTo>
+                  <a:lnTo>
+                    <a:pt x="582" y="44916"/>
+                  </a:lnTo>
+                  <a:lnTo>
+                    <a:pt x="11" y="50140"/>
+                  </a:lnTo>
+                  <a:lnTo>
+                    <a:pt x="291" y="52757"/>
+                  </a:lnTo>
+                  <a:lnTo>
+                    <a:pt x="582" y="55364"/>
+                  </a:lnTo>
+                  <a:lnTo>
+                    <a:pt x="1431" y="60355"/>
+                  </a:lnTo>
+                  <a:lnTo>
+                    <a:pt x="2852" y="65112"/>
+                  </a:lnTo>
+                  <a:lnTo>
+                    <a:pt x="4842" y="69383"/>
+                  </a:lnTo>
+                  <a:lnTo>
+                    <a:pt x="7403" y="73663"/>
+                  </a:lnTo>
+                  <a:lnTo>
+                    <a:pt x="9965" y="77467"/>
+                  </a:lnTo>
+                  <a:lnTo>
+                    <a:pt x="12805" y="81261"/>
+                  </a:lnTo>
+                  <a:lnTo>
+                    <a:pt x="15937" y="85065"/>
+                  </a:lnTo>
+                  <a:lnTo>
+                    <a:pt x="22188" y="92672"/>
+                  </a:lnTo>
+                  <a:lnTo>
+                    <a:pt x="25029" y="96710"/>
+                  </a:lnTo>
+                  <a:lnTo>
+                    <a:pt x="27869" y="100747"/>
+                  </a:lnTo>
+                  <a:lnTo>
+                    <a:pt x="30430" y="105027"/>
+                  </a:lnTo>
+                  <a:lnTo>
+                    <a:pt x="32712" y="109775"/>
+                  </a:lnTo>
+                  <a:lnTo>
+                    <a:pt x="34691" y="114766"/>
+                  </a:lnTo>
+                  <a:lnTo>
+                    <a:pt x="36123" y="119990"/>
+                  </a:lnTo>
+                  <a:lnTo>
+                    <a:pt x="47485" y="119990"/>
+                  </a:lnTo>
+                  <a:lnTo>
+                    <a:pt x="37823" y="82691"/>
+                  </a:lnTo>
+                  <a:lnTo>
+                    <a:pt x="31001" y="54887"/>
+                  </a:lnTo>
+                  <a:lnTo>
+                    <a:pt x="31001" y="53700"/>
+                  </a:lnTo>
+                  <a:lnTo>
+                    <a:pt x="31571" y="52757"/>
+                  </a:lnTo>
+                  <a:lnTo>
+                    <a:pt x="32421" y="52280"/>
+                  </a:lnTo>
+                  <a:lnTo>
+                    <a:pt x="33562" y="52037"/>
+                  </a:lnTo>
+                  <a:lnTo>
+                    <a:pt x="34412" y="52037"/>
+                  </a:lnTo>
+                  <a:lnTo>
+                    <a:pt x="35552" y="52513"/>
+                  </a:lnTo>
+                  <a:lnTo>
+                    <a:pt x="46926" y="60831"/>
+                  </a:lnTo>
+                  <a:lnTo>
+                    <a:pt x="58009" y="52513"/>
+                  </a:lnTo>
+                  <a:lnTo>
+                    <a:pt x="59150" y="52037"/>
+                  </a:lnTo>
+                  <a:lnTo>
+                    <a:pt x="60849" y="52037"/>
+                  </a:lnTo>
+                  <a:lnTo>
+                    <a:pt x="61990" y="52513"/>
+                  </a:lnTo>
+                  <a:lnTo>
+                    <a:pt x="73084" y="60831"/>
+                  </a:lnTo>
+                  <a:lnTo>
+                    <a:pt x="84447" y="52513"/>
+                  </a:lnTo>
+                  <a:lnTo>
+                    <a:pt x="85587" y="52037"/>
+                  </a:lnTo>
+                  <a:lnTo>
+                    <a:pt x="86437" y="52037"/>
+                  </a:lnTo>
+                  <a:lnTo>
+                    <a:pt x="87578" y="52280"/>
+                  </a:lnTo>
+                  <a:lnTo>
+                    <a:pt x="88428" y="52757"/>
+                  </a:lnTo>
+                  <a:lnTo>
+                    <a:pt x="88998" y="53700"/>
+                  </a:lnTo>
+                  <a:lnTo>
+                    <a:pt x="88998" y="54887"/>
+                  </a:lnTo>
+                  <a:lnTo>
+                    <a:pt x="82176" y="82691"/>
+                  </a:lnTo>
+                  <a:lnTo>
+                    <a:pt x="72514" y="119990"/>
+                  </a:lnTo>
+                  <a:lnTo>
+                    <a:pt x="83888" y="119990"/>
+                  </a:lnTo>
+                  <a:lnTo>
+                    <a:pt x="85308" y="114766"/>
+                  </a:lnTo>
+                  <a:lnTo>
+                    <a:pt x="87299" y="109775"/>
+                  </a:lnTo>
+                  <a:lnTo>
+                    <a:pt x="89569" y="105027"/>
+                  </a:lnTo>
+                  <a:lnTo>
+                    <a:pt x="92130" y="100747"/>
+                  </a:lnTo>
+                  <a:lnTo>
+                    <a:pt x="94970" y="96710"/>
+                  </a:lnTo>
+                  <a:lnTo>
+                    <a:pt x="97811" y="92672"/>
+                  </a:lnTo>
+                  <a:lnTo>
+                    <a:pt x="104074" y="85065"/>
+                  </a:lnTo>
+                  <a:lnTo>
+                    <a:pt x="107194" y="81261"/>
+                  </a:lnTo>
+                  <a:lnTo>
+                    <a:pt x="110046" y="77467"/>
+                  </a:lnTo>
+                  <a:lnTo>
+                    <a:pt x="112596" y="73663"/>
+                  </a:lnTo>
+                  <a:lnTo>
+                    <a:pt x="115157" y="69383"/>
+                  </a:lnTo>
+                  <a:lnTo>
+                    <a:pt x="117147" y="65112"/>
+                  </a:lnTo>
+                  <a:lnTo>
+                    <a:pt x="118568" y="60355"/>
+                  </a:lnTo>
+                  <a:lnTo>
+                    <a:pt x="119429" y="55364"/>
+                  </a:lnTo>
+                  <a:lnTo>
+                    <a:pt x="119708" y="52757"/>
+                  </a:lnTo>
+                  <a:lnTo>
+                    <a:pt x="119988" y="50140"/>
+                  </a:lnTo>
+                  <a:lnTo>
+                    <a:pt x="119429" y="44916"/>
+                  </a:lnTo>
+                  <a:lnTo>
+                    <a:pt x="118568" y="39925"/>
+                  </a:lnTo>
+                  <a:lnTo>
+                    <a:pt x="117147" y="35168"/>
+                  </a:lnTo>
+                  <a:lnTo>
+                    <a:pt x="115157" y="30654"/>
+                  </a:lnTo>
+                  <a:lnTo>
+                    <a:pt x="112596" y="26140"/>
+                  </a:lnTo>
+                  <a:lnTo>
+                    <a:pt x="109755" y="22102"/>
+                  </a:lnTo>
+                  <a:lnTo>
+                    <a:pt x="106065" y="18299"/>
+                  </a:lnTo>
+                  <a:lnTo>
+                    <a:pt x="102363" y="14738"/>
+                  </a:lnTo>
+                  <a:lnTo>
+                    <a:pt x="98102" y="11411"/>
+                  </a:lnTo>
+                  <a:lnTo>
+                    <a:pt x="93550" y="8561"/>
+                  </a:lnTo>
+                  <a:lnTo>
+                    <a:pt x="88428" y="6187"/>
+                  </a:lnTo>
+                  <a:lnTo>
+                    <a:pt x="83317" y="4047"/>
+                  </a:lnTo>
+                  <a:lnTo>
+                    <a:pt x="77916" y="2383"/>
+                  </a:lnTo>
+                  <a:lnTo>
+                    <a:pt x="71944" y="953"/>
+                  </a:lnTo>
+                  <a:lnTo>
+                    <a:pt x="66251" y="243"/>
+                  </a:lnTo>
+                  <a:lnTo>
+                    <a:pt x="60000" y="9"/>
+                  </a:lnTo>
+                  <a:close/>
+                </a:path>
+              </a:pathLst>
+            </a:custGeom>
+            <a:solidFill>
+              <a:srgbClr val="FFB600"/>
+            </a:solidFill>
+            <a:ln>
+              <a:noFill/>
+            </a:ln>
+          </p:spPr>
+          <p:txBody>
+            <a:bodyPr wrap="square" lIns="91425" tIns="91425" rIns="91425" bIns="91425" anchor="ctr" anchorCtr="0">
+              <a:noAutofit/>
+            </a:bodyPr>
+            <a:lstStyle/>
+            <a:p>
+              <a:pPr marL="0" marR="0" lvl="0" indent="-88900" algn="l" rtl="0">
+                <a:lnSpc>
+                  <a:spcPct val="100000"/>
+                </a:lnSpc>
+                <a:spcBef>
+                  <a:spcPts val="0"/>
+                </a:spcBef>
+                <a:spcAft>
+                  <a:spcPts val="0"/>
+                </a:spcAft>
+                <a:buClr>
+                  <a:srgbClr val="000000"/>
+                </a:buClr>
+                <a:buSzPts val="1400"/>
+                <a:buFont typeface="Arial"/>
+                <a:buNone/>
+              </a:pPr>
+              <a:endParaRPr sz="1400" b="0" i="0" u="none" strike="noStrike" cap="none">
+                <a:solidFill>
+                  <a:srgbClr val="000000"/>
+                </a:solidFill>
+                <a:latin typeface="Arial"/>
+                <a:ea typeface="Arial"/>
+                <a:cs typeface="Arial"/>
+                <a:sym typeface="Arial"/>
+              </a:endParaRPr>
+            </a:p>
+          </p:txBody>
+        </p:sp>
+      </p:grpSp>
+      <p:sp>
+        <p:nvSpPr>
+          <p:cNvPr id="11" name="Shape 120">
+            <a:extLst>
+              <a:ext uri="{FF2B5EF4-FFF2-40B4-BE49-F238E27FC236}">
+                <a16:creationId xmlns:a16="http://schemas.microsoft.com/office/drawing/2014/main" id="{7D209ED9-458B-43E3-9607-2EAA917A8C69}"/>
+              </a:ext>
+            </a:extLst>
+          </p:cNvPr>
+          <p:cNvSpPr txBox="1"/>
+          <p:nvPr/>
+        </p:nvSpPr>
+        <p:spPr>
+          <a:xfrm>
+            <a:off x="3866704" y="1773159"/>
+            <a:ext cx="2247640" cy="732725"/>
+          </a:xfrm>
+          <a:prstGeom prst="rect">
+            <a:avLst/>
+          </a:prstGeom>
+          <a:noFill/>
+          <a:ln>
+            <a:noFill/>
+          </a:ln>
+        </p:spPr>
+        <p:txBody>
+          <a:bodyPr wrap="square" lIns="91425" tIns="91425" rIns="91425" bIns="91425" anchor="b" anchorCtr="0">
+            <a:noAutofit/>
+          </a:bodyPr>
+          <a:lstStyle/>
+          <a:p>
+            <a:pPr algn="ctr"/>
+            <a:r>
+              <a:rPr lang="en-US" b="1" dirty="0">
+                <a:solidFill>
+                  <a:srgbClr val="434343"/>
+                </a:solidFill>
+                <a:latin typeface="Raleway ExtraBold" panose="020B0903030101060003" pitchFamily="34" charset="0"/>
+              </a:rPr>
+              <a:t>Mainly visual functionalities </a:t>
+            </a:r>
+          </a:p>
+        </p:txBody>
+      </p:sp>
+      <p:sp>
+        <p:nvSpPr>
+          <p:cNvPr id="12" name="Shape 120">
+            <a:extLst>
+              <a:ext uri="{FF2B5EF4-FFF2-40B4-BE49-F238E27FC236}">
+                <a16:creationId xmlns:a16="http://schemas.microsoft.com/office/drawing/2014/main" id="{414827B1-50B4-4198-9F8D-5C7BF93CCB18}"/>
+              </a:ext>
+            </a:extLst>
+          </p:cNvPr>
+          <p:cNvSpPr txBox="1"/>
+          <p:nvPr/>
+        </p:nvSpPr>
+        <p:spPr>
+          <a:xfrm>
+            <a:off x="6408045" y="1753064"/>
+            <a:ext cx="1699294" cy="732725"/>
+          </a:xfrm>
+          <a:prstGeom prst="rect">
+            <a:avLst/>
+          </a:prstGeom>
+          <a:noFill/>
+          <a:ln>
+            <a:noFill/>
+          </a:ln>
+        </p:spPr>
+        <p:txBody>
+          <a:bodyPr wrap="square" lIns="91425" tIns="91425" rIns="91425" bIns="91425" anchor="b" anchorCtr="0">
+            <a:noAutofit/>
+          </a:bodyPr>
+          <a:lstStyle/>
+          <a:p>
+            <a:pPr lvl="2" algn="ctr"/>
+            <a:r>
+              <a:rPr lang="en-US" b="1" dirty="0">
+                <a:solidFill>
+                  <a:srgbClr val="434343"/>
+                </a:solidFill>
+                <a:latin typeface="Raleway ExtraBold" panose="020B0903030101060003" pitchFamily="34" charset="0"/>
+              </a:rPr>
+              <a:t>Testing performance</a:t>
+            </a:r>
+          </a:p>
+        </p:txBody>
+      </p:sp>
+      <p:sp>
+        <p:nvSpPr>
+          <p:cNvPr id="13" name="Shape 120">
+            <a:extLst>
+              <a:ext uri="{FF2B5EF4-FFF2-40B4-BE49-F238E27FC236}">
+                <a16:creationId xmlns:a16="http://schemas.microsoft.com/office/drawing/2014/main" id="{A592296E-6C58-4A54-93C9-42E7F960DA6C}"/>
+              </a:ext>
+            </a:extLst>
+          </p:cNvPr>
+          <p:cNvSpPr txBox="1"/>
+          <p:nvPr/>
+        </p:nvSpPr>
+        <p:spPr>
+          <a:xfrm>
+            <a:off x="3866704" y="3698225"/>
+            <a:ext cx="2247640" cy="732725"/>
+          </a:xfrm>
+          <a:prstGeom prst="rect">
+            <a:avLst/>
+          </a:prstGeom>
+          <a:noFill/>
+          <a:ln>
+            <a:noFill/>
+          </a:ln>
+        </p:spPr>
+        <p:txBody>
+          <a:bodyPr wrap="square" lIns="91425" tIns="91425" rIns="91425" bIns="91425" anchor="b" anchorCtr="0">
+            <a:noAutofit/>
+          </a:bodyPr>
+          <a:lstStyle/>
+          <a:p>
+            <a:pPr lvl="2" algn="ctr"/>
+            <a:r>
+              <a:rPr lang="en-US" b="1" dirty="0">
+                <a:solidFill>
+                  <a:srgbClr val="434343"/>
+                </a:solidFill>
+                <a:latin typeface="Raleway ExtraBold" panose="020B0903030101060003" pitchFamily="34" charset="0"/>
+              </a:rPr>
+              <a:t>Comparing different schedulers on same simulations</a:t>
+            </a:r>
+          </a:p>
+        </p:txBody>
+      </p:sp>
+      <p:sp>
+        <p:nvSpPr>
+          <p:cNvPr id="14" name="Shape 120">
+            <a:extLst>
+              <a:ext uri="{FF2B5EF4-FFF2-40B4-BE49-F238E27FC236}">
+                <a16:creationId xmlns:a16="http://schemas.microsoft.com/office/drawing/2014/main" id="{D636E29E-4D07-4161-ABC9-681FB318A520}"/>
+              </a:ext>
+            </a:extLst>
+          </p:cNvPr>
+          <p:cNvSpPr txBox="1"/>
+          <p:nvPr/>
+        </p:nvSpPr>
+        <p:spPr>
+          <a:xfrm>
+            <a:off x="6148792" y="3909240"/>
+            <a:ext cx="2217801" cy="732725"/>
+          </a:xfrm>
+          <a:prstGeom prst="rect">
+            <a:avLst/>
+          </a:prstGeom>
+          <a:noFill/>
+          <a:ln>
+            <a:noFill/>
+          </a:ln>
+        </p:spPr>
+        <p:txBody>
+          <a:bodyPr wrap="square" lIns="91425" tIns="91425" rIns="91425" bIns="91425" anchor="b" anchorCtr="0">
+            <a:noAutofit/>
+          </a:bodyPr>
+          <a:lstStyle/>
+          <a:p>
+            <a:pPr lvl="2" algn="ctr"/>
+            <a:r>
+              <a:rPr lang="en-US" b="1" dirty="0">
+                <a:solidFill>
+                  <a:srgbClr val="434343"/>
+                </a:solidFill>
+                <a:latin typeface="Raleway ExtraBold" panose="020B0903030101060003" pitchFamily="34" charset="0"/>
+              </a:rPr>
+              <a:t>Measured speedups are indications for success</a:t>
+            </a:r>
+          </a:p>
+          <a:p>
+            <a:pPr marL="285750" indent="-285750" algn="ctr">
+              <a:buFont typeface="Arial" charset="0"/>
+              <a:buChar char="•"/>
+            </a:pPr>
+            <a:endParaRPr lang="en-US" b="1" dirty="0">
+              <a:solidFill>
+                <a:srgbClr val="434343"/>
+              </a:solidFill>
+              <a:latin typeface="Raleway ExtraBold" panose="020B0903030101060003" pitchFamily="34" charset="0"/>
+            </a:endParaRPr>
+          </a:p>
+        </p:txBody>
+      </p:sp>
+      <p:pic>
+        <p:nvPicPr>
+          <p:cNvPr id="5" name="תמונה 4">
+            <a:extLst>
+              <a:ext uri="{FF2B5EF4-FFF2-40B4-BE49-F238E27FC236}">
+                <a16:creationId xmlns:a16="http://schemas.microsoft.com/office/drawing/2014/main" id="{941C507B-7A97-4925-95E9-08591644082A}"/>
+              </a:ext>
+            </a:extLst>
+          </p:cNvPr>
+          <p:cNvPicPr>
+            <a:picLocks noChangeAspect="1"/>
+          </p:cNvPicPr>
+          <p:nvPr/>
+        </p:nvPicPr>
+        <p:blipFill>
+          <a:blip r:embed="rId3"/>
+          <a:stretch>
+            <a:fillRect/>
+          </a:stretch>
+        </p:blipFill>
+        <p:spPr>
+          <a:xfrm>
+            <a:off x="4515088" y="871655"/>
+            <a:ext cx="911700" cy="911700"/>
+          </a:xfrm>
+          <a:prstGeom prst="rect">
+            <a:avLst/>
+          </a:prstGeom>
+        </p:spPr>
+      </p:pic>
+      <p:pic>
+        <p:nvPicPr>
+          <p:cNvPr id="7" name="תמונה 6">
+            <a:extLst>
+              <a:ext uri="{FF2B5EF4-FFF2-40B4-BE49-F238E27FC236}">
+                <a16:creationId xmlns:a16="http://schemas.microsoft.com/office/drawing/2014/main" id="{71D52B29-30E6-4A4D-A5C4-24860AC34571}"/>
+              </a:ext>
+            </a:extLst>
+          </p:cNvPr>
+          <p:cNvPicPr>
+            <a:picLocks noChangeAspect="1"/>
+          </p:cNvPicPr>
+          <p:nvPr/>
+        </p:nvPicPr>
+        <p:blipFill>
+          <a:blip r:embed="rId4"/>
+          <a:stretch>
+            <a:fillRect/>
+          </a:stretch>
+        </p:blipFill>
+        <p:spPr>
+          <a:xfrm>
+            <a:off x="6864380" y="973613"/>
+            <a:ext cx="753471" cy="753471"/>
+          </a:xfrm>
+          <a:prstGeom prst="rect">
+            <a:avLst/>
+          </a:prstGeom>
+        </p:spPr>
+      </p:pic>
+      <p:pic>
+        <p:nvPicPr>
+          <p:cNvPr id="9" name="תמונה 8">
+            <a:extLst>
+              <a:ext uri="{FF2B5EF4-FFF2-40B4-BE49-F238E27FC236}">
+                <a16:creationId xmlns:a16="http://schemas.microsoft.com/office/drawing/2014/main" id="{2306EFAE-3D4D-4D0A-8E1E-0461AE026C0A}"/>
+              </a:ext>
+            </a:extLst>
+          </p:cNvPr>
+          <p:cNvPicPr>
+            <a:picLocks noChangeAspect="1"/>
+          </p:cNvPicPr>
+          <p:nvPr/>
+        </p:nvPicPr>
+        <p:blipFill>
+          <a:blip r:embed="rId5"/>
+          <a:stretch>
+            <a:fillRect/>
+          </a:stretch>
+        </p:blipFill>
+        <p:spPr>
+          <a:xfrm>
+            <a:off x="6880957" y="2765060"/>
+            <a:ext cx="753471" cy="753471"/>
+          </a:xfrm>
+          <a:prstGeom prst="rect">
+            <a:avLst/>
+          </a:prstGeom>
+        </p:spPr>
+      </p:pic>
+      <p:pic>
+        <p:nvPicPr>
+          <p:cNvPr id="15" name="תמונה 14">
+            <a:extLst>
+              <a:ext uri="{FF2B5EF4-FFF2-40B4-BE49-F238E27FC236}">
+                <a16:creationId xmlns:a16="http://schemas.microsoft.com/office/drawing/2014/main" id="{50BD4322-062D-4938-BD46-6BFC0E980DA8}"/>
+              </a:ext>
+            </a:extLst>
+          </p:cNvPr>
+          <p:cNvPicPr>
+            <a:picLocks noChangeAspect="1"/>
+          </p:cNvPicPr>
+          <p:nvPr/>
+        </p:nvPicPr>
+        <p:blipFill>
+          <a:blip r:embed="rId6"/>
+          <a:stretch>
+            <a:fillRect/>
+          </a:stretch>
+        </p:blipFill>
+        <p:spPr>
+          <a:xfrm>
+            <a:off x="4553180" y="2765060"/>
+            <a:ext cx="828818" cy="828818"/>
+          </a:xfrm>
+          <a:prstGeom prst="rect">
+            <a:avLst/>
+          </a:prstGeom>
+        </p:spPr>
+      </p:pic>
+    </p:spTree>
+    <p:extLst>
+      <p:ext uri="{BB962C8B-B14F-4D97-AF65-F5344CB8AC3E}">
+        <p14:creationId xmlns:p14="http://schemas.microsoft.com/office/powerpoint/2010/main" val="3285531146"/>
+      </p:ext>
+    </p:extLst>
+  </p:cSld>
+  <p:clrMapOvr>
+    <a:masterClrMapping/>
+  </p:clrMapOvr>
+  <p:timing>
+    <p:tnLst>
+      <p:par>
+        <p:cTn id="1" dur="indefinite" restart="never" nodeType="tmRoot">
+          <p:childTnLst>
+            <p:seq concurrent="1" nextAc="seek">
+              <p:cTn id="2" dur="indefinite" nodeType="mainSeq">
+                <p:childTnLst>
+                  <p:par>
+                    <p:cTn id="3" fill="hold">
+                      <p:stCondLst>
+                        <p:cond delay="indefinite"/>
+                        <p:cond evt="onBegin" delay="0">
+                          <p:tn val="2"/>
+                        </p:cond>
+                      </p:stCondLst>
+                      <p:childTnLst>
+                        <p:par>
+                          <p:cTn id="4" fill="hold">
+                            <p:stCondLst>
+                              <p:cond delay="0"/>
+                            </p:stCondLst>
+                            <p:childTnLst>
+                              <p:par>
+                                <p:cTn id="5" presetID="10" presetClass="entr" presetSubtype="0" fill="hold" grpId="0" nodeType="withEffect">
+                                  <p:stCondLst>
+                                    <p:cond delay="0"/>
+                                  </p:stCondLst>
+                                  <p:childTnLst>
+                                    <p:set>
+                                      <p:cBhvr>
+                                        <p:cTn id="6" dur="1" fill="hold">
+                                          <p:stCondLst>
+                                            <p:cond delay="0"/>
+                                          </p:stCondLst>
+                                        </p:cTn>
+                                        <p:tgtEl>
+                                          <p:spTgt spid="89"/>
+                                        </p:tgtEl>
+                                        <p:attrNameLst>
+                                          <p:attrName>style.visibility</p:attrName>
+                                        </p:attrNameLst>
+                                      </p:cBhvr>
+                                      <p:to>
+                                        <p:strVal val="visible"/>
+                                      </p:to>
+                                    </p:set>
+                                    <p:animEffect transition="in" filter="fade">
+                                      <p:cBhvr>
+                                        <p:cTn id="7" dur="500"/>
+                                        <p:tgtEl>
+                                          <p:spTgt spid="89"/>
+                                        </p:tgtEl>
+                                      </p:cBhvr>
+                                    </p:animEffect>
+                                  </p:childTnLst>
+                                </p:cTn>
+                              </p:par>
+                            </p:childTnLst>
+                          </p:cTn>
+                        </p:par>
+                      </p:childTnLst>
+                    </p:cTn>
+                  </p:par>
+                  <p:par>
+                    <p:cTn id="8" fill="hold">
+                      <p:stCondLst>
+                        <p:cond delay="indefinite"/>
+                      </p:stCondLst>
+                      <p:childTnLst>
+                        <p:par>
+                          <p:cTn id="9" fill="hold">
+                            <p:stCondLst>
+                              <p:cond delay="0"/>
+                            </p:stCondLst>
+                            <p:childTnLst>
+                              <p:par>
+                                <p:cTn id="10" presetID="10" presetClass="entr" presetSubtype="0" fill="hold" grpId="0" nodeType="clickEffect">
+                                  <p:stCondLst>
+                                    <p:cond delay="0"/>
+                                  </p:stCondLst>
+                                  <p:childTnLst>
+                                    <p:set>
+                                      <p:cBhvr>
+                                        <p:cTn id="11" dur="1" fill="hold">
+                                          <p:stCondLst>
+                                            <p:cond delay="0"/>
+                                          </p:stCondLst>
+                                        </p:cTn>
+                                        <p:tgtEl>
+                                          <p:spTgt spid="11"/>
+                                        </p:tgtEl>
+                                        <p:attrNameLst>
+                                          <p:attrName>style.visibility</p:attrName>
+                                        </p:attrNameLst>
+                                      </p:cBhvr>
+                                      <p:to>
+                                        <p:strVal val="visible"/>
+                                      </p:to>
+                                    </p:set>
+                                    <p:animEffect transition="in" filter="fade">
+                                      <p:cBhvr>
+                                        <p:cTn id="12" dur="500"/>
+                                        <p:tgtEl>
+                                          <p:spTgt spid="11"/>
+                                        </p:tgtEl>
+                                      </p:cBhvr>
+                                    </p:animEffect>
+                                  </p:childTnLst>
+                                </p:cTn>
+                              </p:par>
+                              <p:par>
+                                <p:cTn id="13" presetID="10" presetClass="entr" presetSubtype="0" fill="hold" nodeType="withEffect">
+                                  <p:stCondLst>
+                                    <p:cond delay="0"/>
+                                  </p:stCondLst>
+                                  <p:childTnLst>
+                                    <p:set>
+                                      <p:cBhvr>
+                                        <p:cTn id="14" dur="1" fill="hold">
+                                          <p:stCondLst>
+                                            <p:cond delay="0"/>
+                                          </p:stCondLst>
+                                        </p:cTn>
+                                        <p:tgtEl>
+                                          <p:spTgt spid="5"/>
+                                        </p:tgtEl>
+                                        <p:attrNameLst>
+                                          <p:attrName>style.visibility</p:attrName>
+                                        </p:attrNameLst>
+                                      </p:cBhvr>
+                                      <p:to>
+                                        <p:strVal val="visible"/>
+                                      </p:to>
+                                    </p:set>
+                                    <p:animEffect transition="in" filter="fade">
+                                      <p:cBhvr>
+                                        <p:cTn id="15" dur="500"/>
+                                        <p:tgtEl>
+                                          <p:spTgt spid="5"/>
+                                        </p:tgtEl>
+                                      </p:cBhvr>
+                                    </p:animEffect>
+                                  </p:childTnLst>
+                                </p:cTn>
+                              </p:par>
+                            </p:childTnLst>
+                          </p:cTn>
+                        </p:par>
+                      </p:childTnLst>
+                    </p:cTn>
+                  </p:par>
+                  <p:par>
+                    <p:cTn id="16" fill="hold">
+                      <p:stCondLst>
+                        <p:cond delay="indefinite"/>
+                      </p:stCondLst>
+                      <p:childTnLst>
+                        <p:par>
+                          <p:cTn id="17" fill="hold">
+                            <p:stCondLst>
+                              <p:cond delay="0"/>
+                            </p:stCondLst>
+                            <p:childTnLst>
+                              <p:par>
+                                <p:cTn id="18" presetID="10" presetClass="entr" presetSubtype="0" fill="hold" grpId="0" nodeType="clickEffect">
+                                  <p:stCondLst>
+                                    <p:cond delay="0"/>
+                                  </p:stCondLst>
+                                  <p:childTnLst>
+                                    <p:set>
+                                      <p:cBhvr>
+                                        <p:cTn id="19" dur="1" fill="hold">
+                                          <p:stCondLst>
+                                            <p:cond delay="0"/>
+                                          </p:stCondLst>
+                                        </p:cTn>
+                                        <p:tgtEl>
+                                          <p:spTgt spid="12"/>
+                                        </p:tgtEl>
+                                        <p:attrNameLst>
+                                          <p:attrName>style.visibility</p:attrName>
+                                        </p:attrNameLst>
+                                      </p:cBhvr>
+                                      <p:to>
+                                        <p:strVal val="visible"/>
+                                      </p:to>
+                                    </p:set>
+                                    <p:animEffect transition="in" filter="fade">
+                                      <p:cBhvr>
+                                        <p:cTn id="20" dur="500"/>
+                                        <p:tgtEl>
+                                          <p:spTgt spid="12"/>
+                                        </p:tgtEl>
+                                      </p:cBhvr>
+                                    </p:animEffect>
+                                  </p:childTnLst>
+                                </p:cTn>
+                              </p:par>
+                              <p:par>
+                                <p:cTn id="21" presetID="10" presetClass="entr" presetSubtype="0" fill="hold" nodeType="withEffect">
+                                  <p:stCondLst>
+                                    <p:cond delay="0"/>
+                                  </p:stCondLst>
+                                  <p:childTnLst>
+                                    <p:set>
+                                      <p:cBhvr>
+                                        <p:cTn id="22" dur="1" fill="hold">
+                                          <p:stCondLst>
+                                            <p:cond delay="0"/>
+                                          </p:stCondLst>
+                                        </p:cTn>
+                                        <p:tgtEl>
+                                          <p:spTgt spid="7"/>
+                                        </p:tgtEl>
+                                        <p:attrNameLst>
+                                          <p:attrName>style.visibility</p:attrName>
+                                        </p:attrNameLst>
+                                      </p:cBhvr>
+                                      <p:to>
+                                        <p:strVal val="visible"/>
+                                      </p:to>
+                                    </p:set>
+                                    <p:animEffect transition="in" filter="fade">
+                                      <p:cBhvr>
+                                        <p:cTn id="23" dur="500"/>
+                                        <p:tgtEl>
+                                          <p:spTgt spid="7"/>
+                                        </p:tgtEl>
+                                      </p:cBhvr>
+                                    </p:animEffect>
+                                  </p:childTnLst>
+                                </p:cTn>
+                              </p:par>
+                            </p:childTnLst>
+                          </p:cTn>
+                        </p:par>
+                      </p:childTnLst>
+                    </p:cTn>
+                  </p:par>
+                  <p:par>
+                    <p:cTn id="24" fill="hold">
+                      <p:stCondLst>
+                        <p:cond delay="indefinite"/>
+                      </p:stCondLst>
+                      <p:childTnLst>
+                        <p:par>
+                          <p:cTn id="25" fill="hold">
+                            <p:stCondLst>
+                              <p:cond delay="0"/>
+                            </p:stCondLst>
+                            <p:childTnLst>
+                              <p:par>
+                                <p:cTn id="26" presetID="10" presetClass="entr" presetSubtype="0" fill="hold" grpId="0" nodeType="clickEffect">
+                                  <p:stCondLst>
+                                    <p:cond delay="0"/>
+                                  </p:stCondLst>
+                                  <p:childTnLst>
+                                    <p:set>
+                                      <p:cBhvr>
+                                        <p:cTn id="27" dur="1" fill="hold">
+                                          <p:stCondLst>
+                                            <p:cond delay="0"/>
+                                          </p:stCondLst>
+                                        </p:cTn>
+                                        <p:tgtEl>
+                                          <p:spTgt spid="13"/>
+                                        </p:tgtEl>
+                                        <p:attrNameLst>
+                                          <p:attrName>style.visibility</p:attrName>
+                                        </p:attrNameLst>
+                                      </p:cBhvr>
+                                      <p:to>
+                                        <p:strVal val="visible"/>
+                                      </p:to>
+                                    </p:set>
+                                    <p:animEffect transition="in" filter="fade">
+                                      <p:cBhvr>
+                                        <p:cTn id="28" dur="500"/>
+                                        <p:tgtEl>
+                                          <p:spTgt spid="13"/>
+                                        </p:tgtEl>
+                                      </p:cBhvr>
+                                    </p:animEffect>
+                                  </p:childTnLst>
+                                </p:cTn>
+                              </p:par>
+                              <p:par>
+                                <p:cTn id="29" presetID="10" presetClass="entr" presetSubtype="0" fill="hold" nodeType="withEffect">
+                                  <p:stCondLst>
+                                    <p:cond delay="0"/>
+                                  </p:stCondLst>
+                                  <p:childTnLst>
+                                    <p:set>
+                                      <p:cBhvr>
+                                        <p:cTn id="30" dur="1" fill="hold">
+                                          <p:stCondLst>
+                                            <p:cond delay="0"/>
+                                          </p:stCondLst>
+                                        </p:cTn>
+                                        <p:tgtEl>
+                                          <p:spTgt spid="15"/>
+                                        </p:tgtEl>
+                                        <p:attrNameLst>
+                                          <p:attrName>style.visibility</p:attrName>
+                                        </p:attrNameLst>
+                                      </p:cBhvr>
+                                      <p:to>
+                                        <p:strVal val="visible"/>
+                                      </p:to>
+                                    </p:set>
+                                    <p:animEffect transition="in" filter="fade">
+                                      <p:cBhvr>
+                                        <p:cTn id="31" dur="500"/>
+                                        <p:tgtEl>
+                                          <p:spTgt spid="15"/>
+                                        </p:tgtEl>
+                                      </p:cBhvr>
+                                    </p:animEffect>
+                                  </p:childTnLst>
+                                </p:cTn>
+                              </p:par>
+                            </p:childTnLst>
+                          </p:cTn>
+                        </p:par>
+                      </p:childTnLst>
+                    </p:cTn>
+                  </p:par>
+                  <p:par>
+                    <p:cTn id="32" fill="hold">
+                      <p:stCondLst>
+                        <p:cond delay="indefinite"/>
+                      </p:stCondLst>
+                      <p:childTnLst>
+                        <p:par>
+                          <p:cTn id="33" fill="hold">
+                            <p:stCondLst>
+                              <p:cond delay="0"/>
+                            </p:stCondLst>
+                            <p:childTnLst>
+                              <p:par>
+                                <p:cTn id="34" presetID="10" presetClass="entr" presetSubtype="0" fill="hold" grpId="0" nodeType="clickEffect">
+                                  <p:stCondLst>
+                                    <p:cond delay="0"/>
+                                  </p:stCondLst>
+                                  <p:childTnLst>
+                                    <p:set>
+                                      <p:cBhvr>
+                                        <p:cTn id="35" dur="1" fill="hold">
+                                          <p:stCondLst>
+                                            <p:cond delay="0"/>
+                                          </p:stCondLst>
+                                        </p:cTn>
+                                        <p:tgtEl>
+                                          <p:spTgt spid="14"/>
+                                        </p:tgtEl>
+                                        <p:attrNameLst>
+                                          <p:attrName>style.visibility</p:attrName>
+                                        </p:attrNameLst>
+                                      </p:cBhvr>
+                                      <p:to>
+                                        <p:strVal val="visible"/>
+                                      </p:to>
+                                    </p:set>
+                                    <p:animEffect transition="in" filter="fade">
+                                      <p:cBhvr>
+                                        <p:cTn id="36" dur="500"/>
+                                        <p:tgtEl>
+                                          <p:spTgt spid="14"/>
+                                        </p:tgtEl>
+                                      </p:cBhvr>
+                                    </p:animEffect>
+                                  </p:childTnLst>
+                                </p:cTn>
+                              </p:par>
+                              <p:par>
+                                <p:cTn id="37" presetID="10" presetClass="entr" presetSubtype="0" fill="hold" nodeType="withEffect">
+                                  <p:stCondLst>
+                                    <p:cond delay="0"/>
+                                  </p:stCondLst>
+                                  <p:childTnLst>
+                                    <p:set>
+                                      <p:cBhvr>
+                                        <p:cTn id="38" dur="1" fill="hold">
+                                          <p:stCondLst>
+                                            <p:cond delay="0"/>
+                                          </p:stCondLst>
+                                        </p:cTn>
+                                        <p:tgtEl>
+                                          <p:spTgt spid="9"/>
+                                        </p:tgtEl>
+                                        <p:attrNameLst>
+                                          <p:attrName>style.visibility</p:attrName>
+                                        </p:attrNameLst>
+                                      </p:cBhvr>
+                                      <p:to>
+                                        <p:strVal val="visible"/>
+                                      </p:to>
+                                    </p:set>
+                                    <p:animEffect transition="in" filter="fade">
+                                      <p:cBhvr>
+                                        <p:cTn id="39" dur="500"/>
+                                        <p:tgtEl>
+                                          <p:spTgt spid="9"/>
+                                        </p:tgtEl>
+                                      </p:cBhvr>
+                                    </p:animEffect>
+                                  </p:childTnLst>
+                                </p:cTn>
+                              </p:par>
+                            </p:childTnLst>
+                          </p:cTn>
+                        </p:par>
+                      </p:childTnLst>
+                    </p:cTn>
+                  </p:par>
+                </p:childTnLst>
+              </p:cTn>
+              <p:prevCondLst>
+                <p:cond evt="onPrev" delay="0">
+                  <p:tgtEl>
+                    <p:sldTgt/>
+                  </p:tgtEl>
+                </p:cond>
+              </p:prevCondLst>
+              <p:nextCondLst>
+                <p:cond evt="onNext" delay="0">
+                  <p:tgtEl>
+                    <p:sldTgt/>
+                  </p:tgtEl>
+                </p:cond>
+              </p:nextCondLst>
+            </p:seq>
+          </p:childTnLst>
+        </p:cTn>
+      </p:par>
+    </p:tnLst>
+    <p:bldLst>
+      <p:bldP spid="89" grpId="0"/>
+      <p:bldP spid="11" grpId="0"/>
+      <p:bldP spid="12" grpId="0"/>
+      <p:bldP spid="13" grpId="0"/>
+      <p:bldP spid="14" grpId="0"/>
+    </p:bldLst>
+  </p:timing>
+</p:sld>
+</file>
+
 <file path=ppt/theme/theme1.xml><?xml version="1.0" encoding="utf-8"?>
 <a:theme xmlns:a="http://schemas.openxmlformats.org/drawingml/2006/main" name="Olivia template">
   <a:themeElements>

--- a/materials/endOfSemseter.pptx
+++ b/materials/endOfSemseter.pptx
@@ -13850,970 +13850,6 @@
   <p:clrMapOvr>
     <a:masterClrMapping/>
   </p:clrMapOvr>
-  <p:timing>
-    <p:tnLst>
-      <p:par>
-        <p:cTn id="1" dur="indefinite" restart="never" nodeType="tmRoot">
-          <p:childTnLst>
-            <p:seq concurrent="1" nextAc="seek">
-              <p:cTn id="2" dur="indefinite" nodeType="mainSeq">
-                <p:childTnLst>
-                  <p:par>
-                    <p:cTn id="3" fill="hold">
-                      <p:stCondLst>
-                        <p:cond delay="indefinite"/>
-                        <p:cond evt="onBegin" delay="0">
-                          <p:tn val="2"/>
-                        </p:cond>
-                      </p:stCondLst>
-                      <p:childTnLst>
-                        <p:par>
-                          <p:cTn id="4" fill="hold">
-                            <p:stCondLst>
-                              <p:cond delay="0"/>
-                            </p:stCondLst>
-                            <p:childTnLst>
-                              <p:par>
-                                <p:cTn id="5" presetID="10" presetClass="entr" presetSubtype="0" fill="hold" grpId="0" nodeType="withEffect">
-                                  <p:stCondLst>
-                                    <p:cond delay="0"/>
-                                  </p:stCondLst>
-                                  <p:childTnLst>
-                                    <p:set>
-                                      <p:cBhvr>
-                                        <p:cTn id="6" dur="1" fill="hold">
-                                          <p:stCondLst>
-                                            <p:cond delay="0"/>
-                                          </p:stCondLst>
-                                        </p:cTn>
-                                        <p:tgtEl>
-                                          <p:spTgt spid="61"/>
-                                        </p:tgtEl>
-                                        <p:attrNameLst>
-                                          <p:attrName>style.visibility</p:attrName>
-                                        </p:attrNameLst>
-                                      </p:cBhvr>
-                                      <p:to>
-                                        <p:strVal val="visible"/>
-                                      </p:to>
-                                    </p:set>
-                                    <p:animEffect transition="in" filter="fade">
-                                      <p:cBhvr>
-                                        <p:cTn id="7" dur="500"/>
-                                        <p:tgtEl>
-                                          <p:spTgt spid="61"/>
-                                        </p:tgtEl>
-                                      </p:cBhvr>
-                                    </p:animEffect>
-                                  </p:childTnLst>
-                                </p:cTn>
-                              </p:par>
-                            </p:childTnLst>
-                          </p:cTn>
-                        </p:par>
-                      </p:childTnLst>
-                    </p:cTn>
-                  </p:par>
-                  <p:par>
-                    <p:cTn id="8" fill="hold">
-                      <p:stCondLst>
-                        <p:cond delay="indefinite"/>
-                      </p:stCondLst>
-                      <p:childTnLst>
-                        <p:par>
-                          <p:cTn id="9" fill="hold">
-                            <p:stCondLst>
-                              <p:cond delay="0"/>
-                            </p:stCondLst>
-                            <p:childTnLst>
-                              <p:par>
-                                <p:cTn id="10" presetID="10" presetClass="entr" presetSubtype="0" fill="hold" nodeType="clickEffect">
-                                  <p:stCondLst>
-                                    <p:cond delay="0"/>
-                                  </p:stCondLst>
-                                  <p:childTnLst>
-                                    <p:set>
-                                      <p:cBhvr>
-                                        <p:cTn id="11" dur="1" fill="hold">
-                                          <p:stCondLst>
-                                            <p:cond delay="0"/>
-                                          </p:stCondLst>
-                                        </p:cTn>
-                                        <p:tgtEl>
-                                          <p:spTgt spid="28"/>
-                                        </p:tgtEl>
-                                        <p:attrNameLst>
-                                          <p:attrName>style.visibility</p:attrName>
-                                        </p:attrNameLst>
-                                      </p:cBhvr>
-                                      <p:to>
-                                        <p:strVal val="visible"/>
-                                      </p:to>
-                                    </p:set>
-                                    <p:animEffect transition="in" filter="fade">
-                                      <p:cBhvr>
-                                        <p:cTn id="12" dur="500"/>
-                                        <p:tgtEl>
-                                          <p:spTgt spid="28"/>
-                                        </p:tgtEl>
-                                      </p:cBhvr>
-                                    </p:animEffect>
-                                  </p:childTnLst>
-                                </p:cTn>
-                              </p:par>
-                              <p:par>
-                                <p:cTn id="13" presetID="10" presetClass="entr" presetSubtype="0" fill="hold" grpId="0" nodeType="withEffect">
-                                  <p:stCondLst>
-                                    <p:cond delay="0"/>
-                                  </p:stCondLst>
-                                  <p:childTnLst>
-                                    <p:set>
-                                      <p:cBhvr>
-                                        <p:cTn id="14" dur="1" fill="hold">
-                                          <p:stCondLst>
-                                            <p:cond delay="0"/>
-                                          </p:stCondLst>
-                                        </p:cTn>
-                                        <p:tgtEl>
-                                          <p:spTgt spid="26"/>
-                                        </p:tgtEl>
-                                        <p:attrNameLst>
-                                          <p:attrName>style.visibility</p:attrName>
-                                        </p:attrNameLst>
-                                      </p:cBhvr>
-                                      <p:to>
-                                        <p:strVal val="visible"/>
-                                      </p:to>
-                                    </p:set>
-                                    <p:animEffect transition="in" filter="fade">
-                                      <p:cBhvr>
-                                        <p:cTn id="15" dur="500"/>
-                                        <p:tgtEl>
-                                          <p:spTgt spid="26"/>
-                                        </p:tgtEl>
-                                      </p:cBhvr>
-                                    </p:animEffect>
-                                  </p:childTnLst>
-                                </p:cTn>
-                              </p:par>
-                              <p:par>
-                                <p:cTn id="16" presetID="10" presetClass="entr" presetSubtype="0" fill="hold" grpId="0" nodeType="withEffect">
-                                  <p:stCondLst>
-                                    <p:cond delay="0"/>
-                                  </p:stCondLst>
-                                  <p:childTnLst>
-                                    <p:set>
-                                      <p:cBhvr>
-                                        <p:cTn id="17" dur="1" fill="hold">
-                                          <p:stCondLst>
-                                            <p:cond delay="0"/>
-                                          </p:stCondLst>
-                                        </p:cTn>
-                                        <p:tgtEl>
-                                          <p:spTgt spid="27"/>
-                                        </p:tgtEl>
-                                        <p:attrNameLst>
-                                          <p:attrName>style.visibility</p:attrName>
-                                        </p:attrNameLst>
-                                      </p:cBhvr>
-                                      <p:to>
-                                        <p:strVal val="visible"/>
-                                      </p:to>
-                                    </p:set>
-                                    <p:animEffect transition="in" filter="fade">
-                                      <p:cBhvr>
-                                        <p:cTn id="18" dur="500"/>
-                                        <p:tgtEl>
-                                          <p:spTgt spid="27"/>
-                                        </p:tgtEl>
-                                      </p:cBhvr>
-                                    </p:animEffect>
-                                  </p:childTnLst>
-                                </p:cTn>
-                              </p:par>
-                            </p:childTnLst>
-                          </p:cTn>
-                        </p:par>
-                      </p:childTnLst>
-                    </p:cTn>
-                  </p:par>
-                  <p:par>
-                    <p:cTn id="19" fill="hold">
-                      <p:stCondLst>
-                        <p:cond delay="indefinite"/>
-                      </p:stCondLst>
-                      <p:childTnLst>
-                        <p:par>
-                          <p:cTn id="20" fill="hold">
-                            <p:stCondLst>
-                              <p:cond delay="0"/>
-                            </p:stCondLst>
-                            <p:childTnLst>
-                              <p:par>
-                                <p:cTn id="21" presetID="10" presetClass="entr" presetSubtype="0" fill="hold" nodeType="clickEffect">
-                                  <p:stCondLst>
-                                    <p:cond delay="0"/>
-                                  </p:stCondLst>
-                                  <p:childTnLst>
-                                    <p:set>
-                                      <p:cBhvr>
-                                        <p:cTn id="22" dur="1" fill="hold">
-                                          <p:stCondLst>
-                                            <p:cond delay="0"/>
-                                          </p:stCondLst>
-                                        </p:cTn>
-                                        <p:tgtEl>
-                                          <p:spTgt spid="3"/>
-                                        </p:tgtEl>
-                                        <p:attrNameLst>
-                                          <p:attrName>style.visibility</p:attrName>
-                                        </p:attrNameLst>
-                                      </p:cBhvr>
-                                      <p:to>
-                                        <p:strVal val="visible"/>
-                                      </p:to>
-                                    </p:set>
-                                    <p:animEffect transition="in" filter="fade">
-                                      <p:cBhvr>
-                                        <p:cTn id="23" dur="500"/>
-                                        <p:tgtEl>
-                                          <p:spTgt spid="3"/>
-                                        </p:tgtEl>
-                                      </p:cBhvr>
-                                    </p:animEffect>
-                                  </p:childTnLst>
-                                </p:cTn>
-                              </p:par>
-                              <p:par>
-                                <p:cTn id="24" presetID="10" presetClass="entr" presetSubtype="0" fill="hold" grpId="0" nodeType="withEffect">
-                                  <p:stCondLst>
-                                    <p:cond delay="0"/>
-                                  </p:stCondLst>
-                                  <p:childTnLst>
-                                    <p:set>
-                                      <p:cBhvr>
-                                        <p:cTn id="25" dur="1" fill="hold">
-                                          <p:stCondLst>
-                                            <p:cond delay="0"/>
-                                          </p:stCondLst>
-                                        </p:cTn>
-                                        <p:tgtEl>
-                                          <p:spTgt spid="78"/>
-                                        </p:tgtEl>
-                                        <p:attrNameLst>
-                                          <p:attrName>style.visibility</p:attrName>
-                                        </p:attrNameLst>
-                                      </p:cBhvr>
-                                      <p:to>
-                                        <p:strVal val="visible"/>
-                                      </p:to>
-                                    </p:set>
-                                    <p:animEffect transition="in" filter="fade">
-                                      <p:cBhvr>
-                                        <p:cTn id="26" dur="500"/>
-                                        <p:tgtEl>
-                                          <p:spTgt spid="78"/>
-                                        </p:tgtEl>
-                                      </p:cBhvr>
-                                    </p:animEffect>
-                                  </p:childTnLst>
-                                </p:cTn>
-                              </p:par>
-                              <p:par>
-                                <p:cTn id="27" presetID="10" presetClass="entr" presetSubtype="0" fill="hold" grpId="0" nodeType="withEffect">
-                                  <p:stCondLst>
-                                    <p:cond delay="0"/>
-                                  </p:stCondLst>
-                                  <p:childTnLst>
-                                    <p:set>
-                                      <p:cBhvr>
-                                        <p:cTn id="28" dur="1" fill="hold">
-                                          <p:stCondLst>
-                                            <p:cond delay="0"/>
-                                          </p:stCondLst>
-                                        </p:cTn>
-                                        <p:tgtEl>
-                                          <p:spTgt spid="79"/>
-                                        </p:tgtEl>
-                                        <p:attrNameLst>
-                                          <p:attrName>style.visibility</p:attrName>
-                                        </p:attrNameLst>
-                                      </p:cBhvr>
-                                      <p:to>
-                                        <p:strVal val="visible"/>
-                                      </p:to>
-                                    </p:set>
-                                    <p:animEffect transition="in" filter="fade">
-                                      <p:cBhvr>
-                                        <p:cTn id="29" dur="500"/>
-                                        <p:tgtEl>
-                                          <p:spTgt spid="79"/>
-                                        </p:tgtEl>
-                                      </p:cBhvr>
-                                    </p:animEffect>
-                                  </p:childTnLst>
-                                </p:cTn>
-                              </p:par>
-                            </p:childTnLst>
-                          </p:cTn>
-                        </p:par>
-                      </p:childTnLst>
-                    </p:cTn>
-                  </p:par>
-                  <p:par>
-                    <p:cTn id="30" fill="hold">
-                      <p:stCondLst>
-                        <p:cond delay="indefinite"/>
-                      </p:stCondLst>
-                      <p:childTnLst>
-                        <p:par>
-                          <p:cTn id="31" fill="hold">
-                            <p:stCondLst>
-                              <p:cond delay="0"/>
-                            </p:stCondLst>
-                            <p:childTnLst>
-                              <p:par>
-                                <p:cTn id="32" presetID="10" presetClass="entr" presetSubtype="0" fill="hold" nodeType="clickEffect">
-                                  <p:stCondLst>
-                                    <p:cond delay="0"/>
-                                  </p:stCondLst>
-                                  <p:childTnLst>
-                                    <p:set>
-                                      <p:cBhvr>
-                                        <p:cTn id="33" dur="1" fill="hold">
-                                          <p:stCondLst>
-                                            <p:cond delay="0"/>
-                                          </p:stCondLst>
-                                        </p:cTn>
-                                        <p:tgtEl>
-                                          <p:spTgt spid="5"/>
-                                        </p:tgtEl>
-                                        <p:attrNameLst>
-                                          <p:attrName>style.visibility</p:attrName>
-                                        </p:attrNameLst>
-                                      </p:cBhvr>
-                                      <p:to>
-                                        <p:strVal val="visible"/>
-                                      </p:to>
-                                    </p:set>
-                                    <p:animEffect transition="in" filter="fade">
-                                      <p:cBhvr>
-                                        <p:cTn id="34" dur="500"/>
-                                        <p:tgtEl>
-                                          <p:spTgt spid="5"/>
-                                        </p:tgtEl>
-                                      </p:cBhvr>
-                                    </p:animEffect>
-                                  </p:childTnLst>
-                                </p:cTn>
-                              </p:par>
-                              <p:par>
-                                <p:cTn id="35" presetID="10" presetClass="entr" presetSubtype="0" fill="hold" grpId="0" nodeType="withEffect">
-                                  <p:stCondLst>
-                                    <p:cond delay="0"/>
-                                  </p:stCondLst>
-                                  <p:childTnLst>
-                                    <p:set>
-                                      <p:cBhvr>
-                                        <p:cTn id="36" dur="1" fill="hold">
-                                          <p:stCondLst>
-                                            <p:cond delay="0"/>
-                                          </p:stCondLst>
-                                        </p:cTn>
-                                        <p:tgtEl>
-                                          <p:spTgt spid="83"/>
-                                        </p:tgtEl>
-                                        <p:attrNameLst>
-                                          <p:attrName>style.visibility</p:attrName>
-                                        </p:attrNameLst>
-                                      </p:cBhvr>
-                                      <p:to>
-                                        <p:strVal val="visible"/>
-                                      </p:to>
-                                    </p:set>
-                                    <p:animEffect transition="in" filter="fade">
-                                      <p:cBhvr>
-                                        <p:cTn id="37" dur="500"/>
-                                        <p:tgtEl>
-                                          <p:spTgt spid="83"/>
-                                        </p:tgtEl>
-                                      </p:cBhvr>
-                                    </p:animEffect>
-                                  </p:childTnLst>
-                                </p:cTn>
-                              </p:par>
-                              <p:par>
-                                <p:cTn id="38" presetID="10" presetClass="entr" presetSubtype="0" fill="hold" grpId="0" nodeType="withEffect">
-                                  <p:stCondLst>
-                                    <p:cond delay="0"/>
-                                  </p:stCondLst>
-                                  <p:childTnLst>
-                                    <p:set>
-                                      <p:cBhvr>
-                                        <p:cTn id="39" dur="1" fill="hold">
-                                          <p:stCondLst>
-                                            <p:cond delay="0"/>
-                                          </p:stCondLst>
-                                        </p:cTn>
-                                        <p:tgtEl>
-                                          <p:spTgt spid="81"/>
-                                        </p:tgtEl>
-                                        <p:attrNameLst>
-                                          <p:attrName>style.visibility</p:attrName>
-                                        </p:attrNameLst>
-                                      </p:cBhvr>
-                                      <p:to>
-                                        <p:strVal val="visible"/>
-                                      </p:to>
-                                    </p:set>
-                                    <p:animEffect transition="in" filter="fade">
-                                      <p:cBhvr>
-                                        <p:cTn id="40" dur="500"/>
-                                        <p:tgtEl>
-                                          <p:spTgt spid="81"/>
-                                        </p:tgtEl>
-                                      </p:cBhvr>
-                                    </p:animEffect>
-                                  </p:childTnLst>
-                                </p:cTn>
-                              </p:par>
-                            </p:childTnLst>
-                          </p:cTn>
-                        </p:par>
-                      </p:childTnLst>
-                    </p:cTn>
-                  </p:par>
-                  <p:par>
-                    <p:cTn id="41" fill="hold">
-                      <p:stCondLst>
-                        <p:cond delay="indefinite"/>
-                      </p:stCondLst>
-                      <p:childTnLst>
-                        <p:par>
-                          <p:cTn id="42" fill="hold">
-                            <p:stCondLst>
-                              <p:cond delay="0"/>
-                            </p:stCondLst>
-                            <p:childTnLst>
-                              <p:par>
-                                <p:cTn id="43" presetID="10" presetClass="entr" presetSubtype="0" fill="hold" nodeType="clickEffect">
-                                  <p:stCondLst>
-                                    <p:cond delay="0"/>
-                                  </p:stCondLst>
-                                  <p:childTnLst>
-                                    <p:set>
-                                      <p:cBhvr>
-                                        <p:cTn id="44" dur="1" fill="hold">
-                                          <p:stCondLst>
-                                            <p:cond delay="0"/>
-                                          </p:stCondLst>
-                                        </p:cTn>
-                                        <p:tgtEl>
-                                          <p:spTgt spid="9"/>
-                                        </p:tgtEl>
-                                        <p:attrNameLst>
-                                          <p:attrName>style.visibility</p:attrName>
-                                        </p:attrNameLst>
-                                      </p:cBhvr>
-                                      <p:to>
-                                        <p:strVal val="visible"/>
-                                      </p:to>
-                                    </p:set>
-                                    <p:animEffect transition="in" filter="fade">
-                                      <p:cBhvr>
-                                        <p:cTn id="45" dur="500"/>
-                                        <p:tgtEl>
-                                          <p:spTgt spid="9"/>
-                                        </p:tgtEl>
-                                      </p:cBhvr>
-                                    </p:animEffect>
-                                  </p:childTnLst>
-                                </p:cTn>
-                              </p:par>
-                              <p:par>
-                                <p:cTn id="46" presetID="10" presetClass="entr" presetSubtype="0" fill="hold" grpId="0" nodeType="withEffect">
-                                  <p:stCondLst>
-                                    <p:cond delay="0"/>
-                                  </p:stCondLst>
-                                  <p:childTnLst>
-                                    <p:set>
-                                      <p:cBhvr>
-                                        <p:cTn id="47" dur="1" fill="hold">
-                                          <p:stCondLst>
-                                            <p:cond delay="0"/>
-                                          </p:stCondLst>
-                                        </p:cTn>
-                                        <p:tgtEl>
-                                          <p:spTgt spid="63"/>
-                                        </p:tgtEl>
-                                        <p:attrNameLst>
-                                          <p:attrName>style.visibility</p:attrName>
-                                        </p:attrNameLst>
-                                      </p:cBhvr>
-                                      <p:to>
-                                        <p:strVal val="visible"/>
-                                      </p:to>
-                                    </p:set>
-                                    <p:animEffect transition="in" filter="fade">
-                                      <p:cBhvr>
-                                        <p:cTn id="48" dur="500"/>
-                                        <p:tgtEl>
-                                          <p:spTgt spid="63"/>
-                                        </p:tgtEl>
-                                      </p:cBhvr>
-                                    </p:animEffect>
-                                  </p:childTnLst>
-                                </p:cTn>
-                              </p:par>
-                              <p:par>
-                                <p:cTn id="49" presetID="10" presetClass="entr" presetSubtype="0" fill="hold" grpId="0" nodeType="withEffect">
-                                  <p:stCondLst>
-                                    <p:cond delay="0"/>
-                                  </p:stCondLst>
-                                  <p:childTnLst>
-                                    <p:set>
-                                      <p:cBhvr>
-                                        <p:cTn id="50" dur="1" fill="hold">
-                                          <p:stCondLst>
-                                            <p:cond delay="0"/>
-                                          </p:stCondLst>
-                                        </p:cTn>
-                                        <p:tgtEl>
-                                          <p:spTgt spid="64"/>
-                                        </p:tgtEl>
-                                        <p:attrNameLst>
-                                          <p:attrName>style.visibility</p:attrName>
-                                        </p:attrNameLst>
-                                      </p:cBhvr>
-                                      <p:to>
-                                        <p:strVal val="visible"/>
-                                      </p:to>
-                                    </p:set>
-                                    <p:animEffect transition="in" filter="fade">
-                                      <p:cBhvr>
-                                        <p:cTn id="51" dur="500"/>
-                                        <p:tgtEl>
-                                          <p:spTgt spid="64"/>
-                                        </p:tgtEl>
-                                      </p:cBhvr>
-                                    </p:animEffect>
-                                  </p:childTnLst>
-                                </p:cTn>
-                              </p:par>
-                            </p:childTnLst>
-                          </p:cTn>
-                        </p:par>
-                      </p:childTnLst>
-                    </p:cTn>
-                  </p:par>
-                  <p:par>
-                    <p:cTn id="52" fill="hold">
-                      <p:stCondLst>
-                        <p:cond delay="indefinite"/>
-                      </p:stCondLst>
-                      <p:childTnLst>
-                        <p:par>
-                          <p:cTn id="53" fill="hold">
-                            <p:stCondLst>
-                              <p:cond delay="0"/>
-                            </p:stCondLst>
-                            <p:childTnLst>
-                              <p:par>
-                                <p:cTn id="54" presetID="10" presetClass="entr" presetSubtype="0" fill="hold" nodeType="clickEffect">
-                                  <p:stCondLst>
-                                    <p:cond delay="0"/>
-                                  </p:stCondLst>
-                                  <p:childTnLst>
-                                    <p:set>
-                                      <p:cBhvr>
-                                        <p:cTn id="55" dur="1" fill="hold">
-                                          <p:stCondLst>
-                                            <p:cond delay="0"/>
-                                          </p:stCondLst>
-                                        </p:cTn>
-                                        <p:tgtEl>
-                                          <p:spTgt spid="11"/>
-                                        </p:tgtEl>
-                                        <p:attrNameLst>
-                                          <p:attrName>style.visibility</p:attrName>
-                                        </p:attrNameLst>
-                                      </p:cBhvr>
-                                      <p:to>
-                                        <p:strVal val="visible"/>
-                                      </p:to>
-                                    </p:set>
-                                    <p:animEffect transition="in" filter="fade">
-                                      <p:cBhvr>
-                                        <p:cTn id="56" dur="500"/>
-                                        <p:tgtEl>
-                                          <p:spTgt spid="11"/>
-                                        </p:tgtEl>
-                                      </p:cBhvr>
-                                    </p:animEffect>
-                                  </p:childTnLst>
-                                </p:cTn>
-                              </p:par>
-                              <p:par>
-                                <p:cTn id="57" presetID="10" presetClass="entr" presetSubtype="0" fill="hold" grpId="0" nodeType="withEffect">
-                                  <p:stCondLst>
-                                    <p:cond delay="0"/>
-                                  </p:stCondLst>
-                                  <p:childTnLst>
-                                    <p:set>
-                                      <p:cBhvr>
-                                        <p:cTn id="58" dur="1" fill="hold">
-                                          <p:stCondLst>
-                                            <p:cond delay="0"/>
-                                          </p:stCondLst>
-                                        </p:cTn>
-                                        <p:tgtEl>
-                                          <p:spTgt spid="66"/>
-                                        </p:tgtEl>
-                                        <p:attrNameLst>
-                                          <p:attrName>style.visibility</p:attrName>
-                                        </p:attrNameLst>
-                                      </p:cBhvr>
-                                      <p:to>
-                                        <p:strVal val="visible"/>
-                                      </p:to>
-                                    </p:set>
-                                    <p:animEffect transition="in" filter="fade">
-                                      <p:cBhvr>
-                                        <p:cTn id="59" dur="500"/>
-                                        <p:tgtEl>
-                                          <p:spTgt spid="66"/>
-                                        </p:tgtEl>
-                                      </p:cBhvr>
-                                    </p:animEffect>
-                                  </p:childTnLst>
-                                </p:cTn>
-                              </p:par>
-                              <p:par>
-                                <p:cTn id="60" presetID="10" presetClass="entr" presetSubtype="0" fill="hold" grpId="0" nodeType="withEffect">
-                                  <p:stCondLst>
-                                    <p:cond delay="0"/>
-                                  </p:stCondLst>
-                                  <p:childTnLst>
-                                    <p:set>
-                                      <p:cBhvr>
-                                        <p:cTn id="61" dur="1" fill="hold">
-                                          <p:stCondLst>
-                                            <p:cond delay="0"/>
-                                          </p:stCondLst>
-                                        </p:cTn>
-                                        <p:tgtEl>
-                                          <p:spTgt spid="77"/>
-                                        </p:tgtEl>
-                                        <p:attrNameLst>
-                                          <p:attrName>style.visibility</p:attrName>
-                                        </p:attrNameLst>
-                                      </p:cBhvr>
-                                      <p:to>
-                                        <p:strVal val="visible"/>
-                                      </p:to>
-                                    </p:set>
-                                    <p:animEffect transition="in" filter="fade">
-                                      <p:cBhvr>
-                                        <p:cTn id="62" dur="500"/>
-                                        <p:tgtEl>
-                                          <p:spTgt spid="77"/>
-                                        </p:tgtEl>
-                                      </p:cBhvr>
-                                    </p:animEffect>
-                                  </p:childTnLst>
-                                </p:cTn>
-                              </p:par>
-                            </p:childTnLst>
-                          </p:cTn>
-                        </p:par>
-                      </p:childTnLst>
-                    </p:cTn>
-                  </p:par>
-                  <p:par>
-                    <p:cTn id="63" fill="hold">
-                      <p:stCondLst>
-                        <p:cond delay="indefinite"/>
-                      </p:stCondLst>
-                      <p:childTnLst>
-                        <p:par>
-                          <p:cTn id="64" fill="hold">
-                            <p:stCondLst>
-                              <p:cond delay="0"/>
-                            </p:stCondLst>
-                            <p:childTnLst>
-                              <p:par>
-                                <p:cTn id="65" presetID="10" presetClass="entr" presetSubtype="0" fill="hold" nodeType="clickEffect">
-                                  <p:stCondLst>
-                                    <p:cond delay="0"/>
-                                  </p:stCondLst>
-                                  <p:childTnLst>
-                                    <p:set>
-                                      <p:cBhvr>
-                                        <p:cTn id="66" dur="1" fill="hold">
-                                          <p:stCondLst>
-                                            <p:cond delay="0"/>
-                                          </p:stCondLst>
-                                        </p:cTn>
-                                        <p:tgtEl>
-                                          <p:spTgt spid="13"/>
-                                        </p:tgtEl>
-                                        <p:attrNameLst>
-                                          <p:attrName>style.visibility</p:attrName>
-                                        </p:attrNameLst>
-                                      </p:cBhvr>
-                                      <p:to>
-                                        <p:strVal val="visible"/>
-                                      </p:to>
-                                    </p:set>
-                                    <p:animEffect transition="in" filter="fade">
-                                      <p:cBhvr>
-                                        <p:cTn id="67" dur="500"/>
-                                        <p:tgtEl>
-                                          <p:spTgt spid="13"/>
-                                        </p:tgtEl>
-                                      </p:cBhvr>
-                                    </p:animEffect>
-                                  </p:childTnLst>
-                                </p:cTn>
-                              </p:par>
-                              <p:par>
-                                <p:cTn id="68" presetID="10" presetClass="entr" presetSubtype="0" fill="hold" grpId="0" nodeType="withEffect">
-                                  <p:stCondLst>
-                                    <p:cond delay="0"/>
-                                  </p:stCondLst>
-                                  <p:childTnLst>
-                                    <p:set>
-                                      <p:cBhvr>
-                                        <p:cTn id="69" dur="1" fill="hold">
-                                          <p:stCondLst>
-                                            <p:cond delay="0"/>
-                                          </p:stCondLst>
-                                        </p:cTn>
-                                        <p:tgtEl>
-                                          <p:spTgt spid="68"/>
-                                        </p:tgtEl>
-                                        <p:attrNameLst>
-                                          <p:attrName>style.visibility</p:attrName>
-                                        </p:attrNameLst>
-                                      </p:cBhvr>
-                                      <p:to>
-                                        <p:strVal val="visible"/>
-                                      </p:to>
-                                    </p:set>
-                                    <p:animEffect transition="in" filter="fade">
-                                      <p:cBhvr>
-                                        <p:cTn id="70" dur="500"/>
-                                        <p:tgtEl>
-                                          <p:spTgt spid="68"/>
-                                        </p:tgtEl>
-                                      </p:cBhvr>
-                                    </p:animEffect>
-                                  </p:childTnLst>
-                                </p:cTn>
-                              </p:par>
-                              <p:par>
-                                <p:cTn id="71" presetID="10" presetClass="entr" presetSubtype="0" fill="hold" grpId="0" nodeType="withEffect">
-                                  <p:stCondLst>
-                                    <p:cond delay="0"/>
-                                  </p:stCondLst>
-                                  <p:childTnLst>
-                                    <p:set>
-                                      <p:cBhvr>
-                                        <p:cTn id="72" dur="1" fill="hold">
-                                          <p:stCondLst>
-                                            <p:cond delay="0"/>
-                                          </p:stCondLst>
-                                        </p:cTn>
-                                        <p:tgtEl>
-                                          <p:spTgt spid="69"/>
-                                        </p:tgtEl>
-                                        <p:attrNameLst>
-                                          <p:attrName>style.visibility</p:attrName>
-                                        </p:attrNameLst>
-                                      </p:cBhvr>
-                                      <p:to>
-                                        <p:strVal val="visible"/>
-                                      </p:to>
-                                    </p:set>
-                                    <p:animEffect transition="in" filter="fade">
-                                      <p:cBhvr>
-                                        <p:cTn id="73" dur="500"/>
-                                        <p:tgtEl>
-                                          <p:spTgt spid="69"/>
-                                        </p:tgtEl>
-                                      </p:cBhvr>
-                                    </p:animEffect>
-                                  </p:childTnLst>
-                                </p:cTn>
-                              </p:par>
-                            </p:childTnLst>
-                          </p:cTn>
-                        </p:par>
-                      </p:childTnLst>
-                    </p:cTn>
-                  </p:par>
-                  <p:par>
-                    <p:cTn id="74" fill="hold">
-                      <p:stCondLst>
-                        <p:cond delay="indefinite"/>
-                      </p:stCondLst>
-                      <p:childTnLst>
-                        <p:par>
-                          <p:cTn id="75" fill="hold">
-                            <p:stCondLst>
-                              <p:cond delay="0"/>
-                            </p:stCondLst>
-                            <p:childTnLst>
-                              <p:par>
-                                <p:cTn id="76" presetID="10" presetClass="entr" presetSubtype="0" fill="hold" nodeType="clickEffect">
-                                  <p:stCondLst>
-                                    <p:cond delay="0"/>
-                                  </p:stCondLst>
-                                  <p:childTnLst>
-                                    <p:set>
-                                      <p:cBhvr>
-                                        <p:cTn id="77" dur="1" fill="hold">
-                                          <p:stCondLst>
-                                            <p:cond delay="0"/>
-                                          </p:stCondLst>
-                                        </p:cTn>
-                                        <p:tgtEl>
-                                          <p:spTgt spid="15"/>
-                                        </p:tgtEl>
-                                        <p:attrNameLst>
-                                          <p:attrName>style.visibility</p:attrName>
-                                        </p:attrNameLst>
-                                      </p:cBhvr>
-                                      <p:to>
-                                        <p:strVal val="visible"/>
-                                      </p:to>
-                                    </p:set>
-                                    <p:animEffect transition="in" filter="fade">
-                                      <p:cBhvr>
-                                        <p:cTn id="78" dur="500"/>
-                                        <p:tgtEl>
-                                          <p:spTgt spid="15"/>
-                                        </p:tgtEl>
-                                      </p:cBhvr>
-                                    </p:animEffect>
-                                  </p:childTnLst>
-                                </p:cTn>
-                              </p:par>
-                              <p:par>
-                                <p:cTn id="79" presetID="10" presetClass="entr" presetSubtype="0" fill="hold" grpId="0" nodeType="withEffect">
-                                  <p:stCondLst>
-                                    <p:cond delay="0"/>
-                                  </p:stCondLst>
-                                  <p:childTnLst>
-                                    <p:set>
-                                      <p:cBhvr>
-                                        <p:cTn id="80" dur="1" fill="hold">
-                                          <p:stCondLst>
-                                            <p:cond delay="0"/>
-                                          </p:stCondLst>
-                                        </p:cTn>
-                                        <p:tgtEl>
-                                          <p:spTgt spid="71"/>
-                                        </p:tgtEl>
-                                        <p:attrNameLst>
-                                          <p:attrName>style.visibility</p:attrName>
-                                        </p:attrNameLst>
-                                      </p:cBhvr>
-                                      <p:to>
-                                        <p:strVal val="visible"/>
-                                      </p:to>
-                                    </p:set>
-                                    <p:animEffect transition="in" filter="fade">
-                                      <p:cBhvr>
-                                        <p:cTn id="81" dur="500"/>
-                                        <p:tgtEl>
-                                          <p:spTgt spid="71"/>
-                                        </p:tgtEl>
-                                      </p:cBhvr>
-                                    </p:animEffect>
-                                  </p:childTnLst>
-                                </p:cTn>
-                              </p:par>
-                              <p:par>
-                                <p:cTn id="82" presetID="10" presetClass="entr" presetSubtype="0" fill="hold" grpId="0" nodeType="withEffect">
-                                  <p:stCondLst>
-                                    <p:cond delay="0"/>
-                                  </p:stCondLst>
-                                  <p:childTnLst>
-                                    <p:set>
-                                      <p:cBhvr>
-                                        <p:cTn id="83" dur="1" fill="hold">
-                                          <p:stCondLst>
-                                            <p:cond delay="0"/>
-                                          </p:stCondLst>
-                                        </p:cTn>
-                                        <p:tgtEl>
-                                          <p:spTgt spid="72"/>
-                                        </p:tgtEl>
-                                        <p:attrNameLst>
-                                          <p:attrName>style.visibility</p:attrName>
-                                        </p:attrNameLst>
-                                      </p:cBhvr>
-                                      <p:to>
-                                        <p:strVal val="visible"/>
-                                      </p:to>
-                                    </p:set>
-                                    <p:animEffect transition="in" filter="fade">
-                                      <p:cBhvr>
-                                        <p:cTn id="84" dur="500"/>
-                                        <p:tgtEl>
-                                          <p:spTgt spid="72"/>
-                                        </p:tgtEl>
-                                      </p:cBhvr>
-                                    </p:animEffect>
-                                  </p:childTnLst>
-                                </p:cTn>
-                              </p:par>
-                            </p:childTnLst>
-                          </p:cTn>
-                        </p:par>
-                      </p:childTnLst>
-                    </p:cTn>
-                  </p:par>
-                </p:childTnLst>
-              </p:cTn>
-              <p:prevCondLst>
-                <p:cond evt="onPrev" delay="0">
-                  <p:tgtEl>
-                    <p:sldTgt/>
-                  </p:tgtEl>
-                </p:cond>
-              </p:prevCondLst>
-              <p:nextCondLst>
-                <p:cond evt="onNext" delay="0">
-                  <p:tgtEl>
-                    <p:sldTgt/>
-                  </p:tgtEl>
-                </p:cond>
-              </p:nextCondLst>
-            </p:seq>
-          </p:childTnLst>
-        </p:cTn>
-      </p:par>
-    </p:tnLst>
-    <p:bldLst>
-      <p:bldP spid="61" grpId="0"/>
-      <p:bldP spid="63" grpId="0" animBg="1"/>
-      <p:bldP spid="64" grpId="0"/>
-      <p:bldP spid="66" grpId="0"/>
-      <p:bldP spid="68" grpId="0" animBg="1"/>
-      <p:bldP spid="69" grpId="0"/>
-      <p:bldP spid="71" grpId="0" animBg="1"/>
-      <p:bldP spid="72" grpId="0"/>
-      <p:bldP spid="77" grpId="0" animBg="1"/>
-      <p:bldP spid="78" grpId="0" animBg="1"/>
-      <p:bldP spid="79" grpId="0"/>
-      <p:bldP spid="81" grpId="0"/>
-      <p:bldP spid="83" grpId="0" animBg="1"/>
-      <p:bldP spid="26" grpId="0" animBg="1"/>
-      <p:bldP spid="27" grpId="0"/>
-    </p:bldLst>
-  </p:timing>
 </p:sld>
 </file>
 

--- a/materials/endOfSemseter.pptx
+++ b/materials/endOfSemseter.pptx
@@ -5,7 +5,7 @@
     <p:sldMasterId id="2147483656" r:id="rId1"/>
   </p:sldMasterIdLst>
   <p:notesMasterIdLst>
-    <p:notesMasterId r:id="rId16"/>
+    <p:notesMasterId r:id="rId17"/>
   </p:notesMasterIdLst>
   <p:sldIdLst>
     <p:sldId id="256" r:id="rId2"/>
@@ -15,13 +15,14 @@
     <p:sldId id="307" r:id="rId6"/>
     <p:sldId id="326" r:id="rId7"/>
     <p:sldId id="308" r:id="rId8"/>
-    <p:sldId id="310" r:id="rId9"/>
-    <p:sldId id="324" r:id="rId10"/>
-    <p:sldId id="323" r:id="rId11"/>
-    <p:sldId id="318" r:id="rId12"/>
-    <p:sldId id="319" r:id="rId13"/>
-    <p:sldId id="320" r:id="rId14"/>
-    <p:sldId id="306" r:id="rId15"/>
+    <p:sldId id="327" r:id="rId9"/>
+    <p:sldId id="310" r:id="rId10"/>
+    <p:sldId id="324" r:id="rId11"/>
+    <p:sldId id="323" r:id="rId12"/>
+    <p:sldId id="318" r:id="rId13"/>
+    <p:sldId id="319" r:id="rId14"/>
+    <p:sldId id="320" r:id="rId15"/>
+    <p:sldId id="306" r:id="rId16"/>
   </p:sldIdLst>
   <p:sldSz cx="9144000" cy="5143500" type="screen16x9"/>
   <p:notesSz cx="6858000" cy="9144000"/>
@@ -873,6 +874,134 @@
     </p:spTree>
     <p:extLst>
       <p:ext uri="{BB962C8B-B14F-4D97-AF65-F5344CB8AC3E}">
+        <p14:creationId xmlns:p14="http://schemas.microsoft.com/office/powerpoint/2010/main" val="3371188739"/>
+      </p:ext>
+    </p:extLst>
+  </p:cSld>
+  <p:clrMapOvr>
+    <a:masterClrMapping/>
+  </p:clrMapOvr>
+</p:notes>
+</file>
+
+<file path=ppt/notesSlides/notesSlide11.xml><?xml version="1.0" encoding="utf-8"?>
+<p:notes xmlns:a="http://schemas.openxmlformats.org/drawingml/2006/main" xmlns:r="http://schemas.openxmlformats.org/officeDocument/2006/relationships" xmlns:p="http://schemas.openxmlformats.org/presentationml/2006/main" showMasterSp="0" showMasterPhAnim="0">
+  <p:cSld>
+    <p:spTree>
+      <p:nvGrpSpPr>
+        <p:cNvPr id="1" name="Shape 85"/>
+        <p:cNvGrpSpPr/>
+        <p:nvPr/>
+      </p:nvGrpSpPr>
+      <p:grpSpPr>
+        <a:xfrm>
+          <a:off x="0" y="0"/>
+          <a:ext cx="0" cy="0"/>
+          <a:chOff x="0" y="0"/>
+          <a:chExt cx="0" cy="0"/>
+        </a:xfrm>
+      </p:grpSpPr>
+      <p:sp>
+        <p:nvSpPr>
+          <p:cNvPr id="86" name="Shape 86"/>
+          <p:cNvSpPr>
+            <a:spLocks noGrp="1" noRot="1" noChangeAspect="1"/>
+          </p:cNvSpPr>
+          <p:nvPr>
+            <p:ph type="sldImg" idx="2"/>
+          </p:nvPr>
+        </p:nvSpPr>
+        <p:spPr>
+          <a:xfrm>
+            <a:off x="381000" y="685800"/>
+            <a:ext cx="6096000" cy="3429000"/>
+          </a:xfrm>
+          <a:custGeom>
+            <a:avLst/>
+            <a:gdLst/>
+            <a:ahLst/>
+            <a:cxnLst/>
+            <a:rect l="0" t="0" r="0" b="0"/>
+            <a:pathLst>
+              <a:path w="120000" h="120000" extrusionOk="0">
+                <a:moveTo>
+                  <a:pt x="0" y="0"/>
+                </a:moveTo>
+                <a:lnTo>
+                  <a:pt x="120000" y="0"/>
+                </a:lnTo>
+                <a:lnTo>
+                  <a:pt x="120000" y="120000"/>
+                </a:lnTo>
+                <a:lnTo>
+                  <a:pt x="0" y="120000"/>
+                </a:lnTo>
+                <a:close/>
+              </a:path>
+            </a:pathLst>
+          </a:custGeom>
+          <a:noFill/>
+          <a:ln w="9525" cap="flat" cmpd="sng">
+            <a:solidFill>
+              <a:srgbClr val="000000"/>
+            </a:solidFill>
+            <a:prstDash val="solid"/>
+            <a:round/>
+            <a:headEnd type="none" w="med" len="med"/>
+            <a:tailEnd type="none" w="med" len="med"/>
+          </a:ln>
+        </p:spPr>
+      </p:sp>
+      <p:sp>
+        <p:nvSpPr>
+          <p:cNvPr id="87" name="Shape 87"/>
+          <p:cNvSpPr txBox="1">
+            <a:spLocks noGrp="1"/>
+          </p:cNvSpPr>
+          <p:nvPr>
+            <p:ph type="body" idx="1"/>
+          </p:nvPr>
+        </p:nvSpPr>
+        <p:spPr>
+          <a:xfrm>
+            <a:off x="685800" y="4343400"/>
+            <a:ext cx="5486400" cy="4114800"/>
+          </a:xfrm>
+          <a:prstGeom prst="rect">
+            <a:avLst/>
+          </a:prstGeom>
+          <a:noFill/>
+          <a:ln>
+            <a:noFill/>
+          </a:ln>
+        </p:spPr>
+        <p:txBody>
+          <a:bodyPr wrap="square" lIns="91425" tIns="91425" rIns="91425" bIns="91425" anchor="t" anchorCtr="0">
+            <a:noAutofit/>
+          </a:bodyPr>
+          <a:lstStyle/>
+          <a:p>
+            <a:pPr lvl="0" indent="-88899" rtl="0">
+              <a:spcBef>
+                <a:spcPts val="0"/>
+              </a:spcBef>
+              <a:buClr>
+                <a:schemeClr val="dk1"/>
+              </a:buClr>
+              <a:buSzPts val="1400"/>
+              <a:buFont typeface="Arial"/>
+              <a:buNone/>
+            </a:pPr>
+            <a:r>
+              <a:rPr lang="iw-IL"/>
+              <a:t>We would like to take the time in this meeting and go through Servi mobile and web application as well as discuss go to market strategies development and business milestones and other financial aspects. If you have any more topics you would like to raise feel free to do so.</a:t>
+            </a:r>
+          </a:p>
+        </p:txBody>
+      </p:sp>
+    </p:spTree>
+    <p:extLst>
+      <p:ext uri="{BB962C8B-B14F-4D97-AF65-F5344CB8AC3E}">
         <p14:creationId xmlns:p14="http://schemas.microsoft.com/office/powerpoint/2010/main" val="3905525616"/>
       </p:ext>
     </p:extLst>
@@ -883,7 +1012,7 @@
 </p:notes>
 </file>
 
-<file path=ppt/notesSlides/notesSlide11.xml><?xml version="1.0" encoding="utf-8"?>
+<file path=ppt/notesSlides/notesSlide12.xml><?xml version="1.0" encoding="utf-8"?>
 <p:notes xmlns:a="http://schemas.openxmlformats.org/drawingml/2006/main" xmlns:r="http://schemas.openxmlformats.org/officeDocument/2006/relationships" xmlns:p="http://schemas.openxmlformats.org/presentationml/2006/main" showMasterSp="0" showMasterPhAnim="0">
   <p:cSld>
     <p:spTree>
@@ -1011,7 +1140,7 @@
 </p:notes>
 </file>
 
-<file path=ppt/notesSlides/notesSlide12.xml><?xml version="1.0" encoding="utf-8"?>
+<file path=ppt/notesSlides/notesSlide13.xml><?xml version="1.0" encoding="utf-8"?>
 <p:notes xmlns:a="http://schemas.openxmlformats.org/drawingml/2006/main" xmlns:r="http://schemas.openxmlformats.org/officeDocument/2006/relationships" xmlns:p="http://schemas.openxmlformats.org/presentationml/2006/main" showMasterSp="0" showMasterPhAnim="0">
   <p:cSld>
     <p:spTree>
@@ -1139,7 +1268,7 @@
 </p:notes>
 </file>
 
-<file path=ppt/notesSlides/notesSlide13.xml><?xml version="1.0" encoding="utf-8"?>
+<file path=ppt/notesSlides/notesSlide14.xml><?xml version="1.0" encoding="utf-8"?>
 <p:notes xmlns:a="http://schemas.openxmlformats.org/drawingml/2006/main" xmlns:r="http://schemas.openxmlformats.org/officeDocument/2006/relationships" xmlns:p="http://schemas.openxmlformats.org/presentationml/2006/main" showMasterSp="0" showMasterPhAnim="0">
   <p:cSld>
     <p:spTree>
@@ -2054,6 +2183,139 @@
   <p:cSld>
     <p:spTree>
       <p:nvGrpSpPr>
+        <p:cNvPr id="1" name="Shape 112"/>
+        <p:cNvGrpSpPr/>
+        <p:nvPr/>
+      </p:nvGrpSpPr>
+      <p:grpSpPr>
+        <a:xfrm>
+          <a:off x="0" y="0"/>
+          <a:ext cx="0" cy="0"/>
+          <a:chOff x="0" y="0"/>
+          <a:chExt cx="0" cy="0"/>
+        </a:xfrm>
+      </p:grpSpPr>
+      <p:sp>
+        <p:nvSpPr>
+          <p:cNvPr id="113" name="Shape 113"/>
+          <p:cNvSpPr>
+            <a:spLocks noGrp="1" noRot="1" noChangeAspect="1"/>
+          </p:cNvSpPr>
+          <p:nvPr>
+            <p:ph type="sldImg" idx="2"/>
+          </p:nvPr>
+        </p:nvSpPr>
+        <p:spPr>
+          <a:xfrm>
+            <a:off x="381000" y="685800"/>
+            <a:ext cx="6096000" cy="3429000"/>
+          </a:xfrm>
+          <a:custGeom>
+            <a:avLst/>
+            <a:gdLst/>
+            <a:ahLst/>
+            <a:cxnLst/>
+            <a:rect l="0" t="0" r="0" b="0"/>
+            <a:pathLst>
+              <a:path w="120000" h="120000" extrusionOk="0">
+                <a:moveTo>
+                  <a:pt x="0" y="0"/>
+                </a:moveTo>
+                <a:lnTo>
+                  <a:pt x="120000" y="0"/>
+                </a:lnTo>
+                <a:lnTo>
+                  <a:pt x="120000" y="120000"/>
+                </a:lnTo>
+                <a:lnTo>
+                  <a:pt x="0" y="120000"/>
+                </a:lnTo>
+                <a:close/>
+              </a:path>
+            </a:pathLst>
+          </a:custGeom>
+          <a:noFill/>
+          <a:ln w="9525" cap="flat" cmpd="sng">
+            <a:solidFill>
+              <a:srgbClr val="000000"/>
+            </a:solidFill>
+            <a:prstDash val="solid"/>
+            <a:round/>
+            <a:headEnd type="none" w="med" len="med"/>
+            <a:tailEnd type="none" w="med" len="med"/>
+          </a:ln>
+        </p:spPr>
+      </p:sp>
+      <p:sp>
+        <p:nvSpPr>
+          <p:cNvPr id="114" name="Shape 114"/>
+          <p:cNvSpPr txBox="1">
+            <a:spLocks noGrp="1"/>
+          </p:cNvSpPr>
+          <p:nvPr>
+            <p:ph type="body" idx="1"/>
+          </p:nvPr>
+        </p:nvSpPr>
+        <p:spPr>
+          <a:xfrm>
+            <a:off x="685800" y="4343400"/>
+            <a:ext cx="5486400" cy="4114800"/>
+          </a:xfrm>
+          <a:prstGeom prst="rect">
+            <a:avLst/>
+          </a:prstGeom>
+          <a:noFill/>
+          <a:ln>
+            <a:noFill/>
+          </a:ln>
+        </p:spPr>
+        <p:txBody>
+          <a:bodyPr wrap="square" lIns="91425" tIns="91425" rIns="91425" bIns="91425" anchor="t" anchorCtr="0">
+            <a:noAutofit/>
+          </a:bodyPr>
+          <a:lstStyle/>
+          <a:p>
+            <a:pPr marL="0" marR="0" lvl="0" indent="-88899" algn="r" rtl="1">
+              <a:spcBef>
+                <a:spcPts val="0"/>
+              </a:spcBef>
+              <a:buClr>
+                <a:schemeClr val="dk1"/>
+              </a:buClr>
+              <a:buSzPts val="1400"/>
+              <a:buFont typeface="Arial"/>
+              <a:buNone/>
+            </a:pPr>
+            <a:endParaRPr sz="1100" b="0" i="0" u="none" strike="noStrike" cap="none">
+              <a:solidFill>
+                <a:schemeClr val="dk1"/>
+              </a:solidFill>
+              <a:latin typeface="Arial"/>
+              <a:ea typeface="Arial"/>
+              <a:cs typeface="Arial"/>
+              <a:sym typeface="Arial"/>
+            </a:endParaRPr>
+          </a:p>
+        </p:txBody>
+      </p:sp>
+    </p:spTree>
+    <p:extLst>
+      <p:ext uri="{BB962C8B-B14F-4D97-AF65-F5344CB8AC3E}">
+        <p14:creationId xmlns:p14="http://schemas.microsoft.com/office/powerpoint/2010/main" val="3059466959"/>
+      </p:ext>
+    </p:extLst>
+  </p:cSld>
+  <p:clrMapOvr>
+    <a:masterClrMapping/>
+  </p:clrMapOvr>
+</p:notes>
+</file>
+
+<file path=ppt/notesSlides/notesSlide9.xml><?xml version="1.0" encoding="utf-8"?>
+<p:notes xmlns:a="http://schemas.openxmlformats.org/drawingml/2006/main" xmlns:r="http://schemas.openxmlformats.org/officeDocument/2006/relationships" xmlns:p="http://schemas.openxmlformats.org/presentationml/2006/main" showMasterSp="0" showMasterPhAnim="0">
+  <p:cSld>
+    <p:spTree>
+      <p:nvGrpSpPr>
         <p:cNvPr id="1" name="Shape 589"/>
         <p:cNvGrpSpPr/>
         <p:nvPr/>
@@ -2173,134 +2435,6 @@
     <p:extLst>
       <p:ext uri="{BB962C8B-B14F-4D97-AF65-F5344CB8AC3E}">
         <p14:creationId xmlns:p14="http://schemas.microsoft.com/office/powerpoint/2010/main" val="1286327476"/>
-      </p:ext>
-    </p:extLst>
-  </p:cSld>
-  <p:clrMapOvr>
-    <a:masterClrMapping/>
-  </p:clrMapOvr>
-</p:notes>
-</file>
-
-<file path=ppt/notesSlides/notesSlide9.xml><?xml version="1.0" encoding="utf-8"?>
-<p:notes xmlns:a="http://schemas.openxmlformats.org/drawingml/2006/main" xmlns:r="http://schemas.openxmlformats.org/officeDocument/2006/relationships" xmlns:p="http://schemas.openxmlformats.org/presentationml/2006/main" showMasterSp="0" showMasterPhAnim="0">
-  <p:cSld>
-    <p:spTree>
-      <p:nvGrpSpPr>
-        <p:cNvPr id="1" name="Shape 85"/>
-        <p:cNvGrpSpPr/>
-        <p:nvPr/>
-      </p:nvGrpSpPr>
-      <p:grpSpPr>
-        <a:xfrm>
-          <a:off x="0" y="0"/>
-          <a:ext cx="0" cy="0"/>
-          <a:chOff x="0" y="0"/>
-          <a:chExt cx="0" cy="0"/>
-        </a:xfrm>
-      </p:grpSpPr>
-      <p:sp>
-        <p:nvSpPr>
-          <p:cNvPr id="86" name="Shape 86"/>
-          <p:cNvSpPr>
-            <a:spLocks noGrp="1" noRot="1" noChangeAspect="1"/>
-          </p:cNvSpPr>
-          <p:nvPr>
-            <p:ph type="sldImg" idx="2"/>
-          </p:nvPr>
-        </p:nvSpPr>
-        <p:spPr>
-          <a:xfrm>
-            <a:off x="381000" y="685800"/>
-            <a:ext cx="6096000" cy="3429000"/>
-          </a:xfrm>
-          <a:custGeom>
-            <a:avLst/>
-            <a:gdLst/>
-            <a:ahLst/>
-            <a:cxnLst/>
-            <a:rect l="0" t="0" r="0" b="0"/>
-            <a:pathLst>
-              <a:path w="120000" h="120000" extrusionOk="0">
-                <a:moveTo>
-                  <a:pt x="0" y="0"/>
-                </a:moveTo>
-                <a:lnTo>
-                  <a:pt x="120000" y="0"/>
-                </a:lnTo>
-                <a:lnTo>
-                  <a:pt x="120000" y="120000"/>
-                </a:lnTo>
-                <a:lnTo>
-                  <a:pt x="0" y="120000"/>
-                </a:lnTo>
-                <a:close/>
-              </a:path>
-            </a:pathLst>
-          </a:custGeom>
-          <a:noFill/>
-          <a:ln w="9525" cap="flat" cmpd="sng">
-            <a:solidFill>
-              <a:srgbClr val="000000"/>
-            </a:solidFill>
-            <a:prstDash val="solid"/>
-            <a:round/>
-            <a:headEnd type="none" w="med" len="med"/>
-            <a:tailEnd type="none" w="med" len="med"/>
-          </a:ln>
-        </p:spPr>
-      </p:sp>
-      <p:sp>
-        <p:nvSpPr>
-          <p:cNvPr id="87" name="Shape 87"/>
-          <p:cNvSpPr txBox="1">
-            <a:spLocks noGrp="1"/>
-          </p:cNvSpPr>
-          <p:nvPr>
-            <p:ph type="body" idx="1"/>
-          </p:nvPr>
-        </p:nvSpPr>
-        <p:spPr>
-          <a:xfrm>
-            <a:off x="685800" y="4343400"/>
-            <a:ext cx="5486400" cy="4114800"/>
-          </a:xfrm>
-          <a:prstGeom prst="rect">
-            <a:avLst/>
-          </a:prstGeom>
-          <a:noFill/>
-          <a:ln>
-            <a:noFill/>
-          </a:ln>
-        </p:spPr>
-        <p:txBody>
-          <a:bodyPr wrap="square" lIns="91425" tIns="91425" rIns="91425" bIns="91425" anchor="t" anchorCtr="0">
-            <a:noAutofit/>
-          </a:bodyPr>
-          <a:lstStyle/>
-          <a:p>
-            <a:pPr lvl="0" indent="-88899" rtl="0">
-              <a:spcBef>
-                <a:spcPts val="0"/>
-              </a:spcBef>
-              <a:buClr>
-                <a:schemeClr val="dk1"/>
-              </a:buClr>
-              <a:buSzPts val="1400"/>
-              <a:buFont typeface="Arial"/>
-              <a:buNone/>
-            </a:pPr>
-            <a:r>
-              <a:rPr lang="iw-IL"/>
-              <a:t>We would like to take the time in this meeting and go through Servi mobile and web application as well as discuss go to market strategies development and business milestones and other financial aspects. If you have any more topics you would like to raise feel free to do so.</a:t>
-            </a:r>
-          </a:p>
-        </p:txBody>
-      </p:sp>
-    </p:spTree>
-    <p:extLst>
-      <p:ext uri="{BB962C8B-B14F-4D97-AF65-F5344CB8AC3E}">
-        <p14:creationId xmlns:p14="http://schemas.microsoft.com/office/powerpoint/2010/main" val="3371188739"/>
       </p:ext>
     </p:extLst>
   </p:cSld>
@@ -6631,6 +6765,1809 @@
         </p:nvSpPr>
         <p:spPr>
           <a:xfrm>
+            <a:off x="791373" y="838986"/>
+            <a:ext cx="6866100" cy="857400"/>
+          </a:xfrm>
+          <a:prstGeom prst="rect">
+            <a:avLst/>
+          </a:prstGeom>
+          <a:noFill/>
+          <a:ln>
+            <a:noFill/>
+          </a:ln>
+        </p:spPr>
+        <p:txBody>
+          <a:bodyPr wrap="square" lIns="91425" tIns="91425" rIns="91425" bIns="91425" anchor="t" anchorCtr="0">
+            <a:noAutofit/>
+          </a:bodyPr>
+          <a:lstStyle/>
+          <a:p>
+            <a:pPr lvl="0" indent="-279400">
+              <a:buSzPts val="4400"/>
+            </a:pPr>
+            <a:r>
+              <a:rPr lang="en-US" sz="4400" dirty="0"/>
+              <a:t>Testing &amp;</a:t>
+            </a:r>
+            <a:br>
+              <a:rPr lang="en-US" sz="4400" dirty="0"/>
+            </a:br>
+            <a:r>
+              <a:rPr lang="en-US" sz="4400" dirty="0">
+                <a:solidFill>
+                  <a:srgbClr val="FFB600"/>
+                </a:solidFill>
+              </a:rPr>
+              <a:t>Evaluation</a:t>
+            </a:r>
+            <a:br>
+              <a:rPr lang="en-US" sz="4400" dirty="0"/>
+            </a:br>
+            <a:endParaRPr lang="iw-IL" sz="2800" b="0" i="0" u="none" strike="noStrike" cap="none" dirty="0">
+              <a:solidFill>
+                <a:srgbClr val="434343"/>
+              </a:solidFill>
+              <a:latin typeface="Raleway Light" panose="020B0403030101060003" pitchFamily="34" charset="0"/>
+              <a:sym typeface="Raleway ExtraBold"/>
+            </a:endParaRPr>
+          </a:p>
+        </p:txBody>
+      </p:sp>
+      <p:sp>
+        <p:nvSpPr>
+          <p:cNvPr id="91" name="Shape 91"/>
+          <p:cNvSpPr txBox="1">
+            <a:spLocks noGrp="1"/>
+          </p:cNvSpPr>
+          <p:nvPr>
+            <p:ph type="sldNum" idx="12"/>
+          </p:nvPr>
+        </p:nvSpPr>
+        <p:spPr>
+          <a:xfrm>
+            <a:off x="8604400" y="4590300"/>
+            <a:ext cx="539700" cy="553200"/>
+          </a:xfrm>
+          <a:prstGeom prst="rect">
+            <a:avLst/>
+          </a:prstGeom>
+          <a:noFill/>
+          <a:ln>
+            <a:noFill/>
+          </a:ln>
+        </p:spPr>
+        <p:txBody>
+          <a:bodyPr wrap="square" lIns="91425" tIns="91425" rIns="91425" bIns="91425" anchor="ctr" anchorCtr="0">
+            <a:noAutofit/>
+          </a:bodyPr>
+          <a:lstStyle/>
+          <a:p>
+            <a:pPr marL="0" marR="0" lvl="0" indent="-88900" algn="l" rtl="0">
+              <a:lnSpc>
+                <a:spcPct val="100000"/>
+              </a:lnSpc>
+              <a:spcBef>
+                <a:spcPts val="0"/>
+              </a:spcBef>
+              <a:spcAft>
+                <a:spcPts val="0"/>
+              </a:spcAft>
+              <a:buClr>
+                <a:srgbClr val="000000"/>
+              </a:buClr>
+              <a:buSzPts val="1400"/>
+              <a:buFont typeface="Arial"/>
+              <a:buNone/>
+            </a:pPr>
+            <a:fld id="{00000000-1234-1234-1234-123412341234}" type="slidenum">
+              <a:rPr lang="iw-IL" sz="1400" b="0" i="0" u="none" strike="noStrike" cap="none">
+                <a:solidFill>
+                  <a:srgbClr val="000000"/>
+                </a:solidFill>
+                <a:latin typeface="Arial"/>
+                <a:ea typeface="Arial"/>
+                <a:cs typeface="Arial"/>
+                <a:sym typeface="Arial"/>
+              </a:rPr>
+              <a:t>10</a:t>
+            </a:fld>
+            <a:endParaRPr lang="iw-IL" sz="1400" b="0" i="0" u="none" strike="noStrike" cap="none">
+              <a:solidFill>
+                <a:srgbClr val="000000"/>
+              </a:solidFill>
+              <a:latin typeface="Arial"/>
+              <a:ea typeface="Arial"/>
+              <a:cs typeface="Arial"/>
+              <a:sym typeface="Arial"/>
+            </a:endParaRPr>
+          </a:p>
+        </p:txBody>
+      </p:sp>
+      <p:grpSp>
+        <p:nvGrpSpPr>
+          <p:cNvPr id="92" name="Shape 92"/>
+          <p:cNvGrpSpPr/>
+          <p:nvPr/>
+        </p:nvGrpSpPr>
+        <p:grpSpPr>
+          <a:xfrm>
+            <a:off x="8119638" y="225980"/>
+            <a:ext cx="539546" cy="879605"/>
+            <a:chOff x="6730350" y="2315900"/>
+            <a:chExt cx="257700" cy="420100"/>
+          </a:xfrm>
+        </p:grpSpPr>
+        <p:sp>
+          <p:nvSpPr>
+            <p:cNvPr id="93" name="Shape 93"/>
+            <p:cNvSpPr/>
+            <p:nvPr/>
+          </p:nvSpPr>
+          <p:spPr>
+            <a:xfrm>
+              <a:off x="6807900" y="2671250"/>
+              <a:ext cx="102600" cy="22625"/>
+            </a:xfrm>
+            <a:custGeom>
+              <a:avLst/>
+              <a:gdLst/>
+              <a:ahLst/>
+              <a:cxnLst/>
+              <a:rect l="0" t="0" r="0" b="0"/>
+              <a:pathLst>
+                <a:path w="120000" h="120000" extrusionOk="0">
+                  <a:moveTo>
+                    <a:pt x="29" y="132"/>
+                  </a:moveTo>
+                  <a:lnTo>
+                    <a:pt x="29" y="120000"/>
+                  </a:lnTo>
+                  <a:lnTo>
+                    <a:pt x="120000" y="120000"/>
+                  </a:lnTo>
+                  <a:lnTo>
+                    <a:pt x="120000" y="132"/>
+                  </a:lnTo>
+                  <a:close/>
+                </a:path>
+              </a:pathLst>
+            </a:custGeom>
+            <a:solidFill>
+              <a:srgbClr val="FFB600"/>
+            </a:solidFill>
+            <a:ln>
+              <a:noFill/>
+            </a:ln>
+          </p:spPr>
+          <p:txBody>
+            <a:bodyPr wrap="square" lIns="91425" tIns="91425" rIns="91425" bIns="91425" anchor="ctr" anchorCtr="0">
+              <a:noAutofit/>
+            </a:bodyPr>
+            <a:lstStyle/>
+            <a:p>
+              <a:pPr marL="0" marR="0" lvl="0" indent="-88900" algn="l" rtl="0">
+                <a:lnSpc>
+                  <a:spcPct val="100000"/>
+                </a:lnSpc>
+                <a:spcBef>
+                  <a:spcPts val="0"/>
+                </a:spcBef>
+                <a:spcAft>
+                  <a:spcPts val="0"/>
+                </a:spcAft>
+                <a:buClr>
+                  <a:srgbClr val="000000"/>
+                </a:buClr>
+                <a:buSzPts val="1400"/>
+                <a:buFont typeface="Arial"/>
+                <a:buNone/>
+              </a:pPr>
+              <a:endParaRPr sz="1400" b="0" i="0" u="none" strike="noStrike" cap="none">
+                <a:solidFill>
+                  <a:srgbClr val="000000"/>
+                </a:solidFill>
+                <a:latin typeface="Arial"/>
+                <a:ea typeface="Arial"/>
+                <a:cs typeface="Arial"/>
+                <a:sym typeface="Arial"/>
+              </a:endParaRPr>
+            </a:p>
+          </p:txBody>
+        </p:sp>
+        <p:sp>
+          <p:nvSpPr>
+            <p:cNvPr id="94" name="Shape 94"/>
+            <p:cNvSpPr/>
+            <p:nvPr/>
+          </p:nvSpPr>
+          <p:spPr>
+            <a:xfrm>
+              <a:off x="6807900" y="2636450"/>
+              <a:ext cx="102600" cy="22625"/>
+            </a:xfrm>
+            <a:custGeom>
+              <a:avLst/>
+              <a:gdLst/>
+              <a:ahLst/>
+              <a:cxnLst/>
+              <a:rect l="0" t="0" r="0" b="0"/>
+              <a:pathLst>
+                <a:path w="120000" h="120000" extrusionOk="0">
+                  <a:moveTo>
+                    <a:pt x="29" y="132"/>
+                  </a:moveTo>
+                  <a:lnTo>
+                    <a:pt x="29" y="120000"/>
+                  </a:lnTo>
+                  <a:lnTo>
+                    <a:pt x="120000" y="120000"/>
+                  </a:lnTo>
+                  <a:lnTo>
+                    <a:pt x="120000" y="132"/>
+                  </a:lnTo>
+                  <a:close/>
+                </a:path>
+              </a:pathLst>
+            </a:custGeom>
+            <a:solidFill>
+              <a:srgbClr val="FFB600"/>
+            </a:solidFill>
+            <a:ln>
+              <a:noFill/>
+            </a:ln>
+          </p:spPr>
+          <p:txBody>
+            <a:bodyPr wrap="square" lIns="91425" tIns="91425" rIns="91425" bIns="91425" anchor="ctr" anchorCtr="0">
+              <a:noAutofit/>
+            </a:bodyPr>
+            <a:lstStyle/>
+            <a:p>
+              <a:pPr marL="0" marR="0" lvl="0" indent="-88900" algn="l" rtl="0">
+                <a:lnSpc>
+                  <a:spcPct val="100000"/>
+                </a:lnSpc>
+                <a:spcBef>
+                  <a:spcPts val="0"/>
+                </a:spcBef>
+                <a:spcAft>
+                  <a:spcPts val="0"/>
+                </a:spcAft>
+                <a:buClr>
+                  <a:srgbClr val="000000"/>
+                </a:buClr>
+                <a:buSzPts val="1400"/>
+                <a:buFont typeface="Arial"/>
+                <a:buNone/>
+              </a:pPr>
+              <a:endParaRPr sz="1400" b="0" i="0" u="none" strike="noStrike" cap="none">
+                <a:solidFill>
+                  <a:srgbClr val="000000"/>
+                </a:solidFill>
+                <a:latin typeface="Arial"/>
+                <a:ea typeface="Arial"/>
+                <a:cs typeface="Arial"/>
+                <a:sym typeface="Arial"/>
+              </a:endParaRPr>
+            </a:p>
+          </p:txBody>
+        </p:sp>
+        <p:sp>
+          <p:nvSpPr>
+            <p:cNvPr id="95" name="Shape 95"/>
+            <p:cNvSpPr/>
+            <p:nvPr/>
+          </p:nvSpPr>
+          <p:spPr>
+            <a:xfrm>
+              <a:off x="6807900" y="2706075"/>
+              <a:ext cx="102600" cy="29925"/>
+            </a:xfrm>
+            <a:custGeom>
+              <a:avLst/>
+              <a:gdLst/>
+              <a:ahLst/>
+              <a:cxnLst/>
+              <a:rect l="0" t="0" r="0" b="0"/>
+              <a:pathLst>
+                <a:path w="120000" h="120000" extrusionOk="0">
+                  <a:moveTo>
+                    <a:pt x="29" y="0"/>
+                  </a:moveTo>
+                  <a:lnTo>
+                    <a:pt x="29" y="17142"/>
+                  </a:lnTo>
+                  <a:lnTo>
+                    <a:pt x="730" y="31879"/>
+                  </a:lnTo>
+                  <a:lnTo>
+                    <a:pt x="2865" y="46516"/>
+                  </a:lnTo>
+                  <a:lnTo>
+                    <a:pt x="5730" y="58746"/>
+                  </a:lnTo>
+                  <a:lnTo>
+                    <a:pt x="10029" y="66165"/>
+                  </a:lnTo>
+                  <a:lnTo>
+                    <a:pt x="55000" y="117493"/>
+                  </a:lnTo>
+                  <a:lnTo>
+                    <a:pt x="60000" y="120000"/>
+                  </a:lnTo>
+                  <a:lnTo>
+                    <a:pt x="65000" y="117493"/>
+                  </a:lnTo>
+                  <a:lnTo>
+                    <a:pt x="110000" y="66165"/>
+                  </a:lnTo>
+                  <a:lnTo>
+                    <a:pt x="114269" y="58746"/>
+                  </a:lnTo>
+                  <a:lnTo>
+                    <a:pt x="117134" y="46516"/>
+                  </a:lnTo>
+                  <a:lnTo>
+                    <a:pt x="119269" y="31879"/>
+                  </a:lnTo>
+                  <a:lnTo>
+                    <a:pt x="120000" y="17142"/>
+                  </a:lnTo>
+                  <a:lnTo>
+                    <a:pt x="120000" y="0"/>
+                  </a:lnTo>
+                  <a:close/>
+                </a:path>
+              </a:pathLst>
+            </a:custGeom>
+            <a:solidFill>
+              <a:srgbClr val="FFB600"/>
+            </a:solidFill>
+            <a:ln>
+              <a:noFill/>
+            </a:ln>
+          </p:spPr>
+          <p:txBody>
+            <a:bodyPr wrap="square" lIns="91425" tIns="91425" rIns="91425" bIns="91425" anchor="ctr" anchorCtr="0">
+              <a:noAutofit/>
+            </a:bodyPr>
+            <a:lstStyle/>
+            <a:p>
+              <a:pPr marL="0" marR="0" lvl="0" indent="-88900" algn="l" rtl="0">
+                <a:lnSpc>
+                  <a:spcPct val="100000"/>
+                </a:lnSpc>
+                <a:spcBef>
+                  <a:spcPts val="0"/>
+                </a:spcBef>
+                <a:spcAft>
+                  <a:spcPts val="0"/>
+                </a:spcAft>
+                <a:buClr>
+                  <a:srgbClr val="000000"/>
+                </a:buClr>
+                <a:buSzPts val="1400"/>
+                <a:buFont typeface="Arial"/>
+                <a:buNone/>
+              </a:pPr>
+              <a:endParaRPr sz="1400" b="0" i="0" u="none" strike="noStrike" cap="none">
+                <a:solidFill>
+                  <a:srgbClr val="000000"/>
+                </a:solidFill>
+                <a:latin typeface="Arial"/>
+                <a:ea typeface="Arial"/>
+                <a:cs typeface="Arial"/>
+                <a:sym typeface="Arial"/>
+              </a:endParaRPr>
+            </a:p>
+          </p:txBody>
+        </p:sp>
+        <p:sp>
+          <p:nvSpPr>
+            <p:cNvPr id="96" name="Shape 96"/>
+            <p:cNvSpPr/>
+            <p:nvPr/>
+          </p:nvSpPr>
+          <p:spPr>
+            <a:xfrm>
+              <a:off x="6811575" y="2463675"/>
+              <a:ext cx="95275" cy="160600"/>
+            </a:xfrm>
+            <a:custGeom>
+              <a:avLst/>
+              <a:gdLst/>
+              <a:ahLst/>
+              <a:cxnLst/>
+              <a:rect l="0" t="0" r="0" b="0"/>
+              <a:pathLst>
+                <a:path w="120000" h="120000" extrusionOk="0">
+                  <a:moveTo>
+                    <a:pt x="59984" y="0"/>
+                  </a:moveTo>
+                  <a:lnTo>
+                    <a:pt x="29220" y="15523"/>
+                  </a:lnTo>
+                  <a:lnTo>
+                    <a:pt x="26922" y="16419"/>
+                  </a:lnTo>
+                  <a:lnTo>
+                    <a:pt x="24623" y="16886"/>
+                  </a:lnTo>
+                  <a:lnTo>
+                    <a:pt x="21537" y="16419"/>
+                  </a:lnTo>
+                  <a:lnTo>
+                    <a:pt x="19239" y="15523"/>
+                  </a:lnTo>
+                  <a:lnTo>
+                    <a:pt x="0" y="5940"/>
+                  </a:lnTo>
+                  <a:lnTo>
+                    <a:pt x="41532" y="119981"/>
+                  </a:lnTo>
+                  <a:lnTo>
+                    <a:pt x="78436" y="119981"/>
+                  </a:lnTo>
+                  <a:lnTo>
+                    <a:pt x="119968" y="5940"/>
+                  </a:lnTo>
+                  <a:lnTo>
+                    <a:pt x="100760" y="15523"/>
+                  </a:lnTo>
+                  <a:lnTo>
+                    <a:pt x="98430" y="16419"/>
+                  </a:lnTo>
+                  <a:lnTo>
+                    <a:pt x="95376" y="16886"/>
+                  </a:lnTo>
+                  <a:lnTo>
+                    <a:pt x="93046" y="16419"/>
+                  </a:lnTo>
+                  <a:lnTo>
+                    <a:pt x="90747" y="15523"/>
+                  </a:lnTo>
+                  <a:lnTo>
+                    <a:pt x="59984" y="0"/>
+                  </a:lnTo>
+                  <a:close/>
+                </a:path>
+              </a:pathLst>
+            </a:custGeom>
+            <a:solidFill>
+              <a:srgbClr val="FFB600"/>
+            </a:solidFill>
+            <a:ln>
+              <a:noFill/>
+            </a:ln>
+          </p:spPr>
+          <p:txBody>
+            <a:bodyPr wrap="square" lIns="91425" tIns="91425" rIns="91425" bIns="91425" anchor="ctr" anchorCtr="0">
+              <a:noAutofit/>
+            </a:bodyPr>
+            <a:lstStyle/>
+            <a:p>
+              <a:pPr marL="0" marR="0" lvl="0" indent="-88900" algn="l" rtl="0">
+                <a:lnSpc>
+                  <a:spcPct val="100000"/>
+                </a:lnSpc>
+                <a:spcBef>
+                  <a:spcPts val="0"/>
+                </a:spcBef>
+                <a:spcAft>
+                  <a:spcPts val="0"/>
+                </a:spcAft>
+                <a:buClr>
+                  <a:srgbClr val="000000"/>
+                </a:buClr>
+                <a:buSzPts val="1400"/>
+                <a:buFont typeface="Arial"/>
+                <a:buNone/>
+              </a:pPr>
+              <a:endParaRPr sz="1400" b="0" i="0" u="none" strike="noStrike" cap="none">
+                <a:solidFill>
+                  <a:srgbClr val="000000"/>
+                </a:solidFill>
+                <a:latin typeface="Arial"/>
+                <a:ea typeface="Arial"/>
+                <a:cs typeface="Arial"/>
+                <a:sym typeface="Arial"/>
+              </a:endParaRPr>
+            </a:p>
+          </p:txBody>
+        </p:sp>
+        <p:sp>
+          <p:nvSpPr>
+            <p:cNvPr id="97" name="Shape 97"/>
+            <p:cNvSpPr/>
+            <p:nvPr/>
+          </p:nvSpPr>
+          <p:spPr>
+            <a:xfrm>
+              <a:off x="6730350" y="2315900"/>
+              <a:ext cx="257700" cy="308375"/>
+            </a:xfrm>
+            <a:custGeom>
+              <a:avLst/>
+              <a:gdLst/>
+              <a:ahLst/>
+              <a:cxnLst/>
+              <a:rect l="0" t="0" r="0" b="0"/>
+              <a:pathLst>
+                <a:path w="120000" h="120000" extrusionOk="0">
+                  <a:moveTo>
+                    <a:pt x="60000" y="9"/>
+                  </a:moveTo>
+                  <a:lnTo>
+                    <a:pt x="53748" y="243"/>
+                  </a:lnTo>
+                  <a:lnTo>
+                    <a:pt x="48055" y="953"/>
+                  </a:lnTo>
+                  <a:lnTo>
+                    <a:pt x="42083" y="2383"/>
+                  </a:lnTo>
+                  <a:lnTo>
+                    <a:pt x="36682" y="4047"/>
+                  </a:lnTo>
+                  <a:lnTo>
+                    <a:pt x="31571" y="6187"/>
+                  </a:lnTo>
+                  <a:lnTo>
+                    <a:pt x="26449" y="8561"/>
+                  </a:lnTo>
+                  <a:lnTo>
+                    <a:pt x="21897" y="11411"/>
+                  </a:lnTo>
+                  <a:lnTo>
+                    <a:pt x="17636" y="14738"/>
+                  </a:lnTo>
+                  <a:lnTo>
+                    <a:pt x="13946" y="18299"/>
+                  </a:lnTo>
+                  <a:lnTo>
+                    <a:pt x="10244" y="22102"/>
+                  </a:lnTo>
+                  <a:lnTo>
+                    <a:pt x="7403" y="26140"/>
+                  </a:lnTo>
+                  <a:lnTo>
+                    <a:pt x="4842" y="30654"/>
+                  </a:lnTo>
+                  <a:lnTo>
+                    <a:pt x="2852" y="35168"/>
+                  </a:lnTo>
+                  <a:lnTo>
+                    <a:pt x="1431" y="39925"/>
+                  </a:lnTo>
+                  <a:lnTo>
+                    <a:pt x="582" y="44916"/>
+                  </a:lnTo>
+                  <a:lnTo>
+                    <a:pt x="11" y="50140"/>
+                  </a:lnTo>
+                  <a:lnTo>
+                    <a:pt x="291" y="52757"/>
+                  </a:lnTo>
+                  <a:lnTo>
+                    <a:pt x="582" y="55364"/>
+                  </a:lnTo>
+                  <a:lnTo>
+                    <a:pt x="1431" y="60355"/>
+                  </a:lnTo>
+                  <a:lnTo>
+                    <a:pt x="2852" y="65112"/>
+                  </a:lnTo>
+                  <a:lnTo>
+                    <a:pt x="4842" y="69383"/>
+                  </a:lnTo>
+                  <a:lnTo>
+                    <a:pt x="7403" y="73663"/>
+                  </a:lnTo>
+                  <a:lnTo>
+                    <a:pt x="9965" y="77467"/>
+                  </a:lnTo>
+                  <a:lnTo>
+                    <a:pt x="12805" y="81261"/>
+                  </a:lnTo>
+                  <a:lnTo>
+                    <a:pt x="15937" y="85065"/>
+                  </a:lnTo>
+                  <a:lnTo>
+                    <a:pt x="22188" y="92672"/>
+                  </a:lnTo>
+                  <a:lnTo>
+                    <a:pt x="25029" y="96710"/>
+                  </a:lnTo>
+                  <a:lnTo>
+                    <a:pt x="27869" y="100747"/>
+                  </a:lnTo>
+                  <a:lnTo>
+                    <a:pt x="30430" y="105027"/>
+                  </a:lnTo>
+                  <a:lnTo>
+                    <a:pt x="32712" y="109775"/>
+                  </a:lnTo>
+                  <a:lnTo>
+                    <a:pt x="34691" y="114766"/>
+                  </a:lnTo>
+                  <a:lnTo>
+                    <a:pt x="36123" y="119990"/>
+                  </a:lnTo>
+                  <a:lnTo>
+                    <a:pt x="47485" y="119990"/>
+                  </a:lnTo>
+                  <a:lnTo>
+                    <a:pt x="37823" y="82691"/>
+                  </a:lnTo>
+                  <a:lnTo>
+                    <a:pt x="31001" y="54887"/>
+                  </a:lnTo>
+                  <a:lnTo>
+                    <a:pt x="31001" y="53700"/>
+                  </a:lnTo>
+                  <a:lnTo>
+                    <a:pt x="31571" y="52757"/>
+                  </a:lnTo>
+                  <a:lnTo>
+                    <a:pt x="32421" y="52280"/>
+                  </a:lnTo>
+                  <a:lnTo>
+                    <a:pt x="33562" y="52037"/>
+                  </a:lnTo>
+                  <a:lnTo>
+                    <a:pt x="34412" y="52037"/>
+                  </a:lnTo>
+                  <a:lnTo>
+                    <a:pt x="35552" y="52513"/>
+                  </a:lnTo>
+                  <a:lnTo>
+                    <a:pt x="46926" y="60831"/>
+                  </a:lnTo>
+                  <a:lnTo>
+                    <a:pt x="58009" y="52513"/>
+                  </a:lnTo>
+                  <a:lnTo>
+                    <a:pt x="59150" y="52037"/>
+                  </a:lnTo>
+                  <a:lnTo>
+                    <a:pt x="60849" y="52037"/>
+                  </a:lnTo>
+                  <a:lnTo>
+                    <a:pt x="61990" y="52513"/>
+                  </a:lnTo>
+                  <a:lnTo>
+                    <a:pt x="73084" y="60831"/>
+                  </a:lnTo>
+                  <a:lnTo>
+                    <a:pt x="84447" y="52513"/>
+                  </a:lnTo>
+                  <a:lnTo>
+                    <a:pt x="85587" y="52037"/>
+                  </a:lnTo>
+                  <a:lnTo>
+                    <a:pt x="86437" y="52037"/>
+                  </a:lnTo>
+                  <a:lnTo>
+                    <a:pt x="87578" y="52280"/>
+                  </a:lnTo>
+                  <a:lnTo>
+                    <a:pt x="88428" y="52757"/>
+                  </a:lnTo>
+                  <a:lnTo>
+                    <a:pt x="88998" y="53700"/>
+                  </a:lnTo>
+                  <a:lnTo>
+                    <a:pt x="88998" y="54887"/>
+                  </a:lnTo>
+                  <a:lnTo>
+                    <a:pt x="82176" y="82691"/>
+                  </a:lnTo>
+                  <a:lnTo>
+                    <a:pt x="72514" y="119990"/>
+                  </a:lnTo>
+                  <a:lnTo>
+                    <a:pt x="83888" y="119990"/>
+                  </a:lnTo>
+                  <a:lnTo>
+                    <a:pt x="85308" y="114766"/>
+                  </a:lnTo>
+                  <a:lnTo>
+                    <a:pt x="87299" y="109775"/>
+                  </a:lnTo>
+                  <a:lnTo>
+                    <a:pt x="89569" y="105027"/>
+                  </a:lnTo>
+                  <a:lnTo>
+                    <a:pt x="92130" y="100747"/>
+                  </a:lnTo>
+                  <a:lnTo>
+                    <a:pt x="94970" y="96710"/>
+                  </a:lnTo>
+                  <a:lnTo>
+                    <a:pt x="97811" y="92672"/>
+                  </a:lnTo>
+                  <a:lnTo>
+                    <a:pt x="104074" y="85065"/>
+                  </a:lnTo>
+                  <a:lnTo>
+                    <a:pt x="107194" y="81261"/>
+                  </a:lnTo>
+                  <a:lnTo>
+                    <a:pt x="110046" y="77467"/>
+                  </a:lnTo>
+                  <a:lnTo>
+                    <a:pt x="112596" y="73663"/>
+                  </a:lnTo>
+                  <a:lnTo>
+                    <a:pt x="115157" y="69383"/>
+                  </a:lnTo>
+                  <a:lnTo>
+                    <a:pt x="117147" y="65112"/>
+                  </a:lnTo>
+                  <a:lnTo>
+                    <a:pt x="118568" y="60355"/>
+                  </a:lnTo>
+                  <a:lnTo>
+                    <a:pt x="119429" y="55364"/>
+                  </a:lnTo>
+                  <a:lnTo>
+                    <a:pt x="119708" y="52757"/>
+                  </a:lnTo>
+                  <a:lnTo>
+                    <a:pt x="119988" y="50140"/>
+                  </a:lnTo>
+                  <a:lnTo>
+                    <a:pt x="119429" y="44916"/>
+                  </a:lnTo>
+                  <a:lnTo>
+                    <a:pt x="118568" y="39925"/>
+                  </a:lnTo>
+                  <a:lnTo>
+                    <a:pt x="117147" y="35168"/>
+                  </a:lnTo>
+                  <a:lnTo>
+                    <a:pt x="115157" y="30654"/>
+                  </a:lnTo>
+                  <a:lnTo>
+                    <a:pt x="112596" y="26140"/>
+                  </a:lnTo>
+                  <a:lnTo>
+                    <a:pt x="109755" y="22102"/>
+                  </a:lnTo>
+                  <a:lnTo>
+                    <a:pt x="106065" y="18299"/>
+                  </a:lnTo>
+                  <a:lnTo>
+                    <a:pt x="102363" y="14738"/>
+                  </a:lnTo>
+                  <a:lnTo>
+                    <a:pt x="98102" y="11411"/>
+                  </a:lnTo>
+                  <a:lnTo>
+                    <a:pt x="93550" y="8561"/>
+                  </a:lnTo>
+                  <a:lnTo>
+                    <a:pt x="88428" y="6187"/>
+                  </a:lnTo>
+                  <a:lnTo>
+                    <a:pt x="83317" y="4047"/>
+                  </a:lnTo>
+                  <a:lnTo>
+                    <a:pt x="77916" y="2383"/>
+                  </a:lnTo>
+                  <a:lnTo>
+                    <a:pt x="71944" y="953"/>
+                  </a:lnTo>
+                  <a:lnTo>
+                    <a:pt x="66251" y="243"/>
+                  </a:lnTo>
+                  <a:lnTo>
+                    <a:pt x="60000" y="9"/>
+                  </a:lnTo>
+                  <a:close/>
+                </a:path>
+              </a:pathLst>
+            </a:custGeom>
+            <a:solidFill>
+              <a:srgbClr val="FFB600"/>
+            </a:solidFill>
+            <a:ln>
+              <a:noFill/>
+            </a:ln>
+          </p:spPr>
+          <p:txBody>
+            <a:bodyPr wrap="square" lIns="91425" tIns="91425" rIns="91425" bIns="91425" anchor="ctr" anchorCtr="0">
+              <a:noAutofit/>
+            </a:bodyPr>
+            <a:lstStyle/>
+            <a:p>
+              <a:pPr marL="0" marR="0" lvl="0" indent="-88900" algn="l" rtl="0">
+                <a:lnSpc>
+                  <a:spcPct val="100000"/>
+                </a:lnSpc>
+                <a:spcBef>
+                  <a:spcPts val="0"/>
+                </a:spcBef>
+                <a:spcAft>
+                  <a:spcPts val="0"/>
+                </a:spcAft>
+                <a:buClr>
+                  <a:srgbClr val="000000"/>
+                </a:buClr>
+                <a:buSzPts val="1400"/>
+                <a:buFont typeface="Arial"/>
+                <a:buNone/>
+              </a:pPr>
+              <a:endParaRPr sz="1400" b="0" i="0" u="none" strike="noStrike" cap="none">
+                <a:solidFill>
+                  <a:srgbClr val="000000"/>
+                </a:solidFill>
+                <a:latin typeface="Arial"/>
+                <a:ea typeface="Arial"/>
+                <a:cs typeface="Arial"/>
+                <a:sym typeface="Arial"/>
+              </a:endParaRPr>
+            </a:p>
+          </p:txBody>
+        </p:sp>
+      </p:grpSp>
+      <p:sp>
+        <p:nvSpPr>
+          <p:cNvPr id="11" name="Shape 120">
+            <a:extLst>
+              <a:ext uri="{FF2B5EF4-FFF2-40B4-BE49-F238E27FC236}">
+                <a16:creationId xmlns:a16="http://schemas.microsoft.com/office/drawing/2014/main" id="{7D209ED9-458B-43E3-9607-2EAA917A8C69}"/>
+              </a:ext>
+            </a:extLst>
+          </p:cNvPr>
+          <p:cNvSpPr txBox="1"/>
+          <p:nvPr/>
+        </p:nvSpPr>
+        <p:spPr>
+          <a:xfrm>
+            <a:off x="3918854" y="1773159"/>
+            <a:ext cx="2021319" cy="732725"/>
+          </a:xfrm>
+          <a:prstGeom prst="rect">
+            <a:avLst/>
+          </a:prstGeom>
+          <a:noFill/>
+          <a:ln>
+            <a:noFill/>
+          </a:ln>
+        </p:spPr>
+        <p:txBody>
+          <a:bodyPr wrap="square" lIns="91425" tIns="91425" rIns="91425" bIns="91425" anchor="b" anchorCtr="0">
+            <a:noAutofit/>
+          </a:bodyPr>
+          <a:lstStyle/>
+          <a:p>
+            <a:pPr algn="ctr"/>
+            <a:r>
+              <a:rPr lang="en-US" b="1" dirty="0">
+                <a:solidFill>
+                  <a:srgbClr val="434343"/>
+                </a:solidFill>
+                <a:latin typeface="Raleway ExtraBold" panose="020B0903030101060003" pitchFamily="34" charset="0"/>
+              </a:rPr>
+              <a:t>Mainly manual testing</a:t>
+            </a:r>
+          </a:p>
+        </p:txBody>
+      </p:sp>
+      <p:sp>
+        <p:nvSpPr>
+          <p:cNvPr id="12" name="Shape 120">
+            <a:extLst>
+              <a:ext uri="{FF2B5EF4-FFF2-40B4-BE49-F238E27FC236}">
+                <a16:creationId xmlns:a16="http://schemas.microsoft.com/office/drawing/2014/main" id="{414827B1-50B4-4198-9F8D-5C7BF93CCB18}"/>
+              </a:ext>
+            </a:extLst>
+          </p:cNvPr>
+          <p:cNvSpPr txBox="1"/>
+          <p:nvPr/>
+        </p:nvSpPr>
+        <p:spPr>
+          <a:xfrm>
+            <a:off x="6408045" y="1753064"/>
+            <a:ext cx="1699294" cy="732725"/>
+          </a:xfrm>
+          <a:prstGeom prst="rect">
+            <a:avLst/>
+          </a:prstGeom>
+          <a:noFill/>
+          <a:ln>
+            <a:noFill/>
+          </a:ln>
+        </p:spPr>
+        <p:txBody>
+          <a:bodyPr wrap="square" lIns="91425" tIns="91425" rIns="91425" bIns="91425" anchor="b" anchorCtr="0">
+            <a:noAutofit/>
+          </a:bodyPr>
+          <a:lstStyle/>
+          <a:p>
+            <a:pPr lvl="2" algn="ctr"/>
+            <a:r>
+              <a:rPr lang="en-US" b="1" dirty="0">
+                <a:solidFill>
+                  <a:srgbClr val="434343"/>
+                </a:solidFill>
+                <a:latin typeface="Raleway ExtraBold" panose="020B0903030101060003" pitchFamily="34" charset="0"/>
+              </a:rPr>
+              <a:t>Testing performance</a:t>
+            </a:r>
+          </a:p>
+        </p:txBody>
+      </p:sp>
+      <p:sp>
+        <p:nvSpPr>
+          <p:cNvPr id="13" name="Shape 120">
+            <a:extLst>
+              <a:ext uri="{FF2B5EF4-FFF2-40B4-BE49-F238E27FC236}">
+                <a16:creationId xmlns:a16="http://schemas.microsoft.com/office/drawing/2014/main" id="{A592296E-6C58-4A54-93C9-42E7F960DA6C}"/>
+              </a:ext>
+            </a:extLst>
+          </p:cNvPr>
+          <p:cNvSpPr txBox="1"/>
+          <p:nvPr/>
+        </p:nvSpPr>
+        <p:spPr>
+          <a:xfrm>
+            <a:off x="3826513" y="3698225"/>
+            <a:ext cx="2247640" cy="732725"/>
+          </a:xfrm>
+          <a:prstGeom prst="rect">
+            <a:avLst/>
+          </a:prstGeom>
+          <a:noFill/>
+          <a:ln>
+            <a:noFill/>
+          </a:ln>
+        </p:spPr>
+        <p:txBody>
+          <a:bodyPr wrap="square" lIns="91425" tIns="91425" rIns="91425" bIns="91425" anchor="b" anchorCtr="0">
+            <a:noAutofit/>
+          </a:bodyPr>
+          <a:lstStyle/>
+          <a:p>
+            <a:pPr lvl="2" algn="ctr"/>
+            <a:r>
+              <a:rPr lang="en-US" b="1" dirty="0">
+                <a:solidFill>
+                  <a:srgbClr val="434343"/>
+                </a:solidFill>
+                <a:latin typeface="Raleway ExtraBold" panose="020B0903030101060003" pitchFamily="34" charset="0"/>
+              </a:rPr>
+              <a:t>Comparing different schedulers on same simulations</a:t>
+            </a:r>
+          </a:p>
+        </p:txBody>
+      </p:sp>
+      <p:sp>
+        <p:nvSpPr>
+          <p:cNvPr id="14" name="Shape 120">
+            <a:extLst>
+              <a:ext uri="{FF2B5EF4-FFF2-40B4-BE49-F238E27FC236}">
+                <a16:creationId xmlns:a16="http://schemas.microsoft.com/office/drawing/2014/main" id="{D636E29E-4D07-4161-ABC9-681FB318A520}"/>
+              </a:ext>
+            </a:extLst>
+          </p:cNvPr>
+          <p:cNvSpPr txBox="1"/>
+          <p:nvPr/>
+        </p:nvSpPr>
+        <p:spPr>
+          <a:xfrm>
+            <a:off x="6148792" y="3909240"/>
+            <a:ext cx="2217801" cy="732725"/>
+          </a:xfrm>
+          <a:prstGeom prst="rect">
+            <a:avLst/>
+          </a:prstGeom>
+          <a:noFill/>
+          <a:ln>
+            <a:noFill/>
+          </a:ln>
+        </p:spPr>
+        <p:txBody>
+          <a:bodyPr wrap="square" lIns="91425" tIns="91425" rIns="91425" bIns="91425" anchor="b" anchorCtr="0">
+            <a:noAutofit/>
+          </a:bodyPr>
+          <a:lstStyle/>
+          <a:p>
+            <a:pPr lvl="2" algn="ctr"/>
+            <a:r>
+              <a:rPr lang="en-US" b="1" dirty="0">
+                <a:solidFill>
+                  <a:srgbClr val="434343"/>
+                </a:solidFill>
+                <a:latin typeface="Raleway ExtraBold" panose="020B0903030101060003" pitchFamily="34" charset="0"/>
+              </a:rPr>
+              <a:t>Measured speedups are indications for success</a:t>
+            </a:r>
+          </a:p>
+          <a:p>
+            <a:pPr marL="285750" indent="-285750" algn="ctr">
+              <a:buFont typeface="Arial" charset="0"/>
+              <a:buChar char="•"/>
+            </a:pPr>
+            <a:endParaRPr lang="en-US" b="1" dirty="0">
+              <a:solidFill>
+                <a:srgbClr val="434343"/>
+              </a:solidFill>
+              <a:latin typeface="Raleway ExtraBold" panose="020B0903030101060003" pitchFamily="34" charset="0"/>
+            </a:endParaRPr>
+          </a:p>
+        </p:txBody>
+      </p:sp>
+      <p:pic>
+        <p:nvPicPr>
+          <p:cNvPr id="5" name="תמונה 4">
+            <a:extLst>
+              <a:ext uri="{FF2B5EF4-FFF2-40B4-BE49-F238E27FC236}">
+                <a16:creationId xmlns:a16="http://schemas.microsoft.com/office/drawing/2014/main" id="{941C507B-7A97-4925-95E9-08591644082A}"/>
+              </a:ext>
+            </a:extLst>
+          </p:cNvPr>
+          <p:cNvPicPr>
+            <a:picLocks noChangeAspect="1"/>
+          </p:cNvPicPr>
+          <p:nvPr/>
+        </p:nvPicPr>
+        <p:blipFill>
+          <a:blip r:embed="rId3"/>
+          <a:stretch>
+            <a:fillRect/>
+          </a:stretch>
+        </p:blipFill>
+        <p:spPr>
+          <a:xfrm>
+            <a:off x="4474897" y="871655"/>
+            <a:ext cx="911700" cy="911700"/>
+          </a:xfrm>
+          <a:prstGeom prst="rect">
+            <a:avLst/>
+          </a:prstGeom>
+        </p:spPr>
+      </p:pic>
+      <p:pic>
+        <p:nvPicPr>
+          <p:cNvPr id="7" name="תמונה 6">
+            <a:extLst>
+              <a:ext uri="{FF2B5EF4-FFF2-40B4-BE49-F238E27FC236}">
+                <a16:creationId xmlns:a16="http://schemas.microsoft.com/office/drawing/2014/main" id="{71D52B29-30E6-4A4D-A5C4-24860AC34571}"/>
+              </a:ext>
+            </a:extLst>
+          </p:cNvPr>
+          <p:cNvPicPr>
+            <a:picLocks noChangeAspect="1"/>
+          </p:cNvPicPr>
+          <p:nvPr/>
+        </p:nvPicPr>
+        <p:blipFill>
+          <a:blip r:embed="rId4"/>
+          <a:stretch>
+            <a:fillRect/>
+          </a:stretch>
+        </p:blipFill>
+        <p:spPr>
+          <a:xfrm>
+            <a:off x="6864380" y="973613"/>
+            <a:ext cx="753471" cy="753471"/>
+          </a:xfrm>
+          <a:prstGeom prst="rect">
+            <a:avLst/>
+          </a:prstGeom>
+        </p:spPr>
+      </p:pic>
+      <p:pic>
+        <p:nvPicPr>
+          <p:cNvPr id="9" name="תמונה 8">
+            <a:extLst>
+              <a:ext uri="{FF2B5EF4-FFF2-40B4-BE49-F238E27FC236}">
+                <a16:creationId xmlns:a16="http://schemas.microsoft.com/office/drawing/2014/main" id="{2306EFAE-3D4D-4D0A-8E1E-0461AE026C0A}"/>
+              </a:ext>
+            </a:extLst>
+          </p:cNvPr>
+          <p:cNvPicPr>
+            <a:picLocks noChangeAspect="1"/>
+          </p:cNvPicPr>
+          <p:nvPr/>
+        </p:nvPicPr>
+        <p:blipFill>
+          <a:blip r:embed="rId5"/>
+          <a:stretch>
+            <a:fillRect/>
+          </a:stretch>
+        </p:blipFill>
+        <p:spPr>
+          <a:xfrm>
+            <a:off x="6880957" y="2765060"/>
+            <a:ext cx="753471" cy="753471"/>
+          </a:xfrm>
+          <a:prstGeom prst="rect">
+            <a:avLst/>
+          </a:prstGeom>
+        </p:spPr>
+      </p:pic>
+      <p:pic>
+        <p:nvPicPr>
+          <p:cNvPr id="15" name="תמונה 14">
+            <a:extLst>
+              <a:ext uri="{FF2B5EF4-FFF2-40B4-BE49-F238E27FC236}">
+                <a16:creationId xmlns:a16="http://schemas.microsoft.com/office/drawing/2014/main" id="{50BD4322-062D-4938-BD46-6BFC0E980DA8}"/>
+              </a:ext>
+            </a:extLst>
+          </p:cNvPr>
+          <p:cNvPicPr>
+            <a:picLocks noChangeAspect="1"/>
+          </p:cNvPicPr>
+          <p:nvPr/>
+        </p:nvPicPr>
+        <p:blipFill>
+          <a:blip r:embed="rId6"/>
+          <a:stretch>
+            <a:fillRect/>
+          </a:stretch>
+        </p:blipFill>
+        <p:spPr>
+          <a:xfrm>
+            <a:off x="4512989" y="2765060"/>
+            <a:ext cx="828818" cy="828818"/>
+          </a:xfrm>
+          <a:prstGeom prst="rect">
+            <a:avLst/>
+          </a:prstGeom>
+        </p:spPr>
+      </p:pic>
+      <p:sp>
+        <p:nvSpPr>
+          <p:cNvPr id="19" name="Shape 120">
+            <a:extLst>
+              <a:ext uri="{FF2B5EF4-FFF2-40B4-BE49-F238E27FC236}">
+                <a16:creationId xmlns:a16="http://schemas.microsoft.com/office/drawing/2014/main" id="{382294A2-A1D8-473D-938A-B19C67B1592B}"/>
+              </a:ext>
+            </a:extLst>
+          </p:cNvPr>
+          <p:cNvSpPr txBox="1"/>
+          <p:nvPr/>
+        </p:nvSpPr>
+        <p:spPr>
+          <a:xfrm>
+            <a:off x="1433303" y="3696555"/>
+            <a:ext cx="2247640" cy="732725"/>
+          </a:xfrm>
+          <a:prstGeom prst="rect">
+            <a:avLst/>
+          </a:prstGeom>
+          <a:noFill/>
+          <a:ln>
+            <a:noFill/>
+          </a:ln>
+        </p:spPr>
+        <p:txBody>
+          <a:bodyPr wrap="square" lIns="91425" tIns="91425" rIns="91425" bIns="91425" anchor="b" anchorCtr="0">
+            <a:noAutofit/>
+          </a:bodyPr>
+          <a:lstStyle/>
+          <a:p>
+            <a:pPr lvl="2" algn="ctr"/>
+            <a:r>
+              <a:rPr lang="en-US" b="1" dirty="0">
+                <a:solidFill>
+                  <a:srgbClr val="434343"/>
+                </a:solidFill>
+                <a:latin typeface="Raleway ExtraBold" panose="020B0903030101060003" pitchFamily="34" charset="0"/>
+              </a:rPr>
+              <a:t>Real-time commands are based on tested open-source code</a:t>
+            </a:r>
+          </a:p>
+        </p:txBody>
+      </p:sp>
+      <p:pic>
+        <p:nvPicPr>
+          <p:cNvPr id="4" name="תמונה 3">
+            <a:extLst>
+              <a:ext uri="{FF2B5EF4-FFF2-40B4-BE49-F238E27FC236}">
+                <a16:creationId xmlns:a16="http://schemas.microsoft.com/office/drawing/2014/main" id="{2CEDEB26-2760-4E30-A38C-7666CDCE6F95}"/>
+              </a:ext>
+            </a:extLst>
+          </p:cNvPr>
+          <p:cNvPicPr>
+            <a:picLocks noChangeAspect="1"/>
+          </p:cNvPicPr>
+          <p:nvPr/>
+        </p:nvPicPr>
+        <p:blipFill>
+          <a:blip r:embed="rId7"/>
+          <a:stretch>
+            <a:fillRect/>
+          </a:stretch>
+        </p:blipFill>
+        <p:spPr>
+          <a:xfrm>
+            <a:off x="2035027" y="2696141"/>
+            <a:ext cx="911700" cy="911700"/>
+          </a:xfrm>
+          <a:prstGeom prst="rect">
+            <a:avLst/>
+          </a:prstGeom>
+        </p:spPr>
+      </p:pic>
+    </p:spTree>
+    <p:extLst>
+      <p:ext uri="{BB962C8B-B14F-4D97-AF65-F5344CB8AC3E}">
+        <p14:creationId xmlns:p14="http://schemas.microsoft.com/office/powerpoint/2010/main" val="3285531146"/>
+      </p:ext>
+    </p:extLst>
+  </p:cSld>
+  <p:clrMapOvr>
+    <a:masterClrMapping/>
+  </p:clrMapOvr>
+  <p:timing>
+    <p:tnLst>
+      <p:par>
+        <p:cTn id="1" dur="indefinite" restart="never" nodeType="tmRoot">
+          <p:childTnLst>
+            <p:seq concurrent="1" nextAc="seek">
+              <p:cTn id="2" dur="indefinite" nodeType="mainSeq">
+                <p:childTnLst>
+                  <p:par>
+                    <p:cTn id="3" fill="hold">
+                      <p:stCondLst>
+                        <p:cond delay="indefinite"/>
+                        <p:cond evt="onBegin" delay="0">
+                          <p:tn val="2"/>
+                        </p:cond>
+                      </p:stCondLst>
+                      <p:childTnLst>
+                        <p:par>
+                          <p:cTn id="4" fill="hold">
+                            <p:stCondLst>
+                              <p:cond delay="0"/>
+                            </p:stCondLst>
+                            <p:childTnLst>
+                              <p:par>
+                                <p:cTn id="5" presetID="10" presetClass="entr" presetSubtype="0" fill="hold" grpId="0" nodeType="withEffect">
+                                  <p:stCondLst>
+                                    <p:cond delay="0"/>
+                                  </p:stCondLst>
+                                  <p:childTnLst>
+                                    <p:set>
+                                      <p:cBhvr>
+                                        <p:cTn id="6" dur="1" fill="hold">
+                                          <p:stCondLst>
+                                            <p:cond delay="0"/>
+                                          </p:stCondLst>
+                                        </p:cTn>
+                                        <p:tgtEl>
+                                          <p:spTgt spid="89"/>
+                                        </p:tgtEl>
+                                        <p:attrNameLst>
+                                          <p:attrName>style.visibility</p:attrName>
+                                        </p:attrNameLst>
+                                      </p:cBhvr>
+                                      <p:to>
+                                        <p:strVal val="visible"/>
+                                      </p:to>
+                                    </p:set>
+                                    <p:animEffect transition="in" filter="fade">
+                                      <p:cBhvr>
+                                        <p:cTn id="7" dur="500"/>
+                                        <p:tgtEl>
+                                          <p:spTgt spid="89"/>
+                                        </p:tgtEl>
+                                      </p:cBhvr>
+                                    </p:animEffect>
+                                  </p:childTnLst>
+                                </p:cTn>
+                              </p:par>
+                            </p:childTnLst>
+                          </p:cTn>
+                        </p:par>
+                      </p:childTnLst>
+                    </p:cTn>
+                  </p:par>
+                  <p:par>
+                    <p:cTn id="8" fill="hold">
+                      <p:stCondLst>
+                        <p:cond delay="indefinite"/>
+                      </p:stCondLst>
+                      <p:childTnLst>
+                        <p:par>
+                          <p:cTn id="9" fill="hold">
+                            <p:stCondLst>
+                              <p:cond delay="0"/>
+                            </p:stCondLst>
+                            <p:childTnLst>
+                              <p:par>
+                                <p:cTn id="10" presetID="10" presetClass="entr" presetSubtype="0" fill="hold" grpId="0" nodeType="clickEffect">
+                                  <p:stCondLst>
+                                    <p:cond delay="0"/>
+                                  </p:stCondLst>
+                                  <p:childTnLst>
+                                    <p:set>
+                                      <p:cBhvr>
+                                        <p:cTn id="11" dur="1" fill="hold">
+                                          <p:stCondLst>
+                                            <p:cond delay="0"/>
+                                          </p:stCondLst>
+                                        </p:cTn>
+                                        <p:tgtEl>
+                                          <p:spTgt spid="11"/>
+                                        </p:tgtEl>
+                                        <p:attrNameLst>
+                                          <p:attrName>style.visibility</p:attrName>
+                                        </p:attrNameLst>
+                                      </p:cBhvr>
+                                      <p:to>
+                                        <p:strVal val="visible"/>
+                                      </p:to>
+                                    </p:set>
+                                    <p:animEffect transition="in" filter="fade">
+                                      <p:cBhvr>
+                                        <p:cTn id="12" dur="500"/>
+                                        <p:tgtEl>
+                                          <p:spTgt spid="11"/>
+                                        </p:tgtEl>
+                                      </p:cBhvr>
+                                    </p:animEffect>
+                                  </p:childTnLst>
+                                </p:cTn>
+                              </p:par>
+                              <p:par>
+                                <p:cTn id="13" presetID="10" presetClass="entr" presetSubtype="0" fill="hold" nodeType="withEffect">
+                                  <p:stCondLst>
+                                    <p:cond delay="0"/>
+                                  </p:stCondLst>
+                                  <p:childTnLst>
+                                    <p:set>
+                                      <p:cBhvr>
+                                        <p:cTn id="14" dur="1" fill="hold">
+                                          <p:stCondLst>
+                                            <p:cond delay="0"/>
+                                          </p:stCondLst>
+                                        </p:cTn>
+                                        <p:tgtEl>
+                                          <p:spTgt spid="5"/>
+                                        </p:tgtEl>
+                                        <p:attrNameLst>
+                                          <p:attrName>style.visibility</p:attrName>
+                                        </p:attrNameLst>
+                                      </p:cBhvr>
+                                      <p:to>
+                                        <p:strVal val="visible"/>
+                                      </p:to>
+                                    </p:set>
+                                    <p:animEffect transition="in" filter="fade">
+                                      <p:cBhvr>
+                                        <p:cTn id="15" dur="500"/>
+                                        <p:tgtEl>
+                                          <p:spTgt spid="5"/>
+                                        </p:tgtEl>
+                                      </p:cBhvr>
+                                    </p:animEffect>
+                                  </p:childTnLst>
+                                </p:cTn>
+                              </p:par>
+                            </p:childTnLst>
+                          </p:cTn>
+                        </p:par>
+                      </p:childTnLst>
+                    </p:cTn>
+                  </p:par>
+                  <p:par>
+                    <p:cTn id="16" fill="hold">
+                      <p:stCondLst>
+                        <p:cond delay="indefinite"/>
+                      </p:stCondLst>
+                      <p:childTnLst>
+                        <p:par>
+                          <p:cTn id="17" fill="hold">
+                            <p:stCondLst>
+                              <p:cond delay="0"/>
+                            </p:stCondLst>
+                            <p:childTnLst>
+                              <p:par>
+                                <p:cTn id="18" presetID="10" presetClass="entr" presetSubtype="0" fill="hold" grpId="0" nodeType="clickEffect">
+                                  <p:stCondLst>
+                                    <p:cond delay="0"/>
+                                  </p:stCondLst>
+                                  <p:childTnLst>
+                                    <p:set>
+                                      <p:cBhvr>
+                                        <p:cTn id="19" dur="1" fill="hold">
+                                          <p:stCondLst>
+                                            <p:cond delay="0"/>
+                                          </p:stCondLst>
+                                        </p:cTn>
+                                        <p:tgtEl>
+                                          <p:spTgt spid="12"/>
+                                        </p:tgtEl>
+                                        <p:attrNameLst>
+                                          <p:attrName>style.visibility</p:attrName>
+                                        </p:attrNameLst>
+                                      </p:cBhvr>
+                                      <p:to>
+                                        <p:strVal val="visible"/>
+                                      </p:to>
+                                    </p:set>
+                                    <p:animEffect transition="in" filter="fade">
+                                      <p:cBhvr>
+                                        <p:cTn id="20" dur="500"/>
+                                        <p:tgtEl>
+                                          <p:spTgt spid="12"/>
+                                        </p:tgtEl>
+                                      </p:cBhvr>
+                                    </p:animEffect>
+                                  </p:childTnLst>
+                                </p:cTn>
+                              </p:par>
+                              <p:par>
+                                <p:cTn id="21" presetID="10" presetClass="entr" presetSubtype="0" fill="hold" nodeType="withEffect">
+                                  <p:stCondLst>
+                                    <p:cond delay="0"/>
+                                  </p:stCondLst>
+                                  <p:childTnLst>
+                                    <p:set>
+                                      <p:cBhvr>
+                                        <p:cTn id="22" dur="1" fill="hold">
+                                          <p:stCondLst>
+                                            <p:cond delay="0"/>
+                                          </p:stCondLst>
+                                        </p:cTn>
+                                        <p:tgtEl>
+                                          <p:spTgt spid="7"/>
+                                        </p:tgtEl>
+                                        <p:attrNameLst>
+                                          <p:attrName>style.visibility</p:attrName>
+                                        </p:attrNameLst>
+                                      </p:cBhvr>
+                                      <p:to>
+                                        <p:strVal val="visible"/>
+                                      </p:to>
+                                    </p:set>
+                                    <p:animEffect transition="in" filter="fade">
+                                      <p:cBhvr>
+                                        <p:cTn id="23" dur="500"/>
+                                        <p:tgtEl>
+                                          <p:spTgt spid="7"/>
+                                        </p:tgtEl>
+                                      </p:cBhvr>
+                                    </p:animEffect>
+                                  </p:childTnLst>
+                                </p:cTn>
+                              </p:par>
+                            </p:childTnLst>
+                          </p:cTn>
+                        </p:par>
+                      </p:childTnLst>
+                    </p:cTn>
+                  </p:par>
+                  <p:par>
+                    <p:cTn id="24" fill="hold">
+                      <p:stCondLst>
+                        <p:cond delay="indefinite"/>
+                      </p:stCondLst>
+                      <p:childTnLst>
+                        <p:par>
+                          <p:cTn id="25" fill="hold">
+                            <p:stCondLst>
+                              <p:cond delay="0"/>
+                            </p:stCondLst>
+                            <p:childTnLst>
+                              <p:par>
+                                <p:cTn id="26" presetID="10" presetClass="entr" presetSubtype="0" fill="hold" nodeType="clickEffect">
+                                  <p:stCondLst>
+                                    <p:cond delay="0"/>
+                                  </p:stCondLst>
+                                  <p:childTnLst>
+                                    <p:set>
+                                      <p:cBhvr>
+                                        <p:cTn id="27" dur="1" fill="hold">
+                                          <p:stCondLst>
+                                            <p:cond delay="0"/>
+                                          </p:stCondLst>
+                                        </p:cTn>
+                                        <p:tgtEl>
+                                          <p:spTgt spid="4"/>
+                                        </p:tgtEl>
+                                        <p:attrNameLst>
+                                          <p:attrName>style.visibility</p:attrName>
+                                        </p:attrNameLst>
+                                      </p:cBhvr>
+                                      <p:to>
+                                        <p:strVal val="visible"/>
+                                      </p:to>
+                                    </p:set>
+                                    <p:animEffect transition="in" filter="fade">
+                                      <p:cBhvr>
+                                        <p:cTn id="28" dur="500"/>
+                                        <p:tgtEl>
+                                          <p:spTgt spid="4"/>
+                                        </p:tgtEl>
+                                      </p:cBhvr>
+                                    </p:animEffect>
+                                  </p:childTnLst>
+                                </p:cTn>
+                              </p:par>
+                              <p:par>
+                                <p:cTn id="29" presetID="10" presetClass="entr" presetSubtype="0" fill="hold" grpId="0" nodeType="withEffect">
+                                  <p:stCondLst>
+                                    <p:cond delay="0"/>
+                                  </p:stCondLst>
+                                  <p:childTnLst>
+                                    <p:set>
+                                      <p:cBhvr>
+                                        <p:cTn id="30" dur="1" fill="hold">
+                                          <p:stCondLst>
+                                            <p:cond delay="0"/>
+                                          </p:stCondLst>
+                                        </p:cTn>
+                                        <p:tgtEl>
+                                          <p:spTgt spid="19"/>
+                                        </p:tgtEl>
+                                        <p:attrNameLst>
+                                          <p:attrName>style.visibility</p:attrName>
+                                        </p:attrNameLst>
+                                      </p:cBhvr>
+                                      <p:to>
+                                        <p:strVal val="visible"/>
+                                      </p:to>
+                                    </p:set>
+                                    <p:animEffect transition="in" filter="fade">
+                                      <p:cBhvr>
+                                        <p:cTn id="31" dur="500"/>
+                                        <p:tgtEl>
+                                          <p:spTgt spid="19"/>
+                                        </p:tgtEl>
+                                      </p:cBhvr>
+                                    </p:animEffect>
+                                  </p:childTnLst>
+                                </p:cTn>
+                              </p:par>
+                            </p:childTnLst>
+                          </p:cTn>
+                        </p:par>
+                      </p:childTnLst>
+                    </p:cTn>
+                  </p:par>
+                  <p:par>
+                    <p:cTn id="32" fill="hold">
+                      <p:stCondLst>
+                        <p:cond delay="indefinite"/>
+                      </p:stCondLst>
+                      <p:childTnLst>
+                        <p:par>
+                          <p:cTn id="33" fill="hold">
+                            <p:stCondLst>
+                              <p:cond delay="0"/>
+                            </p:stCondLst>
+                            <p:childTnLst>
+                              <p:par>
+                                <p:cTn id="34" presetID="10" presetClass="entr" presetSubtype="0" fill="hold" grpId="0" nodeType="clickEffect">
+                                  <p:stCondLst>
+                                    <p:cond delay="0"/>
+                                  </p:stCondLst>
+                                  <p:childTnLst>
+                                    <p:set>
+                                      <p:cBhvr>
+                                        <p:cTn id="35" dur="1" fill="hold">
+                                          <p:stCondLst>
+                                            <p:cond delay="0"/>
+                                          </p:stCondLst>
+                                        </p:cTn>
+                                        <p:tgtEl>
+                                          <p:spTgt spid="13"/>
+                                        </p:tgtEl>
+                                        <p:attrNameLst>
+                                          <p:attrName>style.visibility</p:attrName>
+                                        </p:attrNameLst>
+                                      </p:cBhvr>
+                                      <p:to>
+                                        <p:strVal val="visible"/>
+                                      </p:to>
+                                    </p:set>
+                                    <p:animEffect transition="in" filter="fade">
+                                      <p:cBhvr>
+                                        <p:cTn id="36" dur="500"/>
+                                        <p:tgtEl>
+                                          <p:spTgt spid="13"/>
+                                        </p:tgtEl>
+                                      </p:cBhvr>
+                                    </p:animEffect>
+                                  </p:childTnLst>
+                                </p:cTn>
+                              </p:par>
+                              <p:par>
+                                <p:cTn id="37" presetID="10" presetClass="entr" presetSubtype="0" fill="hold" nodeType="withEffect">
+                                  <p:stCondLst>
+                                    <p:cond delay="0"/>
+                                  </p:stCondLst>
+                                  <p:childTnLst>
+                                    <p:set>
+                                      <p:cBhvr>
+                                        <p:cTn id="38" dur="1" fill="hold">
+                                          <p:stCondLst>
+                                            <p:cond delay="0"/>
+                                          </p:stCondLst>
+                                        </p:cTn>
+                                        <p:tgtEl>
+                                          <p:spTgt spid="15"/>
+                                        </p:tgtEl>
+                                        <p:attrNameLst>
+                                          <p:attrName>style.visibility</p:attrName>
+                                        </p:attrNameLst>
+                                      </p:cBhvr>
+                                      <p:to>
+                                        <p:strVal val="visible"/>
+                                      </p:to>
+                                    </p:set>
+                                    <p:animEffect transition="in" filter="fade">
+                                      <p:cBhvr>
+                                        <p:cTn id="39" dur="500"/>
+                                        <p:tgtEl>
+                                          <p:spTgt spid="15"/>
+                                        </p:tgtEl>
+                                      </p:cBhvr>
+                                    </p:animEffect>
+                                  </p:childTnLst>
+                                </p:cTn>
+                              </p:par>
+                            </p:childTnLst>
+                          </p:cTn>
+                        </p:par>
+                      </p:childTnLst>
+                    </p:cTn>
+                  </p:par>
+                  <p:par>
+                    <p:cTn id="40" fill="hold">
+                      <p:stCondLst>
+                        <p:cond delay="indefinite"/>
+                      </p:stCondLst>
+                      <p:childTnLst>
+                        <p:par>
+                          <p:cTn id="41" fill="hold">
+                            <p:stCondLst>
+                              <p:cond delay="0"/>
+                            </p:stCondLst>
+                            <p:childTnLst>
+                              <p:par>
+                                <p:cTn id="42" presetID="10" presetClass="entr" presetSubtype="0" fill="hold" grpId="0" nodeType="clickEffect">
+                                  <p:stCondLst>
+                                    <p:cond delay="0"/>
+                                  </p:stCondLst>
+                                  <p:childTnLst>
+                                    <p:set>
+                                      <p:cBhvr>
+                                        <p:cTn id="43" dur="1" fill="hold">
+                                          <p:stCondLst>
+                                            <p:cond delay="0"/>
+                                          </p:stCondLst>
+                                        </p:cTn>
+                                        <p:tgtEl>
+                                          <p:spTgt spid="14"/>
+                                        </p:tgtEl>
+                                        <p:attrNameLst>
+                                          <p:attrName>style.visibility</p:attrName>
+                                        </p:attrNameLst>
+                                      </p:cBhvr>
+                                      <p:to>
+                                        <p:strVal val="visible"/>
+                                      </p:to>
+                                    </p:set>
+                                    <p:animEffect transition="in" filter="fade">
+                                      <p:cBhvr>
+                                        <p:cTn id="44" dur="500"/>
+                                        <p:tgtEl>
+                                          <p:spTgt spid="14"/>
+                                        </p:tgtEl>
+                                      </p:cBhvr>
+                                    </p:animEffect>
+                                  </p:childTnLst>
+                                </p:cTn>
+                              </p:par>
+                              <p:par>
+                                <p:cTn id="45" presetID="10" presetClass="entr" presetSubtype="0" fill="hold" nodeType="withEffect">
+                                  <p:stCondLst>
+                                    <p:cond delay="0"/>
+                                  </p:stCondLst>
+                                  <p:childTnLst>
+                                    <p:set>
+                                      <p:cBhvr>
+                                        <p:cTn id="46" dur="1" fill="hold">
+                                          <p:stCondLst>
+                                            <p:cond delay="0"/>
+                                          </p:stCondLst>
+                                        </p:cTn>
+                                        <p:tgtEl>
+                                          <p:spTgt spid="9"/>
+                                        </p:tgtEl>
+                                        <p:attrNameLst>
+                                          <p:attrName>style.visibility</p:attrName>
+                                        </p:attrNameLst>
+                                      </p:cBhvr>
+                                      <p:to>
+                                        <p:strVal val="visible"/>
+                                      </p:to>
+                                    </p:set>
+                                    <p:animEffect transition="in" filter="fade">
+                                      <p:cBhvr>
+                                        <p:cTn id="47" dur="500"/>
+                                        <p:tgtEl>
+                                          <p:spTgt spid="9"/>
+                                        </p:tgtEl>
+                                      </p:cBhvr>
+                                    </p:animEffect>
+                                  </p:childTnLst>
+                                </p:cTn>
+                              </p:par>
+                            </p:childTnLst>
+                          </p:cTn>
+                        </p:par>
+                      </p:childTnLst>
+                    </p:cTn>
+                  </p:par>
+                </p:childTnLst>
+              </p:cTn>
+              <p:prevCondLst>
+                <p:cond evt="onPrev" delay="0">
+                  <p:tgtEl>
+                    <p:sldTgt/>
+                  </p:tgtEl>
+                </p:cond>
+              </p:prevCondLst>
+              <p:nextCondLst>
+                <p:cond evt="onNext" delay="0">
+                  <p:tgtEl>
+                    <p:sldTgt/>
+                  </p:tgtEl>
+                </p:cond>
+              </p:nextCondLst>
+            </p:seq>
+          </p:childTnLst>
+        </p:cTn>
+      </p:par>
+    </p:tnLst>
+    <p:bldLst>
+      <p:bldP spid="89" grpId="0"/>
+      <p:bldP spid="11" grpId="0"/>
+      <p:bldP spid="12" grpId="0"/>
+      <p:bldP spid="13" grpId="0"/>
+      <p:bldP spid="14" grpId="0"/>
+      <p:bldP spid="19" grpId="0"/>
+    </p:bldLst>
+  </p:timing>
+</p:sld>
+</file>
+
+<file path=ppt/slides/slide11.xml><?xml version="1.0" encoding="utf-8"?>
+<p:sld xmlns:a="http://schemas.openxmlformats.org/drawingml/2006/main" xmlns:r="http://schemas.openxmlformats.org/officeDocument/2006/relationships" xmlns:p="http://schemas.openxmlformats.org/presentationml/2006/main">
+  <p:cSld>
+    <p:spTree>
+      <p:nvGrpSpPr>
+        <p:cNvPr id="1" name="Shape 88"/>
+        <p:cNvGrpSpPr/>
+        <p:nvPr/>
+      </p:nvGrpSpPr>
+      <p:grpSpPr>
+        <a:xfrm>
+          <a:off x="0" y="0"/>
+          <a:ext cx="0" cy="0"/>
+          <a:chOff x="0" y="0"/>
+          <a:chExt cx="0" cy="0"/>
+        </a:xfrm>
+      </p:grpSpPr>
+      <p:sp>
+        <p:nvSpPr>
+          <p:cNvPr id="89" name="Shape 89"/>
+          <p:cNvSpPr txBox="1">
+            <a:spLocks noGrp="1"/>
+          </p:cNvSpPr>
+          <p:nvPr>
+            <p:ph type="title"/>
+          </p:nvPr>
+        </p:nvSpPr>
+        <p:spPr>
+          <a:xfrm>
             <a:off x="922000" y="891775"/>
             <a:ext cx="6866100" cy="857400"/>
           </a:xfrm>
@@ -6725,7 +8662,7 @@
                 <a:cs typeface="Arial"/>
                 <a:sym typeface="Arial"/>
               </a:rPr>
-              <a:t>10</a:t>
+              <a:t>11</a:t>
             </a:fld>
             <a:endParaRPr lang="iw-IL" sz="1400" b="0" i="0" u="none" strike="noStrike" cap="none">
               <a:solidFill>
@@ -8071,7 +10008,7 @@
 </p:sld>
 </file>
 
-<file path=ppt/slides/slide11.xml><?xml version="1.0" encoding="utf-8"?>
+<file path=ppt/slides/slide12.xml><?xml version="1.0" encoding="utf-8"?>
 <p:sld xmlns:a="http://schemas.openxmlformats.org/drawingml/2006/main" xmlns:r="http://schemas.openxmlformats.org/officeDocument/2006/relationships" xmlns:p="http://schemas.openxmlformats.org/presentationml/2006/main">
   <p:cSld>
     <p:spTree>
@@ -8160,7 +10097,7 @@
                 <a:cs typeface="Arial"/>
                 <a:sym typeface="Arial"/>
               </a:rPr>
-              <a:t>11</a:t>
+              <a:t>12</a:t>
             </a:fld>
             <a:endParaRPr lang="x-none" sz="1400" b="0" i="0" u="none" strike="noStrike" cap="none">
               <a:solidFill>
@@ -8187,7 +10124,7 @@
 </p:sld>
 </file>
 
-<file path=ppt/slides/slide12.xml><?xml version="1.0" encoding="utf-8"?>
+<file path=ppt/slides/slide13.xml><?xml version="1.0" encoding="utf-8"?>
 <p:sld xmlns:a="http://schemas.openxmlformats.org/drawingml/2006/main" xmlns:r="http://schemas.openxmlformats.org/officeDocument/2006/relationships" xmlns:p="http://schemas.openxmlformats.org/presentationml/2006/main">
   <p:cSld>
     <p:spTree>
@@ -8398,7 +10335,7 @@
                 <a:cs typeface="Arial"/>
                 <a:sym typeface="Arial"/>
               </a:rPr>
-              <a:t>12</a:t>
+              <a:t>13</a:t>
             </a:fld>
             <a:endParaRPr lang="iw-IL" sz="1400" b="0" i="0" u="none" strike="noStrike" cap="none">
               <a:solidFill>
@@ -9152,7 +11089,7 @@
 </p:sld>
 </file>
 
-<file path=ppt/slides/slide13.xml><?xml version="1.0" encoding="utf-8"?>
+<file path=ppt/slides/slide14.xml><?xml version="1.0" encoding="utf-8"?>
 <p:sld xmlns:a="http://schemas.openxmlformats.org/drawingml/2006/main" xmlns:r="http://schemas.openxmlformats.org/officeDocument/2006/relationships" xmlns:p="http://schemas.openxmlformats.org/presentationml/2006/main">
   <p:cSld>
     <p:spTree>
@@ -9374,7 +11311,7 @@
                 <a:cs typeface="Arial"/>
                 <a:sym typeface="Arial"/>
               </a:rPr>
-              <a:t>13</a:t>
+              <a:t>14</a:t>
             </a:fld>
             <a:endParaRPr lang="iw-IL" sz="1400" b="0" i="0" u="none" strike="noStrike" cap="none">
               <a:solidFill>
@@ -10128,7 +12065,7 @@
 </p:sld>
 </file>
 
-<file path=ppt/slides/slide14.xml><?xml version="1.0" encoding="utf-8"?>
+<file path=ppt/slides/slide15.xml><?xml version="1.0" encoding="utf-8"?>
 <p:sld xmlns:a="http://schemas.openxmlformats.org/drawingml/2006/main" xmlns:r="http://schemas.openxmlformats.org/officeDocument/2006/relationships" xmlns:p="http://schemas.openxmlformats.org/presentationml/2006/main">
   <p:cSld>
     <p:spTree>
@@ -10201,7 +12138,7 @@
                 <a:cs typeface="Arial"/>
                 <a:sym typeface="Arial"/>
               </a:rPr>
-              <a:t>14</a:t>
+              <a:t>15</a:t>
             </a:fld>
             <a:endParaRPr lang="x-none" sz="1400" b="0" i="0" u="none" strike="noStrike" cap="none">
               <a:solidFill>
@@ -22356,6 +24293,3664 @@
   <p:cSld>
     <p:spTree>
       <p:nvGrpSpPr>
+        <p:cNvPr id="1" name="Shape 115"/>
+        <p:cNvGrpSpPr/>
+        <p:nvPr/>
+      </p:nvGrpSpPr>
+      <p:grpSpPr>
+        <a:xfrm>
+          <a:off x="0" y="0"/>
+          <a:ext cx="0" cy="0"/>
+          <a:chOff x="0" y="0"/>
+          <a:chExt cx="0" cy="0"/>
+        </a:xfrm>
+      </p:grpSpPr>
+      <p:sp>
+        <p:nvSpPr>
+          <p:cNvPr id="116" name="Shape 116"/>
+          <p:cNvSpPr txBox="1">
+            <a:spLocks noGrp="1"/>
+          </p:cNvSpPr>
+          <p:nvPr>
+            <p:ph type="title"/>
+          </p:nvPr>
+        </p:nvSpPr>
+        <p:spPr>
+          <a:xfrm>
+            <a:off x="922000" y="832219"/>
+            <a:ext cx="6866100" cy="857400"/>
+          </a:xfrm>
+          <a:prstGeom prst="rect">
+            <a:avLst/>
+          </a:prstGeom>
+          <a:noFill/>
+          <a:ln>
+            <a:noFill/>
+          </a:ln>
+        </p:spPr>
+        <p:txBody>
+          <a:bodyPr wrap="square" lIns="91425" tIns="91425" rIns="91425" bIns="91425" anchor="t" anchorCtr="0">
+            <a:noAutofit/>
+          </a:bodyPr>
+          <a:lstStyle/>
+          <a:p>
+            <a:pPr marL="0" marR="0" lvl="0" indent="-368300" algn="l" rtl="0">
+              <a:lnSpc>
+                <a:spcPct val="100000"/>
+              </a:lnSpc>
+              <a:spcBef>
+                <a:spcPts val="0"/>
+              </a:spcBef>
+              <a:spcAft>
+                <a:spcPts val="0"/>
+              </a:spcAft>
+              <a:buClr>
+                <a:srgbClr val="434343"/>
+              </a:buClr>
+              <a:buSzPts val="5800"/>
+              <a:buFont typeface="Raleway ExtraBold"/>
+              <a:buNone/>
+            </a:pPr>
+            <a:r>
+              <a:rPr lang="en-US" sz="5800" b="0" i="0" u="none" strike="noStrike" cap="none" dirty="0">
+                <a:solidFill>
+                  <a:srgbClr val="434343"/>
+                </a:solidFill>
+                <a:latin typeface="Raleway ExtraBold"/>
+                <a:ea typeface="Raleway ExtraBold"/>
+                <a:cs typeface="Raleway ExtraBold"/>
+                <a:sym typeface="Raleway ExtraBold"/>
+              </a:rPr>
+              <a:t>Simulation</a:t>
+            </a:r>
+            <a:br>
+              <a:rPr lang="iw-IL" sz="5800" b="0" i="0" u="none" strike="noStrike" cap="none" dirty="0">
+                <a:solidFill>
+                  <a:srgbClr val="434343"/>
+                </a:solidFill>
+                <a:latin typeface="Raleway ExtraBold"/>
+                <a:ea typeface="Raleway ExtraBold"/>
+                <a:cs typeface="Raleway ExtraBold"/>
+                <a:sym typeface="Raleway ExtraBold"/>
+              </a:rPr>
+            </a:br>
+            <a:r>
+              <a:rPr lang="en-US" sz="5800" b="0" i="0" u="none" strike="noStrike" cap="none" dirty="0">
+                <a:solidFill>
+                  <a:srgbClr val="FFB600"/>
+                </a:solidFill>
+                <a:latin typeface="Raleway ExtraBold"/>
+                <a:ea typeface="Raleway ExtraBold"/>
+                <a:cs typeface="Raleway ExtraBold"/>
+                <a:sym typeface="Raleway ExtraBold"/>
+              </a:rPr>
+              <a:t>steps</a:t>
+            </a:r>
+            <a:endParaRPr lang="iw-IL" sz="5800" b="0" i="0" u="none" strike="noStrike" cap="none" dirty="0">
+              <a:solidFill>
+                <a:srgbClr val="FFB600"/>
+              </a:solidFill>
+              <a:latin typeface="Raleway ExtraBold"/>
+              <a:ea typeface="Raleway ExtraBold"/>
+              <a:cs typeface="Raleway ExtraBold"/>
+              <a:sym typeface="Raleway ExtraBold"/>
+            </a:endParaRPr>
+          </a:p>
+        </p:txBody>
+      </p:sp>
+      <p:sp>
+        <p:nvSpPr>
+          <p:cNvPr id="117" name="Shape 117"/>
+          <p:cNvSpPr txBox="1">
+            <a:spLocks noGrp="1"/>
+          </p:cNvSpPr>
+          <p:nvPr>
+            <p:ph type="sldNum" idx="12"/>
+          </p:nvPr>
+        </p:nvSpPr>
+        <p:spPr>
+          <a:xfrm>
+            <a:off x="8604400" y="4590300"/>
+            <a:ext cx="539700" cy="553200"/>
+          </a:xfrm>
+          <a:prstGeom prst="rect">
+            <a:avLst/>
+          </a:prstGeom>
+          <a:noFill/>
+          <a:ln>
+            <a:noFill/>
+          </a:ln>
+        </p:spPr>
+        <p:txBody>
+          <a:bodyPr wrap="square" lIns="91425" tIns="91425" rIns="91425" bIns="91425" anchor="ctr" anchorCtr="0">
+            <a:noAutofit/>
+          </a:bodyPr>
+          <a:lstStyle/>
+          <a:p>
+            <a:pPr marL="0" marR="0" lvl="0" indent="-88900" algn="l" rtl="0">
+              <a:lnSpc>
+                <a:spcPct val="100000"/>
+              </a:lnSpc>
+              <a:spcBef>
+                <a:spcPts val="0"/>
+              </a:spcBef>
+              <a:spcAft>
+                <a:spcPts val="0"/>
+              </a:spcAft>
+              <a:buClr>
+                <a:srgbClr val="000000"/>
+              </a:buClr>
+              <a:buSzPts val="1400"/>
+              <a:buFont typeface="Arial"/>
+              <a:buNone/>
+            </a:pPr>
+            <a:fld id="{00000000-1234-1234-1234-123412341234}" type="slidenum">
+              <a:rPr lang="iw-IL" sz="1400" b="0" i="0" u="none" strike="noStrike" cap="none">
+                <a:solidFill>
+                  <a:srgbClr val="000000"/>
+                </a:solidFill>
+                <a:latin typeface="Arial"/>
+                <a:ea typeface="Arial"/>
+                <a:cs typeface="Arial"/>
+                <a:sym typeface="Arial"/>
+              </a:rPr>
+              <a:t>8</a:t>
+            </a:fld>
+            <a:endParaRPr lang="iw-IL" sz="1400" b="0" i="0" u="none" strike="noStrike" cap="none">
+              <a:solidFill>
+                <a:srgbClr val="000000"/>
+              </a:solidFill>
+              <a:latin typeface="Arial"/>
+              <a:ea typeface="Arial"/>
+              <a:cs typeface="Arial"/>
+              <a:sym typeface="Arial"/>
+            </a:endParaRPr>
+          </a:p>
+        </p:txBody>
+      </p:sp>
+      <p:sp>
+        <p:nvSpPr>
+          <p:cNvPr id="118" name="Shape 118"/>
+          <p:cNvSpPr/>
+          <p:nvPr/>
+        </p:nvSpPr>
+        <p:spPr>
+          <a:xfrm>
+            <a:off x="1151886" y="2947750"/>
+            <a:ext cx="594300" cy="594300"/>
+          </a:xfrm>
+          <a:prstGeom prst="ellipse">
+            <a:avLst/>
+          </a:prstGeom>
+          <a:noFill/>
+          <a:ln w="38100" cap="flat" cmpd="sng">
+            <a:solidFill>
+              <a:srgbClr val="434343"/>
+            </a:solidFill>
+            <a:prstDash val="solid"/>
+            <a:round/>
+            <a:headEnd type="none" w="med" len="med"/>
+            <a:tailEnd type="none" w="med" len="med"/>
+          </a:ln>
+        </p:spPr>
+        <p:txBody>
+          <a:bodyPr wrap="square" lIns="91425" tIns="91425" rIns="91425" bIns="91425" anchor="ctr" anchorCtr="0">
+            <a:noAutofit/>
+          </a:bodyPr>
+          <a:lstStyle/>
+          <a:p>
+            <a:pPr marL="0" marR="0" lvl="0" indent="-88900" algn="l" rtl="0">
+              <a:lnSpc>
+                <a:spcPct val="100000"/>
+              </a:lnSpc>
+              <a:spcBef>
+                <a:spcPts val="0"/>
+              </a:spcBef>
+              <a:spcAft>
+                <a:spcPts val="0"/>
+              </a:spcAft>
+              <a:buClr>
+                <a:srgbClr val="000000"/>
+              </a:buClr>
+              <a:buSzPts val="1400"/>
+              <a:buFont typeface="Arial"/>
+              <a:buNone/>
+            </a:pPr>
+            <a:endParaRPr sz="1400" b="0" i="0" u="none" strike="noStrike" cap="none">
+              <a:solidFill>
+                <a:srgbClr val="434343"/>
+              </a:solidFill>
+              <a:latin typeface="Raleway Light"/>
+              <a:ea typeface="Raleway Light"/>
+              <a:cs typeface="Raleway Light"/>
+              <a:sym typeface="Raleway Light"/>
+            </a:endParaRPr>
+          </a:p>
+        </p:txBody>
+      </p:sp>
+      <p:sp>
+        <p:nvSpPr>
+          <p:cNvPr id="119" name="Shape 119"/>
+          <p:cNvSpPr txBox="1"/>
+          <p:nvPr/>
+        </p:nvSpPr>
+        <p:spPr>
+          <a:xfrm>
+            <a:off x="1231170" y="3001401"/>
+            <a:ext cx="436800" cy="335526"/>
+          </a:xfrm>
+          <a:prstGeom prst="rect">
+            <a:avLst/>
+          </a:prstGeom>
+          <a:noFill/>
+          <a:ln>
+            <a:noFill/>
+          </a:ln>
+        </p:spPr>
+        <p:txBody>
+          <a:bodyPr wrap="square" lIns="91425" tIns="91425" rIns="91425" bIns="91425" anchor="t" anchorCtr="0">
+            <a:noAutofit/>
+          </a:bodyPr>
+          <a:lstStyle/>
+          <a:p>
+            <a:pPr marL="0" marR="0" lvl="0" indent="-139700" algn="ctr" rtl="0">
+              <a:lnSpc>
+                <a:spcPct val="115000"/>
+              </a:lnSpc>
+              <a:spcBef>
+                <a:spcPts val="0"/>
+              </a:spcBef>
+              <a:spcAft>
+                <a:spcPts val="0"/>
+              </a:spcAft>
+              <a:buClr>
+                <a:srgbClr val="FFB600"/>
+              </a:buClr>
+              <a:buSzPts val="2200"/>
+              <a:buFont typeface="Raleway Light"/>
+              <a:buNone/>
+            </a:pPr>
+            <a:r>
+              <a:rPr lang="iw-IL" sz="1600" b="1" i="0" u="none" strike="noStrike" cap="none">
+                <a:solidFill>
+                  <a:srgbClr val="434343"/>
+                </a:solidFill>
+                <a:latin typeface="Raleway Light"/>
+                <a:ea typeface="Raleway Light"/>
+                <a:cs typeface="Raleway Light"/>
+                <a:sym typeface="Raleway Light"/>
+              </a:rPr>
+              <a:t>1</a:t>
+            </a:r>
+          </a:p>
+        </p:txBody>
+      </p:sp>
+      <p:sp>
+        <p:nvSpPr>
+          <p:cNvPr id="120" name="Shape 120"/>
+          <p:cNvSpPr txBox="1"/>
+          <p:nvPr/>
+        </p:nvSpPr>
+        <p:spPr>
+          <a:xfrm>
+            <a:off x="594488" y="3478924"/>
+            <a:ext cx="1709100" cy="466601"/>
+          </a:xfrm>
+          <a:prstGeom prst="rect">
+            <a:avLst/>
+          </a:prstGeom>
+          <a:noFill/>
+          <a:ln>
+            <a:noFill/>
+          </a:ln>
+        </p:spPr>
+        <p:txBody>
+          <a:bodyPr wrap="square" lIns="91425" tIns="91425" rIns="91425" bIns="91425" anchor="b" anchorCtr="0">
+            <a:noAutofit/>
+          </a:bodyPr>
+          <a:lstStyle/>
+          <a:p>
+            <a:pPr marL="0" marR="0" lvl="0" indent="-63500" algn="ctr" rtl="0">
+              <a:lnSpc>
+                <a:spcPct val="115000"/>
+              </a:lnSpc>
+              <a:spcBef>
+                <a:spcPts val="0"/>
+              </a:spcBef>
+              <a:spcAft>
+                <a:spcPts val="0"/>
+              </a:spcAft>
+              <a:buClr>
+                <a:srgbClr val="434343"/>
+              </a:buClr>
+              <a:buSzPts val="1000"/>
+              <a:buFont typeface="Raleway ExtraBold"/>
+              <a:buNone/>
+            </a:pPr>
+            <a:r>
+              <a:rPr lang="en-US" sz="1000" dirty="0">
+                <a:solidFill>
+                  <a:srgbClr val="434343"/>
+                </a:solidFill>
+                <a:latin typeface="Raleway ExtraBold"/>
+                <a:ea typeface="Raleway ExtraBold"/>
+                <a:cs typeface="Raleway ExtraBold"/>
+                <a:sym typeface="Raleway ExtraBold"/>
+              </a:rPr>
+              <a:t>Step 1</a:t>
+            </a:r>
+            <a:endParaRPr lang="iw-IL" sz="1000" b="0" i="0" u="none" strike="noStrike" cap="none" dirty="0">
+              <a:solidFill>
+                <a:srgbClr val="434343"/>
+              </a:solidFill>
+              <a:latin typeface="Raleway ExtraBold"/>
+              <a:ea typeface="Raleway ExtraBold"/>
+              <a:cs typeface="Raleway ExtraBold"/>
+              <a:sym typeface="Raleway ExtraBold"/>
+            </a:endParaRPr>
+          </a:p>
+        </p:txBody>
+      </p:sp>
+      <p:sp>
+        <p:nvSpPr>
+          <p:cNvPr id="121" name="Shape 121"/>
+          <p:cNvSpPr txBox="1"/>
+          <p:nvPr/>
+        </p:nvSpPr>
+        <p:spPr>
+          <a:xfrm>
+            <a:off x="571536" y="3852902"/>
+            <a:ext cx="1755000" cy="737400"/>
+          </a:xfrm>
+          <a:prstGeom prst="rect">
+            <a:avLst/>
+          </a:prstGeom>
+          <a:noFill/>
+          <a:ln>
+            <a:noFill/>
+          </a:ln>
+        </p:spPr>
+        <p:txBody>
+          <a:bodyPr wrap="square" lIns="91425" tIns="91425" rIns="91425" bIns="91425" anchor="t" anchorCtr="0">
+            <a:noAutofit/>
+          </a:bodyPr>
+          <a:lstStyle/>
+          <a:p>
+            <a:pPr lvl="0" indent="-57150" algn="ctr">
+              <a:lnSpc>
+                <a:spcPct val="115000"/>
+              </a:lnSpc>
+              <a:buClr>
+                <a:srgbClr val="434343"/>
+              </a:buClr>
+              <a:buSzPts val="900"/>
+            </a:pPr>
+            <a:r>
+              <a:rPr lang="en-US" sz="1200" dirty="0">
+                <a:solidFill>
+                  <a:srgbClr val="434343"/>
+                </a:solidFill>
+                <a:latin typeface="Raleway Light"/>
+                <a:ea typeface="Raleway Light"/>
+                <a:cs typeface="Raleway Light"/>
+                <a:sym typeface="Raleway Light"/>
+              </a:rPr>
+              <a:t>Choose number</a:t>
+            </a:r>
+          </a:p>
+          <a:p>
+            <a:pPr lvl="0" indent="-57150" algn="ctr">
+              <a:lnSpc>
+                <a:spcPct val="115000"/>
+              </a:lnSpc>
+              <a:buClr>
+                <a:srgbClr val="434343"/>
+              </a:buClr>
+              <a:buSzPts val="900"/>
+            </a:pPr>
+            <a:r>
+              <a:rPr lang="en-US" sz="1200" dirty="0">
+                <a:solidFill>
+                  <a:srgbClr val="434343"/>
+                </a:solidFill>
+                <a:latin typeface="Raleway Light"/>
+                <a:ea typeface="Raleway Light"/>
+                <a:cs typeface="Raleway Light"/>
+                <a:sym typeface="Raleway Light"/>
+              </a:rPr>
+              <a:t>of vehicles</a:t>
+            </a:r>
+            <a:endParaRPr lang="iw-IL" sz="1050" b="0" i="0" u="none" strike="noStrike" cap="none" dirty="0">
+              <a:solidFill>
+                <a:srgbClr val="434343"/>
+              </a:solidFill>
+              <a:latin typeface="Raleway Light"/>
+              <a:ea typeface="Raleway Light"/>
+              <a:cs typeface="Raleway Light"/>
+              <a:sym typeface="Raleway Light"/>
+            </a:endParaRPr>
+          </a:p>
+        </p:txBody>
+      </p:sp>
+      <p:sp>
+        <p:nvSpPr>
+          <p:cNvPr id="122" name="Shape 122"/>
+          <p:cNvSpPr txBox="1"/>
+          <p:nvPr/>
+        </p:nvSpPr>
+        <p:spPr>
+          <a:xfrm>
+            <a:off x="2699425" y="3499125"/>
+            <a:ext cx="1709100" cy="446400"/>
+          </a:xfrm>
+          <a:prstGeom prst="rect">
+            <a:avLst/>
+          </a:prstGeom>
+          <a:noFill/>
+          <a:ln>
+            <a:noFill/>
+          </a:ln>
+        </p:spPr>
+        <p:txBody>
+          <a:bodyPr wrap="square" lIns="91425" tIns="91425" rIns="91425" bIns="91425" anchor="b" anchorCtr="0">
+            <a:noAutofit/>
+          </a:bodyPr>
+          <a:lstStyle/>
+          <a:p>
+            <a:pPr lvl="0" indent="-63500" algn="ctr">
+              <a:lnSpc>
+                <a:spcPct val="115000"/>
+              </a:lnSpc>
+              <a:buClr>
+                <a:srgbClr val="434343"/>
+              </a:buClr>
+              <a:buSzPts val="1000"/>
+            </a:pPr>
+            <a:r>
+              <a:rPr lang="en-US" sz="1000" dirty="0">
+                <a:solidFill>
+                  <a:srgbClr val="434343"/>
+                </a:solidFill>
+                <a:latin typeface="Raleway ExtraBold"/>
+                <a:ea typeface="Raleway ExtraBold"/>
+                <a:cs typeface="Raleway ExtraBold"/>
+                <a:sym typeface="Raleway ExtraBold"/>
+              </a:rPr>
+              <a:t>Step 2</a:t>
+            </a:r>
+            <a:endParaRPr lang="iw-IL" sz="1000" dirty="0">
+              <a:solidFill>
+                <a:srgbClr val="434343"/>
+              </a:solidFill>
+              <a:latin typeface="Raleway ExtraBold"/>
+              <a:ea typeface="Raleway ExtraBold"/>
+              <a:cs typeface="Raleway ExtraBold"/>
+              <a:sym typeface="Raleway ExtraBold"/>
+            </a:endParaRPr>
+          </a:p>
+        </p:txBody>
+      </p:sp>
+      <p:sp>
+        <p:nvSpPr>
+          <p:cNvPr id="123" name="Shape 123"/>
+          <p:cNvSpPr txBox="1"/>
+          <p:nvPr/>
+        </p:nvSpPr>
+        <p:spPr>
+          <a:xfrm>
+            <a:off x="2678405" y="3852902"/>
+            <a:ext cx="1709100" cy="737400"/>
+          </a:xfrm>
+          <a:prstGeom prst="rect">
+            <a:avLst/>
+          </a:prstGeom>
+          <a:noFill/>
+          <a:ln>
+            <a:noFill/>
+          </a:ln>
+        </p:spPr>
+        <p:txBody>
+          <a:bodyPr wrap="square" lIns="91425" tIns="91425" rIns="91425" bIns="91425" anchor="t" anchorCtr="0">
+            <a:noAutofit/>
+          </a:bodyPr>
+          <a:lstStyle/>
+          <a:p>
+            <a:pPr lvl="0" indent="-57150" algn="ctr">
+              <a:lnSpc>
+                <a:spcPct val="115000"/>
+              </a:lnSpc>
+              <a:buClr>
+                <a:srgbClr val="434343"/>
+              </a:buClr>
+              <a:buSzPts val="900"/>
+            </a:pPr>
+            <a:r>
+              <a:rPr lang="en-US" sz="1200" dirty="0">
+                <a:solidFill>
+                  <a:srgbClr val="434343"/>
+                </a:solidFill>
+                <a:latin typeface="Raleway Light"/>
+                <a:ea typeface="Raleway Light"/>
+                <a:cs typeface="Raleway Light"/>
+                <a:sym typeface="Raleway Light"/>
+              </a:rPr>
+              <a:t>Choose frequency</a:t>
+            </a:r>
+          </a:p>
+          <a:p>
+            <a:pPr lvl="0" indent="-57150" algn="ctr">
+              <a:lnSpc>
+                <a:spcPct val="115000"/>
+              </a:lnSpc>
+              <a:buClr>
+                <a:srgbClr val="434343"/>
+              </a:buClr>
+              <a:buSzPts val="900"/>
+            </a:pPr>
+            <a:r>
+              <a:rPr lang="en-US" sz="1200" dirty="0">
+                <a:solidFill>
+                  <a:srgbClr val="434343"/>
+                </a:solidFill>
+                <a:latin typeface="Raleway Light"/>
+                <a:ea typeface="Raleway Light"/>
+                <a:cs typeface="Raleway Light"/>
+                <a:sym typeface="Raleway Light"/>
+              </a:rPr>
+              <a:t>of the vehicles</a:t>
+            </a:r>
+            <a:endParaRPr lang="iw-IL" sz="1050" dirty="0">
+              <a:solidFill>
+                <a:srgbClr val="434343"/>
+              </a:solidFill>
+              <a:latin typeface="Raleway Light"/>
+              <a:ea typeface="Raleway Light"/>
+              <a:cs typeface="Raleway Light"/>
+              <a:sym typeface="Raleway Light"/>
+            </a:endParaRPr>
+          </a:p>
+        </p:txBody>
+      </p:sp>
+      <p:sp>
+        <p:nvSpPr>
+          <p:cNvPr id="124" name="Shape 124"/>
+          <p:cNvSpPr/>
+          <p:nvPr/>
+        </p:nvSpPr>
+        <p:spPr>
+          <a:xfrm>
+            <a:off x="5338808" y="2947750"/>
+            <a:ext cx="594300" cy="594300"/>
+          </a:xfrm>
+          <a:prstGeom prst="ellipse">
+            <a:avLst/>
+          </a:prstGeom>
+          <a:noFill/>
+          <a:ln w="38100" cap="flat" cmpd="sng">
+            <a:solidFill>
+              <a:srgbClr val="434343"/>
+            </a:solidFill>
+            <a:prstDash val="solid"/>
+            <a:round/>
+            <a:headEnd type="none" w="med" len="med"/>
+            <a:tailEnd type="none" w="med" len="med"/>
+          </a:ln>
+        </p:spPr>
+        <p:txBody>
+          <a:bodyPr wrap="square" lIns="91425" tIns="91425" rIns="91425" bIns="91425" anchor="ctr" anchorCtr="0">
+            <a:noAutofit/>
+          </a:bodyPr>
+          <a:lstStyle/>
+          <a:p>
+            <a:pPr marL="0" marR="0" lvl="0" indent="-88900" algn="l" rtl="0">
+              <a:lnSpc>
+                <a:spcPct val="100000"/>
+              </a:lnSpc>
+              <a:spcBef>
+                <a:spcPts val="0"/>
+              </a:spcBef>
+              <a:spcAft>
+                <a:spcPts val="0"/>
+              </a:spcAft>
+              <a:buClr>
+                <a:srgbClr val="000000"/>
+              </a:buClr>
+              <a:buSzPts val="1400"/>
+              <a:buFont typeface="Arial"/>
+              <a:buNone/>
+            </a:pPr>
+            <a:endParaRPr sz="1400" b="0" i="0" u="none" strike="noStrike" cap="none">
+              <a:solidFill>
+                <a:srgbClr val="434343"/>
+              </a:solidFill>
+              <a:latin typeface="Raleway Light"/>
+              <a:ea typeface="Raleway Light"/>
+              <a:cs typeface="Raleway Light"/>
+              <a:sym typeface="Raleway Light"/>
+            </a:endParaRPr>
+          </a:p>
+        </p:txBody>
+      </p:sp>
+      <p:sp>
+        <p:nvSpPr>
+          <p:cNvPr id="125" name="Shape 125"/>
+          <p:cNvSpPr txBox="1"/>
+          <p:nvPr/>
+        </p:nvSpPr>
+        <p:spPr>
+          <a:xfrm>
+            <a:off x="4781413" y="3499125"/>
+            <a:ext cx="1709100" cy="446400"/>
+          </a:xfrm>
+          <a:prstGeom prst="rect">
+            <a:avLst/>
+          </a:prstGeom>
+          <a:noFill/>
+          <a:ln>
+            <a:noFill/>
+          </a:ln>
+        </p:spPr>
+        <p:txBody>
+          <a:bodyPr wrap="square" lIns="91425" tIns="91425" rIns="91425" bIns="91425" anchor="b" anchorCtr="0">
+            <a:noAutofit/>
+          </a:bodyPr>
+          <a:lstStyle/>
+          <a:p>
+            <a:pPr lvl="0" indent="-63500" algn="ctr">
+              <a:lnSpc>
+                <a:spcPct val="115000"/>
+              </a:lnSpc>
+              <a:buClr>
+                <a:srgbClr val="434343"/>
+              </a:buClr>
+              <a:buSzPts val="1000"/>
+            </a:pPr>
+            <a:r>
+              <a:rPr lang="en-US" sz="1000" dirty="0">
+                <a:solidFill>
+                  <a:srgbClr val="434343"/>
+                </a:solidFill>
+                <a:latin typeface="Raleway ExtraBold"/>
+                <a:ea typeface="Raleway ExtraBold"/>
+                <a:cs typeface="Raleway ExtraBold"/>
+                <a:sym typeface="Raleway ExtraBold"/>
+              </a:rPr>
+              <a:t>Step 3</a:t>
+            </a:r>
+            <a:endParaRPr lang="iw-IL" sz="1000" dirty="0">
+              <a:solidFill>
+                <a:srgbClr val="434343"/>
+              </a:solidFill>
+              <a:latin typeface="Raleway ExtraBold"/>
+              <a:ea typeface="Raleway ExtraBold"/>
+              <a:cs typeface="Raleway ExtraBold"/>
+              <a:sym typeface="Raleway ExtraBold"/>
+            </a:endParaRPr>
+          </a:p>
+        </p:txBody>
+      </p:sp>
+      <p:sp>
+        <p:nvSpPr>
+          <p:cNvPr id="126" name="Shape 126"/>
+          <p:cNvSpPr txBox="1"/>
+          <p:nvPr/>
+        </p:nvSpPr>
+        <p:spPr>
+          <a:xfrm>
+            <a:off x="4698192" y="3852900"/>
+            <a:ext cx="1947849" cy="737400"/>
+          </a:xfrm>
+          <a:prstGeom prst="rect">
+            <a:avLst/>
+          </a:prstGeom>
+          <a:noFill/>
+          <a:ln>
+            <a:noFill/>
+          </a:ln>
+        </p:spPr>
+        <p:txBody>
+          <a:bodyPr wrap="square" lIns="91425" tIns="91425" rIns="91425" bIns="91425" anchor="t" anchorCtr="0">
+            <a:noAutofit/>
+          </a:bodyPr>
+          <a:lstStyle/>
+          <a:p>
+            <a:pPr lvl="0" indent="-57150" algn="ctr">
+              <a:lnSpc>
+                <a:spcPct val="115000"/>
+              </a:lnSpc>
+              <a:buClr>
+                <a:srgbClr val="434343"/>
+              </a:buClr>
+              <a:buSzPts val="900"/>
+            </a:pPr>
+            <a:r>
+              <a:rPr lang="en-US" sz="1200" dirty="0">
+                <a:solidFill>
+                  <a:srgbClr val="434343"/>
+                </a:solidFill>
+                <a:latin typeface="Raleway Light"/>
+                <a:ea typeface="Raleway Light"/>
+                <a:cs typeface="Raleway Light"/>
+                <a:sym typeface="Raleway Light"/>
+              </a:rPr>
+              <a:t>Randomly choose initial and final coordinates for each vehicle</a:t>
+            </a:r>
+            <a:endParaRPr lang="iw-IL" sz="1050" dirty="0">
+              <a:solidFill>
+                <a:srgbClr val="434343"/>
+              </a:solidFill>
+              <a:latin typeface="Raleway Light"/>
+              <a:ea typeface="Raleway Light"/>
+              <a:cs typeface="Raleway Light"/>
+              <a:sym typeface="Raleway Light"/>
+            </a:endParaRPr>
+          </a:p>
+        </p:txBody>
+      </p:sp>
+      <p:sp>
+        <p:nvSpPr>
+          <p:cNvPr id="127" name="Shape 127"/>
+          <p:cNvSpPr/>
+          <p:nvPr/>
+        </p:nvSpPr>
+        <p:spPr>
+          <a:xfrm>
+            <a:off x="7420786" y="2947750"/>
+            <a:ext cx="594300" cy="594300"/>
+          </a:xfrm>
+          <a:prstGeom prst="ellipse">
+            <a:avLst/>
+          </a:prstGeom>
+          <a:noFill/>
+          <a:ln w="38100" cap="flat" cmpd="sng">
+            <a:solidFill>
+              <a:srgbClr val="434343"/>
+            </a:solidFill>
+            <a:prstDash val="solid"/>
+            <a:round/>
+            <a:headEnd type="none" w="med" len="med"/>
+            <a:tailEnd type="none" w="med" len="med"/>
+          </a:ln>
+        </p:spPr>
+        <p:txBody>
+          <a:bodyPr wrap="square" lIns="91425" tIns="91425" rIns="91425" bIns="91425" anchor="ctr" anchorCtr="0">
+            <a:noAutofit/>
+          </a:bodyPr>
+          <a:lstStyle/>
+          <a:p>
+            <a:pPr marL="0" marR="0" lvl="0" indent="-88900" algn="l" rtl="0">
+              <a:lnSpc>
+                <a:spcPct val="100000"/>
+              </a:lnSpc>
+              <a:spcBef>
+                <a:spcPts val="0"/>
+              </a:spcBef>
+              <a:spcAft>
+                <a:spcPts val="0"/>
+              </a:spcAft>
+              <a:buClr>
+                <a:srgbClr val="000000"/>
+              </a:buClr>
+              <a:buSzPts val="1400"/>
+              <a:buFont typeface="Arial"/>
+              <a:buNone/>
+            </a:pPr>
+            <a:endParaRPr sz="1400" b="0" i="0" u="none" strike="noStrike" cap="none">
+              <a:solidFill>
+                <a:srgbClr val="434343"/>
+              </a:solidFill>
+              <a:latin typeface="Raleway Light"/>
+              <a:ea typeface="Raleway Light"/>
+              <a:cs typeface="Raleway Light"/>
+              <a:sym typeface="Raleway Light"/>
+            </a:endParaRPr>
+          </a:p>
+        </p:txBody>
+      </p:sp>
+      <p:sp>
+        <p:nvSpPr>
+          <p:cNvPr id="128" name="Shape 128"/>
+          <p:cNvSpPr txBox="1"/>
+          <p:nvPr/>
+        </p:nvSpPr>
+        <p:spPr>
+          <a:xfrm>
+            <a:off x="6863391" y="3499125"/>
+            <a:ext cx="1709100" cy="446400"/>
+          </a:xfrm>
+          <a:prstGeom prst="rect">
+            <a:avLst/>
+          </a:prstGeom>
+          <a:noFill/>
+          <a:ln>
+            <a:noFill/>
+          </a:ln>
+        </p:spPr>
+        <p:txBody>
+          <a:bodyPr wrap="square" lIns="91425" tIns="91425" rIns="91425" bIns="91425" anchor="b" anchorCtr="0">
+            <a:noAutofit/>
+          </a:bodyPr>
+          <a:lstStyle/>
+          <a:p>
+            <a:pPr lvl="0" indent="-63500" algn="ctr">
+              <a:lnSpc>
+                <a:spcPct val="115000"/>
+              </a:lnSpc>
+              <a:buClr>
+                <a:srgbClr val="434343"/>
+              </a:buClr>
+              <a:buSzPts val="1000"/>
+            </a:pPr>
+            <a:r>
+              <a:rPr lang="en-US" sz="1000" dirty="0">
+                <a:solidFill>
+                  <a:srgbClr val="434343"/>
+                </a:solidFill>
+                <a:latin typeface="Raleway ExtraBold"/>
+                <a:ea typeface="Raleway ExtraBold"/>
+                <a:cs typeface="Raleway ExtraBold"/>
+                <a:sym typeface="Raleway ExtraBold"/>
+              </a:rPr>
+              <a:t>Step 4</a:t>
+            </a:r>
+            <a:endParaRPr lang="iw-IL" sz="1000" dirty="0">
+              <a:solidFill>
+                <a:srgbClr val="434343"/>
+              </a:solidFill>
+              <a:latin typeface="Raleway ExtraBold"/>
+              <a:ea typeface="Raleway ExtraBold"/>
+              <a:cs typeface="Raleway ExtraBold"/>
+              <a:sym typeface="Raleway ExtraBold"/>
+            </a:endParaRPr>
+          </a:p>
+        </p:txBody>
+      </p:sp>
+      <p:sp>
+        <p:nvSpPr>
+          <p:cNvPr id="129" name="Shape 129"/>
+          <p:cNvSpPr txBox="1"/>
+          <p:nvPr/>
+        </p:nvSpPr>
+        <p:spPr>
+          <a:xfrm>
+            <a:off x="6863436" y="3852902"/>
+            <a:ext cx="1709100" cy="737400"/>
+          </a:xfrm>
+          <a:prstGeom prst="rect">
+            <a:avLst/>
+          </a:prstGeom>
+          <a:noFill/>
+          <a:ln>
+            <a:noFill/>
+          </a:ln>
+        </p:spPr>
+        <p:txBody>
+          <a:bodyPr wrap="square" lIns="91425" tIns="91425" rIns="91425" bIns="91425" anchor="t" anchorCtr="0">
+            <a:noAutofit/>
+          </a:bodyPr>
+          <a:lstStyle/>
+          <a:p>
+            <a:pPr lvl="0" indent="-57150" algn="ctr">
+              <a:lnSpc>
+                <a:spcPct val="115000"/>
+              </a:lnSpc>
+              <a:buClr>
+                <a:srgbClr val="434343"/>
+              </a:buClr>
+              <a:buSzPts val="900"/>
+            </a:pPr>
+            <a:r>
+              <a:rPr lang="en-US" sz="1200" dirty="0">
+                <a:solidFill>
+                  <a:srgbClr val="434343"/>
+                </a:solidFill>
+                <a:latin typeface="Raleway Light"/>
+                <a:ea typeface="Raleway Light"/>
+                <a:cs typeface="Raleway Light"/>
+                <a:sym typeface="Raleway Light"/>
+              </a:rPr>
+              <a:t>Run a shortest path algorithm</a:t>
+            </a:r>
+            <a:endParaRPr lang="iw-IL" sz="1200" b="0" i="0" u="none" strike="noStrike" cap="none" dirty="0">
+              <a:solidFill>
+                <a:srgbClr val="434343"/>
+              </a:solidFill>
+              <a:latin typeface="Raleway Light"/>
+              <a:ea typeface="Raleway Light"/>
+              <a:cs typeface="Raleway Light"/>
+              <a:sym typeface="Raleway Light"/>
+            </a:endParaRPr>
+          </a:p>
+        </p:txBody>
+      </p:sp>
+      <p:sp>
+        <p:nvSpPr>
+          <p:cNvPr id="130" name="Shape 130"/>
+          <p:cNvSpPr/>
+          <p:nvPr/>
+        </p:nvSpPr>
+        <p:spPr>
+          <a:xfrm>
+            <a:off x="4337172" y="3238713"/>
+            <a:ext cx="594300" cy="36900"/>
+          </a:xfrm>
+          <a:prstGeom prst="roundRect">
+            <a:avLst>
+              <a:gd name="adj" fmla="val 50000"/>
+            </a:avLst>
+          </a:prstGeom>
+          <a:solidFill>
+            <a:schemeClr val="tx1">
+              <a:lumMod val="85000"/>
+              <a:lumOff val="15000"/>
+            </a:schemeClr>
+          </a:solidFill>
+          <a:ln w="9525" cap="flat" cmpd="sng">
+            <a:solidFill>
+              <a:srgbClr val="434343"/>
+            </a:solidFill>
+            <a:prstDash val="solid"/>
+            <a:round/>
+            <a:headEnd type="none" w="med" len="med"/>
+            <a:tailEnd type="none" w="med" len="med"/>
+          </a:ln>
+        </p:spPr>
+        <p:txBody>
+          <a:bodyPr wrap="square" lIns="91425" tIns="91425" rIns="91425" bIns="91425" anchor="ctr" anchorCtr="0">
+            <a:noAutofit/>
+          </a:bodyPr>
+          <a:lstStyle/>
+          <a:p>
+            <a:pPr marL="0" marR="0" lvl="0" indent="-88900" algn="l" rtl="0">
+              <a:lnSpc>
+                <a:spcPct val="100000"/>
+              </a:lnSpc>
+              <a:spcBef>
+                <a:spcPts val="0"/>
+              </a:spcBef>
+              <a:spcAft>
+                <a:spcPts val="0"/>
+              </a:spcAft>
+              <a:buClr>
+                <a:srgbClr val="000000"/>
+              </a:buClr>
+              <a:buSzPts val="1400"/>
+              <a:buFont typeface="Arial"/>
+              <a:buNone/>
+            </a:pPr>
+            <a:endParaRPr sz="1400" b="0" i="0" u="none" strike="noStrike" cap="none">
+              <a:solidFill>
+                <a:srgbClr val="434343"/>
+              </a:solidFill>
+              <a:latin typeface="Raleway Light"/>
+              <a:ea typeface="Raleway Light"/>
+              <a:cs typeface="Raleway Light"/>
+              <a:sym typeface="Raleway Light"/>
+            </a:endParaRPr>
+          </a:p>
+        </p:txBody>
+      </p:sp>
+      <p:sp>
+        <p:nvSpPr>
+          <p:cNvPr id="131" name="Shape 131"/>
+          <p:cNvSpPr/>
+          <p:nvPr/>
+        </p:nvSpPr>
+        <p:spPr>
+          <a:xfrm>
+            <a:off x="6419150" y="3238713"/>
+            <a:ext cx="594300" cy="36900"/>
+          </a:xfrm>
+          <a:prstGeom prst="roundRect">
+            <a:avLst>
+              <a:gd name="adj" fmla="val 50000"/>
+            </a:avLst>
+          </a:prstGeom>
+          <a:solidFill>
+            <a:schemeClr val="tx1">
+              <a:lumMod val="85000"/>
+              <a:lumOff val="15000"/>
+            </a:schemeClr>
+          </a:solidFill>
+          <a:ln w="9525" cap="flat" cmpd="sng">
+            <a:solidFill>
+              <a:srgbClr val="434343"/>
+            </a:solidFill>
+            <a:prstDash val="solid"/>
+            <a:round/>
+            <a:headEnd type="none" w="med" len="med"/>
+            <a:tailEnd type="none" w="med" len="med"/>
+          </a:ln>
+        </p:spPr>
+        <p:txBody>
+          <a:bodyPr wrap="square" lIns="91425" tIns="91425" rIns="91425" bIns="91425" anchor="ctr" anchorCtr="0">
+            <a:noAutofit/>
+          </a:bodyPr>
+          <a:lstStyle/>
+          <a:p>
+            <a:pPr marL="0" marR="0" lvl="0" indent="-88900" algn="l" rtl="0">
+              <a:lnSpc>
+                <a:spcPct val="100000"/>
+              </a:lnSpc>
+              <a:spcBef>
+                <a:spcPts val="0"/>
+              </a:spcBef>
+              <a:spcAft>
+                <a:spcPts val="0"/>
+              </a:spcAft>
+              <a:buClr>
+                <a:srgbClr val="000000"/>
+              </a:buClr>
+              <a:buSzPts val="1400"/>
+              <a:buFont typeface="Arial"/>
+              <a:buNone/>
+            </a:pPr>
+            <a:endParaRPr sz="1400" b="0" i="0" u="none" strike="noStrike" cap="none">
+              <a:solidFill>
+                <a:srgbClr val="434343"/>
+              </a:solidFill>
+              <a:latin typeface="Raleway Light"/>
+              <a:ea typeface="Raleway Light"/>
+              <a:cs typeface="Raleway Light"/>
+              <a:sym typeface="Raleway Light"/>
+            </a:endParaRPr>
+          </a:p>
+        </p:txBody>
+      </p:sp>
+      <p:grpSp>
+        <p:nvGrpSpPr>
+          <p:cNvPr id="132" name="Shape 132"/>
+          <p:cNvGrpSpPr/>
+          <p:nvPr/>
+        </p:nvGrpSpPr>
+        <p:grpSpPr>
+          <a:xfrm>
+            <a:off x="7964730" y="329098"/>
+            <a:ext cx="977040" cy="722851"/>
+            <a:chOff x="5255200" y="3006475"/>
+            <a:chExt cx="511700" cy="378575"/>
+          </a:xfrm>
+        </p:grpSpPr>
+        <p:sp>
+          <p:nvSpPr>
+            <p:cNvPr id="133" name="Shape 133"/>
+            <p:cNvSpPr/>
+            <p:nvPr/>
+          </p:nvSpPr>
+          <p:spPr>
+            <a:xfrm>
+              <a:off x="5255200" y="3006475"/>
+              <a:ext cx="349900" cy="349875"/>
+            </a:xfrm>
+            <a:custGeom>
+              <a:avLst/>
+              <a:gdLst/>
+              <a:ahLst/>
+              <a:cxnLst/>
+              <a:rect l="0" t="0" r="0" b="0"/>
+              <a:pathLst>
+                <a:path w="120000" h="120000" extrusionOk="0">
+                  <a:moveTo>
+                    <a:pt x="59897" y="40420"/>
+                  </a:moveTo>
+                  <a:lnTo>
+                    <a:pt x="61783" y="40625"/>
+                  </a:lnTo>
+                  <a:lnTo>
+                    <a:pt x="63661" y="40840"/>
+                  </a:lnTo>
+                  <a:lnTo>
+                    <a:pt x="65547" y="41260"/>
+                  </a:lnTo>
+                  <a:lnTo>
+                    <a:pt x="67227" y="41886"/>
+                  </a:lnTo>
+                  <a:lnTo>
+                    <a:pt x="69105" y="42726"/>
+                  </a:lnTo>
+                  <a:lnTo>
+                    <a:pt x="70785" y="43772"/>
+                  </a:lnTo>
+                  <a:lnTo>
+                    <a:pt x="72252" y="44818"/>
+                  </a:lnTo>
+                  <a:lnTo>
+                    <a:pt x="73718" y="46285"/>
+                  </a:lnTo>
+                  <a:lnTo>
+                    <a:pt x="75184" y="47751"/>
+                  </a:lnTo>
+                  <a:lnTo>
+                    <a:pt x="76230" y="49217"/>
+                  </a:lnTo>
+                  <a:lnTo>
+                    <a:pt x="77276" y="50889"/>
+                  </a:lnTo>
+                  <a:lnTo>
+                    <a:pt x="78116" y="52775"/>
+                  </a:lnTo>
+                  <a:lnTo>
+                    <a:pt x="78742" y="54448"/>
+                  </a:lnTo>
+                  <a:lnTo>
+                    <a:pt x="79162" y="56334"/>
+                  </a:lnTo>
+                  <a:lnTo>
+                    <a:pt x="79368" y="58220"/>
+                  </a:lnTo>
+                  <a:lnTo>
+                    <a:pt x="79368" y="60107"/>
+                  </a:lnTo>
+                  <a:lnTo>
+                    <a:pt x="79368" y="61984"/>
+                  </a:lnTo>
+                  <a:lnTo>
+                    <a:pt x="79162" y="63665"/>
+                  </a:lnTo>
+                  <a:lnTo>
+                    <a:pt x="78742" y="65551"/>
+                  </a:lnTo>
+                  <a:lnTo>
+                    <a:pt x="78116" y="67429"/>
+                  </a:lnTo>
+                  <a:lnTo>
+                    <a:pt x="77276" y="69110"/>
+                  </a:lnTo>
+                  <a:lnTo>
+                    <a:pt x="76230" y="70782"/>
+                  </a:lnTo>
+                  <a:lnTo>
+                    <a:pt x="75184" y="72463"/>
+                  </a:lnTo>
+                  <a:lnTo>
+                    <a:pt x="73718" y="73929"/>
+                  </a:lnTo>
+                  <a:lnTo>
+                    <a:pt x="72252" y="75181"/>
+                  </a:lnTo>
+                  <a:lnTo>
+                    <a:pt x="70785" y="76441"/>
+                  </a:lnTo>
+                  <a:lnTo>
+                    <a:pt x="69105" y="77273"/>
+                  </a:lnTo>
+                  <a:lnTo>
+                    <a:pt x="67227" y="78113"/>
+                  </a:lnTo>
+                  <a:lnTo>
+                    <a:pt x="65547" y="78739"/>
+                  </a:lnTo>
+                  <a:lnTo>
+                    <a:pt x="63661" y="79159"/>
+                  </a:lnTo>
+                  <a:lnTo>
+                    <a:pt x="61783" y="79374"/>
+                  </a:lnTo>
+                  <a:lnTo>
+                    <a:pt x="59897" y="79579"/>
+                  </a:lnTo>
+                  <a:lnTo>
+                    <a:pt x="58010" y="79374"/>
+                  </a:lnTo>
+                  <a:lnTo>
+                    <a:pt x="56124" y="79159"/>
+                  </a:lnTo>
+                  <a:lnTo>
+                    <a:pt x="54452" y="78739"/>
+                  </a:lnTo>
+                  <a:lnTo>
+                    <a:pt x="52566" y="78113"/>
+                  </a:lnTo>
+                  <a:lnTo>
+                    <a:pt x="50894" y="77273"/>
+                  </a:lnTo>
+                  <a:lnTo>
+                    <a:pt x="49214" y="76441"/>
+                  </a:lnTo>
+                  <a:lnTo>
+                    <a:pt x="47542" y="75181"/>
+                  </a:lnTo>
+                  <a:lnTo>
+                    <a:pt x="46076" y="73929"/>
+                  </a:lnTo>
+                  <a:lnTo>
+                    <a:pt x="44815" y="72463"/>
+                  </a:lnTo>
+                  <a:lnTo>
+                    <a:pt x="43563" y="70782"/>
+                  </a:lnTo>
+                  <a:lnTo>
+                    <a:pt x="42723" y="69110"/>
+                  </a:lnTo>
+                  <a:lnTo>
+                    <a:pt x="41883" y="67429"/>
+                  </a:lnTo>
+                  <a:lnTo>
+                    <a:pt x="41257" y="65551"/>
+                  </a:lnTo>
+                  <a:lnTo>
+                    <a:pt x="40837" y="63665"/>
+                  </a:lnTo>
+                  <a:lnTo>
+                    <a:pt x="40417" y="61984"/>
+                  </a:lnTo>
+                  <a:lnTo>
+                    <a:pt x="40417" y="60107"/>
+                  </a:lnTo>
+                  <a:lnTo>
+                    <a:pt x="40417" y="58220"/>
+                  </a:lnTo>
+                  <a:lnTo>
+                    <a:pt x="40837" y="56334"/>
+                  </a:lnTo>
+                  <a:lnTo>
+                    <a:pt x="41257" y="54448"/>
+                  </a:lnTo>
+                  <a:lnTo>
+                    <a:pt x="41883" y="52775"/>
+                  </a:lnTo>
+                  <a:lnTo>
+                    <a:pt x="42723" y="50889"/>
+                  </a:lnTo>
+                  <a:lnTo>
+                    <a:pt x="43563" y="49217"/>
+                  </a:lnTo>
+                  <a:lnTo>
+                    <a:pt x="44815" y="47751"/>
+                  </a:lnTo>
+                  <a:lnTo>
+                    <a:pt x="46076" y="46285"/>
+                  </a:lnTo>
+                  <a:lnTo>
+                    <a:pt x="47542" y="44818"/>
+                  </a:lnTo>
+                  <a:lnTo>
+                    <a:pt x="49214" y="43772"/>
+                  </a:lnTo>
+                  <a:lnTo>
+                    <a:pt x="50894" y="42726"/>
+                  </a:lnTo>
+                  <a:lnTo>
+                    <a:pt x="52566" y="41886"/>
+                  </a:lnTo>
+                  <a:lnTo>
+                    <a:pt x="54452" y="41260"/>
+                  </a:lnTo>
+                  <a:lnTo>
+                    <a:pt x="56124" y="40840"/>
+                  </a:lnTo>
+                  <a:lnTo>
+                    <a:pt x="58010" y="40625"/>
+                  </a:lnTo>
+                  <a:lnTo>
+                    <a:pt x="59897" y="40420"/>
+                  </a:lnTo>
+                  <a:close/>
+                  <a:moveTo>
+                    <a:pt x="55704" y="0"/>
+                  </a:moveTo>
+                  <a:lnTo>
+                    <a:pt x="54658" y="214"/>
+                  </a:lnTo>
+                  <a:lnTo>
+                    <a:pt x="53612" y="420"/>
+                  </a:lnTo>
+                  <a:lnTo>
+                    <a:pt x="52566" y="1046"/>
+                  </a:lnTo>
+                  <a:lnTo>
+                    <a:pt x="51726" y="1680"/>
+                  </a:lnTo>
+                  <a:lnTo>
+                    <a:pt x="50894" y="2512"/>
+                  </a:lnTo>
+                  <a:lnTo>
+                    <a:pt x="50260" y="3352"/>
+                  </a:lnTo>
+                  <a:lnTo>
+                    <a:pt x="49839" y="4398"/>
+                  </a:lnTo>
+                  <a:lnTo>
+                    <a:pt x="49634" y="5444"/>
+                  </a:lnTo>
+                  <a:lnTo>
+                    <a:pt x="48168" y="17800"/>
+                  </a:lnTo>
+                  <a:lnTo>
+                    <a:pt x="45655" y="18640"/>
+                  </a:lnTo>
+                  <a:lnTo>
+                    <a:pt x="43143" y="19687"/>
+                  </a:lnTo>
+                  <a:lnTo>
+                    <a:pt x="40837" y="20733"/>
+                  </a:lnTo>
+                  <a:lnTo>
+                    <a:pt x="38539" y="21993"/>
+                  </a:lnTo>
+                  <a:lnTo>
+                    <a:pt x="28696" y="14242"/>
+                  </a:lnTo>
+                  <a:lnTo>
+                    <a:pt x="27650" y="13616"/>
+                  </a:lnTo>
+                  <a:lnTo>
+                    <a:pt x="26604" y="13196"/>
+                  </a:lnTo>
+                  <a:lnTo>
+                    <a:pt x="25550" y="12981"/>
+                  </a:lnTo>
+                  <a:lnTo>
+                    <a:pt x="23458" y="12981"/>
+                  </a:lnTo>
+                  <a:lnTo>
+                    <a:pt x="22206" y="13401"/>
+                  </a:lnTo>
+                  <a:lnTo>
+                    <a:pt x="21366" y="14036"/>
+                  </a:lnTo>
+                  <a:lnTo>
+                    <a:pt x="20525" y="14662"/>
+                  </a:lnTo>
+                  <a:lnTo>
+                    <a:pt x="14661" y="20527"/>
+                  </a:lnTo>
+                  <a:lnTo>
+                    <a:pt x="13829" y="21359"/>
+                  </a:lnTo>
+                  <a:lnTo>
+                    <a:pt x="13409" y="22413"/>
+                  </a:lnTo>
+                  <a:lnTo>
+                    <a:pt x="12989" y="23459"/>
+                  </a:lnTo>
+                  <a:lnTo>
+                    <a:pt x="12783" y="24505"/>
+                  </a:lnTo>
+                  <a:lnTo>
+                    <a:pt x="12783" y="25757"/>
+                  </a:lnTo>
+                  <a:lnTo>
+                    <a:pt x="12989" y="26803"/>
+                  </a:lnTo>
+                  <a:lnTo>
+                    <a:pt x="13409" y="27858"/>
+                  </a:lnTo>
+                  <a:lnTo>
+                    <a:pt x="14035" y="28690"/>
+                  </a:lnTo>
+                  <a:lnTo>
+                    <a:pt x="21786" y="38533"/>
+                  </a:lnTo>
+                  <a:lnTo>
+                    <a:pt x="20525" y="40840"/>
+                  </a:lnTo>
+                  <a:lnTo>
+                    <a:pt x="19479" y="43352"/>
+                  </a:lnTo>
+                  <a:lnTo>
+                    <a:pt x="18639" y="45864"/>
+                  </a:lnTo>
+                  <a:lnTo>
+                    <a:pt x="17807" y="48377"/>
+                  </a:lnTo>
+                  <a:lnTo>
+                    <a:pt x="5452" y="49637"/>
+                  </a:lnTo>
+                  <a:lnTo>
+                    <a:pt x="4406" y="50049"/>
+                  </a:lnTo>
+                  <a:lnTo>
+                    <a:pt x="3360" y="50469"/>
+                  </a:lnTo>
+                  <a:lnTo>
+                    <a:pt x="2306" y="51095"/>
+                  </a:lnTo>
+                  <a:lnTo>
+                    <a:pt x="1474" y="51729"/>
+                  </a:lnTo>
+                  <a:lnTo>
+                    <a:pt x="848" y="52775"/>
+                  </a:lnTo>
+                  <a:lnTo>
+                    <a:pt x="428" y="53616"/>
+                  </a:lnTo>
+                  <a:lnTo>
+                    <a:pt x="8" y="54868"/>
+                  </a:lnTo>
+                  <a:lnTo>
+                    <a:pt x="8" y="55914"/>
+                  </a:lnTo>
+                  <a:lnTo>
+                    <a:pt x="8" y="64085"/>
+                  </a:lnTo>
+                  <a:lnTo>
+                    <a:pt x="8" y="65337"/>
+                  </a:lnTo>
+                  <a:lnTo>
+                    <a:pt x="428" y="66383"/>
+                  </a:lnTo>
+                  <a:lnTo>
+                    <a:pt x="848" y="67429"/>
+                  </a:lnTo>
+                  <a:lnTo>
+                    <a:pt x="1474" y="68270"/>
+                  </a:lnTo>
+                  <a:lnTo>
+                    <a:pt x="2306" y="69110"/>
+                  </a:lnTo>
+                  <a:lnTo>
+                    <a:pt x="3360" y="69736"/>
+                  </a:lnTo>
+                  <a:lnTo>
+                    <a:pt x="4406" y="70156"/>
+                  </a:lnTo>
+                  <a:lnTo>
+                    <a:pt x="5452" y="70362"/>
+                  </a:lnTo>
+                  <a:lnTo>
+                    <a:pt x="17807" y="71828"/>
+                  </a:lnTo>
+                  <a:lnTo>
+                    <a:pt x="18639" y="74340"/>
+                  </a:lnTo>
+                  <a:lnTo>
+                    <a:pt x="19479" y="76647"/>
+                  </a:lnTo>
+                  <a:lnTo>
+                    <a:pt x="20525" y="79159"/>
+                  </a:lnTo>
+                  <a:lnTo>
+                    <a:pt x="21786" y="81466"/>
+                  </a:lnTo>
+                  <a:lnTo>
+                    <a:pt x="14035" y="91309"/>
+                  </a:lnTo>
+                  <a:lnTo>
+                    <a:pt x="13409" y="92355"/>
+                  </a:lnTo>
+                  <a:lnTo>
+                    <a:pt x="12989" y="93401"/>
+                  </a:lnTo>
+                  <a:lnTo>
+                    <a:pt x="12783" y="94448"/>
+                  </a:lnTo>
+                  <a:lnTo>
+                    <a:pt x="12783" y="95494"/>
+                  </a:lnTo>
+                  <a:lnTo>
+                    <a:pt x="12989" y="96540"/>
+                  </a:lnTo>
+                  <a:lnTo>
+                    <a:pt x="13409" y="97586"/>
+                  </a:lnTo>
+                  <a:lnTo>
+                    <a:pt x="13829" y="98640"/>
+                  </a:lnTo>
+                  <a:lnTo>
+                    <a:pt x="14661" y="99472"/>
+                  </a:lnTo>
+                  <a:lnTo>
+                    <a:pt x="20525" y="105337"/>
+                  </a:lnTo>
+                  <a:lnTo>
+                    <a:pt x="21366" y="106177"/>
+                  </a:lnTo>
+                  <a:lnTo>
+                    <a:pt x="22206" y="106598"/>
+                  </a:lnTo>
+                  <a:lnTo>
+                    <a:pt x="23458" y="107009"/>
+                  </a:lnTo>
+                  <a:lnTo>
+                    <a:pt x="24504" y="107224"/>
+                  </a:lnTo>
+                  <a:lnTo>
+                    <a:pt x="25550" y="107224"/>
+                  </a:lnTo>
+                  <a:lnTo>
+                    <a:pt x="26604" y="106803"/>
+                  </a:lnTo>
+                  <a:lnTo>
+                    <a:pt x="27650" y="106383"/>
+                  </a:lnTo>
+                  <a:lnTo>
+                    <a:pt x="28696" y="105963"/>
+                  </a:lnTo>
+                  <a:lnTo>
+                    <a:pt x="38539" y="98220"/>
+                  </a:lnTo>
+                  <a:lnTo>
+                    <a:pt x="40837" y="99266"/>
+                  </a:lnTo>
+                  <a:lnTo>
+                    <a:pt x="43143" y="100518"/>
+                  </a:lnTo>
+                  <a:lnTo>
+                    <a:pt x="45655" y="101359"/>
+                  </a:lnTo>
+                  <a:lnTo>
+                    <a:pt x="48168" y="102199"/>
+                  </a:lnTo>
+                  <a:lnTo>
+                    <a:pt x="49634" y="114555"/>
+                  </a:lnTo>
+                  <a:lnTo>
+                    <a:pt x="49839" y="115601"/>
+                  </a:lnTo>
+                  <a:lnTo>
+                    <a:pt x="50260" y="116647"/>
+                  </a:lnTo>
+                  <a:lnTo>
+                    <a:pt x="50894" y="117693"/>
+                  </a:lnTo>
+                  <a:lnTo>
+                    <a:pt x="51726" y="118533"/>
+                  </a:lnTo>
+                  <a:lnTo>
+                    <a:pt x="52566" y="119159"/>
+                  </a:lnTo>
+                  <a:lnTo>
+                    <a:pt x="53612" y="119579"/>
+                  </a:lnTo>
+                  <a:lnTo>
+                    <a:pt x="54658" y="120000"/>
+                  </a:lnTo>
+                  <a:lnTo>
+                    <a:pt x="65127" y="120000"/>
+                  </a:lnTo>
+                  <a:lnTo>
+                    <a:pt x="66387" y="119579"/>
+                  </a:lnTo>
+                  <a:lnTo>
+                    <a:pt x="67227" y="119159"/>
+                  </a:lnTo>
+                  <a:lnTo>
+                    <a:pt x="68273" y="118533"/>
+                  </a:lnTo>
+                  <a:lnTo>
+                    <a:pt x="68899" y="117693"/>
+                  </a:lnTo>
+                  <a:lnTo>
+                    <a:pt x="69525" y="116647"/>
+                  </a:lnTo>
+                  <a:lnTo>
+                    <a:pt x="69945" y="115601"/>
+                  </a:lnTo>
+                  <a:lnTo>
+                    <a:pt x="70160" y="114555"/>
+                  </a:lnTo>
+                  <a:lnTo>
+                    <a:pt x="71617" y="102199"/>
+                  </a:lnTo>
+                  <a:lnTo>
+                    <a:pt x="74138" y="101359"/>
+                  </a:lnTo>
+                  <a:lnTo>
+                    <a:pt x="76650" y="100518"/>
+                  </a:lnTo>
+                  <a:lnTo>
+                    <a:pt x="79162" y="99266"/>
+                  </a:lnTo>
+                  <a:lnTo>
+                    <a:pt x="81460" y="98220"/>
+                  </a:lnTo>
+                  <a:lnTo>
+                    <a:pt x="91303" y="105963"/>
+                  </a:lnTo>
+                  <a:lnTo>
+                    <a:pt x="92143" y="106383"/>
+                  </a:lnTo>
+                  <a:lnTo>
+                    <a:pt x="93189" y="106803"/>
+                  </a:lnTo>
+                  <a:lnTo>
+                    <a:pt x="94235" y="107224"/>
+                  </a:lnTo>
+                  <a:lnTo>
+                    <a:pt x="95495" y="107224"/>
+                  </a:lnTo>
+                  <a:lnTo>
+                    <a:pt x="96541" y="107009"/>
+                  </a:lnTo>
+                  <a:lnTo>
+                    <a:pt x="97587" y="106598"/>
+                  </a:lnTo>
+                  <a:lnTo>
+                    <a:pt x="98633" y="106177"/>
+                  </a:lnTo>
+                  <a:lnTo>
+                    <a:pt x="99474" y="105337"/>
+                  </a:lnTo>
+                  <a:lnTo>
+                    <a:pt x="105338" y="99472"/>
+                  </a:lnTo>
+                  <a:lnTo>
+                    <a:pt x="105964" y="98640"/>
+                  </a:lnTo>
+                  <a:lnTo>
+                    <a:pt x="106590" y="97586"/>
+                  </a:lnTo>
+                  <a:lnTo>
+                    <a:pt x="106804" y="96540"/>
+                  </a:lnTo>
+                  <a:lnTo>
+                    <a:pt x="107010" y="95494"/>
+                  </a:lnTo>
+                  <a:lnTo>
+                    <a:pt x="107010" y="94448"/>
+                  </a:lnTo>
+                  <a:lnTo>
+                    <a:pt x="106804" y="93401"/>
+                  </a:lnTo>
+                  <a:lnTo>
+                    <a:pt x="106384" y="92355"/>
+                  </a:lnTo>
+                  <a:lnTo>
+                    <a:pt x="105750" y="91309"/>
+                  </a:lnTo>
+                  <a:lnTo>
+                    <a:pt x="98008" y="81466"/>
+                  </a:lnTo>
+                  <a:lnTo>
+                    <a:pt x="99259" y="79159"/>
+                  </a:lnTo>
+                  <a:lnTo>
+                    <a:pt x="100305" y="76647"/>
+                  </a:lnTo>
+                  <a:lnTo>
+                    <a:pt x="101360" y="74340"/>
+                  </a:lnTo>
+                  <a:lnTo>
+                    <a:pt x="101986" y="71828"/>
+                  </a:lnTo>
+                  <a:lnTo>
+                    <a:pt x="114547" y="70362"/>
+                  </a:lnTo>
+                  <a:lnTo>
+                    <a:pt x="115593" y="70156"/>
+                  </a:lnTo>
+                  <a:lnTo>
+                    <a:pt x="116639" y="69736"/>
+                  </a:lnTo>
+                  <a:lnTo>
+                    <a:pt x="117479" y="69110"/>
+                  </a:lnTo>
+                  <a:lnTo>
+                    <a:pt x="118319" y="68270"/>
+                  </a:lnTo>
+                  <a:lnTo>
+                    <a:pt x="118945" y="67429"/>
+                  </a:lnTo>
+                  <a:lnTo>
+                    <a:pt x="119571" y="66383"/>
+                  </a:lnTo>
+                  <a:lnTo>
+                    <a:pt x="119785" y="65337"/>
+                  </a:lnTo>
+                  <a:lnTo>
+                    <a:pt x="119991" y="64085"/>
+                  </a:lnTo>
+                  <a:lnTo>
+                    <a:pt x="119991" y="55914"/>
+                  </a:lnTo>
+                  <a:lnTo>
+                    <a:pt x="119785" y="54868"/>
+                  </a:lnTo>
+                  <a:lnTo>
+                    <a:pt x="119571" y="53616"/>
+                  </a:lnTo>
+                  <a:lnTo>
+                    <a:pt x="118945" y="52775"/>
+                  </a:lnTo>
+                  <a:lnTo>
+                    <a:pt x="118319" y="51729"/>
+                  </a:lnTo>
+                  <a:lnTo>
+                    <a:pt x="117479" y="51095"/>
+                  </a:lnTo>
+                  <a:lnTo>
+                    <a:pt x="116639" y="50469"/>
+                  </a:lnTo>
+                  <a:lnTo>
+                    <a:pt x="115593" y="50049"/>
+                  </a:lnTo>
+                  <a:lnTo>
+                    <a:pt x="114547" y="49637"/>
+                  </a:lnTo>
+                  <a:lnTo>
+                    <a:pt x="101986" y="48377"/>
+                  </a:lnTo>
+                  <a:lnTo>
+                    <a:pt x="101360" y="45864"/>
+                  </a:lnTo>
+                  <a:lnTo>
+                    <a:pt x="100305" y="43352"/>
+                  </a:lnTo>
+                  <a:lnTo>
+                    <a:pt x="99259" y="40840"/>
+                  </a:lnTo>
+                  <a:lnTo>
+                    <a:pt x="98008" y="38533"/>
+                  </a:lnTo>
+                  <a:lnTo>
+                    <a:pt x="105750" y="28690"/>
+                  </a:lnTo>
+                  <a:lnTo>
+                    <a:pt x="106384" y="27858"/>
+                  </a:lnTo>
+                  <a:lnTo>
+                    <a:pt x="106804" y="26803"/>
+                  </a:lnTo>
+                  <a:lnTo>
+                    <a:pt x="107010" y="25757"/>
+                  </a:lnTo>
+                  <a:lnTo>
+                    <a:pt x="107010" y="24505"/>
+                  </a:lnTo>
+                  <a:lnTo>
+                    <a:pt x="106804" y="23459"/>
+                  </a:lnTo>
+                  <a:lnTo>
+                    <a:pt x="106590" y="22413"/>
+                  </a:lnTo>
+                  <a:lnTo>
+                    <a:pt x="105964" y="21359"/>
+                  </a:lnTo>
+                  <a:lnTo>
+                    <a:pt x="105338" y="20527"/>
+                  </a:lnTo>
+                  <a:lnTo>
+                    <a:pt x="99474" y="14662"/>
+                  </a:lnTo>
+                  <a:lnTo>
+                    <a:pt x="98633" y="14036"/>
+                  </a:lnTo>
+                  <a:lnTo>
+                    <a:pt x="97587" y="13401"/>
+                  </a:lnTo>
+                  <a:lnTo>
+                    <a:pt x="96541" y="12981"/>
+                  </a:lnTo>
+                  <a:lnTo>
+                    <a:pt x="94235" y="12981"/>
+                  </a:lnTo>
+                  <a:lnTo>
+                    <a:pt x="93189" y="13196"/>
+                  </a:lnTo>
+                  <a:lnTo>
+                    <a:pt x="92143" y="13616"/>
+                  </a:lnTo>
+                  <a:lnTo>
+                    <a:pt x="91303" y="14242"/>
+                  </a:lnTo>
+                  <a:lnTo>
+                    <a:pt x="81460" y="21993"/>
+                  </a:lnTo>
+                  <a:lnTo>
+                    <a:pt x="79162" y="20733"/>
+                  </a:lnTo>
+                  <a:lnTo>
+                    <a:pt x="76650" y="19687"/>
+                  </a:lnTo>
+                  <a:lnTo>
+                    <a:pt x="74138" y="18640"/>
+                  </a:lnTo>
+                  <a:lnTo>
+                    <a:pt x="71617" y="17800"/>
+                  </a:lnTo>
+                  <a:lnTo>
+                    <a:pt x="70160" y="5444"/>
+                  </a:lnTo>
+                  <a:lnTo>
+                    <a:pt x="69945" y="4398"/>
+                  </a:lnTo>
+                  <a:lnTo>
+                    <a:pt x="69525" y="3352"/>
+                  </a:lnTo>
+                  <a:lnTo>
+                    <a:pt x="68899" y="2512"/>
+                  </a:lnTo>
+                  <a:lnTo>
+                    <a:pt x="68273" y="1680"/>
+                  </a:lnTo>
+                  <a:lnTo>
+                    <a:pt x="67227" y="1046"/>
+                  </a:lnTo>
+                  <a:lnTo>
+                    <a:pt x="66387" y="420"/>
+                  </a:lnTo>
+                  <a:lnTo>
+                    <a:pt x="65127" y="214"/>
+                  </a:lnTo>
+                  <a:lnTo>
+                    <a:pt x="64081" y="0"/>
+                  </a:lnTo>
+                  <a:close/>
+                </a:path>
+              </a:pathLst>
+            </a:custGeom>
+            <a:solidFill>
+              <a:srgbClr val="FFB600"/>
+            </a:solidFill>
+            <a:ln>
+              <a:noFill/>
+            </a:ln>
+          </p:spPr>
+          <p:txBody>
+            <a:bodyPr wrap="square" lIns="91425" tIns="91425" rIns="91425" bIns="91425" anchor="ctr" anchorCtr="0">
+              <a:noAutofit/>
+            </a:bodyPr>
+            <a:lstStyle/>
+            <a:p>
+              <a:pPr marL="0" marR="0" lvl="0" indent="-88900" algn="l" rtl="0">
+                <a:lnSpc>
+                  <a:spcPct val="100000"/>
+                </a:lnSpc>
+                <a:spcBef>
+                  <a:spcPts val="0"/>
+                </a:spcBef>
+                <a:spcAft>
+                  <a:spcPts val="0"/>
+                </a:spcAft>
+                <a:buClr>
+                  <a:srgbClr val="000000"/>
+                </a:buClr>
+                <a:buSzPts val="1400"/>
+                <a:buFont typeface="Arial"/>
+                <a:buNone/>
+              </a:pPr>
+              <a:endParaRPr sz="1400" b="0" i="0" u="none" strike="noStrike" cap="none">
+                <a:solidFill>
+                  <a:srgbClr val="000000"/>
+                </a:solidFill>
+                <a:latin typeface="Arial"/>
+                <a:ea typeface="Arial"/>
+                <a:cs typeface="Arial"/>
+                <a:sym typeface="Arial"/>
+              </a:endParaRPr>
+            </a:p>
+          </p:txBody>
+        </p:sp>
+        <p:sp>
+          <p:nvSpPr>
+            <p:cNvPr id="134" name="Shape 134"/>
+            <p:cNvSpPr/>
+            <p:nvPr/>
+          </p:nvSpPr>
+          <p:spPr>
+            <a:xfrm>
+              <a:off x="5567825" y="3185975"/>
+              <a:ext cx="199075" cy="199075"/>
+            </a:xfrm>
+            <a:custGeom>
+              <a:avLst/>
+              <a:gdLst/>
+              <a:ahLst/>
+              <a:cxnLst/>
+              <a:rect l="0" t="0" r="0" b="0"/>
+              <a:pathLst>
+                <a:path w="120000" h="120000" extrusionOk="0">
+                  <a:moveTo>
+                    <a:pt x="59269" y="34600"/>
+                  </a:moveTo>
+                  <a:lnTo>
+                    <a:pt x="61830" y="34976"/>
+                  </a:lnTo>
+                  <a:lnTo>
+                    <a:pt x="64407" y="34976"/>
+                  </a:lnTo>
+                  <a:lnTo>
+                    <a:pt x="66623" y="35715"/>
+                  </a:lnTo>
+                  <a:lnTo>
+                    <a:pt x="69200" y="36453"/>
+                  </a:lnTo>
+                  <a:lnTo>
+                    <a:pt x="71400" y="37553"/>
+                  </a:lnTo>
+                  <a:lnTo>
+                    <a:pt x="73615" y="38653"/>
+                  </a:lnTo>
+                  <a:lnTo>
+                    <a:pt x="75830" y="40130"/>
+                  </a:lnTo>
+                  <a:lnTo>
+                    <a:pt x="77669" y="41969"/>
+                  </a:lnTo>
+                  <a:lnTo>
+                    <a:pt x="79507" y="43445"/>
+                  </a:lnTo>
+                  <a:lnTo>
+                    <a:pt x="80969" y="45646"/>
+                  </a:lnTo>
+                  <a:lnTo>
+                    <a:pt x="82084" y="47484"/>
+                  </a:lnTo>
+                  <a:lnTo>
+                    <a:pt x="83184" y="49699"/>
+                  </a:lnTo>
+                  <a:lnTo>
+                    <a:pt x="84284" y="51900"/>
+                  </a:lnTo>
+                  <a:lnTo>
+                    <a:pt x="84661" y="54476"/>
+                  </a:lnTo>
+                  <a:lnTo>
+                    <a:pt x="85023" y="56692"/>
+                  </a:lnTo>
+                  <a:lnTo>
+                    <a:pt x="85399" y="59269"/>
+                  </a:lnTo>
+                  <a:lnTo>
+                    <a:pt x="85399" y="61469"/>
+                  </a:lnTo>
+                  <a:lnTo>
+                    <a:pt x="85023" y="64046"/>
+                  </a:lnTo>
+                  <a:lnTo>
+                    <a:pt x="84661" y="66623"/>
+                  </a:lnTo>
+                  <a:lnTo>
+                    <a:pt x="83923" y="68838"/>
+                  </a:lnTo>
+                  <a:lnTo>
+                    <a:pt x="82823" y="71415"/>
+                  </a:lnTo>
+                  <a:lnTo>
+                    <a:pt x="81346" y="73615"/>
+                  </a:lnTo>
+                  <a:lnTo>
+                    <a:pt x="79869" y="75453"/>
+                  </a:lnTo>
+                  <a:lnTo>
+                    <a:pt x="78407" y="77669"/>
+                  </a:lnTo>
+                  <a:lnTo>
+                    <a:pt x="76554" y="79146"/>
+                  </a:lnTo>
+                  <a:lnTo>
+                    <a:pt x="74715" y="80607"/>
+                  </a:lnTo>
+                  <a:lnTo>
+                    <a:pt x="72515" y="82084"/>
+                  </a:lnTo>
+                  <a:lnTo>
+                    <a:pt x="70300" y="83184"/>
+                  </a:lnTo>
+                  <a:lnTo>
+                    <a:pt x="68099" y="83923"/>
+                  </a:lnTo>
+                  <a:lnTo>
+                    <a:pt x="65884" y="84661"/>
+                  </a:lnTo>
+                  <a:lnTo>
+                    <a:pt x="63307" y="85023"/>
+                  </a:lnTo>
+                  <a:lnTo>
+                    <a:pt x="61107" y="85399"/>
+                  </a:lnTo>
+                  <a:lnTo>
+                    <a:pt x="58530" y="85023"/>
+                  </a:lnTo>
+                  <a:lnTo>
+                    <a:pt x="55953" y="85023"/>
+                  </a:lnTo>
+                  <a:lnTo>
+                    <a:pt x="53738" y="84299"/>
+                  </a:lnTo>
+                  <a:lnTo>
+                    <a:pt x="51161" y="83561"/>
+                  </a:lnTo>
+                  <a:lnTo>
+                    <a:pt x="48961" y="82446"/>
+                  </a:lnTo>
+                  <a:lnTo>
+                    <a:pt x="46746" y="81346"/>
+                  </a:lnTo>
+                  <a:lnTo>
+                    <a:pt x="44546" y="79869"/>
+                  </a:lnTo>
+                  <a:lnTo>
+                    <a:pt x="42692" y="78030"/>
+                  </a:lnTo>
+                  <a:lnTo>
+                    <a:pt x="40853" y="76569"/>
+                  </a:lnTo>
+                  <a:lnTo>
+                    <a:pt x="39392" y="74353"/>
+                  </a:lnTo>
+                  <a:lnTo>
+                    <a:pt x="38277" y="72515"/>
+                  </a:lnTo>
+                  <a:lnTo>
+                    <a:pt x="37176" y="70300"/>
+                  </a:lnTo>
+                  <a:lnTo>
+                    <a:pt x="36076" y="68099"/>
+                  </a:lnTo>
+                  <a:lnTo>
+                    <a:pt x="35700" y="65523"/>
+                  </a:lnTo>
+                  <a:lnTo>
+                    <a:pt x="34976" y="63307"/>
+                  </a:lnTo>
+                  <a:lnTo>
+                    <a:pt x="34976" y="60730"/>
+                  </a:lnTo>
+                  <a:lnTo>
+                    <a:pt x="34976" y="58530"/>
+                  </a:lnTo>
+                  <a:lnTo>
+                    <a:pt x="35338" y="55953"/>
+                  </a:lnTo>
+                  <a:lnTo>
+                    <a:pt x="35700" y="53376"/>
+                  </a:lnTo>
+                  <a:lnTo>
+                    <a:pt x="36438" y="51161"/>
+                  </a:lnTo>
+                  <a:lnTo>
+                    <a:pt x="37553" y="48584"/>
+                  </a:lnTo>
+                  <a:lnTo>
+                    <a:pt x="39015" y="46384"/>
+                  </a:lnTo>
+                  <a:lnTo>
+                    <a:pt x="40492" y="44546"/>
+                  </a:lnTo>
+                  <a:lnTo>
+                    <a:pt x="41969" y="42330"/>
+                  </a:lnTo>
+                  <a:lnTo>
+                    <a:pt x="43807" y="40869"/>
+                  </a:lnTo>
+                  <a:lnTo>
+                    <a:pt x="45646" y="39392"/>
+                  </a:lnTo>
+                  <a:lnTo>
+                    <a:pt x="47846" y="37915"/>
+                  </a:lnTo>
+                  <a:lnTo>
+                    <a:pt x="50061" y="36815"/>
+                  </a:lnTo>
+                  <a:lnTo>
+                    <a:pt x="52261" y="36076"/>
+                  </a:lnTo>
+                  <a:lnTo>
+                    <a:pt x="54476" y="35338"/>
+                  </a:lnTo>
+                  <a:lnTo>
+                    <a:pt x="57053" y="34976"/>
+                  </a:lnTo>
+                  <a:lnTo>
+                    <a:pt x="59269" y="34600"/>
+                  </a:lnTo>
+                  <a:close/>
+                  <a:moveTo>
+                    <a:pt x="46007" y="15"/>
+                  </a:moveTo>
+                  <a:lnTo>
+                    <a:pt x="44907" y="376"/>
+                  </a:lnTo>
+                  <a:lnTo>
+                    <a:pt x="36815" y="2953"/>
+                  </a:lnTo>
+                  <a:lnTo>
+                    <a:pt x="35700" y="3315"/>
+                  </a:lnTo>
+                  <a:lnTo>
+                    <a:pt x="34600" y="4053"/>
+                  </a:lnTo>
+                  <a:lnTo>
+                    <a:pt x="33123" y="5892"/>
+                  </a:lnTo>
+                  <a:lnTo>
+                    <a:pt x="32399" y="8107"/>
+                  </a:lnTo>
+                  <a:lnTo>
+                    <a:pt x="32399" y="9207"/>
+                  </a:lnTo>
+                  <a:lnTo>
+                    <a:pt x="32399" y="10307"/>
+                  </a:lnTo>
+                  <a:lnTo>
+                    <a:pt x="36076" y="27607"/>
+                  </a:lnTo>
+                  <a:lnTo>
+                    <a:pt x="33499" y="29446"/>
+                  </a:lnTo>
+                  <a:lnTo>
+                    <a:pt x="31284" y="31661"/>
+                  </a:lnTo>
+                  <a:lnTo>
+                    <a:pt x="15099" y="25407"/>
+                  </a:lnTo>
+                  <a:lnTo>
+                    <a:pt x="13984" y="25407"/>
+                  </a:lnTo>
+                  <a:lnTo>
+                    <a:pt x="12522" y="25030"/>
+                  </a:lnTo>
+                  <a:lnTo>
+                    <a:pt x="10307" y="25769"/>
+                  </a:lnTo>
+                  <a:lnTo>
+                    <a:pt x="8469" y="26884"/>
+                  </a:lnTo>
+                  <a:lnTo>
+                    <a:pt x="7730" y="27607"/>
+                  </a:lnTo>
+                  <a:lnTo>
+                    <a:pt x="6992" y="28722"/>
+                  </a:lnTo>
+                  <a:lnTo>
+                    <a:pt x="3315" y="36076"/>
+                  </a:lnTo>
+                  <a:lnTo>
+                    <a:pt x="2953" y="37176"/>
+                  </a:lnTo>
+                  <a:lnTo>
+                    <a:pt x="2576" y="38292"/>
+                  </a:lnTo>
+                  <a:lnTo>
+                    <a:pt x="2953" y="40869"/>
+                  </a:lnTo>
+                  <a:lnTo>
+                    <a:pt x="3692" y="42707"/>
+                  </a:lnTo>
+                  <a:lnTo>
+                    <a:pt x="4415" y="43807"/>
+                  </a:lnTo>
+                  <a:lnTo>
+                    <a:pt x="5530" y="44546"/>
+                  </a:lnTo>
+                  <a:lnTo>
+                    <a:pt x="20253" y="54115"/>
+                  </a:lnTo>
+                  <a:lnTo>
+                    <a:pt x="19876" y="57053"/>
+                  </a:lnTo>
+                  <a:lnTo>
+                    <a:pt x="19515" y="60369"/>
+                  </a:lnTo>
+                  <a:lnTo>
+                    <a:pt x="3692" y="67723"/>
+                  </a:lnTo>
+                  <a:lnTo>
+                    <a:pt x="2953" y="68099"/>
+                  </a:lnTo>
+                  <a:lnTo>
+                    <a:pt x="1853" y="68838"/>
+                  </a:lnTo>
+                  <a:lnTo>
+                    <a:pt x="738" y="71038"/>
+                  </a:lnTo>
+                  <a:lnTo>
+                    <a:pt x="0" y="73253"/>
+                  </a:lnTo>
+                  <a:lnTo>
+                    <a:pt x="376" y="74353"/>
+                  </a:lnTo>
+                  <a:lnTo>
+                    <a:pt x="376" y="75453"/>
+                  </a:lnTo>
+                  <a:lnTo>
+                    <a:pt x="3315" y="83561"/>
+                  </a:lnTo>
+                  <a:lnTo>
+                    <a:pt x="3692" y="84299"/>
+                  </a:lnTo>
+                  <a:lnTo>
+                    <a:pt x="4415" y="85399"/>
+                  </a:lnTo>
+                  <a:lnTo>
+                    <a:pt x="5892" y="86861"/>
+                  </a:lnTo>
+                  <a:lnTo>
+                    <a:pt x="8107" y="87600"/>
+                  </a:lnTo>
+                  <a:lnTo>
+                    <a:pt x="10307" y="87600"/>
+                  </a:lnTo>
+                  <a:lnTo>
+                    <a:pt x="27607" y="83923"/>
+                  </a:lnTo>
+                  <a:lnTo>
+                    <a:pt x="29446" y="86500"/>
+                  </a:lnTo>
+                  <a:lnTo>
+                    <a:pt x="31661" y="88715"/>
+                  </a:lnTo>
+                  <a:lnTo>
+                    <a:pt x="25769" y="105276"/>
+                  </a:lnTo>
+                  <a:lnTo>
+                    <a:pt x="25407" y="106376"/>
+                  </a:lnTo>
+                  <a:lnTo>
+                    <a:pt x="25407" y="107477"/>
+                  </a:lnTo>
+                  <a:lnTo>
+                    <a:pt x="25769" y="109692"/>
+                  </a:lnTo>
+                  <a:lnTo>
+                    <a:pt x="26869" y="111530"/>
+                  </a:lnTo>
+                  <a:lnTo>
+                    <a:pt x="27984" y="112269"/>
+                  </a:lnTo>
+                  <a:lnTo>
+                    <a:pt x="28707" y="113007"/>
+                  </a:lnTo>
+                  <a:lnTo>
+                    <a:pt x="36438" y="116684"/>
+                  </a:lnTo>
+                  <a:lnTo>
+                    <a:pt x="37553" y="117423"/>
+                  </a:lnTo>
+                  <a:lnTo>
+                    <a:pt x="40853" y="117423"/>
+                  </a:lnTo>
+                  <a:lnTo>
+                    <a:pt x="43069" y="116307"/>
+                  </a:lnTo>
+                  <a:lnTo>
+                    <a:pt x="43807" y="115569"/>
+                  </a:lnTo>
+                  <a:lnTo>
+                    <a:pt x="44546" y="114846"/>
+                  </a:lnTo>
+                  <a:lnTo>
+                    <a:pt x="54115" y="100123"/>
+                  </a:lnTo>
+                  <a:lnTo>
+                    <a:pt x="57415" y="100484"/>
+                  </a:lnTo>
+                  <a:lnTo>
+                    <a:pt x="60369" y="100484"/>
+                  </a:lnTo>
+                  <a:lnTo>
+                    <a:pt x="67723" y="116307"/>
+                  </a:lnTo>
+                  <a:lnTo>
+                    <a:pt x="68461" y="117423"/>
+                  </a:lnTo>
+                  <a:lnTo>
+                    <a:pt x="69200" y="118146"/>
+                  </a:lnTo>
+                  <a:lnTo>
+                    <a:pt x="71038" y="119261"/>
+                  </a:lnTo>
+                  <a:lnTo>
+                    <a:pt x="73253" y="120000"/>
+                  </a:lnTo>
+                  <a:lnTo>
+                    <a:pt x="74353" y="120000"/>
+                  </a:lnTo>
+                  <a:lnTo>
+                    <a:pt x="75453" y="119623"/>
+                  </a:lnTo>
+                  <a:lnTo>
+                    <a:pt x="83546" y="117046"/>
+                  </a:lnTo>
+                  <a:lnTo>
+                    <a:pt x="84661" y="116684"/>
+                  </a:lnTo>
+                  <a:lnTo>
+                    <a:pt x="85399" y="115946"/>
+                  </a:lnTo>
+                  <a:lnTo>
+                    <a:pt x="86861" y="114107"/>
+                  </a:lnTo>
+                  <a:lnTo>
+                    <a:pt x="87976" y="111892"/>
+                  </a:lnTo>
+                  <a:lnTo>
+                    <a:pt x="87976" y="110792"/>
+                  </a:lnTo>
+                  <a:lnTo>
+                    <a:pt x="87976" y="109692"/>
+                  </a:lnTo>
+                  <a:lnTo>
+                    <a:pt x="84284" y="92392"/>
+                  </a:lnTo>
+                  <a:lnTo>
+                    <a:pt x="86500" y="90553"/>
+                  </a:lnTo>
+                  <a:lnTo>
+                    <a:pt x="89076" y="88338"/>
+                  </a:lnTo>
+                  <a:lnTo>
+                    <a:pt x="105261" y="94592"/>
+                  </a:lnTo>
+                  <a:lnTo>
+                    <a:pt x="106376" y="94592"/>
+                  </a:lnTo>
+                  <a:lnTo>
+                    <a:pt x="107477" y="94969"/>
+                  </a:lnTo>
+                  <a:lnTo>
+                    <a:pt x="109677" y="94230"/>
+                  </a:lnTo>
+                  <a:lnTo>
+                    <a:pt x="111892" y="93130"/>
+                  </a:lnTo>
+                  <a:lnTo>
+                    <a:pt x="112630" y="92392"/>
+                  </a:lnTo>
+                  <a:lnTo>
+                    <a:pt x="113369" y="91292"/>
+                  </a:lnTo>
+                  <a:lnTo>
+                    <a:pt x="117046" y="83561"/>
+                  </a:lnTo>
+                  <a:lnTo>
+                    <a:pt x="117408" y="82823"/>
+                  </a:lnTo>
+                  <a:lnTo>
+                    <a:pt x="117784" y="81346"/>
+                  </a:lnTo>
+                  <a:lnTo>
+                    <a:pt x="117408" y="79146"/>
+                  </a:lnTo>
+                  <a:lnTo>
+                    <a:pt x="116307" y="77292"/>
+                  </a:lnTo>
+                  <a:lnTo>
+                    <a:pt x="115569" y="76192"/>
+                  </a:lnTo>
+                  <a:lnTo>
+                    <a:pt x="114831" y="75453"/>
+                  </a:lnTo>
+                  <a:lnTo>
+                    <a:pt x="100107" y="65884"/>
+                  </a:lnTo>
+                  <a:lnTo>
+                    <a:pt x="100484" y="62946"/>
+                  </a:lnTo>
+                  <a:lnTo>
+                    <a:pt x="100484" y="59630"/>
+                  </a:lnTo>
+                  <a:lnTo>
+                    <a:pt x="116307" y="52276"/>
+                  </a:lnTo>
+                  <a:lnTo>
+                    <a:pt x="117408" y="51900"/>
+                  </a:lnTo>
+                  <a:lnTo>
+                    <a:pt x="118523" y="51161"/>
+                  </a:lnTo>
+                  <a:lnTo>
+                    <a:pt x="119623" y="48961"/>
+                  </a:lnTo>
+                  <a:lnTo>
+                    <a:pt x="119984" y="46746"/>
+                  </a:lnTo>
+                  <a:lnTo>
+                    <a:pt x="119984" y="45646"/>
+                  </a:lnTo>
+                  <a:lnTo>
+                    <a:pt x="119984" y="44546"/>
+                  </a:lnTo>
+                  <a:lnTo>
+                    <a:pt x="117046" y="36453"/>
+                  </a:lnTo>
+                  <a:lnTo>
+                    <a:pt x="116684" y="35338"/>
+                  </a:lnTo>
+                  <a:lnTo>
+                    <a:pt x="115946" y="34600"/>
+                  </a:lnTo>
+                  <a:lnTo>
+                    <a:pt x="114107" y="33138"/>
+                  </a:lnTo>
+                  <a:lnTo>
+                    <a:pt x="112254" y="32399"/>
+                  </a:lnTo>
+                  <a:lnTo>
+                    <a:pt x="109677" y="32399"/>
+                  </a:lnTo>
+                  <a:lnTo>
+                    <a:pt x="92753" y="36076"/>
+                  </a:lnTo>
+                  <a:lnTo>
+                    <a:pt x="90915" y="33499"/>
+                  </a:lnTo>
+                  <a:lnTo>
+                    <a:pt x="88700" y="31299"/>
+                  </a:lnTo>
+                  <a:lnTo>
+                    <a:pt x="94592" y="14738"/>
+                  </a:lnTo>
+                  <a:lnTo>
+                    <a:pt x="94969" y="13623"/>
+                  </a:lnTo>
+                  <a:lnTo>
+                    <a:pt x="94969" y="12522"/>
+                  </a:lnTo>
+                  <a:lnTo>
+                    <a:pt x="94592" y="10307"/>
+                  </a:lnTo>
+                  <a:lnTo>
+                    <a:pt x="93115" y="8469"/>
+                  </a:lnTo>
+                  <a:lnTo>
+                    <a:pt x="92392" y="7369"/>
+                  </a:lnTo>
+                  <a:lnTo>
+                    <a:pt x="91653" y="7007"/>
+                  </a:lnTo>
+                  <a:lnTo>
+                    <a:pt x="83923" y="2953"/>
+                  </a:lnTo>
+                  <a:lnTo>
+                    <a:pt x="82823" y="2591"/>
+                  </a:lnTo>
+                  <a:lnTo>
+                    <a:pt x="79507" y="2591"/>
+                  </a:lnTo>
+                  <a:lnTo>
+                    <a:pt x="77292" y="3692"/>
+                  </a:lnTo>
+                  <a:lnTo>
+                    <a:pt x="76554" y="4430"/>
+                  </a:lnTo>
+                  <a:lnTo>
+                    <a:pt x="75830" y="5168"/>
+                  </a:lnTo>
+                  <a:lnTo>
+                    <a:pt x="66261" y="19876"/>
+                  </a:lnTo>
+                  <a:lnTo>
+                    <a:pt x="62946" y="19515"/>
+                  </a:lnTo>
+                  <a:lnTo>
+                    <a:pt x="59992" y="19515"/>
+                  </a:lnTo>
+                  <a:lnTo>
+                    <a:pt x="52638" y="3692"/>
+                  </a:lnTo>
+                  <a:lnTo>
+                    <a:pt x="51900" y="2591"/>
+                  </a:lnTo>
+                  <a:lnTo>
+                    <a:pt x="51161" y="1853"/>
+                  </a:lnTo>
+                  <a:lnTo>
+                    <a:pt x="49323" y="738"/>
+                  </a:lnTo>
+                  <a:lnTo>
+                    <a:pt x="47122" y="15"/>
+                  </a:lnTo>
+                  <a:close/>
+                </a:path>
+              </a:pathLst>
+            </a:custGeom>
+            <a:solidFill>
+              <a:srgbClr val="FFB600"/>
+            </a:solidFill>
+            <a:ln>
+              <a:noFill/>
+            </a:ln>
+          </p:spPr>
+          <p:txBody>
+            <a:bodyPr wrap="square" lIns="91425" tIns="91425" rIns="91425" bIns="91425" anchor="ctr" anchorCtr="0">
+              <a:noAutofit/>
+            </a:bodyPr>
+            <a:lstStyle/>
+            <a:p>
+              <a:pPr marL="0" marR="0" lvl="0" indent="-88900" algn="l" rtl="0">
+                <a:lnSpc>
+                  <a:spcPct val="100000"/>
+                </a:lnSpc>
+                <a:spcBef>
+                  <a:spcPts val="0"/>
+                </a:spcBef>
+                <a:spcAft>
+                  <a:spcPts val="0"/>
+                </a:spcAft>
+                <a:buClr>
+                  <a:srgbClr val="000000"/>
+                </a:buClr>
+                <a:buSzPts val="1400"/>
+                <a:buFont typeface="Arial"/>
+                <a:buNone/>
+              </a:pPr>
+              <a:endParaRPr sz="1400" b="0" i="0" u="none" strike="noStrike" cap="none">
+                <a:solidFill>
+                  <a:srgbClr val="000000"/>
+                </a:solidFill>
+                <a:latin typeface="Arial"/>
+                <a:ea typeface="Arial"/>
+                <a:cs typeface="Arial"/>
+                <a:sym typeface="Arial"/>
+              </a:endParaRPr>
+            </a:p>
+          </p:txBody>
+        </p:sp>
+      </p:grpSp>
+      <p:sp>
+        <p:nvSpPr>
+          <p:cNvPr id="135" name="Shape 135"/>
+          <p:cNvSpPr/>
+          <p:nvPr/>
+        </p:nvSpPr>
+        <p:spPr>
+          <a:xfrm>
+            <a:off x="3252528" y="2942498"/>
+            <a:ext cx="594300" cy="594300"/>
+          </a:xfrm>
+          <a:prstGeom prst="ellipse">
+            <a:avLst/>
+          </a:prstGeom>
+          <a:noFill/>
+          <a:ln w="38100" cap="flat" cmpd="sng">
+            <a:solidFill>
+              <a:srgbClr val="434343"/>
+            </a:solidFill>
+            <a:prstDash val="solid"/>
+            <a:round/>
+            <a:headEnd type="none" w="med" len="med"/>
+            <a:tailEnd type="none" w="med" len="med"/>
+          </a:ln>
+        </p:spPr>
+        <p:txBody>
+          <a:bodyPr wrap="square" lIns="91425" tIns="91425" rIns="91425" bIns="91425" anchor="ctr" anchorCtr="0">
+            <a:noAutofit/>
+          </a:bodyPr>
+          <a:lstStyle/>
+          <a:p>
+            <a:pPr marL="0" marR="0" lvl="0" indent="-88900" algn="l" rtl="0">
+              <a:lnSpc>
+                <a:spcPct val="100000"/>
+              </a:lnSpc>
+              <a:spcBef>
+                <a:spcPts val="0"/>
+              </a:spcBef>
+              <a:spcAft>
+                <a:spcPts val="0"/>
+              </a:spcAft>
+              <a:buClr>
+                <a:srgbClr val="000000"/>
+              </a:buClr>
+              <a:buSzPts val="1400"/>
+              <a:buFont typeface="Arial"/>
+              <a:buNone/>
+            </a:pPr>
+            <a:endParaRPr sz="1400" b="0" i="0" u="none" strike="noStrike" cap="none">
+              <a:solidFill>
+                <a:srgbClr val="434343"/>
+              </a:solidFill>
+              <a:latin typeface="Raleway Light"/>
+              <a:ea typeface="Raleway Light"/>
+              <a:cs typeface="Raleway Light"/>
+              <a:sym typeface="Raleway Light"/>
+            </a:endParaRPr>
+          </a:p>
+        </p:txBody>
+      </p:sp>
+      <p:sp>
+        <p:nvSpPr>
+          <p:cNvPr id="136" name="Shape 136"/>
+          <p:cNvSpPr/>
+          <p:nvPr/>
+        </p:nvSpPr>
+        <p:spPr>
+          <a:xfrm>
+            <a:off x="2250892" y="3233461"/>
+            <a:ext cx="594300" cy="36900"/>
+          </a:xfrm>
+          <a:prstGeom prst="roundRect">
+            <a:avLst>
+              <a:gd name="adj" fmla="val 50000"/>
+            </a:avLst>
+          </a:prstGeom>
+          <a:solidFill>
+            <a:schemeClr val="tx1">
+              <a:lumMod val="85000"/>
+              <a:lumOff val="15000"/>
+            </a:schemeClr>
+          </a:solidFill>
+          <a:ln w="9525" cap="flat" cmpd="sng">
+            <a:solidFill>
+              <a:srgbClr val="434343"/>
+            </a:solidFill>
+            <a:prstDash val="solid"/>
+            <a:round/>
+            <a:headEnd type="none" w="med" len="med"/>
+            <a:tailEnd type="none" w="med" len="med"/>
+          </a:ln>
+        </p:spPr>
+        <p:txBody>
+          <a:bodyPr wrap="square" lIns="91425" tIns="91425" rIns="91425" bIns="91425" anchor="ctr" anchorCtr="0">
+            <a:noAutofit/>
+          </a:bodyPr>
+          <a:lstStyle/>
+          <a:p>
+            <a:pPr marL="0" marR="0" lvl="0" indent="-88900" algn="l" rtl="0">
+              <a:lnSpc>
+                <a:spcPct val="100000"/>
+              </a:lnSpc>
+              <a:spcBef>
+                <a:spcPts val="0"/>
+              </a:spcBef>
+              <a:spcAft>
+                <a:spcPts val="0"/>
+              </a:spcAft>
+              <a:buClr>
+                <a:srgbClr val="000000"/>
+              </a:buClr>
+              <a:buSzPts val="1400"/>
+              <a:buFont typeface="Arial"/>
+              <a:buNone/>
+            </a:pPr>
+            <a:endParaRPr sz="1400" b="0" i="0" u="none" strike="noStrike" cap="none">
+              <a:solidFill>
+                <a:srgbClr val="434343"/>
+              </a:solidFill>
+              <a:latin typeface="Raleway Light"/>
+              <a:ea typeface="Raleway Light"/>
+              <a:cs typeface="Raleway Light"/>
+              <a:sym typeface="Raleway Light"/>
+            </a:endParaRPr>
+          </a:p>
+        </p:txBody>
+      </p:sp>
+      <p:sp>
+        <p:nvSpPr>
+          <p:cNvPr id="137" name="Shape 137"/>
+          <p:cNvSpPr txBox="1"/>
+          <p:nvPr/>
+        </p:nvSpPr>
+        <p:spPr>
+          <a:xfrm>
+            <a:off x="3331234" y="3015927"/>
+            <a:ext cx="436800" cy="321000"/>
+          </a:xfrm>
+          <a:prstGeom prst="rect">
+            <a:avLst/>
+          </a:prstGeom>
+          <a:noFill/>
+          <a:ln>
+            <a:noFill/>
+          </a:ln>
+        </p:spPr>
+        <p:txBody>
+          <a:bodyPr wrap="square" lIns="91425" tIns="91425" rIns="91425" bIns="91425" anchor="t" anchorCtr="0">
+            <a:noAutofit/>
+          </a:bodyPr>
+          <a:lstStyle/>
+          <a:p>
+            <a:pPr marL="0" marR="0" lvl="0" indent="-139700" algn="ctr" rtl="0">
+              <a:lnSpc>
+                <a:spcPct val="115000"/>
+              </a:lnSpc>
+              <a:spcBef>
+                <a:spcPts val="0"/>
+              </a:spcBef>
+              <a:spcAft>
+                <a:spcPts val="0"/>
+              </a:spcAft>
+              <a:buClr>
+                <a:srgbClr val="434343"/>
+              </a:buClr>
+              <a:buSzPts val="2200"/>
+              <a:buFont typeface="Raleway Light"/>
+              <a:buNone/>
+            </a:pPr>
+            <a:r>
+              <a:rPr lang="iw-IL" sz="1600" b="1" i="0" u="none" strike="noStrike" cap="none">
+                <a:solidFill>
+                  <a:srgbClr val="434343"/>
+                </a:solidFill>
+                <a:latin typeface="Raleway Light"/>
+                <a:ea typeface="Raleway Light"/>
+                <a:cs typeface="Raleway Light"/>
+                <a:sym typeface="Raleway Light"/>
+              </a:rPr>
+              <a:t>2</a:t>
+            </a:r>
+          </a:p>
+        </p:txBody>
+      </p:sp>
+      <p:sp>
+        <p:nvSpPr>
+          <p:cNvPr id="138" name="Shape 138"/>
+          <p:cNvSpPr txBox="1"/>
+          <p:nvPr/>
+        </p:nvSpPr>
+        <p:spPr>
+          <a:xfrm>
+            <a:off x="5414473" y="3012425"/>
+            <a:ext cx="436800" cy="321000"/>
+          </a:xfrm>
+          <a:prstGeom prst="rect">
+            <a:avLst/>
+          </a:prstGeom>
+          <a:noFill/>
+          <a:ln>
+            <a:noFill/>
+          </a:ln>
+        </p:spPr>
+        <p:txBody>
+          <a:bodyPr wrap="square" lIns="91425" tIns="91425" rIns="91425" bIns="91425" anchor="t" anchorCtr="0">
+            <a:noAutofit/>
+          </a:bodyPr>
+          <a:lstStyle/>
+          <a:p>
+            <a:pPr marL="0" marR="0" lvl="0" indent="-139700" algn="ctr" rtl="0">
+              <a:lnSpc>
+                <a:spcPct val="115000"/>
+              </a:lnSpc>
+              <a:spcBef>
+                <a:spcPts val="0"/>
+              </a:spcBef>
+              <a:spcAft>
+                <a:spcPts val="0"/>
+              </a:spcAft>
+              <a:buClr>
+                <a:srgbClr val="434343"/>
+              </a:buClr>
+              <a:buSzPts val="2200"/>
+              <a:buFont typeface="Raleway Light"/>
+              <a:buNone/>
+            </a:pPr>
+            <a:r>
+              <a:rPr lang="iw-IL" sz="1600" b="1" i="0" u="none" strike="noStrike" cap="none">
+                <a:solidFill>
+                  <a:srgbClr val="434343"/>
+                </a:solidFill>
+                <a:latin typeface="Raleway Light"/>
+                <a:ea typeface="Raleway Light"/>
+                <a:cs typeface="Raleway Light"/>
+                <a:sym typeface="Raleway Light"/>
+              </a:rPr>
+              <a:t>3</a:t>
+            </a:r>
+          </a:p>
+        </p:txBody>
+      </p:sp>
+      <p:sp>
+        <p:nvSpPr>
+          <p:cNvPr id="139" name="Shape 139"/>
+          <p:cNvSpPr txBox="1"/>
+          <p:nvPr/>
+        </p:nvSpPr>
+        <p:spPr>
+          <a:xfrm>
+            <a:off x="7492013" y="2998468"/>
+            <a:ext cx="436800" cy="321000"/>
+          </a:xfrm>
+          <a:prstGeom prst="rect">
+            <a:avLst/>
+          </a:prstGeom>
+          <a:noFill/>
+          <a:ln>
+            <a:noFill/>
+          </a:ln>
+        </p:spPr>
+        <p:txBody>
+          <a:bodyPr wrap="square" lIns="91425" tIns="91425" rIns="91425" bIns="91425" anchor="t" anchorCtr="0">
+            <a:noAutofit/>
+          </a:bodyPr>
+          <a:lstStyle/>
+          <a:p>
+            <a:pPr marL="0" marR="0" lvl="0" indent="-139700" algn="ctr" rtl="0">
+              <a:lnSpc>
+                <a:spcPct val="115000"/>
+              </a:lnSpc>
+              <a:spcBef>
+                <a:spcPts val="0"/>
+              </a:spcBef>
+              <a:spcAft>
+                <a:spcPts val="0"/>
+              </a:spcAft>
+              <a:buClr>
+                <a:srgbClr val="434343"/>
+              </a:buClr>
+              <a:buSzPts val="2200"/>
+              <a:buFont typeface="Raleway Light"/>
+              <a:buNone/>
+            </a:pPr>
+            <a:r>
+              <a:rPr lang="iw-IL" sz="1600" b="1" i="0" u="none" strike="noStrike" cap="none">
+                <a:solidFill>
+                  <a:srgbClr val="434343"/>
+                </a:solidFill>
+                <a:latin typeface="Raleway Light"/>
+                <a:ea typeface="Raleway Light"/>
+                <a:cs typeface="Raleway Light"/>
+                <a:sym typeface="Raleway Light"/>
+              </a:rPr>
+              <a:t>4</a:t>
+            </a:r>
+          </a:p>
+        </p:txBody>
+      </p:sp>
+    </p:spTree>
+    <p:extLst>
+      <p:ext uri="{BB962C8B-B14F-4D97-AF65-F5344CB8AC3E}">
+        <p14:creationId xmlns:p14="http://schemas.microsoft.com/office/powerpoint/2010/main" val="3883030932"/>
+      </p:ext>
+    </p:extLst>
+  </p:cSld>
+  <p:clrMapOvr>
+    <a:masterClrMapping/>
+  </p:clrMapOvr>
+  <p:timing>
+    <p:tnLst>
+      <p:par>
+        <p:cTn id="1" dur="indefinite" restart="never" nodeType="tmRoot">
+          <p:childTnLst>
+            <p:seq concurrent="1" nextAc="seek">
+              <p:cTn id="2" dur="indefinite" nodeType="mainSeq">
+                <p:childTnLst>
+                  <p:par>
+                    <p:cTn id="3" fill="hold">
+                      <p:stCondLst>
+                        <p:cond delay="indefinite"/>
+                        <p:cond evt="onBegin" delay="0">
+                          <p:tn val="2"/>
+                        </p:cond>
+                      </p:stCondLst>
+                      <p:childTnLst>
+                        <p:par>
+                          <p:cTn id="4" fill="hold">
+                            <p:stCondLst>
+                              <p:cond delay="0"/>
+                            </p:stCondLst>
+                            <p:childTnLst>
+                              <p:par>
+                                <p:cTn id="5" presetID="10" presetClass="entr" presetSubtype="0" fill="hold" nodeType="withEffect">
+                                  <p:stCondLst>
+                                    <p:cond delay="0"/>
+                                  </p:stCondLst>
+                                  <p:childTnLst>
+                                    <p:set>
+                                      <p:cBhvr>
+                                        <p:cTn id="6" dur="1" fill="hold">
+                                          <p:stCondLst>
+                                            <p:cond delay="0"/>
+                                          </p:stCondLst>
+                                        </p:cTn>
+                                        <p:tgtEl>
+                                          <p:spTgt spid="120"/>
+                                        </p:tgtEl>
+                                        <p:attrNameLst>
+                                          <p:attrName>style.visibility</p:attrName>
+                                        </p:attrNameLst>
+                                      </p:cBhvr>
+                                      <p:to>
+                                        <p:strVal val="visible"/>
+                                      </p:to>
+                                    </p:set>
+                                    <p:animEffect transition="in" filter="fade">
+                                      <p:cBhvr>
+                                        <p:cTn id="7" dur="500"/>
+                                        <p:tgtEl>
+                                          <p:spTgt spid="120"/>
+                                        </p:tgtEl>
+                                      </p:cBhvr>
+                                    </p:animEffect>
+                                  </p:childTnLst>
+                                </p:cTn>
+                              </p:par>
+                              <p:par>
+                                <p:cTn id="8" presetID="10" presetClass="entr" presetSubtype="0" fill="hold" nodeType="withEffect">
+                                  <p:stCondLst>
+                                    <p:cond delay="0"/>
+                                  </p:stCondLst>
+                                  <p:childTnLst>
+                                    <p:set>
+                                      <p:cBhvr>
+                                        <p:cTn id="9" dur="1" fill="hold">
+                                          <p:stCondLst>
+                                            <p:cond delay="0"/>
+                                          </p:stCondLst>
+                                        </p:cTn>
+                                        <p:tgtEl>
+                                          <p:spTgt spid="121"/>
+                                        </p:tgtEl>
+                                        <p:attrNameLst>
+                                          <p:attrName>style.visibility</p:attrName>
+                                        </p:attrNameLst>
+                                      </p:cBhvr>
+                                      <p:to>
+                                        <p:strVal val="visible"/>
+                                      </p:to>
+                                    </p:set>
+                                    <p:animEffect transition="in" filter="fade">
+                                      <p:cBhvr>
+                                        <p:cTn id="10" dur="500"/>
+                                        <p:tgtEl>
+                                          <p:spTgt spid="121"/>
+                                        </p:tgtEl>
+                                      </p:cBhvr>
+                                    </p:animEffect>
+                                  </p:childTnLst>
+                                </p:cTn>
+                              </p:par>
+                              <p:par>
+                                <p:cTn id="11" presetID="10" presetClass="entr" presetSubtype="0" fill="hold" nodeType="withEffect">
+                                  <p:stCondLst>
+                                    <p:cond delay="0"/>
+                                  </p:stCondLst>
+                                  <p:childTnLst>
+                                    <p:set>
+                                      <p:cBhvr>
+                                        <p:cTn id="12" dur="1" fill="hold">
+                                          <p:stCondLst>
+                                            <p:cond delay="0"/>
+                                          </p:stCondLst>
+                                        </p:cTn>
+                                        <p:tgtEl>
+                                          <p:spTgt spid="116"/>
+                                        </p:tgtEl>
+                                        <p:attrNameLst>
+                                          <p:attrName>style.visibility</p:attrName>
+                                        </p:attrNameLst>
+                                      </p:cBhvr>
+                                      <p:to>
+                                        <p:strVal val="visible"/>
+                                      </p:to>
+                                    </p:set>
+                                    <p:animEffect transition="in" filter="fade">
+                                      <p:cBhvr>
+                                        <p:cTn id="13" dur="500"/>
+                                        <p:tgtEl>
+                                          <p:spTgt spid="116"/>
+                                        </p:tgtEl>
+                                      </p:cBhvr>
+                                    </p:animEffect>
+                                  </p:childTnLst>
+                                </p:cTn>
+                              </p:par>
+                              <p:par>
+                                <p:cTn id="14" presetID="10" presetClass="entr" presetSubtype="0" fill="hold" nodeType="withEffect">
+                                  <p:stCondLst>
+                                    <p:cond delay="0"/>
+                                  </p:stCondLst>
+                                  <p:childTnLst>
+                                    <p:set>
+                                      <p:cBhvr>
+                                        <p:cTn id="15" dur="1" fill="hold">
+                                          <p:stCondLst>
+                                            <p:cond delay="0"/>
+                                          </p:stCondLst>
+                                        </p:cTn>
+                                        <p:tgtEl>
+                                          <p:spTgt spid="118"/>
+                                        </p:tgtEl>
+                                        <p:attrNameLst>
+                                          <p:attrName>style.visibility</p:attrName>
+                                        </p:attrNameLst>
+                                      </p:cBhvr>
+                                      <p:to>
+                                        <p:strVal val="visible"/>
+                                      </p:to>
+                                    </p:set>
+                                    <p:animEffect transition="in" filter="fade">
+                                      <p:cBhvr>
+                                        <p:cTn id="16" dur="500"/>
+                                        <p:tgtEl>
+                                          <p:spTgt spid="118"/>
+                                        </p:tgtEl>
+                                      </p:cBhvr>
+                                    </p:animEffect>
+                                  </p:childTnLst>
+                                </p:cTn>
+                              </p:par>
+                              <p:par>
+                                <p:cTn id="17" presetID="10" presetClass="entr" presetSubtype="0" fill="hold" nodeType="withEffect">
+                                  <p:stCondLst>
+                                    <p:cond delay="0"/>
+                                  </p:stCondLst>
+                                  <p:childTnLst>
+                                    <p:set>
+                                      <p:cBhvr>
+                                        <p:cTn id="18" dur="1" fill="hold">
+                                          <p:stCondLst>
+                                            <p:cond delay="0"/>
+                                          </p:stCondLst>
+                                        </p:cTn>
+                                        <p:tgtEl>
+                                          <p:spTgt spid="119"/>
+                                        </p:tgtEl>
+                                        <p:attrNameLst>
+                                          <p:attrName>style.visibility</p:attrName>
+                                        </p:attrNameLst>
+                                      </p:cBhvr>
+                                      <p:to>
+                                        <p:strVal val="visible"/>
+                                      </p:to>
+                                    </p:set>
+                                    <p:animEffect transition="in" filter="fade">
+                                      <p:cBhvr>
+                                        <p:cTn id="19" dur="500"/>
+                                        <p:tgtEl>
+                                          <p:spTgt spid="119"/>
+                                        </p:tgtEl>
+                                      </p:cBhvr>
+                                    </p:animEffect>
+                                  </p:childTnLst>
+                                </p:cTn>
+                              </p:par>
+                            </p:childTnLst>
+                          </p:cTn>
+                        </p:par>
+                      </p:childTnLst>
+                    </p:cTn>
+                  </p:par>
+                  <p:par>
+                    <p:cTn id="20" fill="hold">
+                      <p:stCondLst>
+                        <p:cond delay="indefinite"/>
+                      </p:stCondLst>
+                      <p:childTnLst>
+                        <p:par>
+                          <p:cTn id="21" fill="hold">
+                            <p:stCondLst>
+                              <p:cond delay="0"/>
+                            </p:stCondLst>
+                            <p:childTnLst>
+                              <p:par>
+                                <p:cTn id="22" presetID="10" presetClass="entr" presetSubtype="0" fill="hold" nodeType="clickEffect">
+                                  <p:stCondLst>
+                                    <p:cond delay="0"/>
+                                  </p:stCondLst>
+                                  <p:childTnLst>
+                                    <p:set>
+                                      <p:cBhvr>
+                                        <p:cTn id="23" dur="1" fill="hold">
+                                          <p:stCondLst>
+                                            <p:cond delay="0"/>
+                                          </p:stCondLst>
+                                        </p:cTn>
+                                        <p:tgtEl>
+                                          <p:spTgt spid="136"/>
+                                        </p:tgtEl>
+                                        <p:attrNameLst>
+                                          <p:attrName>style.visibility</p:attrName>
+                                        </p:attrNameLst>
+                                      </p:cBhvr>
+                                      <p:to>
+                                        <p:strVal val="visible"/>
+                                      </p:to>
+                                    </p:set>
+                                    <p:animEffect transition="in" filter="fade">
+                                      <p:cBhvr>
+                                        <p:cTn id="24" dur="500"/>
+                                        <p:tgtEl>
+                                          <p:spTgt spid="136"/>
+                                        </p:tgtEl>
+                                      </p:cBhvr>
+                                    </p:animEffect>
+                                  </p:childTnLst>
+                                </p:cTn>
+                              </p:par>
+                              <p:par>
+                                <p:cTn id="25" presetID="10" presetClass="entr" presetSubtype="0" fill="hold" nodeType="withEffect">
+                                  <p:stCondLst>
+                                    <p:cond delay="0"/>
+                                  </p:stCondLst>
+                                  <p:childTnLst>
+                                    <p:set>
+                                      <p:cBhvr>
+                                        <p:cTn id="26" dur="1" fill="hold">
+                                          <p:stCondLst>
+                                            <p:cond delay="0"/>
+                                          </p:stCondLst>
+                                        </p:cTn>
+                                        <p:tgtEl>
+                                          <p:spTgt spid="137"/>
+                                        </p:tgtEl>
+                                        <p:attrNameLst>
+                                          <p:attrName>style.visibility</p:attrName>
+                                        </p:attrNameLst>
+                                      </p:cBhvr>
+                                      <p:to>
+                                        <p:strVal val="visible"/>
+                                      </p:to>
+                                    </p:set>
+                                    <p:animEffect transition="in" filter="fade">
+                                      <p:cBhvr>
+                                        <p:cTn id="27" dur="500"/>
+                                        <p:tgtEl>
+                                          <p:spTgt spid="137"/>
+                                        </p:tgtEl>
+                                      </p:cBhvr>
+                                    </p:animEffect>
+                                  </p:childTnLst>
+                                </p:cTn>
+                              </p:par>
+                              <p:par>
+                                <p:cTn id="28" presetID="10" presetClass="entr" presetSubtype="0" fill="hold" nodeType="withEffect">
+                                  <p:stCondLst>
+                                    <p:cond delay="0"/>
+                                  </p:stCondLst>
+                                  <p:childTnLst>
+                                    <p:set>
+                                      <p:cBhvr>
+                                        <p:cTn id="29" dur="1" fill="hold">
+                                          <p:stCondLst>
+                                            <p:cond delay="0"/>
+                                          </p:stCondLst>
+                                        </p:cTn>
+                                        <p:tgtEl>
+                                          <p:spTgt spid="135"/>
+                                        </p:tgtEl>
+                                        <p:attrNameLst>
+                                          <p:attrName>style.visibility</p:attrName>
+                                        </p:attrNameLst>
+                                      </p:cBhvr>
+                                      <p:to>
+                                        <p:strVal val="visible"/>
+                                      </p:to>
+                                    </p:set>
+                                    <p:animEffect transition="in" filter="fade">
+                                      <p:cBhvr>
+                                        <p:cTn id="30" dur="500"/>
+                                        <p:tgtEl>
+                                          <p:spTgt spid="135"/>
+                                        </p:tgtEl>
+                                      </p:cBhvr>
+                                    </p:animEffect>
+                                  </p:childTnLst>
+                                </p:cTn>
+                              </p:par>
+                              <p:par>
+                                <p:cTn id="31" presetID="10" presetClass="entr" presetSubtype="0" fill="hold" nodeType="withEffect">
+                                  <p:stCondLst>
+                                    <p:cond delay="0"/>
+                                  </p:stCondLst>
+                                  <p:childTnLst>
+                                    <p:set>
+                                      <p:cBhvr>
+                                        <p:cTn id="32" dur="1" fill="hold">
+                                          <p:stCondLst>
+                                            <p:cond delay="0"/>
+                                          </p:stCondLst>
+                                        </p:cTn>
+                                        <p:tgtEl>
+                                          <p:spTgt spid="122"/>
+                                        </p:tgtEl>
+                                        <p:attrNameLst>
+                                          <p:attrName>style.visibility</p:attrName>
+                                        </p:attrNameLst>
+                                      </p:cBhvr>
+                                      <p:to>
+                                        <p:strVal val="visible"/>
+                                      </p:to>
+                                    </p:set>
+                                    <p:animEffect transition="in" filter="fade">
+                                      <p:cBhvr>
+                                        <p:cTn id="33" dur="500"/>
+                                        <p:tgtEl>
+                                          <p:spTgt spid="122"/>
+                                        </p:tgtEl>
+                                      </p:cBhvr>
+                                    </p:animEffect>
+                                  </p:childTnLst>
+                                </p:cTn>
+                              </p:par>
+                              <p:par>
+                                <p:cTn id="34" presetID="10" presetClass="entr" presetSubtype="0" fill="hold" nodeType="withEffect">
+                                  <p:stCondLst>
+                                    <p:cond delay="0"/>
+                                  </p:stCondLst>
+                                  <p:childTnLst>
+                                    <p:set>
+                                      <p:cBhvr>
+                                        <p:cTn id="35" dur="1" fill="hold">
+                                          <p:stCondLst>
+                                            <p:cond delay="0"/>
+                                          </p:stCondLst>
+                                        </p:cTn>
+                                        <p:tgtEl>
+                                          <p:spTgt spid="123"/>
+                                        </p:tgtEl>
+                                        <p:attrNameLst>
+                                          <p:attrName>style.visibility</p:attrName>
+                                        </p:attrNameLst>
+                                      </p:cBhvr>
+                                      <p:to>
+                                        <p:strVal val="visible"/>
+                                      </p:to>
+                                    </p:set>
+                                    <p:animEffect transition="in" filter="fade">
+                                      <p:cBhvr>
+                                        <p:cTn id="36" dur="500"/>
+                                        <p:tgtEl>
+                                          <p:spTgt spid="123"/>
+                                        </p:tgtEl>
+                                      </p:cBhvr>
+                                    </p:animEffect>
+                                  </p:childTnLst>
+                                </p:cTn>
+                              </p:par>
+                            </p:childTnLst>
+                          </p:cTn>
+                        </p:par>
+                      </p:childTnLst>
+                    </p:cTn>
+                  </p:par>
+                  <p:par>
+                    <p:cTn id="37" fill="hold">
+                      <p:stCondLst>
+                        <p:cond delay="indefinite"/>
+                      </p:stCondLst>
+                      <p:childTnLst>
+                        <p:par>
+                          <p:cTn id="38" fill="hold">
+                            <p:stCondLst>
+                              <p:cond delay="0"/>
+                            </p:stCondLst>
+                            <p:childTnLst>
+                              <p:par>
+                                <p:cTn id="39" presetID="10" presetClass="entr" presetSubtype="0" fill="hold" nodeType="clickEffect">
+                                  <p:stCondLst>
+                                    <p:cond delay="0"/>
+                                  </p:stCondLst>
+                                  <p:childTnLst>
+                                    <p:set>
+                                      <p:cBhvr>
+                                        <p:cTn id="40" dur="1" fill="hold">
+                                          <p:stCondLst>
+                                            <p:cond delay="0"/>
+                                          </p:stCondLst>
+                                        </p:cTn>
+                                        <p:tgtEl>
+                                          <p:spTgt spid="130"/>
+                                        </p:tgtEl>
+                                        <p:attrNameLst>
+                                          <p:attrName>style.visibility</p:attrName>
+                                        </p:attrNameLst>
+                                      </p:cBhvr>
+                                      <p:to>
+                                        <p:strVal val="visible"/>
+                                      </p:to>
+                                    </p:set>
+                                    <p:animEffect transition="in" filter="fade">
+                                      <p:cBhvr>
+                                        <p:cTn id="41" dur="500"/>
+                                        <p:tgtEl>
+                                          <p:spTgt spid="130"/>
+                                        </p:tgtEl>
+                                      </p:cBhvr>
+                                    </p:animEffect>
+                                  </p:childTnLst>
+                                </p:cTn>
+                              </p:par>
+                              <p:par>
+                                <p:cTn id="42" presetID="10" presetClass="entr" presetSubtype="0" fill="hold" nodeType="withEffect">
+                                  <p:stCondLst>
+                                    <p:cond delay="0"/>
+                                  </p:stCondLst>
+                                  <p:childTnLst>
+                                    <p:set>
+                                      <p:cBhvr>
+                                        <p:cTn id="43" dur="1" fill="hold">
+                                          <p:stCondLst>
+                                            <p:cond delay="0"/>
+                                          </p:stCondLst>
+                                        </p:cTn>
+                                        <p:tgtEl>
+                                          <p:spTgt spid="138"/>
+                                        </p:tgtEl>
+                                        <p:attrNameLst>
+                                          <p:attrName>style.visibility</p:attrName>
+                                        </p:attrNameLst>
+                                      </p:cBhvr>
+                                      <p:to>
+                                        <p:strVal val="visible"/>
+                                      </p:to>
+                                    </p:set>
+                                    <p:animEffect transition="in" filter="fade">
+                                      <p:cBhvr>
+                                        <p:cTn id="44" dur="500"/>
+                                        <p:tgtEl>
+                                          <p:spTgt spid="138"/>
+                                        </p:tgtEl>
+                                      </p:cBhvr>
+                                    </p:animEffect>
+                                  </p:childTnLst>
+                                </p:cTn>
+                              </p:par>
+                              <p:par>
+                                <p:cTn id="45" presetID="10" presetClass="entr" presetSubtype="0" fill="hold" nodeType="withEffect">
+                                  <p:stCondLst>
+                                    <p:cond delay="0"/>
+                                  </p:stCondLst>
+                                  <p:childTnLst>
+                                    <p:set>
+                                      <p:cBhvr>
+                                        <p:cTn id="46" dur="1" fill="hold">
+                                          <p:stCondLst>
+                                            <p:cond delay="0"/>
+                                          </p:stCondLst>
+                                        </p:cTn>
+                                        <p:tgtEl>
+                                          <p:spTgt spid="125"/>
+                                        </p:tgtEl>
+                                        <p:attrNameLst>
+                                          <p:attrName>style.visibility</p:attrName>
+                                        </p:attrNameLst>
+                                      </p:cBhvr>
+                                      <p:to>
+                                        <p:strVal val="visible"/>
+                                      </p:to>
+                                    </p:set>
+                                    <p:animEffect transition="in" filter="fade">
+                                      <p:cBhvr>
+                                        <p:cTn id="47" dur="500"/>
+                                        <p:tgtEl>
+                                          <p:spTgt spid="125"/>
+                                        </p:tgtEl>
+                                      </p:cBhvr>
+                                    </p:animEffect>
+                                  </p:childTnLst>
+                                </p:cTn>
+                              </p:par>
+                              <p:par>
+                                <p:cTn id="48" presetID="10" presetClass="entr" presetSubtype="0" fill="hold" nodeType="withEffect">
+                                  <p:stCondLst>
+                                    <p:cond delay="0"/>
+                                  </p:stCondLst>
+                                  <p:childTnLst>
+                                    <p:set>
+                                      <p:cBhvr>
+                                        <p:cTn id="49" dur="1" fill="hold">
+                                          <p:stCondLst>
+                                            <p:cond delay="0"/>
+                                          </p:stCondLst>
+                                        </p:cTn>
+                                        <p:tgtEl>
+                                          <p:spTgt spid="124"/>
+                                        </p:tgtEl>
+                                        <p:attrNameLst>
+                                          <p:attrName>style.visibility</p:attrName>
+                                        </p:attrNameLst>
+                                      </p:cBhvr>
+                                      <p:to>
+                                        <p:strVal val="visible"/>
+                                      </p:to>
+                                    </p:set>
+                                    <p:animEffect transition="in" filter="fade">
+                                      <p:cBhvr>
+                                        <p:cTn id="50" dur="500"/>
+                                        <p:tgtEl>
+                                          <p:spTgt spid="124"/>
+                                        </p:tgtEl>
+                                      </p:cBhvr>
+                                    </p:animEffect>
+                                  </p:childTnLst>
+                                </p:cTn>
+                              </p:par>
+                              <p:par>
+                                <p:cTn id="51" presetID="10" presetClass="entr" presetSubtype="0" fill="hold" nodeType="withEffect">
+                                  <p:stCondLst>
+                                    <p:cond delay="0"/>
+                                  </p:stCondLst>
+                                  <p:childTnLst>
+                                    <p:set>
+                                      <p:cBhvr>
+                                        <p:cTn id="52" dur="1" fill="hold">
+                                          <p:stCondLst>
+                                            <p:cond delay="0"/>
+                                          </p:stCondLst>
+                                        </p:cTn>
+                                        <p:tgtEl>
+                                          <p:spTgt spid="126"/>
+                                        </p:tgtEl>
+                                        <p:attrNameLst>
+                                          <p:attrName>style.visibility</p:attrName>
+                                        </p:attrNameLst>
+                                      </p:cBhvr>
+                                      <p:to>
+                                        <p:strVal val="visible"/>
+                                      </p:to>
+                                    </p:set>
+                                    <p:animEffect transition="in" filter="fade">
+                                      <p:cBhvr>
+                                        <p:cTn id="53" dur="500"/>
+                                        <p:tgtEl>
+                                          <p:spTgt spid="126"/>
+                                        </p:tgtEl>
+                                      </p:cBhvr>
+                                    </p:animEffect>
+                                  </p:childTnLst>
+                                </p:cTn>
+                              </p:par>
+                            </p:childTnLst>
+                          </p:cTn>
+                        </p:par>
+                      </p:childTnLst>
+                    </p:cTn>
+                  </p:par>
+                  <p:par>
+                    <p:cTn id="54" fill="hold">
+                      <p:stCondLst>
+                        <p:cond delay="indefinite"/>
+                      </p:stCondLst>
+                      <p:childTnLst>
+                        <p:par>
+                          <p:cTn id="55" fill="hold">
+                            <p:stCondLst>
+                              <p:cond delay="0"/>
+                            </p:stCondLst>
+                            <p:childTnLst>
+                              <p:par>
+                                <p:cTn id="56" presetID="10" presetClass="entr" presetSubtype="0" fill="hold" nodeType="clickEffect">
+                                  <p:stCondLst>
+                                    <p:cond delay="0"/>
+                                  </p:stCondLst>
+                                  <p:childTnLst>
+                                    <p:set>
+                                      <p:cBhvr>
+                                        <p:cTn id="57" dur="1" fill="hold">
+                                          <p:stCondLst>
+                                            <p:cond delay="0"/>
+                                          </p:stCondLst>
+                                        </p:cTn>
+                                        <p:tgtEl>
+                                          <p:spTgt spid="129"/>
+                                        </p:tgtEl>
+                                        <p:attrNameLst>
+                                          <p:attrName>style.visibility</p:attrName>
+                                        </p:attrNameLst>
+                                      </p:cBhvr>
+                                      <p:to>
+                                        <p:strVal val="visible"/>
+                                      </p:to>
+                                    </p:set>
+                                    <p:animEffect transition="in" filter="fade">
+                                      <p:cBhvr>
+                                        <p:cTn id="58" dur="500"/>
+                                        <p:tgtEl>
+                                          <p:spTgt spid="129"/>
+                                        </p:tgtEl>
+                                      </p:cBhvr>
+                                    </p:animEffect>
+                                  </p:childTnLst>
+                                </p:cTn>
+                              </p:par>
+                              <p:par>
+                                <p:cTn id="59" presetID="10" presetClass="entr" presetSubtype="0" fill="hold" nodeType="withEffect">
+                                  <p:stCondLst>
+                                    <p:cond delay="0"/>
+                                  </p:stCondLst>
+                                  <p:childTnLst>
+                                    <p:set>
+                                      <p:cBhvr>
+                                        <p:cTn id="60" dur="1" fill="hold">
+                                          <p:stCondLst>
+                                            <p:cond delay="0"/>
+                                          </p:stCondLst>
+                                        </p:cTn>
+                                        <p:tgtEl>
+                                          <p:spTgt spid="128"/>
+                                        </p:tgtEl>
+                                        <p:attrNameLst>
+                                          <p:attrName>style.visibility</p:attrName>
+                                        </p:attrNameLst>
+                                      </p:cBhvr>
+                                      <p:to>
+                                        <p:strVal val="visible"/>
+                                      </p:to>
+                                    </p:set>
+                                    <p:animEffect transition="in" filter="fade">
+                                      <p:cBhvr>
+                                        <p:cTn id="61" dur="500"/>
+                                        <p:tgtEl>
+                                          <p:spTgt spid="128"/>
+                                        </p:tgtEl>
+                                      </p:cBhvr>
+                                    </p:animEffect>
+                                  </p:childTnLst>
+                                </p:cTn>
+                              </p:par>
+                              <p:par>
+                                <p:cTn id="62" presetID="10" presetClass="entr" presetSubtype="0" fill="hold" nodeType="withEffect">
+                                  <p:stCondLst>
+                                    <p:cond delay="0"/>
+                                  </p:stCondLst>
+                                  <p:childTnLst>
+                                    <p:set>
+                                      <p:cBhvr>
+                                        <p:cTn id="63" dur="1" fill="hold">
+                                          <p:stCondLst>
+                                            <p:cond delay="0"/>
+                                          </p:stCondLst>
+                                        </p:cTn>
+                                        <p:tgtEl>
+                                          <p:spTgt spid="139"/>
+                                        </p:tgtEl>
+                                        <p:attrNameLst>
+                                          <p:attrName>style.visibility</p:attrName>
+                                        </p:attrNameLst>
+                                      </p:cBhvr>
+                                      <p:to>
+                                        <p:strVal val="visible"/>
+                                      </p:to>
+                                    </p:set>
+                                    <p:animEffect transition="in" filter="fade">
+                                      <p:cBhvr>
+                                        <p:cTn id="64" dur="500"/>
+                                        <p:tgtEl>
+                                          <p:spTgt spid="139"/>
+                                        </p:tgtEl>
+                                      </p:cBhvr>
+                                    </p:animEffect>
+                                  </p:childTnLst>
+                                </p:cTn>
+                              </p:par>
+                              <p:par>
+                                <p:cTn id="65" presetID="10" presetClass="entr" presetSubtype="0" fill="hold" nodeType="withEffect">
+                                  <p:stCondLst>
+                                    <p:cond delay="0"/>
+                                  </p:stCondLst>
+                                  <p:childTnLst>
+                                    <p:set>
+                                      <p:cBhvr>
+                                        <p:cTn id="66" dur="1" fill="hold">
+                                          <p:stCondLst>
+                                            <p:cond delay="0"/>
+                                          </p:stCondLst>
+                                        </p:cTn>
+                                        <p:tgtEl>
+                                          <p:spTgt spid="127"/>
+                                        </p:tgtEl>
+                                        <p:attrNameLst>
+                                          <p:attrName>style.visibility</p:attrName>
+                                        </p:attrNameLst>
+                                      </p:cBhvr>
+                                      <p:to>
+                                        <p:strVal val="visible"/>
+                                      </p:to>
+                                    </p:set>
+                                    <p:animEffect transition="in" filter="fade">
+                                      <p:cBhvr>
+                                        <p:cTn id="67" dur="500"/>
+                                        <p:tgtEl>
+                                          <p:spTgt spid="127"/>
+                                        </p:tgtEl>
+                                      </p:cBhvr>
+                                    </p:animEffect>
+                                  </p:childTnLst>
+                                </p:cTn>
+                              </p:par>
+                              <p:par>
+                                <p:cTn id="68" presetID="10" presetClass="entr" presetSubtype="0" fill="hold" nodeType="withEffect">
+                                  <p:stCondLst>
+                                    <p:cond delay="0"/>
+                                  </p:stCondLst>
+                                  <p:childTnLst>
+                                    <p:set>
+                                      <p:cBhvr>
+                                        <p:cTn id="69" dur="1" fill="hold">
+                                          <p:stCondLst>
+                                            <p:cond delay="0"/>
+                                          </p:stCondLst>
+                                        </p:cTn>
+                                        <p:tgtEl>
+                                          <p:spTgt spid="131"/>
+                                        </p:tgtEl>
+                                        <p:attrNameLst>
+                                          <p:attrName>style.visibility</p:attrName>
+                                        </p:attrNameLst>
+                                      </p:cBhvr>
+                                      <p:to>
+                                        <p:strVal val="visible"/>
+                                      </p:to>
+                                    </p:set>
+                                    <p:animEffect transition="in" filter="fade">
+                                      <p:cBhvr>
+                                        <p:cTn id="70" dur="500"/>
+                                        <p:tgtEl>
+                                          <p:spTgt spid="131"/>
+                                        </p:tgtEl>
+                                      </p:cBhvr>
+                                    </p:animEffect>
+                                  </p:childTnLst>
+                                </p:cTn>
+                              </p:par>
+                            </p:childTnLst>
+                          </p:cTn>
+                        </p:par>
+                      </p:childTnLst>
+                    </p:cTn>
+                  </p:par>
+                </p:childTnLst>
+              </p:cTn>
+              <p:prevCondLst>
+                <p:cond evt="onPrev" delay="0">
+                  <p:tgtEl>
+                    <p:sldTgt/>
+                  </p:tgtEl>
+                </p:cond>
+              </p:prevCondLst>
+              <p:nextCondLst>
+                <p:cond evt="onNext" delay="0">
+                  <p:tgtEl>
+                    <p:sldTgt/>
+                  </p:tgtEl>
+                </p:cond>
+              </p:nextCondLst>
+            </p:seq>
+          </p:childTnLst>
+        </p:cTn>
+      </p:par>
+    </p:tnLst>
+  </p:timing>
+</p:sld>
+</file>
+
+<file path=ppt/slides/slide9.xml><?xml version="1.0" encoding="utf-8"?>
+<p:sld xmlns:a="http://schemas.openxmlformats.org/drawingml/2006/main" xmlns:r="http://schemas.openxmlformats.org/officeDocument/2006/relationships" xmlns:p="http://schemas.openxmlformats.org/presentationml/2006/main">
+  <p:cSld>
+    <p:spTree>
+      <p:nvGrpSpPr>
         <p:cNvPr id="1" name="Shape 592"/>
         <p:cNvGrpSpPr/>
         <p:nvPr/>
@@ -24273,7 +29868,7 @@
         </p:blipFill>
         <p:spPr>
           <a:xfrm>
-            <a:off x="4006516" y="2846765"/>
+            <a:off x="4019912" y="2846765"/>
             <a:ext cx="818179" cy="818179"/>
           </a:xfrm>
           <a:prstGeom prst="rect">
@@ -24645,1646 +30240,6 @@
       <p:bldP spid="34" grpId="0"/>
       <p:bldP spid="37" grpId="0"/>
       <p:bldP spid="40" grpId="0"/>
-    </p:bldLst>
-  </p:timing>
-</p:sld>
-</file>
-
-<file path=ppt/slides/slide9.xml><?xml version="1.0" encoding="utf-8"?>
-<p:sld xmlns:a="http://schemas.openxmlformats.org/drawingml/2006/main" xmlns:r="http://schemas.openxmlformats.org/officeDocument/2006/relationships" xmlns:p="http://schemas.openxmlformats.org/presentationml/2006/main">
-  <p:cSld>
-    <p:spTree>
-      <p:nvGrpSpPr>
-        <p:cNvPr id="1" name="Shape 88"/>
-        <p:cNvGrpSpPr/>
-        <p:nvPr/>
-      </p:nvGrpSpPr>
-      <p:grpSpPr>
-        <a:xfrm>
-          <a:off x="0" y="0"/>
-          <a:ext cx="0" cy="0"/>
-          <a:chOff x="0" y="0"/>
-          <a:chExt cx="0" cy="0"/>
-        </a:xfrm>
-      </p:grpSpPr>
-      <p:sp>
-        <p:nvSpPr>
-          <p:cNvPr id="89" name="Shape 89"/>
-          <p:cNvSpPr txBox="1">
-            <a:spLocks noGrp="1"/>
-          </p:cNvSpPr>
-          <p:nvPr>
-            <p:ph type="title"/>
-          </p:nvPr>
-        </p:nvSpPr>
-        <p:spPr>
-          <a:xfrm>
-            <a:off x="791373" y="1739992"/>
-            <a:ext cx="6866100" cy="857400"/>
-          </a:xfrm>
-          <a:prstGeom prst="rect">
-            <a:avLst/>
-          </a:prstGeom>
-          <a:noFill/>
-          <a:ln>
-            <a:noFill/>
-          </a:ln>
-        </p:spPr>
-        <p:txBody>
-          <a:bodyPr wrap="square" lIns="91425" tIns="91425" rIns="91425" bIns="91425" anchor="t" anchorCtr="0">
-            <a:noAutofit/>
-          </a:bodyPr>
-          <a:lstStyle/>
-          <a:p>
-            <a:pPr lvl="0" indent="-279400">
-              <a:buSzPts val="4400"/>
-            </a:pPr>
-            <a:r>
-              <a:rPr lang="en-US" sz="4400" dirty="0"/>
-              <a:t>Testing &amp;</a:t>
-            </a:r>
-            <a:br>
-              <a:rPr lang="en-US" sz="4400" dirty="0"/>
-            </a:br>
-            <a:r>
-              <a:rPr lang="en-US" sz="4400" dirty="0">
-                <a:solidFill>
-                  <a:srgbClr val="FFB600"/>
-                </a:solidFill>
-              </a:rPr>
-              <a:t>Evaluation</a:t>
-            </a:r>
-            <a:br>
-              <a:rPr lang="en-US" sz="4400" dirty="0"/>
-            </a:br>
-            <a:endParaRPr lang="iw-IL" sz="2800" b="0" i="0" u="none" strike="noStrike" cap="none" dirty="0">
-              <a:solidFill>
-                <a:srgbClr val="434343"/>
-              </a:solidFill>
-              <a:latin typeface="Raleway Light" panose="020B0403030101060003" pitchFamily="34" charset="0"/>
-              <a:sym typeface="Raleway ExtraBold"/>
-            </a:endParaRPr>
-          </a:p>
-        </p:txBody>
-      </p:sp>
-      <p:sp>
-        <p:nvSpPr>
-          <p:cNvPr id="91" name="Shape 91"/>
-          <p:cNvSpPr txBox="1">
-            <a:spLocks noGrp="1"/>
-          </p:cNvSpPr>
-          <p:nvPr>
-            <p:ph type="sldNum" idx="12"/>
-          </p:nvPr>
-        </p:nvSpPr>
-        <p:spPr>
-          <a:xfrm>
-            <a:off x="8604400" y="4590300"/>
-            <a:ext cx="539700" cy="553200"/>
-          </a:xfrm>
-          <a:prstGeom prst="rect">
-            <a:avLst/>
-          </a:prstGeom>
-          <a:noFill/>
-          <a:ln>
-            <a:noFill/>
-          </a:ln>
-        </p:spPr>
-        <p:txBody>
-          <a:bodyPr wrap="square" lIns="91425" tIns="91425" rIns="91425" bIns="91425" anchor="ctr" anchorCtr="0">
-            <a:noAutofit/>
-          </a:bodyPr>
-          <a:lstStyle/>
-          <a:p>
-            <a:pPr marL="0" marR="0" lvl="0" indent="-88900" algn="l" rtl="0">
-              <a:lnSpc>
-                <a:spcPct val="100000"/>
-              </a:lnSpc>
-              <a:spcBef>
-                <a:spcPts val="0"/>
-              </a:spcBef>
-              <a:spcAft>
-                <a:spcPts val="0"/>
-              </a:spcAft>
-              <a:buClr>
-                <a:srgbClr val="000000"/>
-              </a:buClr>
-              <a:buSzPts val="1400"/>
-              <a:buFont typeface="Arial"/>
-              <a:buNone/>
-            </a:pPr>
-            <a:fld id="{00000000-1234-1234-1234-123412341234}" type="slidenum">
-              <a:rPr lang="iw-IL" sz="1400" b="0" i="0" u="none" strike="noStrike" cap="none">
-                <a:solidFill>
-                  <a:srgbClr val="000000"/>
-                </a:solidFill>
-                <a:latin typeface="Arial"/>
-                <a:ea typeface="Arial"/>
-                <a:cs typeface="Arial"/>
-                <a:sym typeface="Arial"/>
-              </a:rPr>
-              <a:t>9</a:t>
-            </a:fld>
-            <a:endParaRPr lang="iw-IL" sz="1400" b="0" i="0" u="none" strike="noStrike" cap="none">
-              <a:solidFill>
-                <a:srgbClr val="000000"/>
-              </a:solidFill>
-              <a:latin typeface="Arial"/>
-              <a:ea typeface="Arial"/>
-              <a:cs typeface="Arial"/>
-              <a:sym typeface="Arial"/>
-            </a:endParaRPr>
-          </a:p>
-        </p:txBody>
-      </p:sp>
-      <p:grpSp>
-        <p:nvGrpSpPr>
-          <p:cNvPr id="92" name="Shape 92"/>
-          <p:cNvGrpSpPr/>
-          <p:nvPr/>
-        </p:nvGrpSpPr>
-        <p:grpSpPr>
-          <a:xfrm>
-            <a:off x="8119638" y="225980"/>
-            <a:ext cx="539546" cy="879605"/>
-            <a:chOff x="6730350" y="2315900"/>
-            <a:chExt cx="257700" cy="420100"/>
-          </a:xfrm>
-        </p:grpSpPr>
-        <p:sp>
-          <p:nvSpPr>
-            <p:cNvPr id="93" name="Shape 93"/>
-            <p:cNvSpPr/>
-            <p:nvPr/>
-          </p:nvSpPr>
-          <p:spPr>
-            <a:xfrm>
-              <a:off x="6807900" y="2671250"/>
-              <a:ext cx="102600" cy="22625"/>
-            </a:xfrm>
-            <a:custGeom>
-              <a:avLst/>
-              <a:gdLst/>
-              <a:ahLst/>
-              <a:cxnLst/>
-              <a:rect l="0" t="0" r="0" b="0"/>
-              <a:pathLst>
-                <a:path w="120000" h="120000" extrusionOk="0">
-                  <a:moveTo>
-                    <a:pt x="29" y="132"/>
-                  </a:moveTo>
-                  <a:lnTo>
-                    <a:pt x="29" y="120000"/>
-                  </a:lnTo>
-                  <a:lnTo>
-                    <a:pt x="120000" y="120000"/>
-                  </a:lnTo>
-                  <a:lnTo>
-                    <a:pt x="120000" y="132"/>
-                  </a:lnTo>
-                  <a:close/>
-                </a:path>
-              </a:pathLst>
-            </a:custGeom>
-            <a:solidFill>
-              <a:srgbClr val="FFB600"/>
-            </a:solidFill>
-            <a:ln>
-              <a:noFill/>
-            </a:ln>
-          </p:spPr>
-          <p:txBody>
-            <a:bodyPr wrap="square" lIns="91425" tIns="91425" rIns="91425" bIns="91425" anchor="ctr" anchorCtr="0">
-              <a:noAutofit/>
-            </a:bodyPr>
-            <a:lstStyle/>
-            <a:p>
-              <a:pPr marL="0" marR="0" lvl="0" indent="-88900" algn="l" rtl="0">
-                <a:lnSpc>
-                  <a:spcPct val="100000"/>
-                </a:lnSpc>
-                <a:spcBef>
-                  <a:spcPts val="0"/>
-                </a:spcBef>
-                <a:spcAft>
-                  <a:spcPts val="0"/>
-                </a:spcAft>
-                <a:buClr>
-                  <a:srgbClr val="000000"/>
-                </a:buClr>
-                <a:buSzPts val="1400"/>
-                <a:buFont typeface="Arial"/>
-                <a:buNone/>
-              </a:pPr>
-              <a:endParaRPr sz="1400" b="0" i="0" u="none" strike="noStrike" cap="none">
-                <a:solidFill>
-                  <a:srgbClr val="000000"/>
-                </a:solidFill>
-                <a:latin typeface="Arial"/>
-                <a:ea typeface="Arial"/>
-                <a:cs typeface="Arial"/>
-                <a:sym typeface="Arial"/>
-              </a:endParaRPr>
-            </a:p>
-          </p:txBody>
-        </p:sp>
-        <p:sp>
-          <p:nvSpPr>
-            <p:cNvPr id="94" name="Shape 94"/>
-            <p:cNvSpPr/>
-            <p:nvPr/>
-          </p:nvSpPr>
-          <p:spPr>
-            <a:xfrm>
-              <a:off x="6807900" y="2636450"/>
-              <a:ext cx="102600" cy="22625"/>
-            </a:xfrm>
-            <a:custGeom>
-              <a:avLst/>
-              <a:gdLst/>
-              <a:ahLst/>
-              <a:cxnLst/>
-              <a:rect l="0" t="0" r="0" b="0"/>
-              <a:pathLst>
-                <a:path w="120000" h="120000" extrusionOk="0">
-                  <a:moveTo>
-                    <a:pt x="29" y="132"/>
-                  </a:moveTo>
-                  <a:lnTo>
-                    <a:pt x="29" y="120000"/>
-                  </a:lnTo>
-                  <a:lnTo>
-                    <a:pt x="120000" y="120000"/>
-                  </a:lnTo>
-                  <a:lnTo>
-                    <a:pt x="120000" y="132"/>
-                  </a:lnTo>
-                  <a:close/>
-                </a:path>
-              </a:pathLst>
-            </a:custGeom>
-            <a:solidFill>
-              <a:srgbClr val="FFB600"/>
-            </a:solidFill>
-            <a:ln>
-              <a:noFill/>
-            </a:ln>
-          </p:spPr>
-          <p:txBody>
-            <a:bodyPr wrap="square" lIns="91425" tIns="91425" rIns="91425" bIns="91425" anchor="ctr" anchorCtr="0">
-              <a:noAutofit/>
-            </a:bodyPr>
-            <a:lstStyle/>
-            <a:p>
-              <a:pPr marL="0" marR="0" lvl="0" indent="-88900" algn="l" rtl="0">
-                <a:lnSpc>
-                  <a:spcPct val="100000"/>
-                </a:lnSpc>
-                <a:spcBef>
-                  <a:spcPts val="0"/>
-                </a:spcBef>
-                <a:spcAft>
-                  <a:spcPts val="0"/>
-                </a:spcAft>
-                <a:buClr>
-                  <a:srgbClr val="000000"/>
-                </a:buClr>
-                <a:buSzPts val="1400"/>
-                <a:buFont typeface="Arial"/>
-                <a:buNone/>
-              </a:pPr>
-              <a:endParaRPr sz="1400" b="0" i="0" u="none" strike="noStrike" cap="none">
-                <a:solidFill>
-                  <a:srgbClr val="000000"/>
-                </a:solidFill>
-                <a:latin typeface="Arial"/>
-                <a:ea typeface="Arial"/>
-                <a:cs typeface="Arial"/>
-                <a:sym typeface="Arial"/>
-              </a:endParaRPr>
-            </a:p>
-          </p:txBody>
-        </p:sp>
-        <p:sp>
-          <p:nvSpPr>
-            <p:cNvPr id="95" name="Shape 95"/>
-            <p:cNvSpPr/>
-            <p:nvPr/>
-          </p:nvSpPr>
-          <p:spPr>
-            <a:xfrm>
-              <a:off x="6807900" y="2706075"/>
-              <a:ext cx="102600" cy="29925"/>
-            </a:xfrm>
-            <a:custGeom>
-              <a:avLst/>
-              <a:gdLst/>
-              <a:ahLst/>
-              <a:cxnLst/>
-              <a:rect l="0" t="0" r="0" b="0"/>
-              <a:pathLst>
-                <a:path w="120000" h="120000" extrusionOk="0">
-                  <a:moveTo>
-                    <a:pt x="29" y="0"/>
-                  </a:moveTo>
-                  <a:lnTo>
-                    <a:pt x="29" y="17142"/>
-                  </a:lnTo>
-                  <a:lnTo>
-                    <a:pt x="730" y="31879"/>
-                  </a:lnTo>
-                  <a:lnTo>
-                    <a:pt x="2865" y="46516"/>
-                  </a:lnTo>
-                  <a:lnTo>
-                    <a:pt x="5730" y="58746"/>
-                  </a:lnTo>
-                  <a:lnTo>
-                    <a:pt x="10029" y="66165"/>
-                  </a:lnTo>
-                  <a:lnTo>
-                    <a:pt x="55000" y="117493"/>
-                  </a:lnTo>
-                  <a:lnTo>
-                    <a:pt x="60000" y="120000"/>
-                  </a:lnTo>
-                  <a:lnTo>
-                    <a:pt x="65000" y="117493"/>
-                  </a:lnTo>
-                  <a:lnTo>
-                    <a:pt x="110000" y="66165"/>
-                  </a:lnTo>
-                  <a:lnTo>
-                    <a:pt x="114269" y="58746"/>
-                  </a:lnTo>
-                  <a:lnTo>
-                    <a:pt x="117134" y="46516"/>
-                  </a:lnTo>
-                  <a:lnTo>
-                    <a:pt x="119269" y="31879"/>
-                  </a:lnTo>
-                  <a:lnTo>
-                    <a:pt x="120000" y="17142"/>
-                  </a:lnTo>
-                  <a:lnTo>
-                    <a:pt x="120000" y="0"/>
-                  </a:lnTo>
-                  <a:close/>
-                </a:path>
-              </a:pathLst>
-            </a:custGeom>
-            <a:solidFill>
-              <a:srgbClr val="FFB600"/>
-            </a:solidFill>
-            <a:ln>
-              <a:noFill/>
-            </a:ln>
-          </p:spPr>
-          <p:txBody>
-            <a:bodyPr wrap="square" lIns="91425" tIns="91425" rIns="91425" bIns="91425" anchor="ctr" anchorCtr="0">
-              <a:noAutofit/>
-            </a:bodyPr>
-            <a:lstStyle/>
-            <a:p>
-              <a:pPr marL="0" marR="0" lvl="0" indent="-88900" algn="l" rtl="0">
-                <a:lnSpc>
-                  <a:spcPct val="100000"/>
-                </a:lnSpc>
-                <a:spcBef>
-                  <a:spcPts val="0"/>
-                </a:spcBef>
-                <a:spcAft>
-                  <a:spcPts val="0"/>
-                </a:spcAft>
-                <a:buClr>
-                  <a:srgbClr val="000000"/>
-                </a:buClr>
-                <a:buSzPts val="1400"/>
-                <a:buFont typeface="Arial"/>
-                <a:buNone/>
-              </a:pPr>
-              <a:endParaRPr sz="1400" b="0" i="0" u="none" strike="noStrike" cap="none">
-                <a:solidFill>
-                  <a:srgbClr val="000000"/>
-                </a:solidFill>
-                <a:latin typeface="Arial"/>
-                <a:ea typeface="Arial"/>
-                <a:cs typeface="Arial"/>
-                <a:sym typeface="Arial"/>
-              </a:endParaRPr>
-            </a:p>
-          </p:txBody>
-        </p:sp>
-        <p:sp>
-          <p:nvSpPr>
-            <p:cNvPr id="96" name="Shape 96"/>
-            <p:cNvSpPr/>
-            <p:nvPr/>
-          </p:nvSpPr>
-          <p:spPr>
-            <a:xfrm>
-              <a:off x="6811575" y="2463675"/>
-              <a:ext cx="95275" cy="160600"/>
-            </a:xfrm>
-            <a:custGeom>
-              <a:avLst/>
-              <a:gdLst/>
-              <a:ahLst/>
-              <a:cxnLst/>
-              <a:rect l="0" t="0" r="0" b="0"/>
-              <a:pathLst>
-                <a:path w="120000" h="120000" extrusionOk="0">
-                  <a:moveTo>
-                    <a:pt x="59984" y="0"/>
-                  </a:moveTo>
-                  <a:lnTo>
-                    <a:pt x="29220" y="15523"/>
-                  </a:lnTo>
-                  <a:lnTo>
-                    <a:pt x="26922" y="16419"/>
-                  </a:lnTo>
-                  <a:lnTo>
-                    <a:pt x="24623" y="16886"/>
-                  </a:lnTo>
-                  <a:lnTo>
-                    <a:pt x="21537" y="16419"/>
-                  </a:lnTo>
-                  <a:lnTo>
-                    <a:pt x="19239" y="15523"/>
-                  </a:lnTo>
-                  <a:lnTo>
-                    <a:pt x="0" y="5940"/>
-                  </a:lnTo>
-                  <a:lnTo>
-                    <a:pt x="41532" y="119981"/>
-                  </a:lnTo>
-                  <a:lnTo>
-                    <a:pt x="78436" y="119981"/>
-                  </a:lnTo>
-                  <a:lnTo>
-                    <a:pt x="119968" y="5940"/>
-                  </a:lnTo>
-                  <a:lnTo>
-                    <a:pt x="100760" y="15523"/>
-                  </a:lnTo>
-                  <a:lnTo>
-                    <a:pt x="98430" y="16419"/>
-                  </a:lnTo>
-                  <a:lnTo>
-                    <a:pt x="95376" y="16886"/>
-                  </a:lnTo>
-                  <a:lnTo>
-                    <a:pt x="93046" y="16419"/>
-                  </a:lnTo>
-                  <a:lnTo>
-                    <a:pt x="90747" y="15523"/>
-                  </a:lnTo>
-                  <a:lnTo>
-                    <a:pt x="59984" y="0"/>
-                  </a:lnTo>
-                  <a:close/>
-                </a:path>
-              </a:pathLst>
-            </a:custGeom>
-            <a:solidFill>
-              <a:srgbClr val="FFB600"/>
-            </a:solidFill>
-            <a:ln>
-              <a:noFill/>
-            </a:ln>
-          </p:spPr>
-          <p:txBody>
-            <a:bodyPr wrap="square" lIns="91425" tIns="91425" rIns="91425" bIns="91425" anchor="ctr" anchorCtr="0">
-              <a:noAutofit/>
-            </a:bodyPr>
-            <a:lstStyle/>
-            <a:p>
-              <a:pPr marL="0" marR="0" lvl="0" indent="-88900" algn="l" rtl="0">
-                <a:lnSpc>
-                  <a:spcPct val="100000"/>
-                </a:lnSpc>
-                <a:spcBef>
-                  <a:spcPts val="0"/>
-                </a:spcBef>
-                <a:spcAft>
-                  <a:spcPts val="0"/>
-                </a:spcAft>
-                <a:buClr>
-                  <a:srgbClr val="000000"/>
-                </a:buClr>
-                <a:buSzPts val="1400"/>
-                <a:buFont typeface="Arial"/>
-                <a:buNone/>
-              </a:pPr>
-              <a:endParaRPr sz="1400" b="0" i="0" u="none" strike="noStrike" cap="none">
-                <a:solidFill>
-                  <a:srgbClr val="000000"/>
-                </a:solidFill>
-                <a:latin typeface="Arial"/>
-                <a:ea typeface="Arial"/>
-                <a:cs typeface="Arial"/>
-                <a:sym typeface="Arial"/>
-              </a:endParaRPr>
-            </a:p>
-          </p:txBody>
-        </p:sp>
-        <p:sp>
-          <p:nvSpPr>
-            <p:cNvPr id="97" name="Shape 97"/>
-            <p:cNvSpPr/>
-            <p:nvPr/>
-          </p:nvSpPr>
-          <p:spPr>
-            <a:xfrm>
-              <a:off x="6730350" y="2315900"/>
-              <a:ext cx="257700" cy="308375"/>
-            </a:xfrm>
-            <a:custGeom>
-              <a:avLst/>
-              <a:gdLst/>
-              <a:ahLst/>
-              <a:cxnLst/>
-              <a:rect l="0" t="0" r="0" b="0"/>
-              <a:pathLst>
-                <a:path w="120000" h="120000" extrusionOk="0">
-                  <a:moveTo>
-                    <a:pt x="60000" y="9"/>
-                  </a:moveTo>
-                  <a:lnTo>
-                    <a:pt x="53748" y="243"/>
-                  </a:lnTo>
-                  <a:lnTo>
-                    <a:pt x="48055" y="953"/>
-                  </a:lnTo>
-                  <a:lnTo>
-                    <a:pt x="42083" y="2383"/>
-                  </a:lnTo>
-                  <a:lnTo>
-                    <a:pt x="36682" y="4047"/>
-                  </a:lnTo>
-                  <a:lnTo>
-                    <a:pt x="31571" y="6187"/>
-                  </a:lnTo>
-                  <a:lnTo>
-                    <a:pt x="26449" y="8561"/>
-                  </a:lnTo>
-                  <a:lnTo>
-                    <a:pt x="21897" y="11411"/>
-                  </a:lnTo>
-                  <a:lnTo>
-                    <a:pt x="17636" y="14738"/>
-                  </a:lnTo>
-                  <a:lnTo>
-                    <a:pt x="13946" y="18299"/>
-                  </a:lnTo>
-                  <a:lnTo>
-                    <a:pt x="10244" y="22102"/>
-                  </a:lnTo>
-                  <a:lnTo>
-                    <a:pt x="7403" y="26140"/>
-                  </a:lnTo>
-                  <a:lnTo>
-                    <a:pt x="4842" y="30654"/>
-                  </a:lnTo>
-                  <a:lnTo>
-                    <a:pt x="2852" y="35168"/>
-                  </a:lnTo>
-                  <a:lnTo>
-                    <a:pt x="1431" y="39925"/>
-                  </a:lnTo>
-                  <a:lnTo>
-                    <a:pt x="582" y="44916"/>
-                  </a:lnTo>
-                  <a:lnTo>
-                    <a:pt x="11" y="50140"/>
-                  </a:lnTo>
-                  <a:lnTo>
-                    <a:pt x="291" y="52757"/>
-                  </a:lnTo>
-                  <a:lnTo>
-                    <a:pt x="582" y="55364"/>
-                  </a:lnTo>
-                  <a:lnTo>
-                    <a:pt x="1431" y="60355"/>
-                  </a:lnTo>
-                  <a:lnTo>
-                    <a:pt x="2852" y="65112"/>
-                  </a:lnTo>
-                  <a:lnTo>
-                    <a:pt x="4842" y="69383"/>
-                  </a:lnTo>
-                  <a:lnTo>
-                    <a:pt x="7403" y="73663"/>
-                  </a:lnTo>
-                  <a:lnTo>
-                    <a:pt x="9965" y="77467"/>
-                  </a:lnTo>
-                  <a:lnTo>
-                    <a:pt x="12805" y="81261"/>
-                  </a:lnTo>
-                  <a:lnTo>
-                    <a:pt x="15937" y="85065"/>
-                  </a:lnTo>
-                  <a:lnTo>
-                    <a:pt x="22188" y="92672"/>
-                  </a:lnTo>
-                  <a:lnTo>
-                    <a:pt x="25029" y="96710"/>
-                  </a:lnTo>
-                  <a:lnTo>
-                    <a:pt x="27869" y="100747"/>
-                  </a:lnTo>
-                  <a:lnTo>
-                    <a:pt x="30430" y="105027"/>
-                  </a:lnTo>
-                  <a:lnTo>
-                    <a:pt x="32712" y="109775"/>
-                  </a:lnTo>
-                  <a:lnTo>
-                    <a:pt x="34691" y="114766"/>
-                  </a:lnTo>
-                  <a:lnTo>
-                    <a:pt x="36123" y="119990"/>
-                  </a:lnTo>
-                  <a:lnTo>
-                    <a:pt x="47485" y="119990"/>
-                  </a:lnTo>
-                  <a:lnTo>
-                    <a:pt x="37823" y="82691"/>
-                  </a:lnTo>
-                  <a:lnTo>
-                    <a:pt x="31001" y="54887"/>
-                  </a:lnTo>
-                  <a:lnTo>
-                    <a:pt x="31001" y="53700"/>
-                  </a:lnTo>
-                  <a:lnTo>
-                    <a:pt x="31571" y="52757"/>
-                  </a:lnTo>
-                  <a:lnTo>
-                    <a:pt x="32421" y="52280"/>
-                  </a:lnTo>
-                  <a:lnTo>
-                    <a:pt x="33562" y="52037"/>
-                  </a:lnTo>
-                  <a:lnTo>
-                    <a:pt x="34412" y="52037"/>
-                  </a:lnTo>
-                  <a:lnTo>
-                    <a:pt x="35552" y="52513"/>
-                  </a:lnTo>
-                  <a:lnTo>
-                    <a:pt x="46926" y="60831"/>
-                  </a:lnTo>
-                  <a:lnTo>
-                    <a:pt x="58009" y="52513"/>
-                  </a:lnTo>
-                  <a:lnTo>
-                    <a:pt x="59150" y="52037"/>
-                  </a:lnTo>
-                  <a:lnTo>
-                    <a:pt x="60849" y="52037"/>
-                  </a:lnTo>
-                  <a:lnTo>
-                    <a:pt x="61990" y="52513"/>
-                  </a:lnTo>
-                  <a:lnTo>
-                    <a:pt x="73084" y="60831"/>
-                  </a:lnTo>
-                  <a:lnTo>
-                    <a:pt x="84447" y="52513"/>
-                  </a:lnTo>
-                  <a:lnTo>
-                    <a:pt x="85587" y="52037"/>
-                  </a:lnTo>
-                  <a:lnTo>
-                    <a:pt x="86437" y="52037"/>
-                  </a:lnTo>
-                  <a:lnTo>
-                    <a:pt x="87578" y="52280"/>
-                  </a:lnTo>
-                  <a:lnTo>
-                    <a:pt x="88428" y="52757"/>
-                  </a:lnTo>
-                  <a:lnTo>
-                    <a:pt x="88998" y="53700"/>
-                  </a:lnTo>
-                  <a:lnTo>
-                    <a:pt x="88998" y="54887"/>
-                  </a:lnTo>
-                  <a:lnTo>
-                    <a:pt x="82176" y="82691"/>
-                  </a:lnTo>
-                  <a:lnTo>
-                    <a:pt x="72514" y="119990"/>
-                  </a:lnTo>
-                  <a:lnTo>
-                    <a:pt x="83888" y="119990"/>
-                  </a:lnTo>
-                  <a:lnTo>
-                    <a:pt x="85308" y="114766"/>
-                  </a:lnTo>
-                  <a:lnTo>
-                    <a:pt x="87299" y="109775"/>
-                  </a:lnTo>
-                  <a:lnTo>
-                    <a:pt x="89569" y="105027"/>
-                  </a:lnTo>
-                  <a:lnTo>
-                    <a:pt x="92130" y="100747"/>
-                  </a:lnTo>
-                  <a:lnTo>
-                    <a:pt x="94970" y="96710"/>
-                  </a:lnTo>
-                  <a:lnTo>
-                    <a:pt x="97811" y="92672"/>
-                  </a:lnTo>
-                  <a:lnTo>
-                    <a:pt x="104074" y="85065"/>
-                  </a:lnTo>
-                  <a:lnTo>
-                    <a:pt x="107194" y="81261"/>
-                  </a:lnTo>
-                  <a:lnTo>
-                    <a:pt x="110046" y="77467"/>
-                  </a:lnTo>
-                  <a:lnTo>
-                    <a:pt x="112596" y="73663"/>
-                  </a:lnTo>
-                  <a:lnTo>
-                    <a:pt x="115157" y="69383"/>
-                  </a:lnTo>
-                  <a:lnTo>
-                    <a:pt x="117147" y="65112"/>
-                  </a:lnTo>
-                  <a:lnTo>
-                    <a:pt x="118568" y="60355"/>
-                  </a:lnTo>
-                  <a:lnTo>
-                    <a:pt x="119429" y="55364"/>
-                  </a:lnTo>
-                  <a:lnTo>
-                    <a:pt x="119708" y="52757"/>
-                  </a:lnTo>
-                  <a:lnTo>
-                    <a:pt x="119988" y="50140"/>
-                  </a:lnTo>
-                  <a:lnTo>
-                    <a:pt x="119429" y="44916"/>
-                  </a:lnTo>
-                  <a:lnTo>
-                    <a:pt x="118568" y="39925"/>
-                  </a:lnTo>
-                  <a:lnTo>
-                    <a:pt x="117147" y="35168"/>
-                  </a:lnTo>
-                  <a:lnTo>
-                    <a:pt x="115157" y="30654"/>
-                  </a:lnTo>
-                  <a:lnTo>
-                    <a:pt x="112596" y="26140"/>
-                  </a:lnTo>
-                  <a:lnTo>
-                    <a:pt x="109755" y="22102"/>
-                  </a:lnTo>
-                  <a:lnTo>
-                    <a:pt x="106065" y="18299"/>
-                  </a:lnTo>
-                  <a:lnTo>
-                    <a:pt x="102363" y="14738"/>
-                  </a:lnTo>
-                  <a:lnTo>
-                    <a:pt x="98102" y="11411"/>
-                  </a:lnTo>
-                  <a:lnTo>
-                    <a:pt x="93550" y="8561"/>
-                  </a:lnTo>
-                  <a:lnTo>
-                    <a:pt x="88428" y="6187"/>
-                  </a:lnTo>
-                  <a:lnTo>
-                    <a:pt x="83317" y="4047"/>
-                  </a:lnTo>
-                  <a:lnTo>
-                    <a:pt x="77916" y="2383"/>
-                  </a:lnTo>
-                  <a:lnTo>
-                    <a:pt x="71944" y="953"/>
-                  </a:lnTo>
-                  <a:lnTo>
-                    <a:pt x="66251" y="243"/>
-                  </a:lnTo>
-                  <a:lnTo>
-                    <a:pt x="60000" y="9"/>
-                  </a:lnTo>
-                  <a:close/>
-                </a:path>
-              </a:pathLst>
-            </a:custGeom>
-            <a:solidFill>
-              <a:srgbClr val="FFB600"/>
-            </a:solidFill>
-            <a:ln>
-              <a:noFill/>
-            </a:ln>
-          </p:spPr>
-          <p:txBody>
-            <a:bodyPr wrap="square" lIns="91425" tIns="91425" rIns="91425" bIns="91425" anchor="ctr" anchorCtr="0">
-              <a:noAutofit/>
-            </a:bodyPr>
-            <a:lstStyle/>
-            <a:p>
-              <a:pPr marL="0" marR="0" lvl="0" indent="-88900" algn="l" rtl="0">
-                <a:lnSpc>
-                  <a:spcPct val="100000"/>
-                </a:lnSpc>
-                <a:spcBef>
-                  <a:spcPts val="0"/>
-                </a:spcBef>
-                <a:spcAft>
-                  <a:spcPts val="0"/>
-                </a:spcAft>
-                <a:buClr>
-                  <a:srgbClr val="000000"/>
-                </a:buClr>
-                <a:buSzPts val="1400"/>
-                <a:buFont typeface="Arial"/>
-                <a:buNone/>
-              </a:pPr>
-              <a:endParaRPr sz="1400" b="0" i="0" u="none" strike="noStrike" cap="none">
-                <a:solidFill>
-                  <a:srgbClr val="000000"/>
-                </a:solidFill>
-                <a:latin typeface="Arial"/>
-                <a:ea typeface="Arial"/>
-                <a:cs typeface="Arial"/>
-                <a:sym typeface="Arial"/>
-              </a:endParaRPr>
-            </a:p>
-          </p:txBody>
-        </p:sp>
-      </p:grpSp>
-      <p:sp>
-        <p:nvSpPr>
-          <p:cNvPr id="11" name="Shape 120">
-            <a:extLst>
-              <a:ext uri="{FF2B5EF4-FFF2-40B4-BE49-F238E27FC236}">
-                <a16:creationId xmlns:a16="http://schemas.microsoft.com/office/drawing/2014/main" id="{7D209ED9-458B-43E3-9607-2EAA917A8C69}"/>
-              </a:ext>
-            </a:extLst>
-          </p:cNvPr>
-          <p:cNvSpPr txBox="1"/>
-          <p:nvPr/>
-        </p:nvSpPr>
-        <p:spPr>
-          <a:xfrm>
-            <a:off x="3866704" y="1773159"/>
-            <a:ext cx="2247640" cy="732725"/>
-          </a:xfrm>
-          <a:prstGeom prst="rect">
-            <a:avLst/>
-          </a:prstGeom>
-          <a:noFill/>
-          <a:ln>
-            <a:noFill/>
-          </a:ln>
-        </p:spPr>
-        <p:txBody>
-          <a:bodyPr wrap="square" lIns="91425" tIns="91425" rIns="91425" bIns="91425" anchor="b" anchorCtr="0">
-            <a:noAutofit/>
-          </a:bodyPr>
-          <a:lstStyle/>
-          <a:p>
-            <a:pPr algn="ctr"/>
-            <a:r>
-              <a:rPr lang="en-US" b="1" dirty="0">
-                <a:solidFill>
-                  <a:srgbClr val="434343"/>
-                </a:solidFill>
-                <a:latin typeface="Raleway ExtraBold" panose="020B0903030101060003" pitchFamily="34" charset="0"/>
-              </a:rPr>
-              <a:t>Mainly visual functionalities </a:t>
-            </a:r>
-          </a:p>
-        </p:txBody>
-      </p:sp>
-      <p:sp>
-        <p:nvSpPr>
-          <p:cNvPr id="12" name="Shape 120">
-            <a:extLst>
-              <a:ext uri="{FF2B5EF4-FFF2-40B4-BE49-F238E27FC236}">
-                <a16:creationId xmlns:a16="http://schemas.microsoft.com/office/drawing/2014/main" id="{414827B1-50B4-4198-9F8D-5C7BF93CCB18}"/>
-              </a:ext>
-            </a:extLst>
-          </p:cNvPr>
-          <p:cNvSpPr txBox="1"/>
-          <p:nvPr/>
-        </p:nvSpPr>
-        <p:spPr>
-          <a:xfrm>
-            <a:off x="6408045" y="1753064"/>
-            <a:ext cx="1699294" cy="732725"/>
-          </a:xfrm>
-          <a:prstGeom prst="rect">
-            <a:avLst/>
-          </a:prstGeom>
-          <a:noFill/>
-          <a:ln>
-            <a:noFill/>
-          </a:ln>
-        </p:spPr>
-        <p:txBody>
-          <a:bodyPr wrap="square" lIns="91425" tIns="91425" rIns="91425" bIns="91425" anchor="b" anchorCtr="0">
-            <a:noAutofit/>
-          </a:bodyPr>
-          <a:lstStyle/>
-          <a:p>
-            <a:pPr lvl="2" algn="ctr"/>
-            <a:r>
-              <a:rPr lang="en-US" b="1" dirty="0">
-                <a:solidFill>
-                  <a:srgbClr val="434343"/>
-                </a:solidFill>
-                <a:latin typeface="Raleway ExtraBold" panose="020B0903030101060003" pitchFamily="34" charset="0"/>
-              </a:rPr>
-              <a:t>Testing performance</a:t>
-            </a:r>
-          </a:p>
-        </p:txBody>
-      </p:sp>
-      <p:sp>
-        <p:nvSpPr>
-          <p:cNvPr id="13" name="Shape 120">
-            <a:extLst>
-              <a:ext uri="{FF2B5EF4-FFF2-40B4-BE49-F238E27FC236}">
-                <a16:creationId xmlns:a16="http://schemas.microsoft.com/office/drawing/2014/main" id="{A592296E-6C58-4A54-93C9-42E7F960DA6C}"/>
-              </a:ext>
-            </a:extLst>
-          </p:cNvPr>
-          <p:cNvSpPr txBox="1"/>
-          <p:nvPr/>
-        </p:nvSpPr>
-        <p:spPr>
-          <a:xfrm>
-            <a:off x="3866704" y="3698225"/>
-            <a:ext cx="2247640" cy="732725"/>
-          </a:xfrm>
-          <a:prstGeom prst="rect">
-            <a:avLst/>
-          </a:prstGeom>
-          <a:noFill/>
-          <a:ln>
-            <a:noFill/>
-          </a:ln>
-        </p:spPr>
-        <p:txBody>
-          <a:bodyPr wrap="square" lIns="91425" tIns="91425" rIns="91425" bIns="91425" anchor="b" anchorCtr="0">
-            <a:noAutofit/>
-          </a:bodyPr>
-          <a:lstStyle/>
-          <a:p>
-            <a:pPr lvl="2" algn="ctr"/>
-            <a:r>
-              <a:rPr lang="en-US" b="1" dirty="0">
-                <a:solidFill>
-                  <a:srgbClr val="434343"/>
-                </a:solidFill>
-                <a:latin typeface="Raleway ExtraBold" panose="020B0903030101060003" pitchFamily="34" charset="0"/>
-              </a:rPr>
-              <a:t>Comparing different schedulers on same simulations</a:t>
-            </a:r>
-          </a:p>
-        </p:txBody>
-      </p:sp>
-      <p:sp>
-        <p:nvSpPr>
-          <p:cNvPr id="14" name="Shape 120">
-            <a:extLst>
-              <a:ext uri="{FF2B5EF4-FFF2-40B4-BE49-F238E27FC236}">
-                <a16:creationId xmlns:a16="http://schemas.microsoft.com/office/drawing/2014/main" id="{D636E29E-4D07-4161-ABC9-681FB318A520}"/>
-              </a:ext>
-            </a:extLst>
-          </p:cNvPr>
-          <p:cNvSpPr txBox="1"/>
-          <p:nvPr/>
-        </p:nvSpPr>
-        <p:spPr>
-          <a:xfrm>
-            <a:off x="6148792" y="3909240"/>
-            <a:ext cx="2217801" cy="732725"/>
-          </a:xfrm>
-          <a:prstGeom prst="rect">
-            <a:avLst/>
-          </a:prstGeom>
-          <a:noFill/>
-          <a:ln>
-            <a:noFill/>
-          </a:ln>
-        </p:spPr>
-        <p:txBody>
-          <a:bodyPr wrap="square" lIns="91425" tIns="91425" rIns="91425" bIns="91425" anchor="b" anchorCtr="0">
-            <a:noAutofit/>
-          </a:bodyPr>
-          <a:lstStyle/>
-          <a:p>
-            <a:pPr lvl="2" algn="ctr"/>
-            <a:r>
-              <a:rPr lang="en-US" b="1" dirty="0">
-                <a:solidFill>
-                  <a:srgbClr val="434343"/>
-                </a:solidFill>
-                <a:latin typeface="Raleway ExtraBold" panose="020B0903030101060003" pitchFamily="34" charset="0"/>
-              </a:rPr>
-              <a:t>Measured speedups are indications for success</a:t>
-            </a:r>
-          </a:p>
-          <a:p>
-            <a:pPr marL="285750" indent="-285750" algn="ctr">
-              <a:buFont typeface="Arial" charset="0"/>
-              <a:buChar char="•"/>
-            </a:pPr>
-            <a:endParaRPr lang="en-US" b="1" dirty="0">
-              <a:solidFill>
-                <a:srgbClr val="434343"/>
-              </a:solidFill>
-              <a:latin typeface="Raleway ExtraBold" panose="020B0903030101060003" pitchFamily="34" charset="0"/>
-            </a:endParaRPr>
-          </a:p>
-        </p:txBody>
-      </p:sp>
-      <p:pic>
-        <p:nvPicPr>
-          <p:cNvPr id="5" name="תמונה 4">
-            <a:extLst>
-              <a:ext uri="{FF2B5EF4-FFF2-40B4-BE49-F238E27FC236}">
-                <a16:creationId xmlns:a16="http://schemas.microsoft.com/office/drawing/2014/main" id="{941C507B-7A97-4925-95E9-08591644082A}"/>
-              </a:ext>
-            </a:extLst>
-          </p:cNvPr>
-          <p:cNvPicPr>
-            <a:picLocks noChangeAspect="1"/>
-          </p:cNvPicPr>
-          <p:nvPr/>
-        </p:nvPicPr>
-        <p:blipFill>
-          <a:blip r:embed="rId3"/>
-          <a:stretch>
-            <a:fillRect/>
-          </a:stretch>
-        </p:blipFill>
-        <p:spPr>
-          <a:xfrm>
-            <a:off x="4515088" y="871655"/>
-            <a:ext cx="911700" cy="911700"/>
-          </a:xfrm>
-          <a:prstGeom prst="rect">
-            <a:avLst/>
-          </a:prstGeom>
-        </p:spPr>
-      </p:pic>
-      <p:pic>
-        <p:nvPicPr>
-          <p:cNvPr id="7" name="תמונה 6">
-            <a:extLst>
-              <a:ext uri="{FF2B5EF4-FFF2-40B4-BE49-F238E27FC236}">
-                <a16:creationId xmlns:a16="http://schemas.microsoft.com/office/drawing/2014/main" id="{71D52B29-30E6-4A4D-A5C4-24860AC34571}"/>
-              </a:ext>
-            </a:extLst>
-          </p:cNvPr>
-          <p:cNvPicPr>
-            <a:picLocks noChangeAspect="1"/>
-          </p:cNvPicPr>
-          <p:nvPr/>
-        </p:nvPicPr>
-        <p:blipFill>
-          <a:blip r:embed="rId4"/>
-          <a:stretch>
-            <a:fillRect/>
-          </a:stretch>
-        </p:blipFill>
-        <p:spPr>
-          <a:xfrm>
-            <a:off x="6864380" y="973613"/>
-            <a:ext cx="753471" cy="753471"/>
-          </a:xfrm>
-          <a:prstGeom prst="rect">
-            <a:avLst/>
-          </a:prstGeom>
-        </p:spPr>
-      </p:pic>
-      <p:pic>
-        <p:nvPicPr>
-          <p:cNvPr id="9" name="תמונה 8">
-            <a:extLst>
-              <a:ext uri="{FF2B5EF4-FFF2-40B4-BE49-F238E27FC236}">
-                <a16:creationId xmlns:a16="http://schemas.microsoft.com/office/drawing/2014/main" id="{2306EFAE-3D4D-4D0A-8E1E-0461AE026C0A}"/>
-              </a:ext>
-            </a:extLst>
-          </p:cNvPr>
-          <p:cNvPicPr>
-            <a:picLocks noChangeAspect="1"/>
-          </p:cNvPicPr>
-          <p:nvPr/>
-        </p:nvPicPr>
-        <p:blipFill>
-          <a:blip r:embed="rId5"/>
-          <a:stretch>
-            <a:fillRect/>
-          </a:stretch>
-        </p:blipFill>
-        <p:spPr>
-          <a:xfrm>
-            <a:off x="6880957" y="2765060"/>
-            <a:ext cx="753471" cy="753471"/>
-          </a:xfrm>
-          <a:prstGeom prst="rect">
-            <a:avLst/>
-          </a:prstGeom>
-        </p:spPr>
-      </p:pic>
-      <p:pic>
-        <p:nvPicPr>
-          <p:cNvPr id="15" name="תמונה 14">
-            <a:extLst>
-              <a:ext uri="{FF2B5EF4-FFF2-40B4-BE49-F238E27FC236}">
-                <a16:creationId xmlns:a16="http://schemas.microsoft.com/office/drawing/2014/main" id="{50BD4322-062D-4938-BD46-6BFC0E980DA8}"/>
-              </a:ext>
-            </a:extLst>
-          </p:cNvPr>
-          <p:cNvPicPr>
-            <a:picLocks noChangeAspect="1"/>
-          </p:cNvPicPr>
-          <p:nvPr/>
-        </p:nvPicPr>
-        <p:blipFill>
-          <a:blip r:embed="rId6"/>
-          <a:stretch>
-            <a:fillRect/>
-          </a:stretch>
-        </p:blipFill>
-        <p:spPr>
-          <a:xfrm>
-            <a:off x="4553180" y="2765060"/>
-            <a:ext cx="828818" cy="828818"/>
-          </a:xfrm>
-          <a:prstGeom prst="rect">
-            <a:avLst/>
-          </a:prstGeom>
-        </p:spPr>
-      </p:pic>
-    </p:spTree>
-    <p:extLst>
-      <p:ext uri="{BB962C8B-B14F-4D97-AF65-F5344CB8AC3E}">
-        <p14:creationId xmlns:p14="http://schemas.microsoft.com/office/powerpoint/2010/main" val="3285531146"/>
-      </p:ext>
-    </p:extLst>
-  </p:cSld>
-  <p:clrMapOvr>
-    <a:masterClrMapping/>
-  </p:clrMapOvr>
-  <p:timing>
-    <p:tnLst>
-      <p:par>
-        <p:cTn id="1" dur="indefinite" restart="never" nodeType="tmRoot">
-          <p:childTnLst>
-            <p:seq concurrent="1" nextAc="seek">
-              <p:cTn id="2" dur="indefinite" nodeType="mainSeq">
-                <p:childTnLst>
-                  <p:par>
-                    <p:cTn id="3" fill="hold">
-                      <p:stCondLst>
-                        <p:cond delay="indefinite"/>
-                        <p:cond evt="onBegin" delay="0">
-                          <p:tn val="2"/>
-                        </p:cond>
-                      </p:stCondLst>
-                      <p:childTnLst>
-                        <p:par>
-                          <p:cTn id="4" fill="hold">
-                            <p:stCondLst>
-                              <p:cond delay="0"/>
-                            </p:stCondLst>
-                            <p:childTnLst>
-                              <p:par>
-                                <p:cTn id="5" presetID="10" presetClass="entr" presetSubtype="0" fill="hold" grpId="0" nodeType="withEffect">
-                                  <p:stCondLst>
-                                    <p:cond delay="0"/>
-                                  </p:stCondLst>
-                                  <p:childTnLst>
-                                    <p:set>
-                                      <p:cBhvr>
-                                        <p:cTn id="6" dur="1" fill="hold">
-                                          <p:stCondLst>
-                                            <p:cond delay="0"/>
-                                          </p:stCondLst>
-                                        </p:cTn>
-                                        <p:tgtEl>
-                                          <p:spTgt spid="89"/>
-                                        </p:tgtEl>
-                                        <p:attrNameLst>
-                                          <p:attrName>style.visibility</p:attrName>
-                                        </p:attrNameLst>
-                                      </p:cBhvr>
-                                      <p:to>
-                                        <p:strVal val="visible"/>
-                                      </p:to>
-                                    </p:set>
-                                    <p:animEffect transition="in" filter="fade">
-                                      <p:cBhvr>
-                                        <p:cTn id="7" dur="500"/>
-                                        <p:tgtEl>
-                                          <p:spTgt spid="89"/>
-                                        </p:tgtEl>
-                                      </p:cBhvr>
-                                    </p:animEffect>
-                                  </p:childTnLst>
-                                </p:cTn>
-                              </p:par>
-                            </p:childTnLst>
-                          </p:cTn>
-                        </p:par>
-                      </p:childTnLst>
-                    </p:cTn>
-                  </p:par>
-                  <p:par>
-                    <p:cTn id="8" fill="hold">
-                      <p:stCondLst>
-                        <p:cond delay="indefinite"/>
-                      </p:stCondLst>
-                      <p:childTnLst>
-                        <p:par>
-                          <p:cTn id="9" fill="hold">
-                            <p:stCondLst>
-                              <p:cond delay="0"/>
-                            </p:stCondLst>
-                            <p:childTnLst>
-                              <p:par>
-                                <p:cTn id="10" presetID="10" presetClass="entr" presetSubtype="0" fill="hold" grpId="0" nodeType="clickEffect">
-                                  <p:stCondLst>
-                                    <p:cond delay="0"/>
-                                  </p:stCondLst>
-                                  <p:childTnLst>
-                                    <p:set>
-                                      <p:cBhvr>
-                                        <p:cTn id="11" dur="1" fill="hold">
-                                          <p:stCondLst>
-                                            <p:cond delay="0"/>
-                                          </p:stCondLst>
-                                        </p:cTn>
-                                        <p:tgtEl>
-                                          <p:spTgt spid="11"/>
-                                        </p:tgtEl>
-                                        <p:attrNameLst>
-                                          <p:attrName>style.visibility</p:attrName>
-                                        </p:attrNameLst>
-                                      </p:cBhvr>
-                                      <p:to>
-                                        <p:strVal val="visible"/>
-                                      </p:to>
-                                    </p:set>
-                                    <p:animEffect transition="in" filter="fade">
-                                      <p:cBhvr>
-                                        <p:cTn id="12" dur="500"/>
-                                        <p:tgtEl>
-                                          <p:spTgt spid="11"/>
-                                        </p:tgtEl>
-                                      </p:cBhvr>
-                                    </p:animEffect>
-                                  </p:childTnLst>
-                                </p:cTn>
-                              </p:par>
-                              <p:par>
-                                <p:cTn id="13" presetID="10" presetClass="entr" presetSubtype="0" fill="hold" nodeType="withEffect">
-                                  <p:stCondLst>
-                                    <p:cond delay="0"/>
-                                  </p:stCondLst>
-                                  <p:childTnLst>
-                                    <p:set>
-                                      <p:cBhvr>
-                                        <p:cTn id="14" dur="1" fill="hold">
-                                          <p:stCondLst>
-                                            <p:cond delay="0"/>
-                                          </p:stCondLst>
-                                        </p:cTn>
-                                        <p:tgtEl>
-                                          <p:spTgt spid="5"/>
-                                        </p:tgtEl>
-                                        <p:attrNameLst>
-                                          <p:attrName>style.visibility</p:attrName>
-                                        </p:attrNameLst>
-                                      </p:cBhvr>
-                                      <p:to>
-                                        <p:strVal val="visible"/>
-                                      </p:to>
-                                    </p:set>
-                                    <p:animEffect transition="in" filter="fade">
-                                      <p:cBhvr>
-                                        <p:cTn id="15" dur="500"/>
-                                        <p:tgtEl>
-                                          <p:spTgt spid="5"/>
-                                        </p:tgtEl>
-                                      </p:cBhvr>
-                                    </p:animEffect>
-                                  </p:childTnLst>
-                                </p:cTn>
-                              </p:par>
-                            </p:childTnLst>
-                          </p:cTn>
-                        </p:par>
-                      </p:childTnLst>
-                    </p:cTn>
-                  </p:par>
-                  <p:par>
-                    <p:cTn id="16" fill="hold">
-                      <p:stCondLst>
-                        <p:cond delay="indefinite"/>
-                      </p:stCondLst>
-                      <p:childTnLst>
-                        <p:par>
-                          <p:cTn id="17" fill="hold">
-                            <p:stCondLst>
-                              <p:cond delay="0"/>
-                            </p:stCondLst>
-                            <p:childTnLst>
-                              <p:par>
-                                <p:cTn id="18" presetID="10" presetClass="entr" presetSubtype="0" fill="hold" grpId="0" nodeType="clickEffect">
-                                  <p:stCondLst>
-                                    <p:cond delay="0"/>
-                                  </p:stCondLst>
-                                  <p:childTnLst>
-                                    <p:set>
-                                      <p:cBhvr>
-                                        <p:cTn id="19" dur="1" fill="hold">
-                                          <p:stCondLst>
-                                            <p:cond delay="0"/>
-                                          </p:stCondLst>
-                                        </p:cTn>
-                                        <p:tgtEl>
-                                          <p:spTgt spid="12"/>
-                                        </p:tgtEl>
-                                        <p:attrNameLst>
-                                          <p:attrName>style.visibility</p:attrName>
-                                        </p:attrNameLst>
-                                      </p:cBhvr>
-                                      <p:to>
-                                        <p:strVal val="visible"/>
-                                      </p:to>
-                                    </p:set>
-                                    <p:animEffect transition="in" filter="fade">
-                                      <p:cBhvr>
-                                        <p:cTn id="20" dur="500"/>
-                                        <p:tgtEl>
-                                          <p:spTgt spid="12"/>
-                                        </p:tgtEl>
-                                      </p:cBhvr>
-                                    </p:animEffect>
-                                  </p:childTnLst>
-                                </p:cTn>
-                              </p:par>
-                              <p:par>
-                                <p:cTn id="21" presetID="10" presetClass="entr" presetSubtype="0" fill="hold" nodeType="withEffect">
-                                  <p:stCondLst>
-                                    <p:cond delay="0"/>
-                                  </p:stCondLst>
-                                  <p:childTnLst>
-                                    <p:set>
-                                      <p:cBhvr>
-                                        <p:cTn id="22" dur="1" fill="hold">
-                                          <p:stCondLst>
-                                            <p:cond delay="0"/>
-                                          </p:stCondLst>
-                                        </p:cTn>
-                                        <p:tgtEl>
-                                          <p:spTgt spid="7"/>
-                                        </p:tgtEl>
-                                        <p:attrNameLst>
-                                          <p:attrName>style.visibility</p:attrName>
-                                        </p:attrNameLst>
-                                      </p:cBhvr>
-                                      <p:to>
-                                        <p:strVal val="visible"/>
-                                      </p:to>
-                                    </p:set>
-                                    <p:animEffect transition="in" filter="fade">
-                                      <p:cBhvr>
-                                        <p:cTn id="23" dur="500"/>
-                                        <p:tgtEl>
-                                          <p:spTgt spid="7"/>
-                                        </p:tgtEl>
-                                      </p:cBhvr>
-                                    </p:animEffect>
-                                  </p:childTnLst>
-                                </p:cTn>
-                              </p:par>
-                            </p:childTnLst>
-                          </p:cTn>
-                        </p:par>
-                      </p:childTnLst>
-                    </p:cTn>
-                  </p:par>
-                  <p:par>
-                    <p:cTn id="24" fill="hold">
-                      <p:stCondLst>
-                        <p:cond delay="indefinite"/>
-                      </p:stCondLst>
-                      <p:childTnLst>
-                        <p:par>
-                          <p:cTn id="25" fill="hold">
-                            <p:stCondLst>
-                              <p:cond delay="0"/>
-                            </p:stCondLst>
-                            <p:childTnLst>
-                              <p:par>
-                                <p:cTn id="26" presetID="10" presetClass="entr" presetSubtype="0" fill="hold" grpId="0" nodeType="clickEffect">
-                                  <p:stCondLst>
-                                    <p:cond delay="0"/>
-                                  </p:stCondLst>
-                                  <p:childTnLst>
-                                    <p:set>
-                                      <p:cBhvr>
-                                        <p:cTn id="27" dur="1" fill="hold">
-                                          <p:stCondLst>
-                                            <p:cond delay="0"/>
-                                          </p:stCondLst>
-                                        </p:cTn>
-                                        <p:tgtEl>
-                                          <p:spTgt spid="13"/>
-                                        </p:tgtEl>
-                                        <p:attrNameLst>
-                                          <p:attrName>style.visibility</p:attrName>
-                                        </p:attrNameLst>
-                                      </p:cBhvr>
-                                      <p:to>
-                                        <p:strVal val="visible"/>
-                                      </p:to>
-                                    </p:set>
-                                    <p:animEffect transition="in" filter="fade">
-                                      <p:cBhvr>
-                                        <p:cTn id="28" dur="500"/>
-                                        <p:tgtEl>
-                                          <p:spTgt spid="13"/>
-                                        </p:tgtEl>
-                                      </p:cBhvr>
-                                    </p:animEffect>
-                                  </p:childTnLst>
-                                </p:cTn>
-                              </p:par>
-                              <p:par>
-                                <p:cTn id="29" presetID="10" presetClass="entr" presetSubtype="0" fill="hold" nodeType="withEffect">
-                                  <p:stCondLst>
-                                    <p:cond delay="0"/>
-                                  </p:stCondLst>
-                                  <p:childTnLst>
-                                    <p:set>
-                                      <p:cBhvr>
-                                        <p:cTn id="30" dur="1" fill="hold">
-                                          <p:stCondLst>
-                                            <p:cond delay="0"/>
-                                          </p:stCondLst>
-                                        </p:cTn>
-                                        <p:tgtEl>
-                                          <p:spTgt spid="15"/>
-                                        </p:tgtEl>
-                                        <p:attrNameLst>
-                                          <p:attrName>style.visibility</p:attrName>
-                                        </p:attrNameLst>
-                                      </p:cBhvr>
-                                      <p:to>
-                                        <p:strVal val="visible"/>
-                                      </p:to>
-                                    </p:set>
-                                    <p:animEffect transition="in" filter="fade">
-                                      <p:cBhvr>
-                                        <p:cTn id="31" dur="500"/>
-                                        <p:tgtEl>
-                                          <p:spTgt spid="15"/>
-                                        </p:tgtEl>
-                                      </p:cBhvr>
-                                    </p:animEffect>
-                                  </p:childTnLst>
-                                </p:cTn>
-                              </p:par>
-                            </p:childTnLst>
-                          </p:cTn>
-                        </p:par>
-                      </p:childTnLst>
-                    </p:cTn>
-                  </p:par>
-                  <p:par>
-                    <p:cTn id="32" fill="hold">
-                      <p:stCondLst>
-                        <p:cond delay="indefinite"/>
-                      </p:stCondLst>
-                      <p:childTnLst>
-                        <p:par>
-                          <p:cTn id="33" fill="hold">
-                            <p:stCondLst>
-                              <p:cond delay="0"/>
-                            </p:stCondLst>
-                            <p:childTnLst>
-                              <p:par>
-                                <p:cTn id="34" presetID="10" presetClass="entr" presetSubtype="0" fill="hold" grpId="0" nodeType="clickEffect">
-                                  <p:stCondLst>
-                                    <p:cond delay="0"/>
-                                  </p:stCondLst>
-                                  <p:childTnLst>
-                                    <p:set>
-                                      <p:cBhvr>
-                                        <p:cTn id="35" dur="1" fill="hold">
-                                          <p:stCondLst>
-                                            <p:cond delay="0"/>
-                                          </p:stCondLst>
-                                        </p:cTn>
-                                        <p:tgtEl>
-                                          <p:spTgt spid="14"/>
-                                        </p:tgtEl>
-                                        <p:attrNameLst>
-                                          <p:attrName>style.visibility</p:attrName>
-                                        </p:attrNameLst>
-                                      </p:cBhvr>
-                                      <p:to>
-                                        <p:strVal val="visible"/>
-                                      </p:to>
-                                    </p:set>
-                                    <p:animEffect transition="in" filter="fade">
-                                      <p:cBhvr>
-                                        <p:cTn id="36" dur="500"/>
-                                        <p:tgtEl>
-                                          <p:spTgt spid="14"/>
-                                        </p:tgtEl>
-                                      </p:cBhvr>
-                                    </p:animEffect>
-                                  </p:childTnLst>
-                                </p:cTn>
-                              </p:par>
-                              <p:par>
-                                <p:cTn id="37" presetID="10" presetClass="entr" presetSubtype="0" fill="hold" nodeType="withEffect">
-                                  <p:stCondLst>
-                                    <p:cond delay="0"/>
-                                  </p:stCondLst>
-                                  <p:childTnLst>
-                                    <p:set>
-                                      <p:cBhvr>
-                                        <p:cTn id="38" dur="1" fill="hold">
-                                          <p:stCondLst>
-                                            <p:cond delay="0"/>
-                                          </p:stCondLst>
-                                        </p:cTn>
-                                        <p:tgtEl>
-                                          <p:spTgt spid="9"/>
-                                        </p:tgtEl>
-                                        <p:attrNameLst>
-                                          <p:attrName>style.visibility</p:attrName>
-                                        </p:attrNameLst>
-                                      </p:cBhvr>
-                                      <p:to>
-                                        <p:strVal val="visible"/>
-                                      </p:to>
-                                    </p:set>
-                                    <p:animEffect transition="in" filter="fade">
-                                      <p:cBhvr>
-                                        <p:cTn id="39" dur="500"/>
-                                        <p:tgtEl>
-                                          <p:spTgt spid="9"/>
-                                        </p:tgtEl>
-                                      </p:cBhvr>
-                                    </p:animEffect>
-                                  </p:childTnLst>
-                                </p:cTn>
-                              </p:par>
-                            </p:childTnLst>
-                          </p:cTn>
-                        </p:par>
-                      </p:childTnLst>
-                    </p:cTn>
-                  </p:par>
-                </p:childTnLst>
-              </p:cTn>
-              <p:prevCondLst>
-                <p:cond evt="onPrev" delay="0">
-                  <p:tgtEl>
-                    <p:sldTgt/>
-                  </p:tgtEl>
-                </p:cond>
-              </p:prevCondLst>
-              <p:nextCondLst>
-                <p:cond evt="onNext" delay="0">
-                  <p:tgtEl>
-                    <p:sldTgt/>
-                  </p:tgtEl>
-                </p:cond>
-              </p:nextCondLst>
-            </p:seq>
-          </p:childTnLst>
-        </p:cTn>
-      </p:par>
-    </p:tnLst>
-    <p:bldLst>
-      <p:bldP spid="89" grpId="0"/>
-      <p:bldP spid="11" grpId="0"/>
-      <p:bldP spid="12" grpId="0"/>
-      <p:bldP spid="13" grpId="0"/>
-      <p:bldP spid="14" grpId="0"/>
     </p:bldLst>
   </p:timing>
 </p:sld>

--- a/materials/endOfSemseter.pptx
+++ b/materials/endOfSemseter.pptx
@@ -864,10 +864,7 @@
               <a:buFont typeface="Arial"/>
               <a:buNone/>
             </a:pPr>
-            <a:r>
-              <a:rPr lang="iw-IL"/>
-              <a:t>We would like to take the time in this meeting and go through Servi mobile and web application as well as discuss go to market strategies development and business milestones and other financial aspects. If you have any more topics you would like to raise feel free to do so.</a:t>
-            </a:r>
+            <a:endParaRPr lang="x-none" dirty="0"/>
           </a:p>
         </p:txBody>
       </p:sp>
@@ -993,9 +990,10 @@
               <a:buNone/>
             </a:pPr>
             <a:r>
-              <a:rPr lang="iw-IL"/>
-              <a:t>We would like to take the time in this meeting and go through Servi mobile and web application as well as discuss go to market strategies development and business milestones and other financial aspects. If you have any more topics you would like to raise feel free to do so.</a:t>
+              <a:rPr lang="en-US" dirty="0" smtClean="0"/>
+              <a:t>	</a:t>
             </a:r>
+            <a:endParaRPr lang="x-none" dirty="0"/>
           </a:p>
         </p:txBody>
       </p:sp>
@@ -1120,10 +1118,7 @@
               <a:buFont typeface="Arial"/>
               <a:buNone/>
             </a:pPr>
-            <a:r>
-              <a:rPr lang="iw-IL"/>
-              <a:t>We would like to take the time in this meeting and go through Servi mobile and web application as well as discuss go to market strategies development and business milestones and other financial aspects. If you have any more topics you would like to raise feel free to do so.</a:t>
-            </a:r>
+            <a:endParaRPr lang="x-none" dirty="0"/>
           </a:p>
         </p:txBody>
       </p:sp>
@@ -1248,10 +1243,7 @@
               <a:buFont typeface="Arial"/>
               <a:buNone/>
             </a:pPr>
-            <a:r>
-              <a:rPr lang="iw-IL"/>
-              <a:t>We would like to take the time in this meeting and go through Servi mobile and web application as well as discuss go to market strategies development and business milestones and other financial aspects. If you have any more topics you would like to raise feel free to do so.</a:t>
-            </a:r>
+            <a:endParaRPr lang="x-none" dirty="0"/>
           </a:p>
         </p:txBody>
       </p:sp>
@@ -2025,10 +2017,7 @@
               <a:buFont typeface="Arial"/>
               <a:buNone/>
             </a:pPr>
-            <a:r>
-              <a:rPr lang="iw-IL"/>
-              <a:t>We would like to take the time in this meeting and go through Servi mobile and web application as well as discuss go to market strategies development and business milestones and other financial aspects. If you have any more topics you would like to raise feel free to do so.</a:t>
-            </a:r>
+            <a:endParaRPr lang="x-none" dirty="0"/>
           </a:p>
         </p:txBody>
       </p:sp>
@@ -2142,7 +2131,7 @@
           </a:bodyPr>
           <a:lstStyle/>
           <a:p>
-            <a:pPr marL="0" marR="0" lvl="0" indent="-88899" algn="r" rtl="1">
+            <a:pPr marL="0" marR="0" lvl="0" indent="-88899" algn="r" defTabSz="914400" rtl="1" eaLnBrk="1" latinLnBrk="0" hangingPunct="1">
               <a:spcBef>
                 <a:spcPts val="0"/>
               </a:spcBef>
@@ -2153,7 +2142,31 @@
               <a:buFont typeface="Arial"/>
               <a:buNone/>
             </a:pPr>
-            <a:endParaRPr sz="1100" b="0" i="0" u="none" strike="noStrike" cap="none">
+            <a:r>
+              <a:rPr lang="he-IL" sz="1100" b="0" i="0" u="none" strike="noStrike" cap="none" dirty="0" smtClean="0">
+                <a:solidFill>
+                  <a:schemeClr val="dk1"/>
+                </a:solidFill>
+                <a:latin typeface="Arial"/>
+                <a:ea typeface="Arial"/>
+                <a:cs typeface="Arial"/>
+                <a:sym typeface="Arial"/>
+              </a:rPr>
+              <a:t>כל</a:t>
+            </a:r>
+            <a:r>
+              <a:rPr lang="he-IL" sz="1100" b="0" i="0" u="none" strike="noStrike" cap="none" baseline="0" dirty="0" smtClean="0">
+                <a:solidFill>
+                  <a:schemeClr val="dk1"/>
+                </a:solidFill>
+                <a:latin typeface="Arial"/>
+                <a:ea typeface="Arial"/>
+                <a:cs typeface="Arial"/>
+                <a:sym typeface="Arial"/>
+              </a:rPr>
+              <a:t> שנותר הוא להוסיף סנסורים ולחבר לאלגוריתמיקה והרי לנו עיר חכמה</a:t>
+            </a:r>
+            <a:endParaRPr sz="1100" b="0" i="0" u="none" strike="noStrike" cap="none" dirty="0">
               <a:solidFill>
                 <a:schemeClr val="dk1"/>
               </a:solidFill>
@@ -5262,7 +5275,7 @@
               <a:buNone/>
             </a:pPr>
             <a:fld id="{00000000-1234-1234-1234-123412341234}" type="slidenum">
-              <a:rPr lang="iw-IL" sz="1400" b="0" i="0" u="none" strike="noStrike" cap="none">
+              <a:rPr lang="x-none" sz="1400" b="0" i="0" u="none" strike="noStrike" cap="none">
                 <a:solidFill>
                   <a:srgbClr val="FFB600"/>
                 </a:solidFill>
@@ -5273,7 +5286,7 @@
               </a:rPr>
               <a:t>‹#›</a:t>
             </a:fld>
-            <a:endParaRPr lang="iw-IL" sz="1400" b="0" i="0" u="none" strike="noStrike" cap="none">
+            <a:endParaRPr lang="x-none" sz="1400" b="0" i="0" u="none" strike="noStrike" cap="none">
               <a:solidFill>
                 <a:srgbClr val="FFB600"/>
               </a:solidFill>
@@ -6397,6 +6410,18 @@
               <a:buFont typeface="Raleway ExtraBold"/>
               <a:buNone/>
             </a:pPr>
+            <a:r>
+              <a:rPr lang="x-none" sz="4400" b="0" i="0" u="none" strike="noStrike" cap="none" dirty="0">
+                <a:solidFill>
+                  <a:srgbClr val="FFFFFF"/>
+                </a:solidFill>
+                <a:latin typeface="Raleway ExtraBold"/>
+                <a:ea typeface="Raleway ExtraBold"/>
+                <a:cs typeface="Raleway ExtraBold"/>
+                <a:sym typeface="Raleway ExtraBold"/>
+              </a:rPr>
+              <a:t/>
+            </a:r>
             <a:br>
               <a:rPr lang="x-none" sz="4400" b="0" i="0" u="none" strike="noStrike" cap="none" dirty="0">
                 <a:solidFill>
@@ -6570,7 +6595,7 @@
           <p:cNvPr id="3" name="תמונה 2">
             <a:extLst>
               <a:ext uri="{FF2B5EF4-FFF2-40B4-BE49-F238E27FC236}">
-                <a16:creationId xmlns:a16="http://schemas.microsoft.com/office/drawing/2014/main" id="{A411248A-21F4-405E-8A65-9FCA8ECC0744}"/>
+                <a16:creationId xmlns="" xmlns:a16="http://schemas.microsoft.com/office/drawing/2014/main" id="{A411248A-21F4-405E-8A65-9FCA8ECC0744}"/>
               </a:ext>
             </a:extLst>
           </p:cNvPr>
@@ -6800,10 +6825,14 @@
               </a:rPr>
               <a:t>Evaluation</a:t>
             </a:r>
+            <a:r>
+              <a:rPr lang="en-US" sz="4400" dirty="0"/>
+              <a:t/>
+            </a:r>
             <a:br>
               <a:rPr lang="en-US" sz="4400" dirty="0"/>
             </a:br>
-            <a:endParaRPr lang="iw-IL" sz="2800" b="0" i="0" u="none" strike="noStrike" cap="none" dirty="0">
+            <a:endParaRPr lang="x-none" sz="2800" b="0" i="0" u="none" strike="noStrike" cap="none" dirty="0">
               <a:solidFill>
                 <a:srgbClr val="434343"/>
               </a:solidFill>
@@ -6860,7 +6889,7 @@
               <a:buNone/>
             </a:pPr>
             <a:fld id="{00000000-1234-1234-1234-123412341234}" type="slidenum">
-              <a:rPr lang="iw-IL" sz="1400" b="0" i="0" u="none" strike="noStrike" cap="none">
+              <a:rPr lang="x-none" sz="1400" b="0" i="0" u="none" strike="noStrike" cap="none">
                 <a:solidFill>
                   <a:srgbClr val="000000"/>
                 </a:solidFill>
@@ -6871,7 +6900,7 @@
               </a:rPr>
               <a:t>10</a:t>
             </a:fld>
-            <a:endParaRPr lang="iw-IL" sz="1400" b="0" i="0" u="none" strike="noStrike" cap="none">
+            <a:endParaRPr lang="x-none" sz="1400" b="0" i="0" u="none" strike="noStrike" cap="none">
               <a:solidFill>
                 <a:srgbClr val="000000"/>
               </a:solidFill>
@@ -7615,7 +7644,7 @@
           <p:cNvPr id="11" name="Shape 120">
             <a:extLst>
               <a:ext uri="{FF2B5EF4-FFF2-40B4-BE49-F238E27FC236}">
-                <a16:creationId xmlns:a16="http://schemas.microsoft.com/office/drawing/2014/main" id="{7D209ED9-458B-43E3-9607-2EAA917A8C69}"/>
+                <a16:creationId xmlns="" xmlns:a16="http://schemas.microsoft.com/office/drawing/2014/main" id="{7D209ED9-458B-43E3-9607-2EAA917A8C69}"/>
               </a:ext>
             </a:extLst>
           </p:cNvPr>
@@ -7659,7 +7688,7 @@
           <p:cNvPr id="12" name="Shape 120">
             <a:extLst>
               <a:ext uri="{FF2B5EF4-FFF2-40B4-BE49-F238E27FC236}">
-                <a16:creationId xmlns:a16="http://schemas.microsoft.com/office/drawing/2014/main" id="{414827B1-50B4-4198-9F8D-5C7BF93CCB18}"/>
+                <a16:creationId xmlns="" xmlns:a16="http://schemas.microsoft.com/office/drawing/2014/main" id="{414827B1-50B4-4198-9F8D-5C7BF93CCB18}"/>
               </a:ext>
             </a:extLst>
           </p:cNvPr>
@@ -7703,7 +7732,7 @@
           <p:cNvPr id="13" name="Shape 120">
             <a:extLst>
               <a:ext uri="{FF2B5EF4-FFF2-40B4-BE49-F238E27FC236}">
-                <a16:creationId xmlns:a16="http://schemas.microsoft.com/office/drawing/2014/main" id="{A592296E-6C58-4A54-93C9-42E7F960DA6C}"/>
+                <a16:creationId xmlns="" xmlns:a16="http://schemas.microsoft.com/office/drawing/2014/main" id="{A592296E-6C58-4A54-93C9-42E7F960DA6C}"/>
               </a:ext>
             </a:extLst>
           </p:cNvPr>
@@ -7747,7 +7776,7 @@
           <p:cNvPr id="14" name="Shape 120">
             <a:extLst>
               <a:ext uri="{FF2B5EF4-FFF2-40B4-BE49-F238E27FC236}">
-                <a16:creationId xmlns:a16="http://schemas.microsoft.com/office/drawing/2014/main" id="{D636E29E-4D07-4161-ABC9-681FB318A520}"/>
+                <a16:creationId xmlns="" xmlns:a16="http://schemas.microsoft.com/office/drawing/2014/main" id="{D636E29E-4D07-4161-ABC9-681FB318A520}"/>
               </a:ext>
             </a:extLst>
           </p:cNvPr>
@@ -7803,7 +7832,7 @@
           <p:cNvPr id="5" name="תמונה 4">
             <a:extLst>
               <a:ext uri="{FF2B5EF4-FFF2-40B4-BE49-F238E27FC236}">
-                <a16:creationId xmlns:a16="http://schemas.microsoft.com/office/drawing/2014/main" id="{941C507B-7A97-4925-95E9-08591644082A}"/>
+                <a16:creationId xmlns="" xmlns:a16="http://schemas.microsoft.com/office/drawing/2014/main" id="{941C507B-7A97-4925-95E9-08591644082A}"/>
               </a:ext>
             </a:extLst>
           </p:cNvPr>
@@ -7833,7 +7862,7 @@
           <p:cNvPr id="7" name="תמונה 6">
             <a:extLst>
               <a:ext uri="{FF2B5EF4-FFF2-40B4-BE49-F238E27FC236}">
-                <a16:creationId xmlns:a16="http://schemas.microsoft.com/office/drawing/2014/main" id="{71D52B29-30E6-4A4D-A5C4-24860AC34571}"/>
+                <a16:creationId xmlns="" xmlns:a16="http://schemas.microsoft.com/office/drawing/2014/main" id="{71D52B29-30E6-4A4D-A5C4-24860AC34571}"/>
               </a:ext>
             </a:extLst>
           </p:cNvPr>
@@ -7863,7 +7892,7 @@
           <p:cNvPr id="9" name="תמונה 8">
             <a:extLst>
               <a:ext uri="{FF2B5EF4-FFF2-40B4-BE49-F238E27FC236}">
-                <a16:creationId xmlns:a16="http://schemas.microsoft.com/office/drawing/2014/main" id="{2306EFAE-3D4D-4D0A-8E1E-0461AE026C0A}"/>
+                <a16:creationId xmlns="" xmlns:a16="http://schemas.microsoft.com/office/drawing/2014/main" id="{2306EFAE-3D4D-4D0A-8E1E-0461AE026C0A}"/>
               </a:ext>
             </a:extLst>
           </p:cNvPr>
@@ -7893,7 +7922,7 @@
           <p:cNvPr id="15" name="תמונה 14">
             <a:extLst>
               <a:ext uri="{FF2B5EF4-FFF2-40B4-BE49-F238E27FC236}">
-                <a16:creationId xmlns:a16="http://schemas.microsoft.com/office/drawing/2014/main" id="{50BD4322-062D-4938-BD46-6BFC0E980DA8}"/>
+                <a16:creationId xmlns="" xmlns:a16="http://schemas.microsoft.com/office/drawing/2014/main" id="{50BD4322-062D-4938-BD46-6BFC0E980DA8}"/>
               </a:ext>
             </a:extLst>
           </p:cNvPr>
@@ -7923,7 +7952,7 @@
           <p:cNvPr id="19" name="Shape 120">
             <a:extLst>
               <a:ext uri="{FF2B5EF4-FFF2-40B4-BE49-F238E27FC236}">
-                <a16:creationId xmlns:a16="http://schemas.microsoft.com/office/drawing/2014/main" id="{382294A2-A1D8-473D-938A-B19C67B1592B}"/>
+                <a16:creationId xmlns="" xmlns:a16="http://schemas.microsoft.com/office/drawing/2014/main" id="{382294A2-A1D8-473D-938A-B19C67B1592B}"/>
               </a:ext>
             </a:extLst>
           </p:cNvPr>
@@ -7967,7 +7996,7 @@
           <p:cNvPr id="4" name="תמונה 3">
             <a:extLst>
               <a:ext uri="{FF2B5EF4-FFF2-40B4-BE49-F238E27FC236}">
-                <a16:creationId xmlns:a16="http://schemas.microsoft.com/office/drawing/2014/main" id="{2CEDEB26-2760-4E30-A38C-7666CDCE6F95}"/>
+                <a16:creationId xmlns="" xmlns:a16="http://schemas.microsoft.com/office/drawing/2014/main" id="{2CEDEB26-2760-4E30-A38C-7666CDCE6F95}"/>
               </a:ext>
             </a:extLst>
           </p:cNvPr>
@@ -8596,7 +8625,7 @@
               </a:rPr>
               <a:t>Logging</a:t>
             </a:r>
-            <a:endParaRPr lang="iw-IL" sz="2800" b="0" i="0" u="none" strike="noStrike" cap="none" dirty="0">
+            <a:endParaRPr lang="x-none" sz="2800" b="0" i="0" u="none" strike="noStrike" cap="none" dirty="0">
               <a:solidFill>
                 <a:srgbClr val="FFB600"/>
               </a:solidFill>
@@ -8653,7 +8682,7 @@
               <a:buNone/>
             </a:pPr>
             <a:fld id="{00000000-1234-1234-1234-123412341234}" type="slidenum">
-              <a:rPr lang="iw-IL" sz="1400" b="0" i="0" u="none" strike="noStrike" cap="none">
+              <a:rPr lang="x-none" sz="1400" b="0" i="0" u="none" strike="noStrike" cap="none">
                 <a:solidFill>
                   <a:srgbClr val="000000"/>
                 </a:solidFill>
@@ -8664,7 +8693,7 @@
               </a:rPr>
               <a:t>11</a:t>
             </a:fld>
-            <a:endParaRPr lang="iw-IL" sz="1400" b="0" i="0" u="none" strike="noStrike" cap="none">
+            <a:endParaRPr lang="x-none" sz="1400" b="0" i="0" u="none" strike="noStrike" cap="none">
               <a:solidFill>
                 <a:srgbClr val="000000"/>
               </a:solidFill>
@@ -9408,7 +9437,7 @@
           <p:cNvPr id="12" name="Shape 120">
             <a:extLst>
               <a:ext uri="{FF2B5EF4-FFF2-40B4-BE49-F238E27FC236}">
-                <a16:creationId xmlns:a16="http://schemas.microsoft.com/office/drawing/2014/main" id="{59E79919-20C2-4F15-B0BC-F1E20DA1E04A}"/>
+                <a16:creationId xmlns="" xmlns:a16="http://schemas.microsoft.com/office/drawing/2014/main" id="{59E79919-20C2-4F15-B0BC-F1E20DA1E04A}"/>
               </a:ext>
             </a:extLst>
           </p:cNvPr>
@@ -9452,7 +9481,7 @@
           <p:cNvPr id="13" name="Shape 120">
             <a:extLst>
               <a:ext uri="{FF2B5EF4-FFF2-40B4-BE49-F238E27FC236}">
-                <a16:creationId xmlns:a16="http://schemas.microsoft.com/office/drawing/2014/main" id="{57BB212C-B343-44F9-A16C-DD2ADB1B6278}"/>
+                <a16:creationId xmlns="" xmlns:a16="http://schemas.microsoft.com/office/drawing/2014/main" id="{57BB212C-B343-44F9-A16C-DD2ADB1B6278}"/>
               </a:ext>
             </a:extLst>
           </p:cNvPr>
@@ -9496,7 +9525,7 @@
           <p:cNvPr id="14" name="Shape 120">
             <a:extLst>
               <a:ext uri="{FF2B5EF4-FFF2-40B4-BE49-F238E27FC236}">
-                <a16:creationId xmlns:a16="http://schemas.microsoft.com/office/drawing/2014/main" id="{20ABB0CE-E571-4590-BC9D-7AC8CE71B917}"/>
+                <a16:creationId xmlns="" xmlns:a16="http://schemas.microsoft.com/office/drawing/2014/main" id="{20ABB0CE-E571-4590-BC9D-7AC8CE71B917}"/>
               </a:ext>
             </a:extLst>
           </p:cNvPr>
@@ -9554,7 +9583,7 @@
           <p:cNvPr id="15" name="תמונה 14">
             <a:extLst>
               <a:ext uri="{FF2B5EF4-FFF2-40B4-BE49-F238E27FC236}">
-                <a16:creationId xmlns:a16="http://schemas.microsoft.com/office/drawing/2014/main" id="{D3228186-A14B-4104-B005-7591EAD2A6C5}"/>
+                <a16:creationId xmlns="" xmlns:a16="http://schemas.microsoft.com/office/drawing/2014/main" id="{D3228186-A14B-4104-B005-7591EAD2A6C5}"/>
               </a:ext>
             </a:extLst>
           </p:cNvPr>
@@ -9584,7 +9613,7 @@
           <p:cNvPr id="5" name="תמונה 4">
             <a:extLst>
               <a:ext uri="{FF2B5EF4-FFF2-40B4-BE49-F238E27FC236}">
-                <a16:creationId xmlns:a16="http://schemas.microsoft.com/office/drawing/2014/main" id="{455C4DFB-4624-4F7F-B920-8FC2BD692A04}"/>
+                <a16:creationId xmlns="" xmlns:a16="http://schemas.microsoft.com/office/drawing/2014/main" id="{455C4DFB-4624-4F7F-B920-8FC2BD692A04}"/>
               </a:ext>
             </a:extLst>
           </p:cNvPr>
@@ -9614,7 +9643,7 @@
           <p:cNvPr id="7" name="תמונה 6">
             <a:extLst>
               <a:ext uri="{FF2B5EF4-FFF2-40B4-BE49-F238E27FC236}">
-                <a16:creationId xmlns:a16="http://schemas.microsoft.com/office/drawing/2014/main" id="{19D223FB-70B5-41F0-9E0D-CAB9A9CEBACA}"/>
+                <a16:creationId xmlns="" xmlns:a16="http://schemas.microsoft.com/office/drawing/2014/main" id="{19D223FB-70B5-41F0-9E0D-CAB9A9CEBACA}"/>
               </a:ext>
             </a:extLst>
           </p:cNvPr>
@@ -10121,6 +10150,13 @@
   <p:clrMapOvr>
     <a:masterClrMapping/>
   </p:clrMapOvr>
+  <p:timing>
+    <p:tnLst>
+      <p:par>
+        <p:cTn id="1" dur="indefinite" restart="never" nodeType="tmRoot"/>
+      </p:par>
+    </p:tnLst>
+  </p:timing>
 </p:sld>
 </file>
 
@@ -10185,6 +10221,10 @@
               </a:rPr>
               <a:t> Steps</a:t>
             </a:r>
+            <a:r>
+              <a:rPr lang="en-US" sz="4400" dirty="0"/>
+              <a:t/>
+            </a:r>
             <a:br>
               <a:rPr lang="en-US" sz="4400" dirty="0"/>
             </a:br>
@@ -10194,7 +10234,7 @@
               </a:rPr>
               <a:t>Advanced Features</a:t>
             </a:r>
-            <a:endParaRPr lang="iw-IL" sz="2800" b="0" i="0" u="none" strike="noStrike" cap="none" dirty="0">
+            <a:endParaRPr lang="x-none" sz="2800" b="0" i="0" u="none" strike="noStrike" cap="none" dirty="0">
               <a:solidFill>
                 <a:srgbClr val="434343"/>
               </a:solidFill>
@@ -10326,7 +10366,7 @@
               <a:buNone/>
             </a:pPr>
             <a:fld id="{00000000-1234-1234-1234-123412341234}" type="slidenum">
-              <a:rPr lang="iw-IL" sz="1400" b="0" i="0" u="none" strike="noStrike" cap="none">
+              <a:rPr lang="x-none" sz="1400" b="0" i="0" u="none" strike="noStrike" cap="none">
                 <a:solidFill>
                   <a:srgbClr val="000000"/>
                 </a:solidFill>
@@ -10337,7 +10377,7 @@
               </a:rPr>
               <a:t>13</a:t>
             </a:fld>
-            <a:endParaRPr lang="iw-IL" sz="1400" b="0" i="0" u="none" strike="noStrike" cap="none">
+            <a:endParaRPr lang="x-none" sz="1400" b="0" i="0" u="none" strike="noStrike" cap="none">
               <a:solidFill>
                 <a:srgbClr val="000000"/>
               </a:solidFill>
@@ -11086,6 +11126,13 @@
   <p:clrMapOvr>
     <a:masterClrMapping/>
   </p:clrMapOvr>
+  <p:timing>
+    <p:tnLst>
+      <p:par>
+        <p:cTn id="1" dur="indefinite" restart="never" nodeType="tmRoot"/>
+      </p:par>
+    </p:tnLst>
+  </p:timing>
 </p:sld>
 </file>
 
@@ -11150,6 +11197,10 @@
               </a:rPr>
               <a:t> Steps</a:t>
             </a:r>
+            <a:r>
+              <a:rPr lang="en-US" sz="4400" dirty="0"/>
+              <a:t/>
+            </a:r>
             <a:br>
               <a:rPr lang="en-US" sz="4400" dirty="0"/>
             </a:br>
@@ -11159,7 +11210,7 @@
               </a:rPr>
               <a:t>Management GUI</a:t>
             </a:r>
-            <a:endParaRPr lang="iw-IL" sz="2800" b="0" i="0" u="none" strike="noStrike" cap="none" dirty="0">
+            <a:endParaRPr lang="x-none" sz="2800" b="0" i="0" u="none" strike="noStrike" cap="none" dirty="0">
               <a:solidFill>
                 <a:srgbClr val="434343"/>
               </a:solidFill>
@@ -11302,7 +11353,7 @@
               <a:buNone/>
             </a:pPr>
             <a:fld id="{00000000-1234-1234-1234-123412341234}" type="slidenum">
-              <a:rPr lang="iw-IL" sz="1400" b="0" i="0" u="none" strike="noStrike" cap="none">
+              <a:rPr lang="x-none" sz="1400" b="0" i="0" u="none" strike="noStrike" cap="none">
                 <a:solidFill>
                   <a:srgbClr val="000000"/>
                 </a:solidFill>
@@ -11313,7 +11364,7 @@
               </a:rPr>
               <a:t>14</a:t>
             </a:fld>
-            <a:endParaRPr lang="iw-IL" sz="1400" b="0" i="0" u="none" strike="noStrike" cap="none">
+            <a:endParaRPr lang="x-none" sz="1400" b="0" i="0" u="none" strike="noStrike" cap="none">
               <a:solidFill>
                 <a:srgbClr val="000000"/>
               </a:solidFill>
@@ -12062,6 +12113,13 @@
   <p:clrMapOvr>
     <a:masterClrMapping/>
   </p:clrMapOvr>
+  <p:timing>
+    <p:tnLst>
+      <p:par>
+        <p:cTn id="1" dur="indefinite" restart="never" nodeType="tmRoot"/>
+      </p:par>
+    </p:tnLst>
+  </p:timing>
 </p:sld>
 </file>
 
@@ -12772,6 +12830,13 @@
   <p:clrMapOvr>
     <a:masterClrMapping/>
   </p:clrMapOvr>
+  <p:timing>
+    <p:tnLst>
+      <p:par>
+        <p:cTn id="1" dur="indefinite" restart="never" nodeType="tmRoot"/>
+      </p:par>
+    </p:tnLst>
+  </p:timing>
 </p:sld>
 </file>
 
@@ -12797,7 +12862,7 @@
           <p:cNvPr id="28" name="תמונה 4">
             <a:extLst>
               <a:ext uri="{FF2B5EF4-FFF2-40B4-BE49-F238E27FC236}">
-                <a16:creationId xmlns:a16="http://schemas.microsoft.com/office/drawing/2014/main" id="{FB66E08C-5DC0-4ABD-B0A6-5FB13E986FD9}"/>
+                <a16:creationId xmlns="" xmlns:a16="http://schemas.microsoft.com/office/drawing/2014/main" id="{FB66E08C-5DC0-4ABD-B0A6-5FB13E986FD9}"/>
               </a:ext>
             </a:extLst>
           </p:cNvPr>
@@ -12855,7 +12920,7 @@
           <p:cNvPr id="15" name="תמונה 14">
             <a:extLst>
               <a:ext uri="{FF2B5EF4-FFF2-40B4-BE49-F238E27FC236}">
-                <a16:creationId xmlns:a16="http://schemas.microsoft.com/office/drawing/2014/main" id="{217F2B99-A964-403F-BAC0-82354EEA57DD}"/>
+                <a16:creationId xmlns="" xmlns:a16="http://schemas.microsoft.com/office/drawing/2014/main" id="{217F2B99-A964-403F-BAC0-82354EEA57DD}"/>
               </a:ext>
             </a:extLst>
           </p:cNvPr>
@@ -12906,7 +12971,7 @@
           <p:cNvPr id="13" name="תמונה 12">
             <a:extLst>
               <a:ext uri="{FF2B5EF4-FFF2-40B4-BE49-F238E27FC236}">
-                <a16:creationId xmlns:a16="http://schemas.microsoft.com/office/drawing/2014/main" id="{B0549EAA-6F9B-42F0-BC42-ABD8BB98F11C}"/>
+                <a16:creationId xmlns="" xmlns:a16="http://schemas.microsoft.com/office/drawing/2014/main" id="{B0549EAA-6F9B-42F0-BC42-ABD8BB98F11C}"/>
               </a:ext>
             </a:extLst>
           </p:cNvPr>
@@ -12964,7 +13029,7 @@
           <p:cNvPr id="11" name="תמונה 10">
             <a:extLst>
               <a:ext uri="{FF2B5EF4-FFF2-40B4-BE49-F238E27FC236}">
-                <a16:creationId xmlns:a16="http://schemas.microsoft.com/office/drawing/2014/main" id="{B959F5C2-0943-4036-852D-319C2F9652D6}"/>
+                <a16:creationId xmlns="" xmlns:a16="http://schemas.microsoft.com/office/drawing/2014/main" id="{B959F5C2-0943-4036-852D-319C2F9652D6}"/>
               </a:ext>
             </a:extLst>
           </p:cNvPr>
@@ -13015,7 +13080,7 @@
           <p:cNvPr id="9" name="תמונה 8">
             <a:extLst>
               <a:ext uri="{FF2B5EF4-FFF2-40B4-BE49-F238E27FC236}">
-                <a16:creationId xmlns:a16="http://schemas.microsoft.com/office/drawing/2014/main" id="{7C78317B-6461-485D-ACB7-9F6D86FFB6BF}"/>
+                <a16:creationId xmlns="" xmlns:a16="http://schemas.microsoft.com/office/drawing/2014/main" id="{7C78317B-6461-485D-ACB7-9F6D86FFB6BF}"/>
               </a:ext>
             </a:extLst>
           </p:cNvPr>
@@ -13066,7 +13131,7 @@
           <p:cNvPr id="5" name="תמונה 4">
             <a:extLst>
               <a:ext uri="{FF2B5EF4-FFF2-40B4-BE49-F238E27FC236}">
-                <a16:creationId xmlns:a16="http://schemas.microsoft.com/office/drawing/2014/main" id="{8E0D8C80-BA63-472B-BC85-0AF1E159B30D}"/>
+                <a16:creationId xmlns="" xmlns:a16="http://schemas.microsoft.com/office/drawing/2014/main" id="{8E0D8C80-BA63-472B-BC85-0AF1E159B30D}"/>
               </a:ext>
             </a:extLst>
           </p:cNvPr>
@@ -13117,7 +13182,7 @@
           <p:cNvPr id="3" name="תמונה 2">
             <a:extLst>
               <a:ext uri="{FF2B5EF4-FFF2-40B4-BE49-F238E27FC236}">
-                <a16:creationId xmlns:a16="http://schemas.microsoft.com/office/drawing/2014/main" id="{3F9781C7-2D6C-4E8A-9CEC-D2516FA85FC2}"/>
+                <a16:creationId xmlns="" xmlns:a16="http://schemas.microsoft.com/office/drawing/2014/main" id="{3F9781C7-2D6C-4E8A-9CEC-D2516FA85FC2}"/>
               </a:ext>
             </a:extLst>
           </p:cNvPr>
@@ -15597,7 +15662,7 @@
           <p:cNvPr id="26" name="Shape 78">
             <a:extLst>
               <a:ext uri="{FF2B5EF4-FFF2-40B4-BE49-F238E27FC236}">
-                <a16:creationId xmlns:a16="http://schemas.microsoft.com/office/drawing/2014/main" id="{F16C477C-8D57-48FB-BDC2-96EF0462CFEA}"/>
+                <a16:creationId xmlns="" xmlns:a16="http://schemas.microsoft.com/office/drawing/2014/main" id="{F16C477C-8D57-48FB-BDC2-96EF0462CFEA}"/>
               </a:ext>
             </a:extLst>
           </p:cNvPr>
@@ -15663,7 +15728,7 @@
           <p:cNvPr id="27" name="Shape 79">
             <a:extLst>
               <a:ext uri="{FF2B5EF4-FFF2-40B4-BE49-F238E27FC236}">
-                <a16:creationId xmlns:a16="http://schemas.microsoft.com/office/drawing/2014/main" id="{FA83FC01-AC62-4B6A-B9E7-0122CEDD05DB}"/>
+                <a16:creationId xmlns="" xmlns:a16="http://schemas.microsoft.com/office/drawing/2014/main" id="{FA83FC01-AC62-4B6A-B9E7-0122CEDD05DB}"/>
               </a:ext>
             </a:extLst>
           </p:cNvPr>
@@ -15787,6 +15852,13 @@
   <p:clrMapOvr>
     <a:masterClrMapping/>
   </p:clrMapOvr>
+  <p:timing>
+    <p:tnLst>
+      <p:par>
+        <p:cTn id="1" dur="indefinite" restart="never" nodeType="tmRoot"/>
+      </p:par>
+    </p:tnLst>
+  </p:timing>
 </p:sld>
 </file>
 
@@ -15890,7 +15962,7 @@
           <p:cNvPr id="3" name="תמונה 2">
             <a:extLst>
               <a:ext uri="{FF2B5EF4-FFF2-40B4-BE49-F238E27FC236}">
-                <a16:creationId xmlns:a16="http://schemas.microsoft.com/office/drawing/2014/main" id="{A411248A-21F4-405E-8A65-9FCA8ECC0744}"/>
+                <a16:creationId xmlns="" xmlns:a16="http://schemas.microsoft.com/office/drawing/2014/main" id="{A411248A-21F4-405E-8A65-9FCA8ECC0744}"/>
               </a:ext>
             </a:extLst>
           </p:cNvPr>
@@ -15920,7 +15992,7 @@
           <p:cNvPr id="10" name="Shape 104">
             <a:extLst>
               <a:ext uri="{FF2B5EF4-FFF2-40B4-BE49-F238E27FC236}">
-                <a16:creationId xmlns:a16="http://schemas.microsoft.com/office/drawing/2014/main" id="{82FBC332-790B-4DC7-9355-E01A91F5F023}"/>
+                <a16:creationId xmlns="" xmlns:a16="http://schemas.microsoft.com/office/drawing/2014/main" id="{82FBC332-790B-4DC7-9355-E01A91F5F023}"/>
               </a:ext>
             </a:extLst>
           </p:cNvPr>
@@ -16182,7 +16254,7 @@
           <p:cNvPr id="11" name="Shape 104">
             <a:extLst>
               <a:ext uri="{FF2B5EF4-FFF2-40B4-BE49-F238E27FC236}">
-                <a16:creationId xmlns:a16="http://schemas.microsoft.com/office/drawing/2014/main" id="{DE6DE8DC-90F6-4E85-BE33-853E748E6601}"/>
+                <a16:creationId xmlns="" xmlns:a16="http://schemas.microsoft.com/office/drawing/2014/main" id="{DE6DE8DC-90F6-4E85-BE33-853E748E6601}"/>
               </a:ext>
             </a:extLst>
           </p:cNvPr>
@@ -16453,7 +16525,7 @@
           <p:cNvPr id="8" name="תמונה 7" descr="תמונה שמכילה אובייקט&#10;&#10;תיאור שנוצר ברמת מהימנות גבוהה">
             <a:extLst>
               <a:ext uri="{FF2B5EF4-FFF2-40B4-BE49-F238E27FC236}">
-                <a16:creationId xmlns:a16="http://schemas.microsoft.com/office/drawing/2014/main" id="{6CC9618B-BA71-4E08-9BF5-9E0744848BF4}"/>
+                <a16:creationId xmlns="" xmlns:a16="http://schemas.microsoft.com/office/drawing/2014/main" id="{6CC9618B-BA71-4E08-9BF5-9E0744848BF4}"/>
               </a:ext>
             </a:extLst>
           </p:cNvPr>
@@ -19774,7 +19846,7 @@
           <p:cNvPr id="31" name="Shape 608">
             <a:extLst>
               <a:ext uri="{FF2B5EF4-FFF2-40B4-BE49-F238E27FC236}">
-                <a16:creationId xmlns:a16="http://schemas.microsoft.com/office/drawing/2014/main" id="{3C3406CB-9710-4324-9594-F6D9E6E4B494}"/>
+                <a16:creationId xmlns="" xmlns:a16="http://schemas.microsoft.com/office/drawing/2014/main" id="{3C3406CB-9710-4324-9594-F6D9E6E4B494}"/>
               </a:ext>
             </a:extLst>
           </p:cNvPr>
@@ -19794,7 +19866,7 @@
             <p:cNvPr id="32" name="Shape 609">
               <a:extLst>
                 <a:ext uri="{FF2B5EF4-FFF2-40B4-BE49-F238E27FC236}">
-                  <a16:creationId xmlns:a16="http://schemas.microsoft.com/office/drawing/2014/main" id="{D900634C-2D87-4E40-ADCD-777A4BC6A6FD}"/>
+                  <a16:creationId xmlns="" xmlns:a16="http://schemas.microsoft.com/office/drawing/2014/main" id="{D900634C-2D87-4E40-ADCD-777A4BC6A6FD}"/>
                 </a:ext>
               </a:extLst>
             </p:cNvPr>
@@ -19863,7 +19935,7 @@
             <p:cNvPr id="33" name="Shape 610">
               <a:extLst>
                 <a:ext uri="{FF2B5EF4-FFF2-40B4-BE49-F238E27FC236}">
-                  <a16:creationId xmlns:a16="http://schemas.microsoft.com/office/drawing/2014/main" id="{B1A786AC-B994-4262-A337-76A137C7A193}"/>
+                  <a16:creationId xmlns="" xmlns:a16="http://schemas.microsoft.com/office/drawing/2014/main" id="{B1A786AC-B994-4262-A337-76A137C7A193}"/>
                 </a:ext>
               </a:extLst>
             </p:cNvPr>
@@ -19925,7 +19997,7 @@
           <p:cNvPr id="30" name="Shape 116">
             <a:extLst>
               <a:ext uri="{FF2B5EF4-FFF2-40B4-BE49-F238E27FC236}">
-                <a16:creationId xmlns:a16="http://schemas.microsoft.com/office/drawing/2014/main" id="{87750F78-A854-42B9-B963-EC0831B63BF4}"/>
+                <a16:creationId xmlns="" xmlns:a16="http://schemas.microsoft.com/office/drawing/2014/main" id="{87750F78-A854-42B9-B963-EC0831B63BF4}"/>
               </a:ext>
             </a:extLst>
           </p:cNvPr>
@@ -20306,20 +20378,36 @@
               </a:rPr>
               <a:t>Idea</a:t>
             </a:r>
+            <a:r>
+              <a:rPr lang="en-US" sz="4400" dirty="0"/>
+              <a:t/>
+            </a:r>
             <a:br>
               <a:rPr lang="en-US" sz="4400" dirty="0"/>
             </a:br>
+            <a:r>
+              <a:rPr lang="en-US" sz="1600" dirty="0">
+                <a:latin typeface="Raleway Light" panose="020B0403030101060003" pitchFamily="34" charset="0"/>
+              </a:rPr>
+              <a:t/>
+            </a:r>
             <a:br>
               <a:rPr lang="en-US" sz="1600" dirty="0">
                 <a:latin typeface="Raleway Light" panose="020B0403030101060003" pitchFamily="34" charset="0"/>
               </a:rPr>
             </a:br>
+            <a:r>
+              <a:rPr lang="en-US" sz="1600" dirty="0">
+                <a:latin typeface="Raleway Light" panose="020B0403030101060003" pitchFamily="34" charset="0"/>
+              </a:rPr>
+              <a:t/>
+            </a:r>
             <a:br>
               <a:rPr lang="en-US" sz="1600" dirty="0">
                 <a:latin typeface="Raleway Light" panose="020B0403030101060003" pitchFamily="34" charset="0"/>
               </a:rPr>
             </a:br>
-            <a:endParaRPr lang="iw-IL" sz="1200" b="0" i="0" u="none" strike="noStrike" cap="none" dirty="0">
+            <a:endParaRPr lang="x-none" sz="1200" b="0" i="0" u="none" strike="noStrike" cap="none" dirty="0">
               <a:solidFill>
                 <a:srgbClr val="434343"/>
               </a:solidFill>
@@ -20476,7 +20564,7 @@
               <a:buNone/>
             </a:pPr>
             <a:fld id="{00000000-1234-1234-1234-123412341234}" type="slidenum">
-              <a:rPr lang="iw-IL" sz="1400" b="0" i="0" u="none" strike="noStrike" cap="none">
+              <a:rPr lang="x-none" sz="1400" b="0" i="0" u="none" strike="noStrike" cap="none">
                 <a:solidFill>
                   <a:srgbClr val="000000"/>
                 </a:solidFill>
@@ -20487,7 +20575,7 @@
               </a:rPr>
               <a:t>6</a:t>
             </a:fld>
-            <a:endParaRPr lang="iw-IL" sz="1400" b="0" i="0" u="none" strike="noStrike" cap="none">
+            <a:endParaRPr lang="x-none" sz="1400" b="0" i="0" u="none" strike="noStrike" cap="none">
               <a:solidFill>
                 <a:srgbClr val="000000"/>
               </a:solidFill>
@@ -21231,7 +21319,7 @@
           <p:cNvPr id="11" name="Shape 89">
             <a:extLst>
               <a:ext uri="{FF2B5EF4-FFF2-40B4-BE49-F238E27FC236}">
-                <a16:creationId xmlns:a16="http://schemas.microsoft.com/office/drawing/2014/main" id="{6812C230-70E4-4B14-8761-2BDD37127534}"/>
+                <a16:creationId xmlns="" xmlns:a16="http://schemas.microsoft.com/office/drawing/2014/main" id="{6812C230-70E4-4B14-8761-2BDD37127534}"/>
               </a:ext>
             </a:extLst>
           </p:cNvPr>
@@ -21507,12 +21595,18 @@
                 <a:latin typeface="Raleway Light" panose="020B0403030101060003" pitchFamily="34" charset="0"/>
               </a:rPr>
             </a:br>
+            <a:r>
+              <a:rPr lang="en-US" sz="1050" dirty="0">
+                <a:latin typeface="Raleway Light" panose="020B0403030101060003" pitchFamily="34" charset="0"/>
+              </a:rPr>
+              <a:t/>
+            </a:r>
             <a:br>
               <a:rPr lang="en-US" sz="1050" dirty="0">
                 <a:latin typeface="Raleway Light" panose="020B0403030101060003" pitchFamily="34" charset="0"/>
               </a:rPr>
             </a:br>
-            <a:endParaRPr lang="iw-IL" sz="900" dirty="0">
+            <a:endParaRPr lang="x-none" sz="900" dirty="0">
               <a:latin typeface="Raleway Light" panose="020B0403030101060003" pitchFamily="34" charset="0"/>
             </a:endParaRPr>
           </a:p>
@@ -21528,6 +21622,13 @@
   <p:clrMapOvr>
     <a:masterClrMapping/>
   </p:clrMapOvr>
+  <p:timing>
+    <p:tnLst>
+      <p:par>
+        <p:cTn id="1" dur="indefinite" restart="never" nodeType="tmRoot"/>
+      </p:par>
+    </p:tnLst>
+  </p:timing>
 </p:sld>
 </file>
 
@@ -22152,9 +22253,9 @@
                 <a:buSzPts val="1200"/>
               </a:pPr>
               <a:r>
-                <a:rPr lang="en-US" sz="1800" dirty="0">
+                <a:rPr lang="en-US" sz="2000" dirty="0">
                   <a:solidFill>
-                    <a:srgbClr val="FFFFFF"/>
+                    <a:schemeClr val="tx1"/>
                   </a:solidFill>
                   <a:latin typeface="Raleway Light"/>
                   <a:ea typeface="Raleway Light"/>
@@ -22163,9 +22264,9 @@
                 </a:rPr>
                 <a:t>Traffic Simulator for Development</a:t>
               </a:r>
-              <a:endParaRPr lang="x-none" sz="1800" b="0" i="0" u="none" strike="noStrike" cap="none" dirty="0">
+              <a:endParaRPr lang="x-none" sz="2000" b="0" i="0" u="none" strike="noStrike" cap="none" dirty="0">
                 <a:solidFill>
-                  <a:srgbClr val="FFFFFF"/>
+                  <a:schemeClr val="tx1"/>
                 </a:solidFill>
                 <a:latin typeface="Raleway Light"/>
                 <a:ea typeface="Raleway Light"/>
@@ -22261,8 +22362,8 @@
           </p:nvSpPr>
           <p:spPr>
             <a:xfrm>
-              <a:off x="3718754" y="1613603"/>
-              <a:ext cx="967800" cy="944700"/>
+              <a:off x="3718753" y="1613603"/>
+              <a:ext cx="1018675" cy="944700"/>
             </a:xfrm>
             <a:prstGeom prst="rect">
               <a:avLst/>
@@ -22276,33 +22377,41 @@
             <a:bodyPr wrap="square" lIns="91425" tIns="91425" rIns="91425" bIns="91425" anchor="ctr" anchorCtr="0">
               <a:noAutofit/>
             </a:bodyPr>
-            <a:lstStyle/>
-            <a:p>
-              <a:pPr lvl="0" indent="-63500" algn="ctr">
+            <a:lstStyle>
+              <a:defPPr marR="0" lvl="0" algn="l" rtl="0">
+                <a:lnSpc>
+                  <a:spcPct val="100000"/>
+                </a:lnSpc>
+                <a:spcBef>
+                  <a:spcPts val="0"/>
+                </a:spcBef>
+                <a:spcAft>
+                  <a:spcPts val="0"/>
+                </a:spcAft>
+              </a:defPPr>
+              <a:lvl1pPr indent="-63500" algn="ctr">
                 <a:buClr>
                   <a:srgbClr val="FFFFFF"/>
                 </a:buClr>
                 <a:buSzPts val="1000"/>
-              </a:pPr>
-              <a:r>
-                <a:rPr lang="en-US" sz="1100" dirty="0">
+                <a:defRPr>
                   <a:solidFill>
-                    <a:srgbClr val="FFFFFF"/>
+                    <a:schemeClr val="tx1"/>
                   </a:solidFill>
                   <a:latin typeface="Raleway Light"/>
                   <a:ea typeface="Raleway Light"/>
                   <a:cs typeface="Raleway Light"/>
+                </a:defRPr>
+              </a:lvl1pPr>
+            </a:lstStyle>
+            <a:p>
+              <a:r>
+                <a:rPr lang="en-US" dirty="0">
                   <a:sym typeface="Raleway Light"/>
                 </a:rPr>
                 <a:t>Connects all project modules</a:t>
               </a:r>
-              <a:endParaRPr lang="x-none" sz="1100" b="0" i="0" u="none" strike="noStrike" cap="none" dirty="0">
-                <a:solidFill>
-                  <a:srgbClr val="FFFFFF"/>
-                </a:solidFill>
-                <a:latin typeface="Raleway Light"/>
-                <a:ea typeface="Raleway Light"/>
-                <a:cs typeface="Raleway Light"/>
+              <a:endParaRPr lang="x-none" dirty="0">
                 <a:sym typeface="Raleway Light"/>
               </a:endParaRPr>
             </a:p>
@@ -22394,8 +22503,8 @@
           </p:nvSpPr>
           <p:spPr>
             <a:xfrm>
-              <a:off x="807926" y="3995875"/>
-              <a:ext cx="1189978" cy="944700"/>
+              <a:off x="693573" y="4020091"/>
+              <a:ext cx="1365098" cy="944700"/>
             </a:xfrm>
             <a:prstGeom prst="rect">
               <a:avLst/>
@@ -22418,20 +22527,32 @@
                 <a:buSzPts val="1000"/>
               </a:pPr>
               <a:r>
-                <a:rPr lang="en-US" sz="1200" dirty="0">
+                <a:rPr lang="en-US" sz="1600" dirty="0" smtClean="0">
                   <a:solidFill>
-                    <a:srgbClr val="FFFFFF"/>
+                    <a:schemeClr val="tx1"/>
                   </a:solidFill>
                   <a:latin typeface="Raleway Light"/>
                   <a:ea typeface="Raleway Light"/>
                   <a:cs typeface="Raleway Light"/>
                   <a:sym typeface="Raleway Light"/>
                 </a:rPr>
-                <a:t>Customizable in junction resolution</a:t>
+                <a:t>Supporting </a:t>
               </a:r>
-              <a:endParaRPr lang="x-none" sz="1200" b="0" i="0" u="none" strike="noStrike" cap="none" dirty="0">
+              <a:r>
+                <a:rPr lang="en-US" sz="1600" smtClean="0">
+                  <a:solidFill>
+                    <a:schemeClr val="tx1"/>
+                  </a:solidFill>
+                  <a:latin typeface="Raleway Light"/>
+                  <a:ea typeface="Raleway Light"/>
+                  <a:cs typeface="Raleway Light"/>
+                  <a:sym typeface="Raleway Light"/>
+                </a:rPr>
+                <a:t>Different Structures</a:t>
+              </a:r>
+              <a:endParaRPr lang="x-none" sz="1600" b="0" i="0" u="none" strike="noStrike" cap="none" dirty="0">
                 <a:solidFill>
-                  <a:srgbClr val="FFFFFF"/>
+                  <a:schemeClr val="tx1"/>
                 </a:solidFill>
                 <a:latin typeface="Raleway Light"/>
                 <a:ea typeface="Raleway Light"/>
@@ -24363,8 +24484,20 @@
               </a:rPr>
               <a:t>Simulation</a:t>
             </a:r>
+            <a:r>
+              <a:rPr lang="x-none" sz="5800" b="0" i="0" u="none" strike="noStrike" cap="none" dirty="0">
+                <a:solidFill>
+                  <a:srgbClr val="434343"/>
+                </a:solidFill>
+                <a:latin typeface="Raleway ExtraBold"/>
+                <a:ea typeface="Raleway ExtraBold"/>
+                <a:cs typeface="Raleway ExtraBold"/>
+                <a:sym typeface="Raleway ExtraBold"/>
+              </a:rPr>
+              <a:t/>
+            </a:r>
             <a:br>
-              <a:rPr lang="iw-IL" sz="5800" b="0" i="0" u="none" strike="noStrike" cap="none" dirty="0">
+              <a:rPr lang="x-none" sz="5800" b="0" i="0" u="none" strike="noStrike" cap="none" dirty="0">
                 <a:solidFill>
                   <a:srgbClr val="434343"/>
                 </a:solidFill>
@@ -24386,7 +24519,7 @@
               </a:rPr>
               <a:t>steps</a:t>
             </a:r>
-            <a:endParaRPr lang="iw-IL" sz="5800" b="0" i="0" u="none" strike="noStrike" cap="none" dirty="0">
+            <a:endParaRPr lang="x-none" sz="5800" b="0" i="0" u="none" strike="noStrike" cap="none" dirty="0">
               <a:solidFill>
                 <a:srgbClr val="FFB600"/>
               </a:solidFill>
@@ -24445,7 +24578,7 @@
               <a:buNone/>
             </a:pPr>
             <a:fld id="{00000000-1234-1234-1234-123412341234}" type="slidenum">
-              <a:rPr lang="iw-IL" sz="1400" b="0" i="0" u="none" strike="noStrike" cap="none">
+              <a:rPr lang="x-none" sz="1400" b="0" i="0" u="none" strike="noStrike" cap="none">
                 <a:solidFill>
                   <a:srgbClr val="000000"/>
                 </a:solidFill>
@@ -24456,7 +24589,7 @@
               </a:rPr>
               <a:t>8</a:t>
             </a:fld>
-            <a:endParaRPr lang="iw-IL" sz="1400" b="0" i="0" u="none" strike="noStrike" cap="none">
+            <a:endParaRPr lang="x-none" sz="1400" b="0" i="0" u="none" strike="noStrike" cap="none">
               <a:solidFill>
                 <a:srgbClr val="000000"/>
               </a:solidFill>
@@ -24571,7 +24704,7 @@
               <a:buNone/>
             </a:pPr>
             <a:r>
-              <a:rPr lang="iw-IL" sz="1600" b="1" i="0" u="none" strike="noStrike" cap="none">
+              <a:rPr lang="x-none" sz="1600" b="1" i="0" u="none" strike="noStrike" cap="none">
                 <a:solidFill>
                   <a:srgbClr val="434343"/>
                 </a:solidFill>
@@ -24639,7 +24772,7 @@
               </a:rPr>
               <a:t>Step 1</a:t>
             </a:r>
-            <a:endParaRPr lang="iw-IL" sz="1000" b="0" i="0" u="none" strike="noStrike" cap="none" dirty="0">
+            <a:endParaRPr lang="x-none" sz="1000" b="0" i="0" u="none" strike="noStrike" cap="none" dirty="0">
               <a:solidFill>
                 <a:srgbClr val="434343"/>
               </a:solidFill>
@@ -24720,7 +24853,7 @@
               </a:rPr>
               <a:t>of vehicles</a:t>
             </a:r>
-            <a:endParaRPr lang="iw-IL" sz="1050" b="0" i="0" u="none" strike="noStrike" cap="none" dirty="0">
+            <a:endParaRPr lang="x-none" sz="1050" b="0" i="0" u="none" strike="noStrike" cap="none" dirty="0">
               <a:solidFill>
                 <a:srgbClr val="434343"/>
               </a:solidFill>
@@ -24778,7 +24911,7 @@
               </a:rPr>
               <a:t>Step 2</a:t>
             </a:r>
-            <a:endParaRPr lang="iw-IL" sz="1000" dirty="0">
+            <a:endParaRPr lang="x-none" sz="1000" dirty="0">
               <a:solidFill>
                 <a:srgbClr val="434343"/>
               </a:solidFill>
@@ -24825,7 +24958,7 @@
               <a:buSzPts val="900"/>
             </a:pPr>
             <a:r>
-              <a:rPr lang="en-US" sz="1200" dirty="0">
+              <a:rPr lang="en-US" sz="1200" dirty="0" smtClean="0">
                 <a:solidFill>
                   <a:srgbClr val="434343"/>
                 </a:solidFill>
@@ -24834,32 +24967,9 @@
                 <a:cs typeface="Raleway Light"/>
                 <a:sym typeface="Raleway Light"/>
               </a:rPr>
-              <a:t>Choose frequency</a:t>
+              <a:t>Frequency is Binomial Distributed</a:t>
             </a:r>
-          </a:p>
-          <a:p>
-            <a:pPr lvl="0" indent="-57150" algn="ctr">
-              <a:lnSpc>
-                <a:spcPct val="115000"/>
-              </a:lnSpc>
-              <a:buClr>
-                <a:srgbClr val="434343"/>
-              </a:buClr>
-              <a:buSzPts val="900"/>
-            </a:pPr>
-            <a:r>
-              <a:rPr lang="en-US" sz="1200" dirty="0">
-                <a:solidFill>
-                  <a:srgbClr val="434343"/>
-                </a:solidFill>
-                <a:latin typeface="Raleway Light"/>
-                <a:ea typeface="Raleway Light"/>
-                <a:cs typeface="Raleway Light"/>
-                <a:sym typeface="Raleway Light"/>
-              </a:rPr>
-              <a:t>of the vehicles</a:t>
-            </a:r>
-            <a:endParaRPr lang="iw-IL" sz="1050" dirty="0">
+            <a:endParaRPr lang="x-none" sz="1050" dirty="0">
               <a:solidFill>
                 <a:srgbClr val="434343"/>
               </a:solidFill>
@@ -24977,7 +25087,7 @@
               </a:rPr>
               <a:t>Step 3</a:t>
             </a:r>
-            <a:endParaRPr lang="iw-IL" sz="1000" dirty="0">
+            <a:endParaRPr lang="x-none" sz="1000" dirty="0">
               <a:solidFill>
                 <a:srgbClr val="434343"/>
               </a:solidFill>
@@ -25035,7 +25145,7 @@
               </a:rPr>
               <a:t>Randomly choose initial and final coordinates for each vehicle</a:t>
             </a:r>
-            <a:endParaRPr lang="iw-IL" sz="1050" dirty="0">
+            <a:endParaRPr lang="x-none" sz="1050" dirty="0">
               <a:solidFill>
                 <a:srgbClr val="434343"/>
               </a:solidFill>
@@ -25153,7 +25263,7 @@
               </a:rPr>
               <a:t>Step 4</a:t>
             </a:r>
-            <a:endParaRPr lang="iw-IL" sz="1000" dirty="0">
+            <a:endParaRPr lang="x-none" sz="1000" dirty="0">
               <a:solidFill>
                 <a:srgbClr val="434343"/>
               </a:solidFill>
@@ -25211,7 +25321,7 @@
               </a:rPr>
               <a:t>Run a shortest path algorithm</a:t>
             </a:r>
-            <a:endParaRPr lang="iw-IL" sz="1200" b="0" i="0" u="none" strike="noStrike" cap="none" dirty="0">
+            <a:endParaRPr lang="x-none" sz="1200" b="0" i="0" u="none" strike="noStrike" cap="none" dirty="0">
               <a:solidFill>
                 <a:srgbClr val="434343"/>
               </a:solidFill>
@@ -27000,7 +27110,7 @@
               <a:buNone/>
             </a:pPr>
             <a:r>
-              <a:rPr lang="iw-IL" sz="1600" b="1" i="0" u="none" strike="noStrike" cap="none">
+              <a:rPr lang="x-none" sz="1600" b="1" i="0" u="none" strike="noStrike" cap="none">
                 <a:solidFill>
                   <a:srgbClr val="434343"/>
                 </a:solidFill>
@@ -27057,7 +27167,7 @@
               <a:buNone/>
             </a:pPr>
             <a:r>
-              <a:rPr lang="iw-IL" sz="1600" b="1" i="0" u="none" strike="noStrike" cap="none">
+              <a:rPr lang="x-none" sz="1600" b="1" i="0" u="none" strike="noStrike" cap="none">
                 <a:solidFill>
                   <a:srgbClr val="434343"/>
                 </a:solidFill>
@@ -27114,7 +27224,7 @@
               <a:buNone/>
             </a:pPr>
             <a:r>
-              <a:rPr lang="iw-IL" sz="1600" b="1" i="0" u="none" strike="noStrike" cap="none">
+              <a:rPr lang="x-none" sz="1600" b="1" i="0" u="none" strike="noStrike" cap="none">
                 <a:solidFill>
                   <a:srgbClr val="434343"/>
                 </a:solidFill>
@@ -29553,7 +29663,7 @@
           <p:cNvPr id="31" name="Shape 116">
             <a:extLst>
               <a:ext uri="{FF2B5EF4-FFF2-40B4-BE49-F238E27FC236}">
-                <a16:creationId xmlns:a16="http://schemas.microsoft.com/office/drawing/2014/main" id="{CD1A8997-0FA3-4DF7-95CA-B6EE25833697}"/>
+                <a16:creationId xmlns="" xmlns:a16="http://schemas.microsoft.com/office/drawing/2014/main" id="{CD1A8997-0FA3-4DF7-95CA-B6EE25833697}"/>
               </a:ext>
             </a:extLst>
           </p:cNvPr>
@@ -29617,7 +29727,7 @@
           <p:cNvPr id="5" name="תמונה 4">
             <a:extLst>
               <a:ext uri="{FF2B5EF4-FFF2-40B4-BE49-F238E27FC236}">
-                <a16:creationId xmlns:a16="http://schemas.microsoft.com/office/drawing/2014/main" id="{757BFCD0-6960-4675-94DD-3677D839F616}"/>
+                <a16:creationId xmlns="" xmlns:a16="http://schemas.microsoft.com/office/drawing/2014/main" id="{757BFCD0-6960-4675-94DD-3677D839F616}"/>
               </a:ext>
             </a:extLst>
           </p:cNvPr>
@@ -29647,7 +29757,7 @@
           <p:cNvPr id="34" name="Shape 120">
             <a:extLst>
               <a:ext uri="{FF2B5EF4-FFF2-40B4-BE49-F238E27FC236}">
-                <a16:creationId xmlns:a16="http://schemas.microsoft.com/office/drawing/2014/main" id="{B958C57A-C8F4-4189-ACD6-75B52A688F40}"/>
+                <a16:creationId xmlns="" xmlns:a16="http://schemas.microsoft.com/office/drawing/2014/main" id="{B958C57A-C8F4-4189-ACD6-75B52A688F40}"/>
               </a:ext>
             </a:extLst>
           </p:cNvPr>
@@ -29705,7 +29815,7 @@
           <p:cNvPr id="37" name="Shape 120">
             <a:extLst>
               <a:ext uri="{FF2B5EF4-FFF2-40B4-BE49-F238E27FC236}">
-                <a16:creationId xmlns:a16="http://schemas.microsoft.com/office/drawing/2014/main" id="{FA95ABE2-5FF9-4F54-8114-69ED88A5ED33}"/>
+                <a16:creationId xmlns="" xmlns:a16="http://schemas.microsoft.com/office/drawing/2014/main" id="{FA95ABE2-5FF9-4F54-8114-69ED88A5ED33}"/>
               </a:ext>
             </a:extLst>
           </p:cNvPr>
@@ -29763,7 +29873,7 @@
           <p:cNvPr id="40" name="Shape 120">
             <a:extLst>
               <a:ext uri="{FF2B5EF4-FFF2-40B4-BE49-F238E27FC236}">
-                <a16:creationId xmlns:a16="http://schemas.microsoft.com/office/drawing/2014/main" id="{823A9358-EF57-4663-B872-8FCD4A5FD4D5}"/>
+                <a16:creationId xmlns="" xmlns:a16="http://schemas.microsoft.com/office/drawing/2014/main" id="{823A9358-EF57-4663-B872-8FCD4A5FD4D5}"/>
               </a:ext>
             </a:extLst>
           </p:cNvPr>
@@ -29821,7 +29931,7 @@
           <p:cNvPr id="9" name="תמונה 8">
             <a:extLst>
               <a:ext uri="{FF2B5EF4-FFF2-40B4-BE49-F238E27FC236}">
-                <a16:creationId xmlns:a16="http://schemas.microsoft.com/office/drawing/2014/main" id="{8202CC8C-31D7-4DC6-9D77-174051F8D3E7}"/>
+                <a16:creationId xmlns="" xmlns:a16="http://schemas.microsoft.com/office/drawing/2014/main" id="{8202CC8C-31D7-4DC6-9D77-174051F8D3E7}"/>
               </a:ext>
             </a:extLst>
           </p:cNvPr>
@@ -29851,7 +29961,7 @@
           <p:cNvPr id="10" name="תמונה 9">
             <a:extLst>
               <a:ext uri="{FF2B5EF4-FFF2-40B4-BE49-F238E27FC236}">
-                <a16:creationId xmlns:a16="http://schemas.microsoft.com/office/drawing/2014/main" id="{4BD19B01-692C-4109-B1CD-C11BC8B0C08F}"/>
+                <a16:creationId xmlns="" xmlns:a16="http://schemas.microsoft.com/office/drawing/2014/main" id="{4BD19B01-692C-4109-B1CD-C11BC8B0C08F}"/>
               </a:ext>
             </a:extLst>
           </p:cNvPr>

--- a/materials/endOfSemseter.pptx
+++ b/materials/endOfSemseter.pptx
@@ -6595,7 +6595,7 @@
           <p:cNvPr id="3" name="תמונה 2">
             <a:extLst>
               <a:ext uri="{FF2B5EF4-FFF2-40B4-BE49-F238E27FC236}">
-                <a16:creationId xmlns="" xmlns:a16="http://schemas.microsoft.com/office/drawing/2014/main" id="{A411248A-21F4-405E-8A65-9FCA8ECC0744}"/>
+                <a16:creationId xmlns:a16="http://schemas.microsoft.com/office/drawing/2014/main" xmlns="" id="{A411248A-21F4-405E-8A65-9FCA8ECC0744}"/>
               </a:ext>
             </a:extLst>
           </p:cNvPr>
@@ -7644,7 +7644,7 @@
           <p:cNvPr id="11" name="Shape 120">
             <a:extLst>
               <a:ext uri="{FF2B5EF4-FFF2-40B4-BE49-F238E27FC236}">
-                <a16:creationId xmlns="" xmlns:a16="http://schemas.microsoft.com/office/drawing/2014/main" id="{7D209ED9-458B-43E3-9607-2EAA917A8C69}"/>
+                <a16:creationId xmlns:a16="http://schemas.microsoft.com/office/drawing/2014/main" xmlns="" id="{7D209ED9-458B-43E3-9607-2EAA917A8C69}"/>
               </a:ext>
             </a:extLst>
           </p:cNvPr>
@@ -7688,7 +7688,7 @@
           <p:cNvPr id="12" name="Shape 120">
             <a:extLst>
               <a:ext uri="{FF2B5EF4-FFF2-40B4-BE49-F238E27FC236}">
-                <a16:creationId xmlns="" xmlns:a16="http://schemas.microsoft.com/office/drawing/2014/main" id="{414827B1-50B4-4198-9F8D-5C7BF93CCB18}"/>
+                <a16:creationId xmlns:a16="http://schemas.microsoft.com/office/drawing/2014/main" xmlns="" id="{414827B1-50B4-4198-9F8D-5C7BF93CCB18}"/>
               </a:ext>
             </a:extLst>
           </p:cNvPr>
@@ -7732,7 +7732,7 @@
           <p:cNvPr id="13" name="Shape 120">
             <a:extLst>
               <a:ext uri="{FF2B5EF4-FFF2-40B4-BE49-F238E27FC236}">
-                <a16:creationId xmlns="" xmlns:a16="http://schemas.microsoft.com/office/drawing/2014/main" id="{A592296E-6C58-4A54-93C9-42E7F960DA6C}"/>
+                <a16:creationId xmlns:a16="http://schemas.microsoft.com/office/drawing/2014/main" xmlns="" id="{A592296E-6C58-4A54-93C9-42E7F960DA6C}"/>
               </a:ext>
             </a:extLst>
           </p:cNvPr>
@@ -7776,7 +7776,7 @@
           <p:cNvPr id="14" name="Shape 120">
             <a:extLst>
               <a:ext uri="{FF2B5EF4-FFF2-40B4-BE49-F238E27FC236}">
-                <a16:creationId xmlns="" xmlns:a16="http://schemas.microsoft.com/office/drawing/2014/main" id="{D636E29E-4D07-4161-ABC9-681FB318A520}"/>
+                <a16:creationId xmlns:a16="http://schemas.microsoft.com/office/drawing/2014/main" xmlns="" id="{D636E29E-4D07-4161-ABC9-681FB318A520}"/>
               </a:ext>
             </a:extLst>
           </p:cNvPr>
@@ -7832,7 +7832,7 @@
           <p:cNvPr id="5" name="תמונה 4">
             <a:extLst>
               <a:ext uri="{FF2B5EF4-FFF2-40B4-BE49-F238E27FC236}">
-                <a16:creationId xmlns="" xmlns:a16="http://schemas.microsoft.com/office/drawing/2014/main" id="{941C507B-7A97-4925-95E9-08591644082A}"/>
+                <a16:creationId xmlns:a16="http://schemas.microsoft.com/office/drawing/2014/main" xmlns="" id="{941C507B-7A97-4925-95E9-08591644082A}"/>
               </a:ext>
             </a:extLst>
           </p:cNvPr>
@@ -7862,7 +7862,7 @@
           <p:cNvPr id="7" name="תמונה 6">
             <a:extLst>
               <a:ext uri="{FF2B5EF4-FFF2-40B4-BE49-F238E27FC236}">
-                <a16:creationId xmlns="" xmlns:a16="http://schemas.microsoft.com/office/drawing/2014/main" id="{71D52B29-30E6-4A4D-A5C4-24860AC34571}"/>
+                <a16:creationId xmlns:a16="http://schemas.microsoft.com/office/drawing/2014/main" xmlns="" id="{71D52B29-30E6-4A4D-A5C4-24860AC34571}"/>
               </a:ext>
             </a:extLst>
           </p:cNvPr>
@@ -7892,7 +7892,7 @@
           <p:cNvPr id="9" name="תמונה 8">
             <a:extLst>
               <a:ext uri="{FF2B5EF4-FFF2-40B4-BE49-F238E27FC236}">
-                <a16:creationId xmlns="" xmlns:a16="http://schemas.microsoft.com/office/drawing/2014/main" id="{2306EFAE-3D4D-4D0A-8E1E-0461AE026C0A}"/>
+                <a16:creationId xmlns:a16="http://schemas.microsoft.com/office/drawing/2014/main" xmlns="" id="{2306EFAE-3D4D-4D0A-8E1E-0461AE026C0A}"/>
               </a:ext>
             </a:extLst>
           </p:cNvPr>
@@ -7922,7 +7922,7 @@
           <p:cNvPr id="15" name="תמונה 14">
             <a:extLst>
               <a:ext uri="{FF2B5EF4-FFF2-40B4-BE49-F238E27FC236}">
-                <a16:creationId xmlns="" xmlns:a16="http://schemas.microsoft.com/office/drawing/2014/main" id="{50BD4322-062D-4938-BD46-6BFC0E980DA8}"/>
+                <a16:creationId xmlns:a16="http://schemas.microsoft.com/office/drawing/2014/main" xmlns="" id="{50BD4322-062D-4938-BD46-6BFC0E980DA8}"/>
               </a:ext>
             </a:extLst>
           </p:cNvPr>
@@ -7952,7 +7952,7 @@
           <p:cNvPr id="19" name="Shape 120">
             <a:extLst>
               <a:ext uri="{FF2B5EF4-FFF2-40B4-BE49-F238E27FC236}">
-                <a16:creationId xmlns="" xmlns:a16="http://schemas.microsoft.com/office/drawing/2014/main" id="{382294A2-A1D8-473D-938A-B19C67B1592B}"/>
+                <a16:creationId xmlns:a16="http://schemas.microsoft.com/office/drawing/2014/main" xmlns="" id="{382294A2-A1D8-473D-938A-B19C67B1592B}"/>
               </a:ext>
             </a:extLst>
           </p:cNvPr>
@@ -7996,7 +7996,7 @@
           <p:cNvPr id="4" name="תמונה 3">
             <a:extLst>
               <a:ext uri="{FF2B5EF4-FFF2-40B4-BE49-F238E27FC236}">
-                <a16:creationId xmlns="" xmlns:a16="http://schemas.microsoft.com/office/drawing/2014/main" id="{2CEDEB26-2760-4E30-A38C-7666CDCE6F95}"/>
+                <a16:creationId xmlns:a16="http://schemas.microsoft.com/office/drawing/2014/main" xmlns="" id="{2CEDEB26-2760-4E30-A38C-7666CDCE6F95}"/>
               </a:ext>
             </a:extLst>
           </p:cNvPr>
@@ -9437,7 +9437,7 @@
           <p:cNvPr id="12" name="Shape 120">
             <a:extLst>
               <a:ext uri="{FF2B5EF4-FFF2-40B4-BE49-F238E27FC236}">
-                <a16:creationId xmlns="" xmlns:a16="http://schemas.microsoft.com/office/drawing/2014/main" id="{59E79919-20C2-4F15-B0BC-F1E20DA1E04A}"/>
+                <a16:creationId xmlns:a16="http://schemas.microsoft.com/office/drawing/2014/main" xmlns="" id="{59E79919-20C2-4F15-B0BC-F1E20DA1E04A}"/>
               </a:ext>
             </a:extLst>
           </p:cNvPr>
@@ -9481,7 +9481,7 @@
           <p:cNvPr id="13" name="Shape 120">
             <a:extLst>
               <a:ext uri="{FF2B5EF4-FFF2-40B4-BE49-F238E27FC236}">
-                <a16:creationId xmlns="" xmlns:a16="http://schemas.microsoft.com/office/drawing/2014/main" id="{57BB212C-B343-44F9-A16C-DD2ADB1B6278}"/>
+                <a16:creationId xmlns:a16="http://schemas.microsoft.com/office/drawing/2014/main" xmlns="" id="{57BB212C-B343-44F9-A16C-DD2ADB1B6278}"/>
               </a:ext>
             </a:extLst>
           </p:cNvPr>
@@ -9525,7 +9525,7 @@
           <p:cNvPr id="14" name="Shape 120">
             <a:extLst>
               <a:ext uri="{FF2B5EF4-FFF2-40B4-BE49-F238E27FC236}">
-                <a16:creationId xmlns="" xmlns:a16="http://schemas.microsoft.com/office/drawing/2014/main" id="{20ABB0CE-E571-4590-BC9D-7AC8CE71B917}"/>
+                <a16:creationId xmlns:a16="http://schemas.microsoft.com/office/drawing/2014/main" xmlns="" id="{20ABB0CE-E571-4590-BC9D-7AC8CE71B917}"/>
               </a:ext>
             </a:extLst>
           </p:cNvPr>
@@ -9583,7 +9583,7 @@
           <p:cNvPr id="15" name="תמונה 14">
             <a:extLst>
               <a:ext uri="{FF2B5EF4-FFF2-40B4-BE49-F238E27FC236}">
-                <a16:creationId xmlns="" xmlns:a16="http://schemas.microsoft.com/office/drawing/2014/main" id="{D3228186-A14B-4104-B005-7591EAD2A6C5}"/>
+                <a16:creationId xmlns:a16="http://schemas.microsoft.com/office/drawing/2014/main" xmlns="" id="{D3228186-A14B-4104-B005-7591EAD2A6C5}"/>
               </a:ext>
             </a:extLst>
           </p:cNvPr>
@@ -9613,7 +9613,7 @@
           <p:cNvPr id="5" name="תמונה 4">
             <a:extLst>
               <a:ext uri="{FF2B5EF4-FFF2-40B4-BE49-F238E27FC236}">
-                <a16:creationId xmlns="" xmlns:a16="http://schemas.microsoft.com/office/drawing/2014/main" id="{455C4DFB-4624-4F7F-B920-8FC2BD692A04}"/>
+                <a16:creationId xmlns:a16="http://schemas.microsoft.com/office/drawing/2014/main" xmlns="" id="{455C4DFB-4624-4F7F-B920-8FC2BD692A04}"/>
               </a:ext>
             </a:extLst>
           </p:cNvPr>
@@ -9643,7 +9643,7 @@
           <p:cNvPr id="7" name="תמונה 6">
             <a:extLst>
               <a:ext uri="{FF2B5EF4-FFF2-40B4-BE49-F238E27FC236}">
-                <a16:creationId xmlns="" xmlns:a16="http://schemas.microsoft.com/office/drawing/2014/main" id="{19D223FB-70B5-41F0-9E0D-CAB9A9CEBACA}"/>
+                <a16:creationId xmlns:a16="http://schemas.microsoft.com/office/drawing/2014/main" xmlns="" id="{19D223FB-70B5-41F0-9E0D-CAB9A9CEBACA}"/>
               </a:ext>
             </a:extLst>
           </p:cNvPr>
@@ -12862,7 +12862,7 @@
           <p:cNvPr id="28" name="תמונה 4">
             <a:extLst>
               <a:ext uri="{FF2B5EF4-FFF2-40B4-BE49-F238E27FC236}">
-                <a16:creationId xmlns="" xmlns:a16="http://schemas.microsoft.com/office/drawing/2014/main" id="{FB66E08C-5DC0-4ABD-B0A6-5FB13E986FD9}"/>
+                <a16:creationId xmlns:a16="http://schemas.microsoft.com/office/drawing/2014/main" xmlns="" id="{FB66E08C-5DC0-4ABD-B0A6-5FB13E986FD9}"/>
               </a:ext>
             </a:extLst>
           </p:cNvPr>
@@ -12920,7 +12920,7 @@
           <p:cNvPr id="15" name="תמונה 14">
             <a:extLst>
               <a:ext uri="{FF2B5EF4-FFF2-40B4-BE49-F238E27FC236}">
-                <a16:creationId xmlns="" xmlns:a16="http://schemas.microsoft.com/office/drawing/2014/main" id="{217F2B99-A964-403F-BAC0-82354EEA57DD}"/>
+                <a16:creationId xmlns:a16="http://schemas.microsoft.com/office/drawing/2014/main" xmlns="" id="{217F2B99-A964-403F-BAC0-82354EEA57DD}"/>
               </a:ext>
             </a:extLst>
           </p:cNvPr>
@@ -12971,7 +12971,7 @@
           <p:cNvPr id="13" name="תמונה 12">
             <a:extLst>
               <a:ext uri="{FF2B5EF4-FFF2-40B4-BE49-F238E27FC236}">
-                <a16:creationId xmlns="" xmlns:a16="http://schemas.microsoft.com/office/drawing/2014/main" id="{B0549EAA-6F9B-42F0-BC42-ABD8BB98F11C}"/>
+                <a16:creationId xmlns:a16="http://schemas.microsoft.com/office/drawing/2014/main" xmlns="" id="{B0549EAA-6F9B-42F0-BC42-ABD8BB98F11C}"/>
               </a:ext>
             </a:extLst>
           </p:cNvPr>
@@ -13029,7 +13029,7 @@
           <p:cNvPr id="11" name="תמונה 10">
             <a:extLst>
               <a:ext uri="{FF2B5EF4-FFF2-40B4-BE49-F238E27FC236}">
-                <a16:creationId xmlns="" xmlns:a16="http://schemas.microsoft.com/office/drawing/2014/main" id="{B959F5C2-0943-4036-852D-319C2F9652D6}"/>
+                <a16:creationId xmlns:a16="http://schemas.microsoft.com/office/drawing/2014/main" xmlns="" id="{B959F5C2-0943-4036-852D-319C2F9652D6}"/>
               </a:ext>
             </a:extLst>
           </p:cNvPr>
@@ -13080,7 +13080,7 @@
           <p:cNvPr id="9" name="תמונה 8">
             <a:extLst>
               <a:ext uri="{FF2B5EF4-FFF2-40B4-BE49-F238E27FC236}">
-                <a16:creationId xmlns="" xmlns:a16="http://schemas.microsoft.com/office/drawing/2014/main" id="{7C78317B-6461-485D-ACB7-9F6D86FFB6BF}"/>
+                <a16:creationId xmlns:a16="http://schemas.microsoft.com/office/drawing/2014/main" xmlns="" id="{7C78317B-6461-485D-ACB7-9F6D86FFB6BF}"/>
               </a:ext>
             </a:extLst>
           </p:cNvPr>
@@ -13131,7 +13131,7 @@
           <p:cNvPr id="5" name="תמונה 4">
             <a:extLst>
               <a:ext uri="{FF2B5EF4-FFF2-40B4-BE49-F238E27FC236}">
-                <a16:creationId xmlns="" xmlns:a16="http://schemas.microsoft.com/office/drawing/2014/main" id="{8E0D8C80-BA63-472B-BC85-0AF1E159B30D}"/>
+                <a16:creationId xmlns:a16="http://schemas.microsoft.com/office/drawing/2014/main" xmlns="" id="{8E0D8C80-BA63-472B-BC85-0AF1E159B30D}"/>
               </a:ext>
             </a:extLst>
           </p:cNvPr>
@@ -13182,7 +13182,7 @@
           <p:cNvPr id="3" name="תמונה 2">
             <a:extLst>
               <a:ext uri="{FF2B5EF4-FFF2-40B4-BE49-F238E27FC236}">
-                <a16:creationId xmlns="" xmlns:a16="http://schemas.microsoft.com/office/drawing/2014/main" id="{3F9781C7-2D6C-4E8A-9CEC-D2516FA85FC2}"/>
+                <a16:creationId xmlns:a16="http://schemas.microsoft.com/office/drawing/2014/main" xmlns="" id="{3F9781C7-2D6C-4E8A-9CEC-D2516FA85FC2}"/>
               </a:ext>
             </a:extLst>
           </p:cNvPr>
@@ -15662,7 +15662,7 @@
           <p:cNvPr id="26" name="Shape 78">
             <a:extLst>
               <a:ext uri="{FF2B5EF4-FFF2-40B4-BE49-F238E27FC236}">
-                <a16:creationId xmlns="" xmlns:a16="http://schemas.microsoft.com/office/drawing/2014/main" id="{F16C477C-8D57-48FB-BDC2-96EF0462CFEA}"/>
+                <a16:creationId xmlns:a16="http://schemas.microsoft.com/office/drawing/2014/main" xmlns="" id="{F16C477C-8D57-48FB-BDC2-96EF0462CFEA}"/>
               </a:ext>
             </a:extLst>
           </p:cNvPr>
@@ -15728,7 +15728,7 @@
           <p:cNvPr id="27" name="Shape 79">
             <a:extLst>
               <a:ext uri="{FF2B5EF4-FFF2-40B4-BE49-F238E27FC236}">
-                <a16:creationId xmlns="" xmlns:a16="http://schemas.microsoft.com/office/drawing/2014/main" id="{FA83FC01-AC62-4B6A-B9E7-0122CEDD05DB}"/>
+                <a16:creationId xmlns:a16="http://schemas.microsoft.com/office/drawing/2014/main" xmlns="" id="{FA83FC01-AC62-4B6A-B9E7-0122CEDD05DB}"/>
               </a:ext>
             </a:extLst>
           </p:cNvPr>
@@ -15962,7 +15962,7 @@
           <p:cNvPr id="3" name="תמונה 2">
             <a:extLst>
               <a:ext uri="{FF2B5EF4-FFF2-40B4-BE49-F238E27FC236}">
-                <a16:creationId xmlns="" xmlns:a16="http://schemas.microsoft.com/office/drawing/2014/main" id="{A411248A-21F4-405E-8A65-9FCA8ECC0744}"/>
+                <a16:creationId xmlns:a16="http://schemas.microsoft.com/office/drawing/2014/main" xmlns="" id="{A411248A-21F4-405E-8A65-9FCA8ECC0744}"/>
               </a:ext>
             </a:extLst>
           </p:cNvPr>
@@ -15992,7 +15992,7 @@
           <p:cNvPr id="10" name="Shape 104">
             <a:extLst>
               <a:ext uri="{FF2B5EF4-FFF2-40B4-BE49-F238E27FC236}">
-                <a16:creationId xmlns="" xmlns:a16="http://schemas.microsoft.com/office/drawing/2014/main" id="{82FBC332-790B-4DC7-9355-E01A91F5F023}"/>
+                <a16:creationId xmlns:a16="http://schemas.microsoft.com/office/drawing/2014/main" xmlns="" id="{82FBC332-790B-4DC7-9355-E01A91F5F023}"/>
               </a:ext>
             </a:extLst>
           </p:cNvPr>
@@ -16254,7 +16254,7 @@
           <p:cNvPr id="11" name="Shape 104">
             <a:extLst>
               <a:ext uri="{FF2B5EF4-FFF2-40B4-BE49-F238E27FC236}">
-                <a16:creationId xmlns="" xmlns:a16="http://schemas.microsoft.com/office/drawing/2014/main" id="{DE6DE8DC-90F6-4E85-BE33-853E748E6601}"/>
+                <a16:creationId xmlns:a16="http://schemas.microsoft.com/office/drawing/2014/main" xmlns="" id="{DE6DE8DC-90F6-4E85-BE33-853E748E6601}"/>
               </a:ext>
             </a:extLst>
           </p:cNvPr>
@@ -16525,7 +16525,7 @@
           <p:cNvPr id="8" name="תמונה 7" descr="תמונה שמכילה אובייקט&#10;&#10;תיאור שנוצר ברמת מהימנות גבוהה">
             <a:extLst>
               <a:ext uri="{FF2B5EF4-FFF2-40B4-BE49-F238E27FC236}">
-                <a16:creationId xmlns="" xmlns:a16="http://schemas.microsoft.com/office/drawing/2014/main" id="{6CC9618B-BA71-4E08-9BF5-9E0744848BF4}"/>
+                <a16:creationId xmlns:a16="http://schemas.microsoft.com/office/drawing/2014/main" xmlns="" id="{6CC9618B-BA71-4E08-9BF5-9E0744848BF4}"/>
               </a:ext>
             </a:extLst>
           </p:cNvPr>
@@ -19846,7 +19846,7 @@
           <p:cNvPr id="31" name="Shape 608">
             <a:extLst>
               <a:ext uri="{FF2B5EF4-FFF2-40B4-BE49-F238E27FC236}">
-                <a16:creationId xmlns="" xmlns:a16="http://schemas.microsoft.com/office/drawing/2014/main" id="{3C3406CB-9710-4324-9594-F6D9E6E4B494}"/>
+                <a16:creationId xmlns:a16="http://schemas.microsoft.com/office/drawing/2014/main" xmlns="" id="{3C3406CB-9710-4324-9594-F6D9E6E4B494}"/>
               </a:ext>
             </a:extLst>
           </p:cNvPr>
@@ -19866,7 +19866,7 @@
             <p:cNvPr id="32" name="Shape 609">
               <a:extLst>
                 <a:ext uri="{FF2B5EF4-FFF2-40B4-BE49-F238E27FC236}">
-                  <a16:creationId xmlns="" xmlns:a16="http://schemas.microsoft.com/office/drawing/2014/main" id="{D900634C-2D87-4E40-ADCD-777A4BC6A6FD}"/>
+                  <a16:creationId xmlns:a16="http://schemas.microsoft.com/office/drawing/2014/main" xmlns="" id="{D900634C-2D87-4E40-ADCD-777A4BC6A6FD}"/>
                 </a:ext>
               </a:extLst>
             </p:cNvPr>
@@ -19935,7 +19935,7 @@
             <p:cNvPr id="33" name="Shape 610">
               <a:extLst>
                 <a:ext uri="{FF2B5EF4-FFF2-40B4-BE49-F238E27FC236}">
-                  <a16:creationId xmlns="" xmlns:a16="http://schemas.microsoft.com/office/drawing/2014/main" id="{B1A786AC-B994-4262-A337-76A137C7A193}"/>
+                  <a16:creationId xmlns:a16="http://schemas.microsoft.com/office/drawing/2014/main" xmlns="" id="{B1A786AC-B994-4262-A337-76A137C7A193}"/>
                 </a:ext>
               </a:extLst>
             </p:cNvPr>
@@ -19997,7 +19997,7 @@
           <p:cNvPr id="30" name="Shape 116">
             <a:extLst>
               <a:ext uri="{FF2B5EF4-FFF2-40B4-BE49-F238E27FC236}">
-                <a16:creationId xmlns="" xmlns:a16="http://schemas.microsoft.com/office/drawing/2014/main" id="{87750F78-A854-42B9-B963-EC0831B63BF4}"/>
+                <a16:creationId xmlns:a16="http://schemas.microsoft.com/office/drawing/2014/main" xmlns="" id="{87750F78-A854-42B9-B963-EC0831B63BF4}"/>
               </a:ext>
             </a:extLst>
           </p:cNvPr>
@@ -21319,7 +21319,7 @@
           <p:cNvPr id="11" name="Shape 89">
             <a:extLst>
               <a:ext uri="{FF2B5EF4-FFF2-40B4-BE49-F238E27FC236}">
-                <a16:creationId xmlns="" xmlns:a16="http://schemas.microsoft.com/office/drawing/2014/main" id="{6812C230-70E4-4B14-8761-2BDD37127534}"/>
+                <a16:creationId xmlns:a16="http://schemas.microsoft.com/office/drawing/2014/main" xmlns="" id="{6812C230-70E4-4B14-8761-2BDD37127534}"/>
               </a:ext>
             </a:extLst>
           </p:cNvPr>
@@ -29663,7 +29663,7 @@
           <p:cNvPr id="31" name="Shape 116">
             <a:extLst>
               <a:ext uri="{FF2B5EF4-FFF2-40B4-BE49-F238E27FC236}">
-                <a16:creationId xmlns="" xmlns:a16="http://schemas.microsoft.com/office/drawing/2014/main" id="{CD1A8997-0FA3-4DF7-95CA-B6EE25833697}"/>
+                <a16:creationId xmlns:a16="http://schemas.microsoft.com/office/drawing/2014/main" xmlns="" id="{CD1A8997-0FA3-4DF7-95CA-B6EE25833697}"/>
               </a:ext>
             </a:extLst>
           </p:cNvPr>
@@ -29727,7 +29727,7 @@
           <p:cNvPr id="5" name="תמונה 4">
             <a:extLst>
               <a:ext uri="{FF2B5EF4-FFF2-40B4-BE49-F238E27FC236}">
-                <a16:creationId xmlns="" xmlns:a16="http://schemas.microsoft.com/office/drawing/2014/main" id="{757BFCD0-6960-4675-94DD-3677D839F616}"/>
+                <a16:creationId xmlns:a16="http://schemas.microsoft.com/office/drawing/2014/main" xmlns="" id="{757BFCD0-6960-4675-94DD-3677D839F616}"/>
               </a:ext>
             </a:extLst>
           </p:cNvPr>
@@ -29757,7 +29757,7 @@
           <p:cNvPr id="34" name="Shape 120">
             <a:extLst>
               <a:ext uri="{FF2B5EF4-FFF2-40B4-BE49-F238E27FC236}">
-                <a16:creationId xmlns="" xmlns:a16="http://schemas.microsoft.com/office/drawing/2014/main" id="{B958C57A-C8F4-4189-ACD6-75B52A688F40}"/>
+                <a16:creationId xmlns:a16="http://schemas.microsoft.com/office/drawing/2014/main" xmlns="" id="{B958C57A-C8F4-4189-ACD6-75B52A688F40}"/>
               </a:ext>
             </a:extLst>
           </p:cNvPr>
@@ -29815,7 +29815,7 @@
           <p:cNvPr id="37" name="Shape 120">
             <a:extLst>
               <a:ext uri="{FF2B5EF4-FFF2-40B4-BE49-F238E27FC236}">
-                <a16:creationId xmlns="" xmlns:a16="http://schemas.microsoft.com/office/drawing/2014/main" id="{FA95ABE2-5FF9-4F54-8114-69ED88A5ED33}"/>
+                <a16:creationId xmlns:a16="http://schemas.microsoft.com/office/drawing/2014/main" xmlns="" id="{FA95ABE2-5FF9-4F54-8114-69ED88A5ED33}"/>
               </a:ext>
             </a:extLst>
           </p:cNvPr>
@@ -29873,7 +29873,7 @@
           <p:cNvPr id="40" name="Shape 120">
             <a:extLst>
               <a:ext uri="{FF2B5EF4-FFF2-40B4-BE49-F238E27FC236}">
-                <a16:creationId xmlns="" xmlns:a16="http://schemas.microsoft.com/office/drawing/2014/main" id="{823A9358-EF57-4663-B872-8FCD4A5FD4D5}"/>
+                <a16:creationId xmlns:a16="http://schemas.microsoft.com/office/drawing/2014/main" xmlns="" id="{823A9358-EF57-4663-B872-8FCD4A5FD4D5}"/>
               </a:ext>
             </a:extLst>
           </p:cNvPr>
@@ -29931,7 +29931,7 @@
           <p:cNvPr id="9" name="תמונה 8">
             <a:extLst>
               <a:ext uri="{FF2B5EF4-FFF2-40B4-BE49-F238E27FC236}">
-                <a16:creationId xmlns="" xmlns:a16="http://schemas.microsoft.com/office/drawing/2014/main" id="{8202CC8C-31D7-4DC6-9D77-174051F8D3E7}"/>
+                <a16:creationId xmlns:a16="http://schemas.microsoft.com/office/drawing/2014/main" xmlns="" id="{8202CC8C-31D7-4DC6-9D77-174051F8D3E7}"/>
               </a:ext>
             </a:extLst>
           </p:cNvPr>
@@ -29961,7 +29961,7 @@
           <p:cNvPr id="10" name="תמונה 9">
             <a:extLst>
               <a:ext uri="{FF2B5EF4-FFF2-40B4-BE49-F238E27FC236}">
-                <a16:creationId xmlns="" xmlns:a16="http://schemas.microsoft.com/office/drawing/2014/main" id="{4BD19B01-692C-4109-B1CD-C11BC8B0C08F}"/>
+                <a16:creationId xmlns:a16="http://schemas.microsoft.com/office/drawing/2014/main" xmlns="" id="{4BD19B01-692C-4109-B1CD-C11BC8B0C08F}"/>
               </a:ext>
             </a:extLst>
           </p:cNvPr>
